--- a/GoMicroUvod.pptx
+++ b/GoMicroUvod.pptx
@@ -5,21 +5,24 @@
     <p:sldMasterId id="2147483648" r:id="rId2"/>
     <p:sldMasterId id="2147483661" r:id="rId3"/>
     <p:sldMasterId id="2147483674" r:id="rId4"/>
+    <p:sldMasterId id="2147483687" r:id="rId5"/>
   </p:sldMasterIdLst>
   <p:notesMasterIdLst>
-    <p:notesMasterId r:id="rId5"/>
+    <p:notesMasterId r:id="rId6"/>
   </p:notesMasterIdLst>
   <p:sldIdLst>
-    <p:sldId id="256" r:id="rId6"/>
-    <p:sldId id="257" r:id="rId7"/>
-    <p:sldId id="258" r:id="rId8"/>
-    <p:sldId id="259" r:id="rId9"/>
-    <p:sldId id="260" r:id="rId10"/>
-    <p:sldId id="261" r:id="rId11"/>
-    <p:sldId id="262" r:id="rId12"/>
-    <p:sldId id="263" r:id="rId13"/>
-    <p:sldId id="264" r:id="rId14"/>
-    <p:sldId id="265" r:id="rId15"/>
+    <p:sldId id="256" r:id="rId7"/>
+    <p:sldId id="257" r:id="rId8"/>
+    <p:sldId id="258" r:id="rId9"/>
+    <p:sldId id="259" r:id="rId10"/>
+    <p:sldId id="260" r:id="rId11"/>
+    <p:sldId id="261" r:id="rId12"/>
+    <p:sldId id="262" r:id="rId13"/>
+    <p:sldId id="263" r:id="rId14"/>
+    <p:sldId id="264" r:id="rId15"/>
+    <p:sldId id="265" r:id="rId16"/>
+    <p:sldId id="266" r:id="rId17"/>
+    <p:sldId id="267" r:id="rId18"/>
   </p:sldIdLst>
   <p:sldSz cx="10077450" cy="7562850"/>
   <p:notesSz cx="7772400" cy="10058400"/>
@@ -45,7 +48,7 @@
       </p:grpSpPr>
       <p:sp>
         <p:nvSpPr>
-          <p:cNvPr id="114" name="PlaceHolder 1"/>
+          <p:cNvPr id="152" name="PlaceHolder 1"/>
           <p:cNvSpPr>
             <a:spLocks noGrp="1"/>
           </p:cNvSpPr>
@@ -69,26 +72,20 @@
           <a:p>
             <a:pPr algn="ctr"/>
             <a:r>
-              <a:rPr b="0" i="1" lang="en-US" sz="4400" spc="-1" strike="noStrike">
-                <a:solidFill>
-                  <a:srgbClr val="ffffff"/>
-                </a:solidFill>
-                <a:latin typeface="Times New Roman"/>
+              <a:rPr b="0" lang="en-US" sz="4400" spc="-1" strike="noStrike">
+                <a:latin typeface="Arial"/>
               </a:rPr>
               <a:t>Click to move the slide</a:t>
             </a:r>
-            <a:endParaRPr b="0" i="1" lang="en-US" sz="4400" spc="-1" strike="noStrike">
-              <a:solidFill>
-                <a:srgbClr val="ffffff"/>
-              </a:solidFill>
-              <a:latin typeface="Times New Roman"/>
-            </a:endParaRPr>
-          </a:p>
-        </p:txBody>
-      </p:sp>
-      <p:sp>
-        <p:nvSpPr>
-          <p:cNvPr id="115" name="PlaceHolder 2"/>
+            <a:endParaRPr b="0" lang="en-US" sz="4400" spc="-1" strike="noStrike">
+              <a:latin typeface="Arial"/>
+            </a:endParaRPr>
+          </a:p>
+        </p:txBody>
+      </p:sp>
+      <p:sp>
+        <p:nvSpPr>
+          <p:cNvPr id="153" name="PlaceHolder 2"/>
           <p:cNvSpPr>
             <a:spLocks noGrp="1"/>
           </p:cNvSpPr>
@@ -124,7 +121,7 @@
       </p:sp>
       <p:sp>
         <p:nvSpPr>
-          <p:cNvPr id="116" name="PlaceHolder 3"/>
+          <p:cNvPr id="154" name="PlaceHolder 3"/>
           <p:cNvSpPr>
             <a:spLocks noGrp="1"/>
           </p:cNvSpPr>
@@ -160,7 +157,7 @@
       </p:sp>
       <p:sp>
         <p:nvSpPr>
-          <p:cNvPr id="117" name="PlaceHolder 4"/>
+          <p:cNvPr id="155" name="PlaceHolder 4"/>
           <p:cNvSpPr>
             <a:spLocks noGrp="1"/>
           </p:cNvSpPr>
@@ -197,7 +194,7 @@
       </p:sp>
       <p:sp>
         <p:nvSpPr>
-          <p:cNvPr id="118" name="PlaceHolder 5"/>
+          <p:cNvPr id="156" name="PlaceHolder 5"/>
           <p:cNvSpPr>
             <a:spLocks noGrp="1"/>
           </p:cNvSpPr>
@@ -233,7 +230,7 @@
       </p:sp>
       <p:sp>
         <p:nvSpPr>
-          <p:cNvPr id="119" name="PlaceHolder 6"/>
+          <p:cNvPr id="157" name="PlaceHolder 6"/>
           <p:cNvSpPr>
             <a:spLocks noGrp="1"/>
           </p:cNvSpPr>
@@ -256,7 +253,7 @@
           </a:bodyPr>
           <a:p>
             <a:pPr algn="r"/>
-            <a:fld id="{7C4B1849-56D4-402E-8C45-1AFA3160C9B0}" type="slidenum">
+            <a:fld id="{957FF0D0-A2EC-4E73-A649-7D7A359EDE49}" type="slidenum">
               <a:rPr b="0" lang="en-US" sz="1400" spc="-1" strike="noStrike">
                 <a:latin typeface="Times New Roman"/>
               </a:rPr>
@@ -293,7 +290,7 @@
       </p:grpSpPr>
       <p:sp>
         <p:nvSpPr>
-          <p:cNvPr id="139" name="PlaceHolder 1"/>
+          <p:cNvPr id="183" name="PlaceHolder 1"/>
           <p:cNvSpPr>
             <a:spLocks noGrp="1"/>
           </p:cNvSpPr>
@@ -304,16 +301,16 @@
         <p:spPr>
           <a:xfrm>
             <a:off x="1371600" y="764280"/>
-            <a:ext cx="5028120" cy="3771000"/>
-          </a:xfrm>
-          <a:prstGeom prst="rect">
-            <a:avLst/>
-          </a:prstGeom>
-        </p:spPr>
-      </p:sp>
-      <p:sp>
-        <p:nvSpPr>
-          <p:cNvPr id="140" name="PlaceHolder 2"/>
+            <a:ext cx="5026680" cy="3769560"/>
+          </a:xfrm>
+          <a:prstGeom prst="rect">
+            <a:avLst/>
+          </a:prstGeom>
+        </p:spPr>
+      </p:sp>
+      <p:sp>
+        <p:nvSpPr>
+          <p:cNvPr id="184" name="PlaceHolder 2"/>
           <p:cNvSpPr>
             <a:spLocks noGrp="1"/>
           </p:cNvSpPr>
@@ -324,7 +321,7 @@
         <p:spPr>
           <a:xfrm>
             <a:off x="777240" y="4603320"/>
-            <a:ext cx="6217200" cy="5637600"/>
+            <a:ext cx="6215760" cy="5636160"/>
           </a:xfrm>
           <a:prstGeom prst="rect">
             <a:avLst/>
@@ -335,7 +332,7 @@
             <a:noAutofit/>
           </a:bodyPr>
           <a:p>
-            <a:pPr marL="216000" indent="-216000">
+            <a:pPr marL="216000" indent="-214560">
               <a:lnSpc>
                 <a:spcPct val="100000"/>
               </a:lnSpc>
@@ -351,7 +348,7 @@
             </a:endParaRPr>
           </a:p>
           <a:p>
-            <a:pPr marL="216000" indent="-216000">
+            <a:pPr marL="216000" indent="-214560">
               <a:lnSpc>
                 <a:spcPct val="100000"/>
               </a:lnSpc>
@@ -367,7 +364,7 @@
             </a:endParaRPr>
           </a:p>
           <a:p>
-            <a:pPr marL="216000" indent="-216000">
+            <a:pPr marL="216000" indent="-214560">
               <a:lnSpc>
                 <a:spcPct val="100000"/>
               </a:lnSpc>
@@ -383,7 +380,7 @@
             </a:endParaRPr>
           </a:p>
           <a:p>
-            <a:pPr marL="216000" indent="-216000">
+            <a:pPr marL="216000" indent="-214560">
               <a:lnSpc>
                 <a:spcPct val="100000"/>
               </a:lnSpc>
@@ -399,7 +396,7 @@
             </a:endParaRPr>
           </a:p>
           <a:p>
-            <a:pPr marL="216000" indent="-216000">
+            <a:pPr marL="216000" indent="-214560">
               <a:lnSpc>
                 <a:spcPct val="100000"/>
               </a:lnSpc>
@@ -415,7 +412,7 @@
             </a:endParaRPr>
           </a:p>
           <a:p>
-            <a:pPr marL="216000" indent="-216000">
+            <a:pPr marL="216000" indent="-214560">
               <a:lnSpc>
                 <a:spcPct val="100000"/>
               </a:lnSpc>
@@ -431,7 +428,7 @@
             </a:endParaRPr>
           </a:p>
           <a:p>
-            <a:pPr marL="216000" indent="-216000">
+            <a:pPr marL="216000" indent="-214560">
               <a:lnSpc>
                 <a:spcPct val="100000"/>
               </a:lnSpc>
@@ -447,7 +444,7 @@
             </a:endParaRPr>
           </a:p>
           <a:p>
-            <a:pPr marL="216000" indent="-216000">
+            <a:pPr marL="216000" indent="-214560">
               <a:lnSpc>
                 <a:spcPct val="100000"/>
               </a:lnSpc>
@@ -488,7 +485,7 @@
       </p:grpSpPr>
       <p:sp>
         <p:nvSpPr>
-          <p:cNvPr id="141" name="PlaceHolder 1"/>
+          <p:cNvPr id="185" name="PlaceHolder 1"/>
           <p:cNvSpPr>
             <a:spLocks noGrp="1"/>
           </p:cNvSpPr>
@@ -499,16 +496,16 @@
         <p:spPr>
           <a:xfrm>
             <a:off x="1371600" y="764280"/>
-            <a:ext cx="5028120" cy="3771000"/>
-          </a:xfrm>
-          <a:prstGeom prst="rect">
-            <a:avLst/>
-          </a:prstGeom>
-        </p:spPr>
-      </p:sp>
-      <p:sp>
-        <p:nvSpPr>
-          <p:cNvPr id="142" name="PlaceHolder 2"/>
+            <a:ext cx="5026680" cy="3769560"/>
+          </a:xfrm>
+          <a:prstGeom prst="rect">
+            <a:avLst/>
+          </a:prstGeom>
+        </p:spPr>
+      </p:sp>
+      <p:sp>
+        <p:nvSpPr>
+          <p:cNvPr id="186" name="PlaceHolder 2"/>
           <p:cNvSpPr>
             <a:spLocks noGrp="1"/>
           </p:cNvSpPr>
@@ -519,7 +516,7 @@
         <p:spPr>
           <a:xfrm>
             <a:off x="777240" y="4777560"/>
-            <a:ext cx="6217200" cy="4525560"/>
+            <a:ext cx="6215760" cy="4524120"/>
           </a:xfrm>
           <a:prstGeom prst="rect">
             <a:avLst/>
@@ -530,7 +527,7 @@
             <a:noAutofit/>
           </a:bodyPr>
           <a:p>
-            <a:pPr marL="216000" indent="-216000">
+            <a:pPr marL="216000" indent="-214560">
               <a:lnSpc>
                 <a:spcPct val="100000"/>
               </a:lnSpc>
@@ -546,7 +543,7 @@
             </a:endParaRPr>
           </a:p>
           <a:p>
-            <a:pPr marL="216000" indent="-216000">
+            <a:pPr marL="216000" indent="-214560">
               <a:lnSpc>
                 <a:spcPct val="100000"/>
               </a:lnSpc>
@@ -562,7 +559,7 @@
             </a:endParaRPr>
           </a:p>
           <a:p>
-            <a:pPr marL="216000" indent="-216000">
+            <a:pPr marL="216000" indent="-214560">
               <a:lnSpc>
                 <a:spcPct val="100000"/>
               </a:lnSpc>
@@ -578,7 +575,7 @@
             </a:endParaRPr>
           </a:p>
           <a:p>
-            <a:pPr marL="216000" indent="-216000">
+            <a:pPr marL="216000" indent="-214560">
               <a:lnSpc>
                 <a:spcPct val="100000"/>
               </a:lnSpc>
@@ -594,7 +591,7 @@
             </a:endParaRPr>
           </a:p>
           <a:p>
-            <a:pPr marL="216000" indent="-216000">
+            <a:pPr marL="216000" indent="-214560">
               <a:lnSpc>
                 <a:spcPct val="100000"/>
               </a:lnSpc>
@@ -610,7 +607,7 @@
             </a:endParaRPr>
           </a:p>
           <a:p>
-            <a:pPr marL="216000" indent="-216000">
+            <a:pPr marL="216000" indent="-214560">
               <a:lnSpc>
                 <a:spcPct val="100000"/>
               </a:lnSpc>
@@ -626,7 +623,7 @@
             </a:endParaRPr>
           </a:p>
           <a:p>
-            <a:pPr marL="216000" indent="-216000">
+            <a:pPr marL="216000" indent="-214560">
               <a:lnSpc>
                 <a:spcPct val="100000"/>
               </a:lnSpc>
@@ -642,7 +639,7 @@
             </a:endParaRPr>
           </a:p>
           <a:p>
-            <a:pPr marL="216000" indent="-216000">
+            <a:pPr marL="216000" indent="-214560">
               <a:lnSpc>
                 <a:spcPct val="100000"/>
               </a:lnSpc>
@@ -658,7 +655,7 @@
             </a:endParaRPr>
           </a:p>
           <a:p>
-            <a:pPr marL="216000" indent="-216000">
+            <a:pPr marL="216000" indent="-214560">
               <a:lnSpc>
                 <a:spcPct val="100000"/>
               </a:lnSpc>
@@ -668,7 +665,7 @@
             </a:endParaRPr>
           </a:p>
           <a:p>
-            <a:pPr marL="216000" indent="-216000">
+            <a:pPr marL="216000" indent="-214560">
               <a:lnSpc>
                 <a:spcPct val="100000"/>
               </a:lnSpc>
@@ -684,7 +681,7 @@
             </a:endParaRPr>
           </a:p>
           <a:p>
-            <a:pPr marL="216000" indent="-216000">
+            <a:pPr marL="216000" indent="-214560">
               <a:lnSpc>
                 <a:spcPct val="100000"/>
               </a:lnSpc>
@@ -719,7 +716,7 @@
       </p:grpSpPr>
       <p:sp>
         <p:nvSpPr>
-          <p:cNvPr id="143" name="PlaceHolder 1"/>
+          <p:cNvPr id="187" name="PlaceHolder 1"/>
           <p:cNvSpPr>
             <a:spLocks noGrp="1"/>
           </p:cNvSpPr>
@@ -730,16 +727,16 @@
         <p:spPr>
           <a:xfrm>
             <a:off x="1371600" y="764280"/>
-            <a:ext cx="5028120" cy="3771000"/>
-          </a:xfrm>
-          <a:prstGeom prst="rect">
-            <a:avLst/>
-          </a:prstGeom>
-        </p:spPr>
-      </p:sp>
-      <p:sp>
-        <p:nvSpPr>
-          <p:cNvPr id="144" name="PlaceHolder 2"/>
+            <a:ext cx="5026680" cy="3769560"/>
+          </a:xfrm>
+          <a:prstGeom prst="rect">
+            <a:avLst/>
+          </a:prstGeom>
+        </p:spPr>
+      </p:sp>
+      <p:sp>
+        <p:nvSpPr>
+          <p:cNvPr id="188" name="PlaceHolder 2"/>
           <p:cNvSpPr>
             <a:spLocks noGrp="1"/>
           </p:cNvSpPr>
@@ -750,7 +747,7 @@
         <p:spPr>
           <a:xfrm>
             <a:off x="777240" y="4777560"/>
-            <a:ext cx="6217200" cy="4525560"/>
+            <a:ext cx="6215760" cy="4524120"/>
           </a:xfrm>
           <a:prstGeom prst="rect">
             <a:avLst/>
@@ -761,7 +758,7 @@
             <a:noAutofit/>
           </a:bodyPr>
           <a:p>
-            <a:pPr marL="216000" indent="-216000">
+            <a:pPr marL="216000" indent="-214560">
               <a:lnSpc>
                 <a:spcPct val="100000"/>
               </a:lnSpc>
@@ -777,7 +774,7 @@
             </a:endParaRPr>
           </a:p>
           <a:p>
-            <a:pPr marL="216000" indent="-216000">
+            <a:pPr marL="216000" indent="-214560">
               <a:lnSpc>
                 <a:spcPct val="100000"/>
               </a:lnSpc>
@@ -793,7 +790,7 @@
             </a:endParaRPr>
           </a:p>
           <a:p>
-            <a:pPr marL="216000" indent="-216000">
+            <a:pPr marL="216000" indent="-214560">
               <a:lnSpc>
                 <a:spcPct val="100000"/>
               </a:lnSpc>
@@ -809,7 +806,7 @@
             </a:endParaRPr>
           </a:p>
           <a:p>
-            <a:pPr marL="216000" indent="-216000">
+            <a:pPr marL="216000" indent="-214560">
               <a:lnSpc>
                 <a:spcPct val="100000"/>
               </a:lnSpc>
@@ -825,7 +822,7 @@
             </a:endParaRPr>
           </a:p>
           <a:p>
-            <a:pPr marL="216000" indent="-216000">
+            <a:pPr marL="216000" indent="-214560">
               <a:lnSpc>
                 <a:spcPct val="100000"/>
               </a:lnSpc>
@@ -898,8 +895,8 @@
         </p:nvSpPr>
         <p:spPr>
           <a:xfrm>
-            <a:off x="503640" y="109440"/>
-            <a:ext cx="9067680" cy="1262160"/>
+            <a:off x="503640" y="301680"/>
+            <a:ext cx="9068400" cy="1261800"/>
           </a:xfrm>
           <a:prstGeom prst="rect">
             <a:avLst/>
@@ -911,11 +908,8 @@
           </a:bodyPr>
           <a:p>
             <a:pPr algn="ctr"/>
-            <a:endParaRPr b="0" i="1" lang="en-US" sz="4400" spc="-1" strike="noStrike">
-              <a:solidFill>
-                <a:srgbClr val="ffffff"/>
-              </a:solidFill>
-              <a:latin typeface="Times New Roman"/>
+            <a:endParaRPr b="0" lang="en-US" sz="4400" spc="-1" strike="noStrike">
+              <a:latin typeface="Arial"/>
             </a:endParaRPr>
           </a:p>
         </p:txBody>
@@ -933,7 +927,7 @@
         <p:spPr>
           <a:xfrm>
             <a:off x="503640" y="1769400"/>
-            <a:ext cx="9067680" cy="2091600"/>
+            <a:ext cx="9068400" cy="2091600"/>
           </a:xfrm>
           <a:prstGeom prst="rect">
             <a:avLst/>
@@ -945,7 +939,7 @@
           </a:bodyPr>
           <a:p>
             <a:endParaRPr b="0" lang="en-US" sz="3200" spc="-1" strike="noStrike">
-              <a:latin typeface="Times New Roman"/>
+              <a:latin typeface="Arial"/>
             </a:endParaRPr>
           </a:p>
         </p:txBody>
@@ -963,7 +957,7 @@
         <p:spPr>
           <a:xfrm>
             <a:off x="503640" y="4060080"/>
-            <a:ext cx="9067680" cy="2091600"/>
+            <a:ext cx="9068400" cy="2091600"/>
           </a:xfrm>
           <a:prstGeom prst="rect">
             <a:avLst/>
@@ -975,7 +969,7 @@
           </a:bodyPr>
           <a:p>
             <a:endParaRPr b="0" lang="en-US" sz="3200" spc="-1" strike="noStrike">
-              <a:latin typeface="Times New Roman"/>
+              <a:latin typeface="Arial"/>
             </a:endParaRPr>
           </a:p>
         </p:txBody>
@@ -1014,8 +1008,8 @@
         </p:nvSpPr>
         <p:spPr>
           <a:xfrm>
-            <a:off x="503640" y="109440"/>
-            <a:ext cx="9067680" cy="1262160"/>
+            <a:off x="503640" y="301680"/>
+            <a:ext cx="9068400" cy="1261800"/>
           </a:xfrm>
           <a:prstGeom prst="rect">
             <a:avLst/>
@@ -1027,11 +1021,8 @@
           </a:bodyPr>
           <a:p>
             <a:pPr algn="ctr"/>
-            <a:endParaRPr b="0" i="1" lang="en-US" sz="4400" spc="-1" strike="noStrike">
-              <a:solidFill>
-                <a:srgbClr val="ffffff"/>
-              </a:solidFill>
-              <a:latin typeface="Times New Roman"/>
+            <a:endParaRPr b="0" lang="en-US" sz="4400" spc="-1" strike="noStrike">
+              <a:latin typeface="Arial"/>
             </a:endParaRPr>
           </a:p>
         </p:txBody>
@@ -1049,7 +1040,7 @@
         <p:spPr>
           <a:xfrm>
             <a:off x="503640" y="1769400"/>
-            <a:ext cx="4424760" cy="2091600"/>
+            <a:ext cx="4425120" cy="2091600"/>
           </a:xfrm>
           <a:prstGeom prst="rect">
             <a:avLst/>
@@ -1061,7 +1052,7 @@
           </a:bodyPr>
           <a:p>
             <a:endParaRPr b="0" lang="en-US" sz="3200" spc="-1" strike="noStrike">
-              <a:latin typeface="Times New Roman"/>
+              <a:latin typeface="Arial"/>
             </a:endParaRPr>
           </a:p>
         </p:txBody>
@@ -1078,8 +1069,8 @@
         </p:nvSpPr>
         <p:spPr>
           <a:xfrm>
-            <a:off x="5150160" y="1769400"/>
-            <a:ext cx="4424760" cy="2091600"/>
+            <a:off x="5150520" y="1769400"/>
+            <a:ext cx="4425120" cy="2091600"/>
           </a:xfrm>
           <a:prstGeom prst="rect">
             <a:avLst/>
@@ -1091,7 +1082,7 @@
           </a:bodyPr>
           <a:p>
             <a:endParaRPr b="0" lang="en-US" sz="3200" spc="-1" strike="noStrike">
-              <a:latin typeface="Times New Roman"/>
+              <a:latin typeface="Arial"/>
             </a:endParaRPr>
           </a:p>
         </p:txBody>
@@ -1109,7 +1100,7 @@
         <p:spPr>
           <a:xfrm>
             <a:off x="503640" y="4060080"/>
-            <a:ext cx="4424760" cy="2091600"/>
+            <a:ext cx="4425120" cy="2091600"/>
           </a:xfrm>
           <a:prstGeom prst="rect">
             <a:avLst/>
@@ -1121,7 +1112,7 @@
           </a:bodyPr>
           <a:p>
             <a:endParaRPr b="0" lang="en-US" sz="3200" spc="-1" strike="noStrike">
-              <a:latin typeface="Times New Roman"/>
+              <a:latin typeface="Arial"/>
             </a:endParaRPr>
           </a:p>
         </p:txBody>
@@ -1138,8 +1129,8 @@
         </p:nvSpPr>
         <p:spPr>
           <a:xfrm>
-            <a:off x="5150160" y="4060080"/>
-            <a:ext cx="4424760" cy="2091600"/>
+            <a:off x="5150520" y="4060080"/>
+            <a:ext cx="4425120" cy="2091600"/>
           </a:xfrm>
           <a:prstGeom prst="rect">
             <a:avLst/>
@@ -1151,7 +1142,7 @@
           </a:bodyPr>
           <a:p>
             <a:endParaRPr b="0" lang="en-US" sz="3200" spc="-1" strike="noStrike">
-              <a:latin typeface="Times New Roman"/>
+              <a:latin typeface="Arial"/>
             </a:endParaRPr>
           </a:p>
         </p:txBody>
@@ -1190,8 +1181,8 @@
         </p:nvSpPr>
         <p:spPr>
           <a:xfrm>
-            <a:off x="503640" y="109440"/>
-            <a:ext cx="9067680" cy="1262160"/>
+            <a:off x="503640" y="301680"/>
+            <a:ext cx="9068400" cy="1261800"/>
           </a:xfrm>
           <a:prstGeom prst="rect">
             <a:avLst/>
@@ -1203,11 +1194,8 @@
           </a:bodyPr>
           <a:p>
             <a:pPr algn="ctr"/>
-            <a:endParaRPr b="0" i="1" lang="en-US" sz="4400" spc="-1" strike="noStrike">
-              <a:solidFill>
-                <a:srgbClr val="ffffff"/>
-              </a:solidFill>
-              <a:latin typeface="Times New Roman"/>
+            <a:endParaRPr b="0" lang="en-US" sz="4400" spc="-1" strike="noStrike">
+              <a:latin typeface="Arial"/>
             </a:endParaRPr>
           </a:p>
         </p:txBody>
@@ -1225,7 +1213,7 @@
         <p:spPr>
           <a:xfrm>
             <a:off x="503640" y="1769400"/>
-            <a:ext cx="2919600" cy="2091600"/>
+            <a:ext cx="2919960" cy="2091600"/>
           </a:xfrm>
           <a:prstGeom prst="rect">
             <a:avLst/>
@@ -1237,7 +1225,7 @@
           </a:bodyPr>
           <a:p>
             <a:endParaRPr b="0" lang="en-US" sz="3200" spc="-1" strike="noStrike">
-              <a:latin typeface="Times New Roman"/>
+              <a:latin typeface="Arial"/>
             </a:endParaRPr>
           </a:p>
         </p:txBody>
@@ -1254,8 +1242,8 @@
         </p:nvSpPr>
         <p:spPr>
           <a:xfrm>
-            <a:off x="3569760" y="1769400"/>
-            <a:ext cx="2919600" cy="2091600"/>
+            <a:off x="3570120" y="1769400"/>
+            <a:ext cx="2919960" cy="2091600"/>
           </a:xfrm>
           <a:prstGeom prst="rect">
             <a:avLst/>
@@ -1267,7 +1255,7 @@
           </a:bodyPr>
           <a:p>
             <a:endParaRPr b="0" lang="en-US" sz="3200" spc="-1" strike="noStrike">
-              <a:latin typeface="Times New Roman"/>
+              <a:latin typeface="Arial"/>
             </a:endParaRPr>
           </a:p>
         </p:txBody>
@@ -1284,8 +1272,8 @@
         </p:nvSpPr>
         <p:spPr>
           <a:xfrm>
-            <a:off x="6635520" y="1769400"/>
-            <a:ext cx="2919600" cy="2091600"/>
+            <a:off x="6636240" y="1769400"/>
+            <a:ext cx="2919960" cy="2091600"/>
           </a:xfrm>
           <a:prstGeom prst="rect">
             <a:avLst/>
@@ -1297,7 +1285,7 @@
           </a:bodyPr>
           <a:p>
             <a:endParaRPr b="0" lang="en-US" sz="3200" spc="-1" strike="noStrike">
-              <a:latin typeface="Times New Roman"/>
+              <a:latin typeface="Arial"/>
             </a:endParaRPr>
           </a:p>
         </p:txBody>
@@ -1315,7 +1303,7 @@
         <p:spPr>
           <a:xfrm>
             <a:off x="503640" y="4060080"/>
-            <a:ext cx="2919600" cy="2091600"/>
+            <a:ext cx="2919960" cy="2091600"/>
           </a:xfrm>
           <a:prstGeom prst="rect">
             <a:avLst/>
@@ -1327,7 +1315,7 @@
           </a:bodyPr>
           <a:p>
             <a:endParaRPr b="0" lang="en-US" sz="3200" spc="-1" strike="noStrike">
-              <a:latin typeface="Times New Roman"/>
+              <a:latin typeface="Arial"/>
             </a:endParaRPr>
           </a:p>
         </p:txBody>
@@ -1344,8 +1332,8 @@
         </p:nvSpPr>
         <p:spPr>
           <a:xfrm>
-            <a:off x="3569760" y="4060080"/>
-            <a:ext cx="2919600" cy="2091600"/>
+            <a:off x="3570120" y="4060080"/>
+            <a:ext cx="2919960" cy="2091600"/>
           </a:xfrm>
           <a:prstGeom prst="rect">
             <a:avLst/>
@@ -1357,7 +1345,7 @@
           </a:bodyPr>
           <a:p>
             <a:endParaRPr b="0" lang="en-US" sz="3200" spc="-1" strike="noStrike">
-              <a:latin typeface="Times New Roman"/>
+              <a:latin typeface="Arial"/>
             </a:endParaRPr>
           </a:p>
         </p:txBody>
@@ -1374,8 +1362,8 @@
         </p:nvSpPr>
         <p:spPr>
           <a:xfrm>
-            <a:off x="6635520" y="4060080"/>
-            <a:ext cx="2919600" cy="2091600"/>
+            <a:off x="6636240" y="4060080"/>
+            <a:ext cx="2919960" cy="2091600"/>
           </a:xfrm>
           <a:prstGeom prst="rect">
             <a:avLst/>
@@ -1387,7 +1375,7 @@
           </a:bodyPr>
           <a:p>
             <a:endParaRPr b="0" lang="en-US" sz="3200" spc="-1" strike="noStrike">
-              <a:latin typeface="Times New Roman"/>
+              <a:latin typeface="Arial"/>
             </a:endParaRPr>
           </a:p>
         </p:txBody>
@@ -1448,8 +1436,8 @@
         </p:nvSpPr>
         <p:spPr>
           <a:xfrm>
-            <a:off x="503640" y="109440"/>
-            <a:ext cx="9067680" cy="1262160"/>
+            <a:off x="503640" y="301680"/>
+            <a:ext cx="9068400" cy="1261800"/>
           </a:xfrm>
           <a:prstGeom prst="rect">
             <a:avLst/>
@@ -1461,11 +1449,8 @@
           </a:bodyPr>
           <a:p>
             <a:pPr algn="ctr"/>
-            <a:endParaRPr b="0" i="1" lang="en-US" sz="4400" spc="-1" strike="noStrike">
-              <a:solidFill>
-                <a:srgbClr val="ffffff"/>
-              </a:solidFill>
-              <a:latin typeface="Times New Roman"/>
+            <a:endParaRPr b="0" lang="en-US" sz="4400" spc="-1" strike="noStrike">
+              <a:latin typeface="Arial"/>
             </a:endParaRPr>
           </a:p>
         </p:txBody>
@@ -1483,7 +1468,7 @@
         <p:spPr>
           <a:xfrm>
             <a:off x="503640" y="1769400"/>
-            <a:ext cx="9067680" cy="4385520"/>
+            <a:ext cx="9068400" cy="4385160"/>
           </a:xfrm>
           <a:prstGeom prst="rect">
             <a:avLst/>
@@ -1535,8 +1520,8 @@
         </p:nvSpPr>
         <p:spPr>
           <a:xfrm>
-            <a:off x="503640" y="109440"/>
-            <a:ext cx="9067680" cy="1262160"/>
+            <a:off x="503640" y="301680"/>
+            <a:ext cx="9068400" cy="1261800"/>
           </a:xfrm>
           <a:prstGeom prst="rect">
             <a:avLst/>
@@ -1548,11 +1533,8 @@
           </a:bodyPr>
           <a:p>
             <a:pPr algn="ctr"/>
-            <a:endParaRPr b="0" i="1" lang="en-US" sz="4400" spc="-1" strike="noStrike">
-              <a:solidFill>
-                <a:srgbClr val="ffffff"/>
-              </a:solidFill>
-              <a:latin typeface="Times New Roman"/>
+            <a:endParaRPr b="0" lang="en-US" sz="4400" spc="-1" strike="noStrike">
+              <a:latin typeface="Arial"/>
             </a:endParaRPr>
           </a:p>
         </p:txBody>
@@ -1570,7 +1552,7 @@
         <p:spPr>
           <a:xfrm>
             <a:off x="503640" y="1769400"/>
-            <a:ext cx="9067680" cy="4385520"/>
+            <a:ext cx="9068400" cy="4385160"/>
           </a:xfrm>
           <a:prstGeom prst="rect">
             <a:avLst/>
@@ -1582,7 +1564,7 @@
           </a:bodyPr>
           <a:p>
             <a:endParaRPr b="0" lang="en-US" sz="3200" spc="-1" strike="noStrike">
-              <a:latin typeface="Times New Roman"/>
+              <a:latin typeface="Arial"/>
             </a:endParaRPr>
           </a:p>
         </p:txBody>
@@ -1621,8 +1603,8 @@
         </p:nvSpPr>
         <p:spPr>
           <a:xfrm>
-            <a:off x="503640" y="109440"/>
-            <a:ext cx="9067680" cy="1262160"/>
+            <a:off x="503640" y="301680"/>
+            <a:ext cx="9068400" cy="1261800"/>
           </a:xfrm>
           <a:prstGeom prst="rect">
             <a:avLst/>
@@ -1634,11 +1616,8 @@
           </a:bodyPr>
           <a:p>
             <a:pPr algn="ctr"/>
-            <a:endParaRPr b="0" i="1" lang="en-US" sz="4400" spc="-1" strike="noStrike">
-              <a:solidFill>
-                <a:srgbClr val="ffffff"/>
-              </a:solidFill>
-              <a:latin typeface="Times New Roman"/>
+            <a:endParaRPr b="0" lang="en-US" sz="4400" spc="-1" strike="noStrike">
+              <a:latin typeface="Arial"/>
             </a:endParaRPr>
           </a:p>
         </p:txBody>
@@ -1656,7 +1635,7 @@
         <p:spPr>
           <a:xfrm>
             <a:off x="503640" y="1769400"/>
-            <a:ext cx="4424760" cy="4385520"/>
+            <a:ext cx="4425120" cy="4385160"/>
           </a:xfrm>
           <a:prstGeom prst="rect">
             <a:avLst/>
@@ -1668,7 +1647,7 @@
           </a:bodyPr>
           <a:p>
             <a:endParaRPr b="0" lang="en-US" sz="3200" spc="-1" strike="noStrike">
-              <a:latin typeface="Times New Roman"/>
+              <a:latin typeface="Arial"/>
             </a:endParaRPr>
           </a:p>
         </p:txBody>
@@ -1685,8 +1664,8 @@
         </p:nvSpPr>
         <p:spPr>
           <a:xfrm>
-            <a:off x="5150160" y="1769400"/>
-            <a:ext cx="4424760" cy="4385520"/>
+            <a:off x="5150520" y="1769400"/>
+            <a:ext cx="4425120" cy="4385160"/>
           </a:xfrm>
           <a:prstGeom prst="rect">
             <a:avLst/>
@@ -1698,7 +1677,7 @@
           </a:bodyPr>
           <a:p>
             <a:endParaRPr b="0" lang="en-US" sz="3200" spc="-1" strike="noStrike">
-              <a:latin typeface="Times New Roman"/>
+              <a:latin typeface="Arial"/>
             </a:endParaRPr>
           </a:p>
         </p:txBody>
@@ -1737,8 +1716,8 @@
         </p:nvSpPr>
         <p:spPr>
           <a:xfrm>
-            <a:off x="503640" y="109440"/>
-            <a:ext cx="9067680" cy="1262160"/>
+            <a:off x="503640" y="301680"/>
+            <a:ext cx="9068400" cy="1261800"/>
           </a:xfrm>
           <a:prstGeom prst="rect">
             <a:avLst/>
@@ -1750,11 +1729,8 @@
           </a:bodyPr>
           <a:p>
             <a:pPr algn="ctr"/>
-            <a:endParaRPr b="0" i="1" lang="en-US" sz="4400" spc="-1" strike="noStrike">
-              <a:solidFill>
-                <a:srgbClr val="ffffff"/>
-              </a:solidFill>
-              <a:latin typeface="Times New Roman"/>
+            <a:endParaRPr b="0" lang="en-US" sz="4400" spc="-1" strike="noStrike">
+              <a:latin typeface="Arial"/>
             </a:endParaRPr>
           </a:p>
         </p:txBody>
@@ -1793,8 +1769,8 @@
         </p:nvSpPr>
         <p:spPr>
           <a:xfrm>
-            <a:off x="503640" y="109440"/>
-            <a:ext cx="9067680" cy="5851800"/>
+            <a:off x="503640" y="301680"/>
+            <a:ext cx="9068400" cy="5850360"/>
           </a:xfrm>
           <a:prstGeom prst="rect">
             <a:avLst/>
@@ -1846,8 +1822,8 @@
         </p:nvSpPr>
         <p:spPr>
           <a:xfrm>
-            <a:off x="503640" y="109440"/>
-            <a:ext cx="9067680" cy="1262160"/>
+            <a:off x="503640" y="301680"/>
+            <a:ext cx="9068400" cy="1261800"/>
           </a:xfrm>
           <a:prstGeom prst="rect">
             <a:avLst/>
@@ -1859,11 +1835,8 @@
           </a:bodyPr>
           <a:p>
             <a:pPr algn="ctr"/>
-            <a:endParaRPr b="0" i="1" lang="en-US" sz="4400" spc="-1" strike="noStrike">
-              <a:solidFill>
-                <a:srgbClr val="ffffff"/>
-              </a:solidFill>
-              <a:latin typeface="Times New Roman"/>
+            <a:endParaRPr b="0" lang="en-US" sz="4400" spc="-1" strike="noStrike">
+              <a:latin typeface="Arial"/>
             </a:endParaRPr>
           </a:p>
         </p:txBody>
@@ -1881,7 +1854,7 @@
         <p:spPr>
           <a:xfrm>
             <a:off x="503640" y="1769400"/>
-            <a:ext cx="4424760" cy="2091600"/>
+            <a:ext cx="4425120" cy="2091600"/>
           </a:xfrm>
           <a:prstGeom prst="rect">
             <a:avLst/>
@@ -1893,7 +1866,7 @@
           </a:bodyPr>
           <a:p>
             <a:endParaRPr b="0" lang="en-US" sz="3200" spc="-1" strike="noStrike">
-              <a:latin typeface="Times New Roman"/>
+              <a:latin typeface="Arial"/>
             </a:endParaRPr>
           </a:p>
         </p:txBody>
@@ -1910,8 +1883,8 @@
         </p:nvSpPr>
         <p:spPr>
           <a:xfrm>
-            <a:off x="5150160" y="1769400"/>
-            <a:ext cx="4424760" cy="4385520"/>
+            <a:off x="5150520" y="1769400"/>
+            <a:ext cx="4425120" cy="4385160"/>
           </a:xfrm>
           <a:prstGeom prst="rect">
             <a:avLst/>
@@ -1923,7 +1896,7 @@
           </a:bodyPr>
           <a:p>
             <a:endParaRPr b="0" lang="en-US" sz="3200" spc="-1" strike="noStrike">
-              <a:latin typeface="Times New Roman"/>
+              <a:latin typeface="Arial"/>
             </a:endParaRPr>
           </a:p>
         </p:txBody>
@@ -1941,7 +1914,7 @@
         <p:spPr>
           <a:xfrm>
             <a:off x="503640" y="4060080"/>
-            <a:ext cx="4424760" cy="2091600"/>
+            <a:ext cx="4425120" cy="2091600"/>
           </a:xfrm>
           <a:prstGeom prst="rect">
             <a:avLst/>
@@ -1953,7 +1926,7 @@
           </a:bodyPr>
           <a:p>
             <a:endParaRPr b="0" lang="en-US" sz="3200" spc="-1" strike="noStrike">
-              <a:latin typeface="Times New Roman"/>
+              <a:latin typeface="Arial"/>
             </a:endParaRPr>
           </a:p>
         </p:txBody>
@@ -1992,8 +1965,8 @@
         </p:nvSpPr>
         <p:spPr>
           <a:xfrm>
-            <a:off x="503640" y="109440"/>
-            <a:ext cx="9067680" cy="1262160"/>
+            <a:off x="503640" y="301680"/>
+            <a:ext cx="9068400" cy="1261800"/>
           </a:xfrm>
           <a:prstGeom prst="rect">
             <a:avLst/>
@@ -2005,11 +1978,8 @@
           </a:bodyPr>
           <a:p>
             <a:pPr algn="ctr"/>
-            <a:endParaRPr b="0" i="1" lang="en-US" sz="4400" spc="-1" strike="noStrike">
-              <a:solidFill>
-                <a:srgbClr val="ffffff"/>
-              </a:solidFill>
-              <a:latin typeface="Times New Roman"/>
+            <a:endParaRPr b="0" lang="en-US" sz="4400" spc="-1" strike="noStrike">
+              <a:latin typeface="Arial"/>
             </a:endParaRPr>
           </a:p>
         </p:txBody>
@@ -2027,7 +1997,7 @@
         <p:spPr>
           <a:xfrm>
             <a:off x="503640" y="1769400"/>
-            <a:ext cx="9067680" cy="4385520"/>
+            <a:ext cx="9068400" cy="4385160"/>
           </a:xfrm>
           <a:prstGeom prst="rect">
             <a:avLst/>
@@ -2079,8 +2049,8 @@
         </p:nvSpPr>
         <p:spPr>
           <a:xfrm>
-            <a:off x="503640" y="109440"/>
-            <a:ext cx="9067680" cy="1262160"/>
+            <a:off x="503640" y="301680"/>
+            <a:ext cx="9068400" cy="1261800"/>
           </a:xfrm>
           <a:prstGeom prst="rect">
             <a:avLst/>
@@ -2092,11 +2062,8 @@
           </a:bodyPr>
           <a:p>
             <a:pPr algn="ctr"/>
-            <a:endParaRPr b="0" i="1" lang="en-US" sz="4400" spc="-1" strike="noStrike">
-              <a:solidFill>
-                <a:srgbClr val="ffffff"/>
-              </a:solidFill>
-              <a:latin typeface="Times New Roman"/>
+            <a:endParaRPr b="0" lang="en-US" sz="4400" spc="-1" strike="noStrike">
+              <a:latin typeface="Arial"/>
             </a:endParaRPr>
           </a:p>
         </p:txBody>
@@ -2114,7 +2081,7 @@
         <p:spPr>
           <a:xfrm>
             <a:off x="503640" y="1769400"/>
-            <a:ext cx="4424760" cy="4385520"/>
+            <a:ext cx="4425120" cy="4385160"/>
           </a:xfrm>
           <a:prstGeom prst="rect">
             <a:avLst/>
@@ -2126,7 +2093,7 @@
           </a:bodyPr>
           <a:p>
             <a:endParaRPr b="0" lang="en-US" sz="3200" spc="-1" strike="noStrike">
-              <a:latin typeface="Times New Roman"/>
+              <a:latin typeface="Arial"/>
             </a:endParaRPr>
           </a:p>
         </p:txBody>
@@ -2143,8 +2110,8 @@
         </p:nvSpPr>
         <p:spPr>
           <a:xfrm>
-            <a:off x="5150160" y="1769400"/>
-            <a:ext cx="4424760" cy="2091600"/>
+            <a:off x="5150520" y="1769400"/>
+            <a:ext cx="4425120" cy="2091600"/>
           </a:xfrm>
           <a:prstGeom prst="rect">
             <a:avLst/>
@@ -2156,7 +2123,7 @@
           </a:bodyPr>
           <a:p>
             <a:endParaRPr b="0" lang="en-US" sz="3200" spc="-1" strike="noStrike">
-              <a:latin typeface="Times New Roman"/>
+              <a:latin typeface="Arial"/>
             </a:endParaRPr>
           </a:p>
         </p:txBody>
@@ -2173,8 +2140,8 @@
         </p:nvSpPr>
         <p:spPr>
           <a:xfrm>
-            <a:off x="5150160" y="4060080"/>
-            <a:ext cx="4424760" cy="2091600"/>
+            <a:off x="5150520" y="4060080"/>
+            <a:ext cx="4425120" cy="2091600"/>
           </a:xfrm>
           <a:prstGeom prst="rect">
             <a:avLst/>
@@ -2186,7 +2153,7 @@
           </a:bodyPr>
           <a:p>
             <a:endParaRPr b="0" lang="en-US" sz="3200" spc="-1" strike="noStrike">
-              <a:latin typeface="Times New Roman"/>
+              <a:latin typeface="Arial"/>
             </a:endParaRPr>
           </a:p>
         </p:txBody>
@@ -2225,8 +2192,8 @@
         </p:nvSpPr>
         <p:spPr>
           <a:xfrm>
-            <a:off x="503640" y="109440"/>
-            <a:ext cx="9067680" cy="1262160"/>
+            <a:off x="503640" y="301680"/>
+            <a:ext cx="9068400" cy="1261800"/>
           </a:xfrm>
           <a:prstGeom prst="rect">
             <a:avLst/>
@@ -2238,11 +2205,8 @@
           </a:bodyPr>
           <a:p>
             <a:pPr algn="ctr"/>
-            <a:endParaRPr b="0" i="1" lang="en-US" sz="4400" spc="-1" strike="noStrike">
-              <a:solidFill>
-                <a:srgbClr val="ffffff"/>
-              </a:solidFill>
-              <a:latin typeface="Times New Roman"/>
+            <a:endParaRPr b="0" lang="en-US" sz="4400" spc="-1" strike="noStrike">
+              <a:latin typeface="Arial"/>
             </a:endParaRPr>
           </a:p>
         </p:txBody>
@@ -2260,7 +2224,7 @@
         <p:spPr>
           <a:xfrm>
             <a:off x="503640" y="1769400"/>
-            <a:ext cx="4424760" cy="2091600"/>
+            <a:ext cx="4425120" cy="2091600"/>
           </a:xfrm>
           <a:prstGeom prst="rect">
             <a:avLst/>
@@ -2272,7 +2236,7 @@
           </a:bodyPr>
           <a:p>
             <a:endParaRPr b="0" lang="en-US" sz="3200" spc="-1" strike="noStrike">
-              <a:latin typeface="Times New Roman"/>
+              <a:latin typeface="Arial"/>
             </a:endParaRPr>
           </a:p>
         </p:txBody>
@@ -2289,8 +2253,8 @@
         </p:nvSpPr>
         <p:spPr>
           <a:xfrm>
-            <a:off x="5150160" y="1769400"/>
-            <a:ext cx="4424760" cy="2091600"/>
+            <a:off x="5150520" y="1769400"/>
+            <a:ext cx="4425120" cy="2091600"/>
           </a:xfrm>
           <a:prstGeom prst="rect">
             <a:avLst/>
@@ -2302,7 +2266,7 @@
           </a:bodyPr>
           <a:p>
             <a:endParaRPr b="0" lang="en-US" sz="3200" spc="-1" strike="noStrike">
-              <a:latin typeface="Times New Roman"/>
+              <a:latin typeface="Arial"/>
             </a:endParaRPr>
           </a:p>
         </p:txBody>
@@ -2320,7 +2284,7 @@
         <p:spPr>
           <a:xfrm>
             <a:off x="503640" y="4060080"/>
-            <a:ext cx="9067680" cy="2091600"/>
+            <a:ext cx="9068400" cy="2091600"/>
           </a:xfrm>
           <a:prstGeom prst="rect">
             <a:avLst/>
@@ -2332,7 +2296,7 @@
           </a:bodyPr>
           <a:p>
             <a:endParaRPr b="0" lang="en-US" sz="3200" spc="-1" strike="noStrike">
-              <a:latin typeface="Times New Roman"/>
+              <a:latin typeface="Arial"/>
             </a:endParaRPr>
           </a:p>
         </p:txBody>
@@ -2371,8 +2335,8 @@
         </p:nvSpPr>
         <p:spPr>
           <a:xfrm>
-            <a:off x="503640" y="109440"/>
-            <a:ext cx="9067680" cy="1262160"/>
+            <a:off x="503640" y="301680"/>
+            <a:ext cx="9068400" cy="1261800"/>
           </a:xfrm>
           <a:prstGeom prst="rect">
             <a:avLst/>
@@ -2384,11 +2348,8 @@
           </a:bodyPr>
           <a:p>
             <a:pPr algn="ctr"/>
-            <a:endParaRPr b="0" i="1" lang="en-US" sz="4400" spc="-1" strike="noStrike">
-              <a:solidFill>
-                <a:srgbClr val="ffffff"/>
-              </a:solidFill>
-              <a:latin typeface="Times New Roman"/>
+            <a:endParaRPr b="0" lang="en-US" sz="4400" spc="-1" strike="noStrike">
+              <a:latin typeface="Arial"/>
             </a:endParaRPr>
           </a:p>
         </p:txBody>
@@ -2406,7 +2367,7 @@
         <p:spPr>
           <a:xfrm>
             <a:off x="503640" y="1769400"/>
-            <a:ext cx="9067680" cy="2091600"/>
+            <a:ext cx="9068400" cy="2091600"/>
           </a:xfrm>
           <a:prstGeom prst="rect">
             <a:avLst/>
@@ -2418,7 +2379,7 @@
           </a:bodyPr>
           <a:p>
             <a:endParaRPr b="0" lang="en-US" sz="3200" spc="-1" strike="noStrike">
-              <a:latin typeface="Times New Roman"/>
+              <a:latin typeface="Arial"/>
             </a:endParaRPr>
           </a:p>
         </p:txBody>
@@ -2436,7 +2397,7 @@
         <p:spPr>
           <a:xfrm>
             <a:off x="503640" y="4060080"/>
-            <a:ext cx="9067680" cy="2091600"/>
+            <a:ext cx="9068400" cy="2091600"/>
           </a:xfrm>
           <a:prstGeom prst="rect">
             <a:avLst/>
@@ -2448,7 +2409,7 @@
           </a:bodyPr>
           <a:p>
             <a:endParaRPr b="0" lang="en-US" sz="3200" spc="-1" strike="noStrike">
-              <a:latin typeface="Times New Roman"/>
+              <a:latin typeface="Arial"/>
             </a:endParaRPr>
           </a:p>
         </p:txBody>
@@ -2487,8 +2448,8 @@
         </p:nvSpPr>
         <p:spPr>
           <a:xfrm>
-            <a:off x="503640" y="109440"/>
-            <a:ext cx="9067680" cy="1262160"/>
+            <a:off x="503640" y="301680"/>
+            <a:ext cx="9068400" cy="1261800"/>
           </a:xfrm>
           <a:prstGeom prst="rect">
             <a:avLst/>
@@ -2500,11 +2461,8 @@
           </a:bodyPr>
           <a:p>
             <a:pPr algn="ctr"/>
-            <a:endParaRPr b="0" i="1" lang="en-US" sz="4400" spc="-1" strike="noStrike">
-              <a:solidFill>
-                <a:srgbClr val="ffffff"/>
-              </a:solidFill>
-              <a:latin typeface="Times New Roman"/>
+            <a:endParaRPr b="0" lang="en-US" sz="4400" spc="-1" strike="noStrike">
+              <a:latin typeface="Arial"/>
             </a:endParaRPr>
           </a:p>
         </p:txBody>
@@ -2522,7 +2480,7 @@
         <p:spPr>
           <a:xfrm>
             <a:off x="503640" y="1769400"/>
-            <a:ext cx="4424760" cy="2091600"/>
+            <a:ext cx="4425120" cy="2091600"/>
           </a:xfrm>
           <a:prstGeom prst="rect">
             <a:avLst/>
@@ -2534,7 +2492,7 @@
           </a:bodyPr>
           <a:p>
             <a:endParaRPr b="0" lang="en-US" sz="3200" spc="-1" strike="noStrike">
-              <a:latin typeface="Times New Roman"/>
+              <a:latin typeface="Arial"/>
             </a:endParaRPr>
           </a:p>
         </p:txBody>
@@ -2551,8 +2509,8 @@
         </p:nvSpPr>
         <p:spPr>
           <a:xfrm>
-            <a:off x="5150160" y="1769400"/>
-            <a:ext cx="4424760" cy="2091600"/>
+            <a:off x="5150520" y="1769400"/>
+            <a:ext cx="4425120" cy="2091600"/>
           </a:xfrm>
           <a:prstGeom prst="rect">
             <a:avLst/>
@@ -2564,7 +2522,7 @@
           </a:bodyPr>
           <a:p>
             <a:endParaRPr b="0" lang="en-US" sz="3200" spc="-1" strike="noStrike">
-              <a:latin typeface="Times New Roman"/>
+              <a:latin typeface="Arial"/>
             </a:endParaRPr>
           </a:p>
         </p:txBody>
@@ -2582,7 +2540,7 @@
         <p:spPr>
           <a:xfrm>
             <a:off x="503640" y="4060080"/>
-            <a:ext cx="4424760" cy="2091600"/>
+            <a:ext cx="4425120" cy="2091600"/>
           </a:xfrm>
           <a:prstGeom prst="rect">
             <a:avLst/>
@@ -2594,7 +2552,7 @@
           </a:bodyPr>
           <a:p>
             <a:endParaRPr b="0" lang="en-US" sz="3200" spc="-1" strike="noStrike">
-              <a:latin typeface="Times New Roman"/>
+              <a:latin typeface="Arial"/>
             </a:endParaRPr>
           </a:p>
         </p:txBody>
@@ -2611,8 +2569,8 @@
         </p:nvSpPr>
         <p:spPr>
           <a:xfrm>
-            <a:off x="5150160" y="4060080"/>
-            <a:ext cx="4424760" cy="2091600"/>
+            <a:off x="5150520" y="4060080"/>
+            <a:ext cx="4425120" cy="2091600"/>
           </a:xfrm>
           <a:prstGeom prst="rect">
             <a:avLst/>
@@ -2624,7 +2582,7 @@
           </a:bodyPr>
           <a:p>
             <a:endParaRPr b="0" lang="en-US" sz="3200" spc="-1" strike="noStrike">
-              <a:latin typeface="Times New Roman"/>
+              <a:latin typeface="Arial"/>
             </a:endParaRPr>
           </a:p>
         </p:txBody>
@@ -2663,8 +2621,8 @@
         </p:nvSpPr>
         <p:spPr>
           <a:xfrm>
-            <a:off x="503640" y="109440"/>
-            <a:ext cx="9067680" cy="1262160"/>
+            <a:off x="503640" y="301680"/>
+            <a:ext cx="9068400" cy="1261800"/>
           </a:xfrm>
           <a:prstGeom prst="rect">
             <a:avLst/>
@@ -2676,11 +2634,8 @@
           </a:bodyPr>
           <a:p>
             <a:pPr algn="ctr"/>
-            <a:endParaRPr b="0" i="1" lang="en-US" sz="4400" spc="-1" strike="noStrike">
-              <a:solidFill>
-                <a:srgbClr val="ffffff"/>
-              </a:solidFill>
-              <a:latin typeface="Times New Roman"/>
+            <a:endParaRPr b="0" lang="en-US" sz="4400" spc="-1" strike="noStrike">
+              <a:latin typeface="Arial"/>
             </a:endParaRPr>
           </a:p>
         </p:txBody>
@@ -2698,7 +2653,7 @@
         <p:spPr>
           <a:xfrm>
             <a:off x="503640" y="1769400"/>
-            <a:ext cx="2919600" cy="2091600"/>
+            <a:ext cx="2919960" cy="2091600"/>
           </a:xfrm>
           <a:prstGeom prst="rect">
             <a:avLst/>
@@ -2710,7 +2665,7 @@
           </a:bodyPr>
           <a:p>
             <a:endParaRPr b="0" lang="en-US" sz="3200" spc="-1" strike="noStrike">
-              <a:latin typeface="Times New Roman"/>
+              <a:latin typeface="Arial"/>
             </a:endParaRPr>
           </a:p>
         </p:txBody>
@@ -2727,8 +2682,8 @@
         </p:nvSpPr>
         <p:spPr>
           <a:xfrm>
-            <a:off x="3569760" y="1769400"/>
-            <a:ext cx="2919600" cy="2091600"/>
+            <a:off x="3570120" y="1769400"/>
+            <a:ext cx="2919960" cy="2091600"/>
           </a:xfrm>
           <a:prstGeom prst="rect">
             <a:avLst/>
@@ -2740,7 +2695,7 @@
           </a:bodyPr>
           <a:p>
             <a:endParaRPr b="0" lang="en-US" sz="3200" spc="-1" strike="noStrike">
-              <a:latin typeface="Times New Roman"/>
+              <a:latin typeface="Arial"/>
             </a:endParaRPr>
           </a:p>
         </p:txBody>
@@ -2757,8 +2712,8 @@
         </p:nvSpPr>
         <p:spPr>
           <a:xfrm>
-            <a:off x="6635520" y="1769400"/>
-            <a:ext cx="2919600" cy="2091600"/>
+            <a:off x="6636240" y="1769400"/>
+            <a:ext cx="2919960" cy="2091600"/>
           </a:xfrm>
           <a:prstGeom prst="rect">
             <a:avLst/>
@@ -2770,7 +2725,7 @@
           </a:bodyPr>
           <a:p>
             <a:endParaRPr b="0" lang="en-US" sz="3200" spc="-1" strike="noStrike">
-              <a:latin typeface="Times New Roman"/>
+              <a:latin typeface="Arial"/>
             </a:endParaRPr>
           </a:p>
         </p:txBody>
@@ -2788,7 +2743,7 @@
         <p:spPr>
           <a:xfrm>
             <a:off x="503640" y="4060080"/>
-            <a:ext cx="2919600" cy="2091600"/>
+            <a:ext cx="2919960" cy="2091600"/>
           </a:xfrm>
           <a:prstGeom prst="rect">
             <a:avLst/>
@@ -2800,7 +2755,7 @@
           </a:bodyPr>
           <a:p>
             <a:endParaRPr b="0" lang="en-US" sz="3200" spc="-1" strike="noStrike">
-              <a:latin typeface="Times New Roman"/>
+              <a:latin typeface="Arial"/>
             </a:endParaRPr>
           </a:p>
         </p:txBody>
@@ -2817,8 +2772,8 @@
         </p:nvSpPr>
         <p:spPr>
           <a:xfrm>
-            <a:off x="3569760" y="4060080"/>
-            <a:ext cx="2919600" cy="2091600"/>
+            <a:off x="3570120" y="4060080"/>
+            <a:ext cx="2919960" cy="2091600"/>
           </a:xfrm>
           <a:prstGeom prst="rect">
             <a:avLst/>
@@ -2830,7 +2785,7 @@
           </a:bodyPr>
           <a:p>
             <a:endParaRPr b="0" lang="en-US" sz="3200" spc="-1" strike="noStrike">
-              <a:latin typeface="Times New Roman"/>
+              <a:latin typeface="Arial"/>
             </a:endParaRPr>
           </a:p>
         </p:txBody>
@@ -2847,8 +2802,8 @@
         </p:nvSpPr>
         <p:spPr>
           <a:xfrm>
-            <a:off x="6635520" y="4060080"/>
-            <a:ext cx="2919600" cy="2091600"/>
+            <a:off x="6636240" y="4060080"/>
+            <a:ext cx="2919960" cy="2091600"/>
           </a:xfrm>
           <a:prstGeom prst="rect">
             <a:avLst/>
@@ -2860,7 +2815,7 @@
           </a:bodyPr>
           <a:p>
             <a:endParaRPr b="0" lang="en-US" sz="3200" spc="-1" strike="noStrike">
-              <a:latin typeface="Times New Roman"/>
+              <a:latin typeface="Arial"/>
             </a:endParaRPr>
           </a:p>
         </p:txBody>
@@ -2921,8 +2876,8 @@
         </p:nvSpPr>
         <p:spPr>
           <a:xfrm>
-            <a:off x="503640" y="109440"/>
-            <a:ext cx="9067680" cy="1262160"/>
+            <a:off x="503640" y="301680"/>
+            <a:ext cx="9068400" cy="1261800"/>
           </a:xfrm>
           <a:prstGeom prst="rect">
             <a:avLst/>
@@ -2934,11 +2889,8 @@
           </a:bodyPr>
           <a:p>
             <a:pPr algn="ctr"/>
-            <a:endParaRPr b="0" i="1" lang="en-US" sz="4400" spc="-1" strike="noStrike">
-              <a:solidFill>
-                <a:srgbClr val="ffffff"/>
-              </a:solidFill>
-              <a:latin typeface="Times New Roman"/>
+            <a:endParaRPr b="0" lang="en-US" sz="4400" spc="-1" strike="noStrike">
+              <a:latin typeface="Arial"/>
             </a:endParaRPr>
           </a:p>
         </p:txBody>
@@ -2956,7 +2908,7 @@
         <p:spPr>
           <a:xfrm>
             <a:off x="503640" y="1769400"/>
-            <a:ext cx="9067680" cy="4385520"/>
+            <a:ext cx="9068400" cy="4385160"/>
           </a:xfrm>
           <a:prstGeom prst="rect">
             <a:avLst/>
@@ -3008,8 +2960,8 @@
         </p:nvSpPr>
         <p:spPr>
           <a:xfrm>
-            <a:off x="503640" y="109440"/>
-            <a:ext cx="9067680" cy="1262160"/>
+            <a:off x="503640" y="301680"/>
+            <a:ext cx="9068400" cy="1261800"/>
           </a:xfrm>
           <a:prstGeom prst="rect">
             <a:avLst/>
@@ -3021,11 +2973,8 @@
           </a:bodyPr>
           <a:p>
             <a:pPr algn="ctr"/>
-            <a:endParaRPr b="0" i="1" lang="en-US" sz="4400" spc="-1" strike="noStrike">
-              <a:solidFill>
-                <a:srgbClr val="ffffff"/>
-              </a:solidFill>
-              <a:latin typeface="Times New Roman"/>
+            <a:endParaRPr b="0" lang="en-US" sz="4400" spc="-1" strike="noStrike">
+              <a:latin typeface="Arial"/>
             </a:endParaRPr>
           </a:p>
         </p:txBody>
@@ -3043,7 +2992,7 @@
         <p:spPr>
           <a:xfrm>
             <a:off x="503640" y="1769400"/>
-            <a:ext cx="9067680" cy="4385520"/>
+            <a:ext cx="9068400" cy="4385160"/>
           </a:xfrm>
           <a:prstGeom prst="rect">
             <a:avLst/>
@@ -3055,7 +3004,7 @@
           </a:bodyPr>
           <a:p>
             <a:endParaRPr b="0" lang="en-US" sz="3200" spc="-1" strike="noStrike">
-              <a:latin typeface="Times New Roman"/>
+              <a:latin typeface="Arial"/>
             </a:endParaRPr>
           </a:p>
         </p:txBody>
@@ -3094,8 +3043,8 @@
         </p:nvSpPr>
         <p:spPr>
           <a:xfrm>
-            <a:off x="503640" y="109440"/>
-            <a:ext cx="9067680" cy="1262160"/>
+            <a:off x="503640" y="301680"/>
+            <a:ext cx="9068400" cy="1261800"/>
           </a:xfrm>
           <a:prstGeom prst="rect">
             <a:avLst/>
@@ -3107,11 +3056,8 @@
           </a:bodyPr>
           <a:p>
             <a:pPr algn="ctr"/>
-            <a:endParaRPr b="0" i="1" lang="en-US" sz="4400" spc="-1" strike="noStrike">
-              <a:solidFill>
-                <a:srgbClr val="ffffff"/>
-              </a:solidFill>
-              <a:latin typeface="Times New Roman"/>
+            <a:endParaRPr b="0" lang="en-US" sz="4400" spc="-1" strike="noStrike">
+              <a:latin typeface="Arial"/>
             </a:endParaRPr>
           </a:p>
         </p:txBody>
@@ -3129,7 +3075,7 @@
         <p:spPr>
           <a:xfrm>
             <a:off x="503640" y="1769400"/>
-            <a:ext cx="4424760" cy="4385520"/>
+            <a:ext cx="4425120" cy="4385160"/>
           </a:xfrm>
           <a:prstGeom prst="rect">
             <a:avLst/>
@@ -3141,7 +3087,7 @@
           </a:bodyPr>
           <a:p>
             <a:endParaRPr b="0" lang="en-US" sz="3200" spc="-1" strike="noStrike">
-              <a:latin typeface="Times New Roman"/>
+              <a:latin typeface="Arial"/>
             </a:endParaRPr>
           </a:p>
         </p:txBody>
@@ -3158,8 +3104,8 @@
         </p:nvSpPr>
         <p:spPr>
           <a:xfrm>
-            <a:off x="5150160" y="1769400"/>
-            <a:ext cx="4424760" cy="4385520"/>
+            <a:off x="5150520" y="1769400"/>
+            <a:ext cx="4425120" cy="4385160"/>
           </a:xfrm>
           <a:prstGeom prst="rect">
             <a:avLst/>
@@ -3171,7 +3117,7 @@
           </a:bodyPr>
           <a:p>
             <a:endParaRPr b="0" lang="en-US" sz="3200" spc="-1" strike="noStrike">
-              <a:latin typeface="Times New Roman"/>
+              <a:latin typeface="Arial"/>
             </a:endParaRPr>
           </a:p>
         </p:txBody>
@@ -3210,8 +3156,8 @@
         </p:nvSpPr>
         <p:spPr>
           <a:xfrm>
-            <a:off x="503640" y="109440"/>
-            <a:ext cx="9067680" cy="1262160"/>
+            <a:off x="503640" y="301680"/>
+            <a:ext cx="9068400" cy="1261800"/>
           </a:xfrm>
           <a:prstGeom prst="rect">
             <a:avLst/>
@@ -3223,11 +3169,8 @@
           </a:bodyPr>
           <a:p>
             <a:pPr algn="ctr"/>
-            <a:endParaRPr b="0" i="1" lang="en-US" sz="4400" spc="-1" strike="noStrike">
-              <a:solidFill>
-                <a:srgbClr val="ffffff"/>
-              </a:solidFill>
-              <a:latin typeface="Times New Roman"/>
+            <a:endParaRPr b="0" lang="en-US" sz="4400" spc="-1" strike="noStrike">
+              <a:latin typeface="Arial"/>
             </a:endParaRPr>
           </a:p>
         </p:txBody>
@@ -3266,8 +3209,8 @@
         </p:nvSpPr>
         <p:spPr>
           <a:xfrm>
-            <a:off x="503640" y="109440"/>
-            <a:ext cx="9067680" cy="1262160"/>
+            <a:off x="503640" y="301680"/>
+            <a:ext cx="9068400" cy="1261800"/>
           </a:xfrm>
           <a:prstGeom prst="rect">
             <a:avLst/>
@@ -3279,11 +3222,8 @@
           </a:bodyPr>
           <a:p>
             <a:pPr algn="ctr"/>
-            <a:endParaRPr b="0" i="1" lang="en-US" sz="4400" spc="-1" strike="noStrike">
-              <a:solidFill>
-                <a:srgbClr val="ffffff"/>
-              </a:solidFill>
-              <a:latin typeface="Times New Roman"/>
+            <a:endParaRPr b="0" lang="en-US" sz="4400" spc="-1" strike="noStrike">
+              <a:latin typeface="Arial"/>
             </a:endParaRPr>
           </a:p>
         </p:txBody>
@@ -3301,7 +3241,7 @@
         <p:spPr>
           <a:xfrm>
             <a:off x="503640" y="1769400"/>
-            <a:ext cx="9067680" cy="4385520"/>
+            <a:ext cx="9068400" cy="4385160"/>
           </a:xfrm>
           <a:prstGeom prst="rect">
             <a:avLst/>
@@ -3313,7 +3253,7 @@
           </a:bodyPr>
           <a:p>
             <a:endParaRPr b="0" lang="en-US" sz="3200" spc="-1" strike="noStrike">
-              <a:latin typeface="Times New Roman"/>
+              <a:latin typeface="Arial"/>
             </a:endParaRPr>
           </a:p>
         </p:txBody>
@@ -3352,8 +3292,8 @@
         </p:nvSpPr>
         <p:spPr>
           <a:xfrm>
-            <a:off x="503640" y="109440"/>
-            <a:ext cx="9067680" cy="5851800"/>
+            <a:off x="503640" y="301680"/>
+            <a:ext cx="9068400" cy="5850360"/>
           </a:xfrm>
           <a:prstGeom prst="rect">
             <a:avLst/>
@@ -3405,8 +3345,8 @@
         </p:nvSpPr>
         <p:spPr>
           <a:xfrm>
-            <a:off x="503640" y="109440"/>
-            <a:ext cx="9067680" cy="1262160"/>
+            <a:off x="503640" y="301680"/>
+            <a:ext cx="9068400" cy="1261800"/>
           </a:xfrm>
           <a:prstGeom prst="rect">
             <a:avLst/>
@@ -3418,11 +3358,8 @@
           </a:bodyPr>
           <a:p>
             <a:pPr algn="ctr"/>
-            <a:endParaRPr b="0" i="1" lang="en-US" sz="4400" spc="-1" strike="noStrike">
-              <a:solidFill>
-                <a:srgbClr val="ffffff"/>
-              </a:solidFill>
-              <a:latin typeface="Times New Roman"/>
+            <a:endParaRPr b="0" lang="en-US" sz="4400" spc="-1" strike="noStrike">
+              <a:latin typeface="Arial"/>
             </a:endParaRPr>
           </a:p>
         </p:txBody>
@@ -3440,7 +3377,7 @@
         <p:spPr>
           <a:xfrm>
             <a:off x="503640" y="1769400"/>
-            <a:ext cx="4424760" cy="2091600"/>
+            <a:ext cx="4425120" cy="2091600"/>
           </a:xfrm>
           <a:prstGeom prst="rect">
             <a:avLst/>
@@ -3452,7 +3389,7 @@
           </a:bodyPr>
           <a:p>
             <a:endParaRPr b="0" lang="en-US" sz="3200" spc="-1" strike="noStrike">
-              <a:latin typeface="Times New Roman"/>
+              <a:latin typeface="Arial"/>
             </a:endParaRPr>
           </a:p>
         </p:txBody>
@@ -3469,8 +3406,8 @@
         </p:nvSpPr>
         <p:spPr>
           <a:xfrm>
-            <a:off x="5150160" y="1769400"/>
-            <a:ext cx="4424760" cy="4385520"/>
+            <a:off x="5150520" y="1769400"/>
+            <a:ext cx="4425120" cy="4385160"/>
           </a:xfrm>
           <a:prstGeom prst="rect">
             <a:avLst/>
@@ -3482,7 +3419,7 @@
           </a:bodyPr>
           <a:p>
             <a:endParaRPr b="0" lang="en-US" sz="3200" spc="-1" strike="noStrike">
-              <a:latin typeface="Times New Roman"/>
+              <a:latin typeface="Arial"/>
             </a:endParaRPr>
           </a:p>
         </p:txBody>
@@ -3500,7 +3437,7 @@
         <p:spPr>
           <a:xfrm>
             <a:off x="503640" y="4060080"/>
-            <a:ext cx="4424760" cy="2091600"/>
+            <a:ext cx="4425120" cy="2091600"/>
           </a:xfrm>
           <a:prstGeom prst="rect">
             <a:avLst/>
@@ -3512,7 +3449,7 @@
           </a:bodyPr>
           <a:p>
             <a:endParaRPr b="0" lang="en-US" sz="3200" spc="-1" strike="noStrike">
-              <a:latin typeface="Times New Roman"/>
+              <a:latin typeface="Arial"/>
             </a:endParaRPr>
           </a:p>
         </p:txBody>
@@ -3551,8 +3488,8 @@
         </p:nvSpPr>
         <p:spPr>
           <a:xfrm>
-            <a:off x="503640" y="109440"/>
-            <a:ext cx="9067680" cy="1262160"/>
+            <a:off x="503640" y="301680"/>
+            <a:ext cx="9068400" cy="1261800"/>
           </a:xfrm>
           <a:prstGeom prst="rect">
             <a:avLst/>
@@ -3564,11 +3501,8 @@
           </a:bodyPr>
           <a:p>
             <a:pPr algn="ctr"/>
-            <a:endParaRPr b="0" i="1" lang="en-US" sz="4400" spc="-1" strike="noStrike">
-              <a:solidFill>
-                <a:srgbClr val="ffffff"/>
-              </a:solidFill>
-              <a:latin typeface="Times New Roman"/>
+            <a:endParaRPr b="0" lang="en-US" sz="4400" spc="-1" strike="noStrike">
+              <a:latin typeface="Arial"/>
             </a:endParaRPr>
           </a:p>
         </p:txBody>
@@ -3586,7 +3520,7 @@
         <p:spPr>
           <a:xfrm>
             <a:off x="503640" y="1769400"/>
-            <a:ext cx="4424760" cy="4385520"/>
+            <a:ext cx="4425120" cy="4385160"/>
           </a:xfrm>
           <a:prstGeom prst="rect">
             <a:avLst/>
@@ -3598,7 +3532,7 @@
           </a:bodyPr>
           <a:p>
             <a:endParaRPr b="0" lang="en-US" sz="3200" spc="-1" strike="noStrike">
-              <a:latin typeface="Times New Roman"/>
+              <a:latin typeface="Arial"/>
             </a:endParaRPr>
           </a:p>
         </p:txBody>
@@ -3615,8 +3549,8 @@
         </p:nvSpPr>
         <p:spPr>
           <a:xfrm>
-            <a:off x="5150160" y="1769400"/>
-            <a:ext cx="4424760" cy="2091600"/>
+            <a:off x="5150520" y="1769400"/>
+            <a:ext cx="4425120" cy="2091600"/>
           </a:xfrm>
           <a:prstGeom prst="rect">
             <a:avLst/>
@@ -3628,7 +3562,7 @@
           </a:bodyPr>
           <a:p>
             <a:endParaRPr b="0" lang="en-US" sz="3200" spc="-1" strike="noStrike">
-              <a:latin typeface="Times New Roman"/>
+              <a:latin typeface="Arial"/>
             </a:endParaRPr>
           </a:p>
         </p:txBody>
@@ -3645,8 +3579,8 @@
         </p:nvSpPr>
         <p:spPr>
           <a:xfrm>
-            <a:off x="5150160" y="4060080"/>
-            <a:ext cx="4424760" cy="2091600"/>
+            <a:off x="5150520" y="4060080"/>
+            <a:ext cx="4425120" cy="2091600"/>
           </a:xfrm>
           <a:prstGeom prst="rect">
             <a:avLst/>
@@ -3658,7 +3592,7 @@
           </a:bodyPr>
           <a:p>
             <a:endParaRPr b="0" lang="en-US" sz="3200" spc="-1" strike="noStrike">
-              <a:latin typeface="Times New Roman"/>
+              <a:latin typeface="Arial"/>
             </a:endParaRPr>
           </a:p>
         </p:txBody>
@@ -3697,8 +3631,8 @@
         </p:nvSpPr>
         <p:spPr>
           <a:xfrm>
-            <a:off x="503640" y="109440"/>
-            <a:ext cx="9067680" cy="1262160"/>
+            <a:off x="503640" y="301680"/>
+            <a:ext cx="9068400" cy="1261800"/>
           </a:xfrm>
           <a:prstGeom prst="rect">
             <a:avLst/>
@@ -3710,11 +3644,8 @@
           </a:bodyPr>
           <a:p>
             <a:pPr algn="ctr"/>
-            <a:endParaRPr b="0" i="1" lang="en-US" sz="4400" spc="-1" strike="noStrike">
-              <a:solidFill>
-                <a:srgbClr val="ffffff"/>
-              </a:solidFill>
-              <a:latin typeface="Times New Roman"/>
+            <a:endParaRPr b="0" lang="en-US" sz="4400" spc="-1" strike="noStrike">
+              <a:latin typeface="Arial"/>
             </a:endParaRPr>
           </a:p>
         </p:txBody>
@@ -3732,7 +3663,7 @@
         <p:spPr>
           <a:xfrm>
             <a:off x="503640" y="1769400"/>
-            <a:ext cx="4424760" cy="2091600"/>
+            <a:ext cx="4425120" cy="2091600"/>
           </a:xfrm>
           <a:prstGeom prst="rect">
             <a:avLst/>
@@ -3744,7 +3675,7 @@
           </a:bodyPr>
           <a:p>
             <a:endParaRPr b="0" lang="en-US" sz="3200" spc="-1" strike="noStrike">
-              <a:latin typeface="Times New Roman"/>
+              <a:latin typeface="Arial"/>
             </a:endParaRPr>
           </a:p>
         </p:txBody>
@@ -3761,8 +3692,8 @@
         </p:nvSpPr>
         <p:spPr>
           <a:xfrm>
-            <a:off x="5150160" y="1769400"/>
-            <a:ext cx="4424760" cy="2091600"/>
+            <a:off x="5150520" y="1769400"/>
+            <a:ext cx="4425120" cy="2091600"/>
           </a:xfrm>
           <a:prstGeom prst="rect">
             <a:avLst/>
@@ -3774,7 +3705,7 @@
           </a:bodyPr>
           <a:p>
             <a:endParaRPr b="0" lang="en-US" sz="3200" spc="-1" strike="noStrike">
-              <a:latin typeface="Times New Roman"/>
+              <a:latin typeface="Arial"/>
             </a:endParaRPr>
           </a:p>
         </p:txBody>
@@ -3792,7 +3723,7 @@
         <p:spPr>
           <a:xfrm>
             <a:off x="503640" y="4060080"/>
-            <a:ext cx="9067680" cy="2091600"/>
+            <a:ext cx="9068400" cy="2091600"/>
           </a:xfrm>
           <a:prstGeom prst="rect">
             <a:avLst/>
@@ -3804,7 +3735,7 @@
           </a:bodyPr>
           <a:p>
             <a:endParaRPr b="0" lang="en-US" sz="3200" spc="-1" strike="noStrike">
-              <a:latin typeface="Times New Roman"/>
+              <a:latin typeface="Arial"/>
             </a:endParaRPr>
           </a:p>
         </p:txBody>
@@ -3843,8 +3774,8 @@
         </p:nvSpPr>
         <p:spPr>
           <a:xfrm>
-            <a:off x="503640" y="109440"/>
-            <a:ext cx="9067680" cy="1262160"/>
+            <a:off x="503640" y="301680"/>
+            <a:ext cx="9068400" cy="1261800"/>
           </a:xfrm>
           <a:prstGeom prst="rect">
             <a:avLst/>
@@ -3856,11 +3787,8 @@
           </a:bodyPr>
           <a:p>
             <a:pPr algn="ctr"/>
-            <a:endParaRPr b="0" i="1" lang="en-US" sz="4400" spc="-1" strike="noStrike">
-              <a:solidFill>
-                <a:srgbClr val="ffffff"/>
-              </a:solidFill>
-              <a:latin typeface="Times New Roman"/>
+            <a:endParaRPr b="0" lang="en-US" sz="4400" spc="-1" strike="noStrike">
+              <a:latin typeface="Arial"/>
             </a:endParaRPr>
           </a:p>
         </p:txBody>
@@ -3878,7 +3806,7 @@
         <p:spPr>
           <a:xfrm>
             <a:off x="503640" y="1769400"/>
-            <a:ext cx="9067680" cy="2091600"/>
+            <a:ext cx="9068400" cy="2091600"/>
           </a:xfrm>
           <a:prstGeom prst="rect">
             <a:avLst/>
@@ -3890,7 +3818,7 @@
           </a:bodyPr>
           <a:p>
             <a:endParaRPr b="0" lang="en-US" sz="3200" spc="-1" strike="noStrike">
-              <a:latin typeface="Times New Roman"/>
+              <a:latin typeface="Arial"/>
             </a:endParaRPr>
           </a:p>
         </p:txBody>
@@ -3908,7 +3836,7 @@
         <p:spPr>
           <a:xfrm>
             <a:off x="503640" y="4060080"/>
-            <a:ext cx="9067680" cy="2091600"/>
+            <a:ext cx="9068400" cy="2091600"/>
           </a:xfrm>
           <a:prstGeom prst="rect">
             <a:avLst/>
@@ -3920,7 +3848,7 @@
           </a:bodyPr>
           <a:p>
             <a:endParaRPr b="0" lang="en-US" sz="3200" spc="-1" strike="noStrike">
-              <a:latin typeface="Times New Roman"/>
+              <a:latin typeface="Arial"/>
             </a:endParaRPr>
           </a:p>
         </p:txBody>
@@ -3959,8 +3887,8 @@
         </p:nvSpPr>
         <p:spPr>
           <a:xfrm>
-            <a:off x="503640" y="109440"/>
-            <a:ext cx="9067680" cy="1262160"/>
+            <a:off x="503640" y="301680"/>
+            <a:ext cx="9068400" cy="1261800"/>
           </a:xfrm>
           <a:prstGeom prst="rect">
             <a:avLst/>
@@ -3972,11 +3900,8 @@
           </a:bodyPr>
           <a:p>
             <a:pPr algn="ctr"/>
-            <a:endParaRPr b="0" i="1" lang="en-US" sz="4400" spc="-1" strike="noStrike">
-              <a:solidFill>
-                <a:srgbClr val="ffffff"/>
-              </a:solidFill>
-              <a:latin typeface="Times New Roman"/>
+            <a:endParaRPr b="0" lang="en-US" sz="4400" spc="-1" strike="noStrike">
+              <a:latin typeface="Arial"/>
             </a:endParaRPr>
           </a:p>
         </p:txBody>
@@ -3994,7 +3919,7 @@
         <p:spPr>
           <a:xfrm>
             <a:off x="503640" y="1769400"/>
-            <a:ext cx="4424760" cy="2091600"/>
+            <a:ext cx="4425120" cy="2091600"/>
           </a:xfrm>
           <a:prstGeom prst="rect">
             <a:avLst/>
@@ -4006,7 +3931,7 @@
           </a:bodyPr>
           <a:p>
             <a:endParaRPr b="0" lang="en-US" sz="3200" spc="-1" strike="noStrike">
-              <a:latin typeface="Times New Roman"/>
+              <a:latin typeface="Arial"/>
             </a:endParaRPr>
           </a:p>
         </p:txBody>
@@ -4023,8 +3948,8 @@
         </p:nvSpPr>
         <p:spPr>
           <a:xfrm>
-            <a:off x="5150160" y="1769400"/>
-            <a:ext cx="4424760" cy="2091600"/>
+            <a:off x="5150520" y="1769400"/>
+            <a:ext cx="4425120" cy="2091600"/>
           </a:xfrm>
           <a:prstGeom prst="rect">
             <a:avLst/>
@@ -4036,7 +3961,7 @@
           </a:bodyPr>
           <a:p>
             <a:endParaRPr b="0" lang="en-US" sz="3200" spc="-1" strike="noStrike">
-              <a:latin typeface="Times New Roman"/>
+              <a:latin typeface="Arial"/>
             </a:endParaRPr>
           </a:p>
         </p:txBody>
@@ -4054,7 +3979,7 @@
         <p:spPr>
           <a:xfrm>
             <a:off x="503640" y="4060080"/>
-            <a:ext cx="4424760" cy="2091600"/>
+            <a:ext cx="4425120" cy="2091600"/>
           </a:xfrm>
           <a:prstGeom prst="rect">
             <a:avLst/>
@@ -4066,7 +3991,7 @@
           </a:bodyPr>
           <a:p>
             <a:endParaRPr b="0" lang="en-US" sz="3200" spc="-1" strike="noStrike">
-              <a:latin typeface="Times New Roman"/>
+              <a:latin typeface="Arial"/>
             </a:endParaRPr>
           </a:p>
         </p:txBody>
@@ -4083,8 +4008,8 @@
         </p:nvSpPr>
         <p:spPr>
           <a:xfrm>
-            <a:off x="5150160" y="4060080"/>
-            <a:ext cx="4424760" cy="2091600"/>
+            <a:off x="5150520" y="4060080"/>
+            <a:ext cx="4425120" cy="2091600"/>
           </a:xfrm>
           <a:prstGeom prst="rect">
             <a:avLst/>
@@ -4096,7 +4021,7 @@
           </a:bodyPr>
           <a:p>
             <a:endParaRPr b="0" lang="en-US" sz="3200" spc="-1" strike="noStrike">
-              <a:latin typeface="Times New Roman"/>
+              <a:latin typeface="Arial"/>
             </a:endParaRPr>
           </a:p>
         </p:txBody>
@@ -4135,8 +4060,8 @@
         </p:nvSpPr>
         <p:spPr>
           <a:xfrm>
-            <a:off x="503640" y="109440"/>
-            <a:ext cx="9067680" cy="1262160"/>
+            <a:off x="503640" y="301680"/>
+            <a:ext cx="9068400" cy="1261800"/>
           </a:xfrm>
           <a:prstGeom prst="rect">
             <a:avLst/>
@@ -4148,11 +4073,8 @@
           </a:bodyPr>
           <a:p>
             <a:pPr algn="ctr"/>
-            <a:endParaRPr b="0" i="1" lang="en-US" sz="4400" spc="-1" strike="noStrike">
-              <a:solidFill>
-                <a:srgbClr val="ffffff"/>
-              </a:solidFill>
-              <a:latin typeface="Times New Roman"/>
+            <a:endParaRPr b="0" lang="en-US" sz="4400" spc="-1" strike="noStrike">
+              <a:latin typeface="Arial"/>
             </a:endParaRPr>
           </a:p>
         </p:txBody>
@@ -4170,7 +4092,7 @@
         <p:spPr>
           <a:xfrm>
             <a:off x="503640" y="1769400"/>
-            <a:ext cx="2919600" cy="2091600"/>
+            <a:ext cx="2919960" cy="2091600"/>
           </a:xfrm>
           <a:prstGeom prst="rect">
             <a:avLst/>
@@ -4182,7 +4104,7 @@
           </a:bodyPr>
           <a:p>
             <a:endParaRPr b="0" lang="en-US" sz="3200" spc="-1" strike="noStrike">
-              <a:latin typeface="Times New Roman"/>
+              <a:latin typeface="Arial"/>
             </a:endParaRPr>
           </a:p>
         </p:txBody>
@@ -4199,8 +4121,8 @@
         </p:nvSpPr>
         <p:spPr>
           <a:xfrm>
-            <a:off x="3569760" y="1769400"/>
-            <a:ext cx="2919600" cy="2091600"/>
+            <a:off x="3570120" y="1769400"/>
+            <a:ext cx="2919960" cy="2091600"/>
           </a:xfrm>
           <a:prstGeom prst="rect">
             <a:avLst/>
@@ -4212,7 +4134,7 @@
           </a:bodyPr>
           <a:p>
             <a:endParaRPr b="0" lang="en-US" sz="3200" spc="-1" strike="noStrike">
-              <a:latin typeface="Times New Roman"/>
+              <a:latin typeface="Arial"/>
             </a:endParaRPr>
           </a:p>
         </p:txBody>
@@ -4229,8 +4151,8 @@
         </p:nvSpPr>
         <p:spPr>
           <a:xfrm>
-            <a:off x="6635520" y="1769400"/>
-            <a:ext cx="2919600" cy="2091600"/>
+            <a:off x="6636240" y="1769400"/>
+            <a:ext cx="2919960" cy="2091600"/>
           </a:xfrm>
           <a:prstGeom prst="rect">
             <a:avLst/>
@@ -4242,7 +4164,7 @@
           </a:bodyPr>
           <a:p>
             <a:endParaRPr b="0" lang="en-US" sz="3200" spc="-1" strike="noStrike">
-              <a:latin typeface="Times New Roman"/>
+              <a:latin typeface="Arial"/>
             </a:endParaRPr>
           </a:p>
         </p:txBody>
@@ -4260,7 +4182,7 @@
         <p:spPr>
           <a:xfrm>
             <a:off x="503640" y="4060080"/>
-            <a:ext cx="2919600" cy="2091600"/>
+            <a:ext cx="2919960" cy="2091600"/>
           </a:xfrm>
           <a:prstGeom prst="rect">
             <a:avLst/>
@@ -4272,7 +4194,7 @@
           </a:bodyPr>
           <a:p>
             <a:endParaRPr b="0" lang="en-US" sz="3200" spc="-1" strike="noStrike">
-              <a:latin typeface="Times New Roman"/>
+              <a:latin typeface="Arial"/>
             </a:endParaRPr>
           </a:p>
         </p:txBody>
@@ -4289,8 +4211,8 @@
         </p:nvSpPr>
         <p:spPr>
           <a:xfrm>
-            <a:off x="3569760" y="4060080"/>
-            <a:ext cx="2919600" cy="2091600"/>
+            <a:off x="3570120" y="4060080"/>
+            <a:ext cx="2919960" cy="2091600"/>
           </a:xfrm>
           <a:prstGeom prst="rect">
             <a:avLst/>
@@ -4302,7 +4224,7 @@
           </a:bodyPr>
           <a:p>
             <a:endParaRPr b="0" lang="en-US" sz="3200" spc="-1" strike="noStrike">
-              <a:latin typeface="Times New Roman"/>
+              <a:latin typeface="Arial"/>
             </a:endParaRPr>
           </a:p>
         </p:txBody>
@@ -4319,8 +4241,8 @@
         </p:nvSpPr>
         <p:spPr>
           <a:xfrm>
-            <a:off x="6635520" y="4060080"/>
-            <a:ext cx="2919600" cy="2091600"/>
+            <a:off x="6636240" y="4060080"/>
+            <a:ext cx="2919960" cy="2091600"/>
           </a:xfrm>
           <a:prstGeom prst="rect">
             <a:avLst/>
@@ -4332,7 +4254,196 @@
           </a:bodyPr>
           <a:p>
             <a:endParaRPr b="0" lang="en-US" sz="3200" spc="-1" strike="noStrike">
-              <a:latin typeface="Times New Roman"/>
+              <a:latin typeface="Arial"/>
+            </a:endParaRPr>
+          </a:p>
+        </p:txBody>
+      </p:sp>
+    </p:spTree>
+  </p:cSld>
+</p:sldLayout>
+</file>
+
+<file path=ppt/slideLayouts/slideLayout37.xml><?xml version="1.0" encoding="utf-8"?>
+<p:sldLayout xmlns:a="http://schemas.openxmlformats.org/drawingml/2006/main" xmlns:p="http://schemas.openxmlformats.org/presentationml/2006/main" xmlns:r="http://schemas.openxmlformats.org/officeDocument/2006/relationships" xmlns:p14="http://schemas.microsoft.com/office/powerpoint/2010/main" xmlns:p15="http://schemas.microsoft.com/office/powerpoint/2012/main" xmlns:mc="http://schemas.openxmlformats.org/markup-compatibility/2006" type="blank" preserve="1">
+  <p:cSld name="Blank Slide">
+    <p:spTree>
+      <p:nvGrpSpPr>
+        <p:cNvPr id="1" name=""/>
+        <p:cNvGrpSpPr/>
+        <p:nvPr/>
+      </p:nvGrpSpPr>
+      <p:grpSpPr>
+        <a:xfrm>
+          <a:off x="0" y="0"/>
+          <a:ext cx="0" cy="0"/>
+          <a:chOff x="0" y="0"/>
+          <a:chExt cx="0" cy="0"/>
+        </a:xfrm>
+      </p:grpSpPr>
+    </p:spTree>
+  </p:cSld>
+</p:sldLayout>
+</file>
+
+<file path=ppt/slideLayouts/slideLayout38.xml><?xml version="1.0" encoding="utf-8"?>
+<p:sldLayout xmlns:a="http://schemas.openxmlformats.org/drawingml/2006/main" xmlns:p="http://schemas.openxmlformats.org/presentationml/2006/main" xmlns:r="http://schemas.openxmlformats.org/officeDocument/2006/relationships" xmlns:p14="http://schemas.microsoft.com/office/powerpoint/2010/main" xmlns:p15="http://schemas.microsoft.com/office/powerpoint/2012/main" xmlns:mc="http://schemas.openxmlformats.org/markup-compatibility/2006" type="tx" preserve="1">
+  <p:cSld name="Title Slide">
+    <p:spTree>
+      <p:nvGrpSpPr>
+        <p:cNvPr id="1" name=""/>
+        <p:cNvGrpSpPr/>
+        <p:nvPr/>
+      </p:nvGrpSpPr>
+      <p:grpSpPr>
+        <a:xfrm>
+          <a:off x="0" y="0"/>
+          <a:ext cx="0" cy="0"/>
+          <a:chOff x="0" y="0"/>
+          <a:chExt cx="0" cy="0"/>
+        </a:xfrm>
+      </p:grpSpPr>
+      <p:sp>
+        <p:nvSpPr>
+          <p:cNvPr id="116" name="PlaceHolder 1"/>
+          <p:cNvSpPr>
+            <a:spLocks noGrp="1"/>
+          </p:cNvSpPr>
+          <p:nvPr>
+            <p:ph type="title"/>
+          </p:nvPr>
+        </p:nvSpPr>
+        <p:spPr>
+          <a:xfrm>
+            <a:off x="503640" y="301680"/>
+            <a:ext cx="9068400" cy="1261800"/>
+          </a:xfrm>
+          <a:prstGeom prst="rect">
+            <a:avLst/>
+          </a:prstGeom>
+        </p:spPr>
+        <p:txBody>
+          <a:bodyPr lIns="0" rIns="0" tIns="0" bIns="0" anchor="ctr">
+            <a:noAutofit/>
+          </a:bodyPr>
+          <a:p>
+            <a:pPr algn="ctr"/>
+            <a:endParaRPr b="0" lang="en-US" sz="4400" spc="-1" strike="noStrike">
+              <a:latin typeface="Arial"/>
+            </a:endParaRPr>
+          </a:p>
+        </p:txBody>
+      </p:sp>
+      <p:sp>
+        <p:nvSpPr>
+          <p:cNvPr id="117" name="PlaceHolder 2"/>
+          <p:cNvSpPr>
+            <a:spLocks noGrp="1"/>
+          </p:cNvSpPr>
+          <p:nvPr>
+            <p:ph type="subTitle"/>
+          </p:nvPr>
+        </p:nvSpPr>
+        <p:spPr>
+          <a:xfrm>
+            <a:off x="503640" y="1769400"/>
+            <a:ext cx="9068400" cy="4385160"/>
+          </a:xfrm>
+          <a:prstGeom prst="rect">
+            <a:avLst/>
+          </a:prstGeom>
+        </p:spPr>
+        <p:txBody>
+          <a:bodyPr lIns="0" rIns="0" tIns="0" bIns="0" anchor="ctr">
+            <a:noAutofit/>
+          </a:bodyPr>
+          <a:p>
+            <a:pPr algn="ctr"/>
+            <a:endParaRPr b="0" lang="en-US" sz="3200" spc="-1" strike="noStrike">
+              <a:latin typeface="Arial"/>
+            </a:endParaRPr>
+          </a:p>
+        </p:txBody>
+      </p:sp>
+    </p:spTree>
+  </p:cSld>
+</p:sldLayout>
+</file>
+
+<file path=ppt/slideLayouts/slideLayout39.xml><?xml version="1.0" encoding="utf-8"?>
+<p:sldLayout xmlns:a="http://schemas.openxmlformats.org/drawingml/2006/main" xmlns:p="http://schemas.openxmlformats.org/presentationml/2006/main" xmlns:r="http://schemas.openxmlformats.org/officeDocument/2006/relationships" xmlns:p14="http://schemas.microsoft.com/office/powerpoint/2010/main" xmlns:p15="http://schemas.microsoft.com/office/powerpoint/2012/main" xmlns:mc="http://schemas.openxmlformats.org/markup-compatibility/2006" type="obj" preserve="1">
+  <p:cSld name="Title, Content">
+    <p:spTree>
+      <p:nvGrpSpPr>
+        <p:cNvPr id="1" name=""/>
+        <p:cNvGrpSpPr/>
+        <p:nvPr/>
+      </p:nvGrpSpPr>
+      <p:grpSpPr>
+        <a:xfrm>
+          <a:off x="0" y="0"/>
+          <a:ext cx="0" cy="0"/>
+          <a:chOff x="0" y="0"/>
+          <a:chExt cx="0" cy="0"/>
+        </a:xfrm>
+      </p:grpSpPr>
+      <p:sp>
+        <p:nvSpPr>
+          <p:cNvPr id="118" name="PlaceHolder 1"/>
+          <p:cNvSpPr>
+            <a:spLocks noGrp="1"/>
+          </p:cNvSpPr>
+          <p:nvPr>
+            <p:ph type="title"/>
+          </p:nvPr>
+        </p:nvSpPr>
+        <p:spPr>
+          <a:xfrm>
+            <a:off x="503640" y="301680"/>
+            <a:ext cx="9068400" cy="1261800"/>
+          </a:xfrm>
+          <a:prstGeom prst="rect">
+            <a:avLst/>
+          </a:prstGeom>
+        </p:spPr>
+        <p:txBody>
+          <a:bodyPr lIns="0" rIns="0" tIns="0" bIns="0" anchor="ctr">
+            <a:noAutofit/>
+          </a:bodyPr>
+          <a:p>
+            <a:pPr algn="ctr"/>
+            <a:endParaRPr b="0" lang="en-US" sz="4400" spc="-1" strike="noStrike">
+              <a:latin typeface="Arial"/>
+            </a:endParaRPr>
+          </a:p>
+        </p:txBody>
+      </p:sp>
+      <p:sp>
+        <p:nvSpPr>
+          <p:cNvPr id="119" name="PlaceHolder 2"/>
+          <p:cNvSpPr>
+            <a:spLocks noGrp="1"/>
+          </p:cNvSpPr>
+          <p:nvPr>
+            <p:ph type="body"/>
+          </p:nvPr>
+        </p:nvSpPr>
+        <p:spPr>
+          <a:xfrm>
+            <a:off x="503640" y="1769400"/>
+            <a:ext cx="9068400" cy="4385160"/>
+          </a:xfrm>
+          <a:prstGeom prst="rect">
+            <a:avLst/>
+          </a:prstGeom>
+        </p:spPr>
+        <p:txBody>
+          <a:bodyPr lIns="0" rIns="0" tIns="0" bIns="0">
+            <a:normAutofit/>
+          </a:bodyPr>
+          <a:p>
+            <a:endParaRPr b="0" lang="en-US" sz="3200" spc="-1" strike="noStrike">
+              <a:latin typeface="Arial"/>
             </a:endParaRPr>
           </a:p>
         </p:txBody>
@@ -4371,8 +4482,8 @@
         </p:nvSpPr>
         <p:spPr>
           <a:xfrm>
-            <a:off x="503640" y="109440"/>
-            <a:ext cx="9067680" cy="1262160"/>
+            <a:off x="503640" y="301680"/>
+            <a:ext cx="9068400" cy="1261800"/>
           </a:xfrm>
           <a:prstGeom prst="rect">
             <a:avLst/>
@@ -4384,11 +4495,8 @@
           </a:bodyPr>
           <a:p>
             <a:pPr algn="ctr"/>
-            <a:endParaRPr b="0" i="1" lang="en-US" sz="4400" spc="-1" strike="noStrike">
-              <a:solidFill>
-                <a:srgbClr val="ffffff"/>
-              </a:solidFill>
-              <a:latin typeface="Times New Roman"/>
+            <a:endParaRPr b="0" lang="en-US" sz="4400" spc="-1" strike="noStrike">
+              <a:latin typeface="Arial"/>
             </a:endParaRPr>
           </a:p>
         </p:txBody>
@@ -4406,7 +4514,7 @@
         <p:spPr>
           <a:xfrm>
             <a:off x="503640" y="1769400"/>
-            <a:ext cx="4424760" cy="4385520"/>
+            <a:ext cx="4425120" cy="4385160"/>
           </a:xfrm>
           <a:prstGeom prst="rect">
             <a:avLst/>
@@ -4418,7 +4526,7 @@
           </a:bodyPr>
           <a:p>
             <a:endParaRPr b="0" lang="en-US" sz="3200" spc="-1" strike="noStrike">
-              <a:latin typeface="Times New Roman"/>
+              <a:latin typeface="Arial"/>
             </a:endParaRPr>
           </a:p>
         </p:txBody>
@@ -4435,8 +4543,8 @@
         </p:nvSpPr>
         <p:spPr>
           <a:xfrm>
-            <a:off x="5150160" y="1769400"/>
-            <a:ext cx="4424760" cy="4385520"/>
+            <a:off x="5150520" y="1769400"/>
+            <a:ext cx="4425120" cy="4385160"/>
           </a:xfrm>
           <a:prstGeom prst="rect">
             <a:avLst/>
@@ -4448,7 +4556,1174 @@
           </a:bodyPr>
           <a:p>
             <a:endParaRPr b="0" lang="en-US" sz="3200" spc="-1" strike="noStrike">
-              <a:latin typeface="Times New Roman"/>
+              <a:latin typeface="Arial"/>
+            </a:endParaRPr>
+          </a:p>
+        </p:txBody>
+      </p:sp>
+    </p:spTree>
+  </p:cSld>
+</p:sldLayout>
+</file>
+
+<file path=ppt/slideLayouts/slideLayout40.xml><?xml version="1.0" encoding="utf-8"?>
+<p:sldLayout xmlns:a="http://schemas.openxmlformats.org/drawingml/2006/main" xmlns:p="http://schemas.openxmlformats.org/presentationml/2006/main" xmlns:r="http://schemas.openxmlformats.org/officeDocument/2006/relationships" xmlns:p14="http://schemas.microsoft.com/office/powerpoint/2010/main" xmlns:p15="http://schemas.microsoft.com/office/powerpoint/2012/main" xmlns:mc="http://schemas.openxmlformats.org/markup-compatibility/2006" type="twoObj" preserve="1">
+  <p:cSld name="Title, 2 Content">
+    <p:spTree>
+      <p:nvGrpSpPr>
+        <p:cNvPr id="1" name=""/>
+        <p:cNvGrpSpPr/>
+        <p:nvPr/>
+      </p:nvGrpSpPr>
+      <p:grpSpPr>
+        <a:xfrm>
+          <a:off x="0" y="0"/>
+          <a:ext cx="0" cy="0"/>
+          <a:chOff x="0" y="0"/>
+          <a:chExt cx="0" cy="0"/>
+        </a:xfrm>
+      </p:grpSpPr>
+      <p:sp>
+        <p:nvSpPr>
+          <p:cNvPr id="120" name="PlaceHolder 1"/>
+          <p:cNvSpPr>
+            <a:spLocks noGrp="1"/>
+          </p:cNvSpPr>
+          <p:nvPr>
+            <p:ph type="title"/>
+          </p:nvPr>
+        </p:nvSpPr>
+        <p:spPr>
+          <a:xfrm>
+            <a:off x="503640" y="301680"/>
+            <a:ext cx="9068400" cy="1261800"/>
+          </a:xfrm>
+          <a:prstGeom prst="rect">
+            <a:avLst/>
+          </a:prstGeom>
+        </p:spPr>
+        <p:txBody>
+          <a:bodyPr lIns="0" rIns="0" tIns="0" bIns="0" anchor="ctr">
+            <a:noAutofit/>
+          </a:bodyPr>
+          <a:p>
+            <a:pPr algn="ctr"/>
+            <a:endParaRPr b="0" lang="en-US" sz="4400" spc="-1" strike="noStrike">
+              <a:latin typeface="Arial"/>
+            </a:endParaRPr>
+          </a:p>
+        </p:txBody>
+      </p:sp>
+      <p:sp>
+        <p:nvSpPr>
+          <p:cNvPr id="121" name="PlaceHolder 2"/>
+          <p:cNvSpPr>
+            <a:spLocks noGrp="1"/>
+          </p:cNvSpPr>
+          <p:nvPr>
+            <p:ph type="body"/>
+          </p:nvPr>
+        </p:nvSpPr>
+        <p:spPr>
+          <a:xfrm>
+            <a:off x="503640" y="1769400"/>
+            <a:ext cx="4425120" cy="4385160"/>
+          </a:xfrm>
+          <a:prstGeom prst="rect">
+            <a:avLst/>
+          </a:prstGeom>
+        </p:spPr>
+        <p:txBody>
+          <a:bodyPr lIns="0" rIns="0" tIns="0" bIns="0">
+            <a:normAutofit/>
+          </a:bodyPr>
+          <a:p>
+            <a:endParaRPr b="0" lang="en-US" sz="3200" spc="-1" strike="noStrike">
+              <a:latin typeface="Arial"/>
+            </a:endParaRPr>
+          </a:p>
+        </p:txBody>
+      </p:sp>
+      <p:sp>
+        <p:nvSpPr>
+          <p:cNvPr id="122" name="PlaceHolder 3"/>
+          <p:cNvSpPr>
+            <a:spLocks noGrp="1"/>
+          </p:cNvSpPr>
+          <p:nvPr>
+            <p:ph type="body"/>
+          </p:nvPr>
+        </p:nvSpPr>
+        <p:spPr>
+          <a:xfrm>
+            <a:off x="5150520" y="1769400"/>
+            <a:ext cx="4425120" cy="4385160"/>
+          </a:xfrm>
+          <a:prstGeom prst="rect">
+            <a:avLst/>
+          </a:prstGeom>
+        </p:spPr>
+        <p:txBody>
+          <a:bodyPr lIns="0" rIns="0" tIns="0" bIns="0">
+            <a:normAutofit/>
+          </a:bodyPr>
+          <a:p>
+            <a:endParaRPr b="0" lang="en-US" sz="3200" spc="-1" strike="noStrike">
+              <a:latin typeface="Arial"/>
+            </a:endParaRPr>
+          </a:p>
+        </p:txBody>
+      </p:sp>
+    </p:spTree>
+  </p:cSld>
+</p:sldLayout>
+</file>
+
+<file path=ppt/slideLayouts/slideLayout41.xml><?xml version="1.0" encoding="utf-8"?>
+<p:sldLayout xmlns:a="http://schemas.openxmlformats.org/drawingml/2006/main" xmlns:p="http://schemas.openxmlformats.org/presentationml/2006/main" xmlns:r="http://schemas.openxmlformats.org/officeDocument/2006/relationships" xmlns:p14="http://schemas.microsoft.com/office/powerpoint/2010/main" xmlns:p15="http://schemas.microsoft.com/office/powerpoint/2012/main" xmlns:mc="http://schemas.openxmlformats.org/markup-compatibility/2006" type="titleOnly" preserve="1">
+  <p:cSld name="Title Only">
+    <p:spTree>
+      <p:nvGrpSpPr>
+        <p:cNvPr id="1" name=""/>
+        <p:cNvGrpSpPr/>
+        <p:nvPr/>
+      </p:nvGrpSpPr>
+      <p:grpSpPr>
+        <a:xfrm>
+          <a:off x="0" y="0"/>
+          <a:ext cx="0" cy="0"/>
+          <a:chOff x="0" y="0"/>
+          <a:chExt cx="0" cy="0"/>
+        </a:xfrm>
+      </p:grpSpPr>
+      <p:sp>
+        <p:nvSpPr>
+          <p:cNvPr id="123" name="PlaceHolder 1"/>
+          <p:cNvSpPr>
+            <a:spLocks noGrp="1"/>
+          </p:cNvSpPr>
+          <p:nvPr>
+            <p:ph type="title"/>
+          </p:nvPr>
+        </p:nvSpPr>
+        <p:spPr>
+          <a:xfrm>
+            <a:off x="503640" y="301680"/>
+            <a:ext cx="9068400" cy="1261800"/>
+          </a:xfrm>
+          <a:prstGeom prst="rect">
+            <a:avLst/>
+          </a:prstGeom>
+        </p:spPr>
+        <p:txBody>
+          <a:bodyPr lIns="0" rIns="0" tIns="0" bIns="0" anchor="ctr">
+            <a:noAutofit/>
+          </a:bodyPr>
+          <a:p>
+            <a:pPr algn="ctr"/>
+            <a:endParaRPr b="0" lang="en-US" sz="4400" spc="-1" strike="noStrike">
+              <a:latin typeface="Arial"/>
+            </a:endParaRPr>
+          </a:p>
+        </p:txBody>
+      </p:sp>
+    </p:spTree>
+  </p:cSld>
+</p:sldLayout>
+</file>
+
+<file path=ppt/slideLayouts/slideLayout42.xml><?xml version="1.0" encoding="utf-8"?>
+<p:sldLayout xmlns:a="http://schemas.openxmlformats.org/drawingml/2006/main" xmlns:p="http://schemas.openxmlformats.org/presentationml/2006/main" xmlns:r="http://schemas.openxmlformats.org/officeDocument/2006/relationships" xmlns:p14="http://schemas.microsoft.com/office/powerpoint/2010/main" xmlns:p15="http://schemas.microsoft.com/office/powerpoint/2012/main" xmlns:mc="http://schemas.openxmlformats.org/markup-compatibility/2006" type="objOnly" preserve="1">
+  <p:cSld name="Centered Text">
+    <p:spTree>
+      <p:nvGrpSpPr>
+        <p:cNvPr id="1" name=""/>
+        <p:cNvGrpSpPr/>
+        <p:nvPr/>
+      </p:nvGrpSpPr>
+      <p:grpSpPr>
+        <a:xfrm>
+          <a:off x="0" y="0"/>
+          <a:ext cx="0" cy="0"/>
+          <a:chOff x="0" y="0"/>
+          <a:chExt cx="0" cy="0"/>
+        </a:xfrm>
+      </p:grpSpPr>
+      <p:sp>
+        <p:nvSpPr>
+          <p:cNvPr id="124" name="PlaceHolder 1"/>
+          <p:cNvSpPr>
+            <a:spLocks noGrp="1"/>
+          </p:cNvSpPr>
+          <p:nvPr>
+            <p:ph type="subTitle"/>
+          </p:nvPr>
+        </p:nvSpPr>
+        <p:spPr>
+          <a:xfrm>
+            <a:off x="503640" y="301680"/>
+            <a:ext cx="9068400" cy="5850360"/>
+          </a:xfrm>
+          <a:prstGeom prst="rect">
+            <a:avLst/>
+          </a:prstGeom>
+        </p:spPr>
+        <p:txBody>
+          <a:bodyPr lIns="0" rIns="0" tIns="0" bIns="0" anchor="ctr">
+            <a:noAutofit/>
+          </a:bodyPr>
+          <a:p>
+            <a:pPr algn="ctr"/>
+            <a:endParaRPr b="0" lang="en-US" sz="3200" spc="-1" strike="noStrike">
+              <a:latin typeface="Arial"/>
+            </a:endParaRPr>
+          </a:p>
+        </p:txBody>
+      </p:sp>
+    </p:spTree>
+  </p:cSld>
+</p:sldLayout>
+</file>
+
+<file path=ppt/slideLayouts/slideLayout43.xml><?xml version="1.0" encoding="utf-8"?>
+<p:sldLayout xmlns:a="http://schemas.openxmlformats.org/drawingml/2006/main" xmlns:p="http://schemas.openxmlformats.org/presentationml/2006/main" xmlns:r="http://schemas.openxmlformats.org/officeDocument/2006/relationships" xmlns:p14="http://schemas.microsoft.com/office/powerpoint/2010/main" xmlns:p15="http://schemas.microsoft.com/office/powerpoint/2012/main" xmlns:mc="http://schemas.openxmlformats.org/markup-compatibility/2006" type="twoObjAndObj" preserve="1">
+  <p:cSld name="Title, 2 Content and Content">
+    <p:spTree>
+      <p:nvGrpSpPr>
+        <p:cNvPr id="1" name=""/>
+        <p:cNvGrpSpPr/>
+        <p:nvPr/>
+      </p:nvGrpSpPr>
+      <p:grpSpPr>
+        <a:xfrm>
+          <a:off x="0" y="0"/>
+          <a:ext cx="0" cy="0"/>
+          <a:chOff x="0" y="0"/>
+          <a:chExt cx="0" cy="0"/>
+        </a:xfrm>
+      </p:grpSpPr>
+      <p:sp>
+        <p:nvSpPr>
+          <p:cNvPr id="125" name="PlaceHolder 1"/>
+          <p:cNvSpPr>
+            <a:spLocks noGrp="1"/>
+          </p:cNvSpPr>
+          <p:nvPr>
+            <p:ph type="title"/>
+          </p:nvPr>
+        </p:nvSpPr>
+        <p:spPr>
+          <a:xfrm>
+            <a:off x="503640" y="301680"/>
+            <a:ext cx="9068400" cy="1261800"/>
+          </a:xfrm>
+          <a:prstGeom prst="rect">
+            <a:avLst/>
+          </a:prstGeom>
+        </p:spPr>
+        <p:txBody>
+          <a:bodyPr lIns="0" rIns="0" tIns="0" bIns="0" anchor="ctr">
+            <a:noAutofit/>
+          </a:bodyPr>
+          <a:p>
+            <a:pPr algn="ctr"/>
+            <a:endParaRPr b="0" lang="en-US" sz="4400" spc="-1" strike="noStrike">
+              <a:latin typeface="Arial"/>
+            </a:endParaRPr>
+          </a:p>
+        </p:txBody>
+      </p:sp>
+      <p:sp>
+        <p:nvSpPr>
+          <p:cNvPr id="126" name="PlaceHolder 2"/>
+          <p:cNvSpPr>
+            <a:spLocks noGrp="1"/>
+          </p:cNvSpPr>
+          <p:nvPr>
+            <p:ph type="body"/>
+          </p:nvPr>
+        </p:nvSpPr>
+        <p:spPr>
+          <a:xfrm>
+            <a:off x="503640" y="1769400"/>
+            <a:ext cx="4425120" cy="2091600"/>
+          </a:xfrm>
+          <a:prstGeom prst="rect">
+            <a:avLst/>
+          </a:prstGeom>
+        </p:spPr>
+        <p:txBody>
+          <a:bodyPr lIns="0" rIns="0" tIns="0" bIns="0">
+            <a:normAutofit/>
+          </a:bodyPr>
+          <a:p>
+            <a:endParaRPr b="0" lang="en-US" sz="3200" spc="-1" strike="noStrike">
+              <a:latin typeface="Arial"/>
+            </a:endParaRPr>
+          </a:p>
+        </p:txBody>
+      </p:sp>
+      <p:sp>
+        <p:nvSpPr>
+          <p:cNvPr id="127" name="PlaceHolder 3"/>
+          <p:cNvSpPr>
+            <a:spLocks noGrp="1"/>
+          </p:cNvSpPr>
+          <p:nvPr>
+            <p:ph type="body"/>
+          </p:nvPr>
+        </p:nvSpPr>
+        <p:spPr>
+          <a:xfrm>
+            <a:off x="5150520" y="1769400"/>
+            <a:ext cx="4425120" cy="4385160"/>
+          </a:xfrm>
+          <a:prstGeom prst="rect">
+            <a:avLst/>
+          </a:prstGeom>
+        </p:spPr>
+        <p:txBody>
+          <a:bodyPr lIns="0" rIns="0" tIns="0" bIns="0">
+            <a:normAutofit/>
+          </a:bodyPr>
+          <a:p>
+            <a:endParaRPr b="0" lang="en-US" sz="3200" spc="-1" strike="noStrike">
+              <a:latin typeface="Arial"/>
+            </a:endParaRPr>
+          </a:p>
+        </p:txBody>
+      </p:sp>
+      <p:sp>
+        <p:nvSpPr>
+          <p:cNvPr id="128" name="PlaceHolder 4"/>
+          <p:cNvSpPr>
+            <a:spLocks noGrp="1"/>
+          </p:cNvSpPr>
+          <p:nvPr>
+            <p:ph type="body"/>
+          </p:nvPr>
+        </p:nvSpPr>
+        <p:spPr>
+          <a:xfrm>
+            <a:off x="503640" y="4060080"/>
+            <a:ext cx="4425120" cy="2091600"/>
+          </a:xfrm>
+          <a:prstGeom prst="rect">
+            <a:avLst/>
+          </a:prstGeom>
+        </p:spPr>
+        <p:txBody>
+          <a:bodyPr lIns="0" rIns="0" tIns="0" bIns="0">
+            <a:normAutofit/>
+          </a:bodyPr>
+          <a:p>
+            <a:endParaRPr b="0" lang="en-US" sz="3200" spc="-1" strike="noStrike">
+              <a:latin typeface="Arial"/>
+            </a:endParaRPr>
+          </a:p>
+        </p:txBody>
+      </p:sp>
+    </p:spTree>
+  </p:cSld>
+</p:sldLayout>
+</file>
+
+<file path=ppt/slideLayouts/slideLayout44.xml><?xml version="1.0" encoding="utf-8"?>
+<p:sldLayout xmlns:a="http://schemas.openxmlformats.org/drawingml/2006/main" xmlns:p="http://schemas.openxmlformats.org/presentationml/2006/main" xmlns:r="http://schemas.openxmlformats.org/officeDocument/2006/relationships" xmlns:p14="http://schemas.microsoft.com/office/powerpoint/2010/main" xmlns:p15="http://schemas.microsoft.com/office/powerpoint/2012/main" xmlns:mc="http://schemas.openxmlformats.org/markup-compatibility/2006" type="objAndTwoObj" preserve="1">
+  <p:cSld name="Title Content and 2 Content">
+    <p:spTree>
+      <p:nvGrpSpPr>
+        <p:cNvPr id="1" name=""/>
+        <p:cNvGrpSpPr/>
+        <p:nvPr/>
+      </p:nvGrpSpPr>
+      <p:grpSpPr>
+        <a:xfrm>
+          <a:off x="0" y="0"/>
+          <a:ext cx="0" cy="0"/>
+          <a:chOff x="0" y="0"/>
+          <a:chExt cx="0" cy="0"/>
+        </a:xfrm>
+      </p:grpSpPr>
+      <p:sp>
+        <p:nvSpPr>
+          <p:cNvPr id="129" name="PlaceHolder 1"/>
+          <p:cNvSpPr>
+            <a:spLocks noGrp="1"/>
+          </p:cNvSpPr>
+          <p:nvPr>
+            <p:ph type="title"/>
+          </p:nvPr>
+        </p:nvSpPr>
+        <p:spPr>
+          <a:xfrm>
+            <a:off x="503640" y="301680"/>
+            <a:ext cx="9068400" cy="1261800"/>
+          </a:xfrm>
+          <a:prstGeom prst="rect">
+            <a:avLst/>
+          </a:prstGeom>
+        </p:spPr>
+        <p:txBody>
+          <a:bodyPr lIns="0" rIns="0" tIns="0" bIns="0" anchor="ctr">
+            <a:noAutofit/>
+          </a:bodyPr>
+          <a:p>
+            <a:pPr algn="ctr"/>
+            <a:endParaRPr b="0" lang="en-US" sz="4400" spc="-1" strike="noStrike">
+              <a:latin typeface="Arial"/>
+            </a:endParaRPr>
+          </a:p>
+        </p:txBody>
+      </p:sp>
+      <p:sp>
+        <p:nvSpPr>
+          <p:cNvPr id="130" name="PlaceHolder 2"/>
+          <p:cNvSpPr>
+            <a:spLocks noGrp="1"/>
+          </p:cNvSpPr>
+          <p:nvPr>
+            <p:ph type="body"/>
+          </p:nvPr>
+        </p:nvSpPr>
+        <p:spPr>
+          <a:xfrm>
+            <a:off x="503640" y="1769400"/>
+            <a:ext cx="4425120" cy="4385160"/>
+          </a:xfrm>
+          <a:prstGeom prst="rect">
+            <a:avLst/>
+          </a:prstGeom>
+        </p:spPr>
+        <p:txBody>
+          <a:bodyPr lIns="0" rIns="0" tIns="0" bIns="0">
+            <a:normAutofit/>
+          </a:bodyPr>
+          <a:p>
+            <a:endParaRPr b="0" lang="en-US" sz="3200" spc="-1" strike="noStrike">
+              <a:latin typeface="Arial"/>
+            </a:endParaRPr>
+          </a:p>
+        </p:txBody>
+      </p:sp>
+      <p:sp>
+        <p:nvSpPr>
+          <p:cNvPr id="131" name="PlaceHolder 3"/>
+          <p:cNvSpPr>
+            <a:spLocks noGrp="1"/>
+          </p:cNvSpPr>
+          <p:nvPr>
+            <p:ph type="body"/>
+          </p:nvPr>
+        </p:nvSpPr>
+        <p:spPr>
+          <a:xfrm>
+            <a:off x="5150520" y="1769400"/>
+            <a:ext cx="4425120" cy="2091600"/>
+          </a:xfrm>
+          <a:prstGeom prst="rect">
+            <a:avLst/>
+          </a:prstGeom>
+        </p:spPr>
+        <p:txBody>
+          <a:bodyPr lIns="0" rIns="0" tIns="0" bIns="0">
+            <a:normAutofit/>
+          </a:bodyPr>
+          <a:p>
+            <a:endParaRPr b="0" lang="en-US" sz="3200" spc="-1" strike="noStrike">
+              <a:latin typeface="Arial"/>
+            </a:endParaRPr>
+          </a:p>
+        </p:txBody>
+      </p:sp>
+      <p:sp>
+        <p:nvSpPr>
+          <p:cNvPr id="132" name="PlaceHolder 4"/>
+          <p:cNvSpPr>
+            <a:spLocks noGrp="1"/>
+          </p:cNvSpPr>
+          <p:nvPr>
+            <p:ph type="body"/>
+          </p:nvPr>
+        </p:nvSpPr>
+        <p:spPr>
+          <a:xfrm>
+            <a:off x="5150520" y="4060080"/>
+            <a:ext cx="4425120" cy="2091600"/>
+          </a:xfrm>
+          <a:prstGeom prst="rect">
+            <a:avLst/>
+          </a:prstGeom>
+        </p:spPr>
+        <p:txBody>
+          <a:bodyPr lIns="0" rIns="0" tIns="0" bIns="0">
+            <a:normAutofit/>
+          </a:bodyPr>
+          <a:p>
+            <a:endParaRPr b="0" lang="en-US" sz="3200" spc="-1" strike="noStrike">
+              <a:latin typeface="Arial"/>
+            </a:endParaRPr>
+          </a:p>
+        </p:txBody>
+      </p:sp>
+    </p:spTree>
+  </p:cSld>
+</p:sldLayout>
+</file>
+
+<file path=ppt/slideLayouts/slideLayout45.xml><?xml version="1.0" encoding="utf-8"?>
+<p:sldLayout xmlns:a="http://schemas.openxmlformats.org/drawingml/2006/main" xmlns:p="http://schemas.openxmlformats.org/presentationml/2006/main" xmlns:r="http://schemas.openxmlformats.org/officeDocument/2006/relationships" xmlns:p14="http://schemas.microsoft.com/office/powerpoint/2010/main" xmlns:p15="http://schemas.microsoft.com/office/powerpoint/2012/main" xmlns:mc="http://schemas.openxmlformats.org/markup-compatibility/2006" type="twoObjOverTx" preserve="1">
+  <p:cSld name="Title, 2 Content over Content">
+    <p:spTree>
+      <p:nvGrpSpPr>
+        <p:cNvPr id="1" name=""/>
+        <p:cNvGrpSpPr/>
+        <p:nvPr/>
+      </p:nvGrpSpPr>
+      <p:grpSpPr>
+        <a:xfrm>
+          <a:off x="0" y="0"/>
+          <a:ext cx="0" cy="0"/>
+          <a:chOff x="0" y="0"/>
+          <a:chExt cx="0" cy="0"/>
+        </a:xfrm>
+      </p:grpSpPr>
+      <p:sp>
+        <p:nvSpPr>
+          <p:cNvPr id="133" name="PlaceHolder 1"/>
+          <p:cNvSpPr>
+            <a:spLocks noGrp="1"/>
+          </p:cNvSpPr>
+          <p:nvPr>
+            <p:ph type="title"/>
+          </p:nvPr>
+        </p:nvSpPr>
+        <p:spPr>
+          <a:xfrm>
+            <a:off x="503640" y="301680"/>
+            <a:ext cx="9068400" cy="1261800"/>
+          </a:xfrm>
+          <a:prstGeom prst="rect">
+            <a:avLst/>
+          </a:prstGeom>
+        </p:spPr>
+        <p:txBody>
+          <a:bodyPr lIns="0" rIns="0" tIns="0" bIns="0" anchor="ctr">
+            <a:noAutofit/>
+          </a:bodyPr>
+          <a:p>
+            <a:pPr algn="ctr"/>
+            <a:endParaRPr b="0" lang="en-US" sz="4400" spc="-1" strike="noStrike">
+              <a:latin typeface="Arial"/>
+            </a:endParaRPr>
+          </a:p>
+        </p:txBody>
+      </p:sp>
+      <p:sp>
+        <p:nvSpPr>
+          <p:cNvPr id="134" name="PlaceHolder 2"/>
+          <p:cNvSpPr>
+            <a:spLocks noGrp="1"/>
+          </p:cNvSpPr>
+          <p:nvPr>
+            <p:ph type="body"/>
+          </p:nvPr>
+        </p:nvSpPr>
+        <p:spPr>
+          <a:xfrm>
+            <a:off x="503640" y="1769400"/>
+            <a:ext cx="4425120" cy="2091600"/>
+          </a:xfrm>
+          <a:prstGeom prst="rect">
+            <a:avLst/>
+          </a:prstGeom>
+        </p:spPr>
+        <p:txBody>
+          <a:bodyPr lIns="0" rIns="0" tIns="0" bIns="0">
+            <a:normAutofit/>
+          </a:bodyPr>
+          <a:p>
+            <a:endParaRPr b="0" lang="en-US" sz="3200" spc="-1" strike="noStrike">
+              <a:latin typeface="Arial"/>
+            </a:endParaRPr>
+          </a:p>
+        </p:txBody>
+      </p:sp>
+      <p:sp>
+        <p:nvSpPr>
+          <p:cNvPr id="135" name="PlaceHolder 3"/>
+          <p:cNvSpPr>
+            <a:spLocks noGrp="1"/>
+          </p:cNvSpPr>
+          <p:nvPr>
+            <p:ph type="body"/>
+          </p:nvPr>
+        </p:nvSpPr>
+        <p:spPr>
+          <a:xfrm>
+            <a:off x="5150520" y="1769400"/>
+            <a:ext cx="4425120" cy="2091600"/>
+          </a:xfrm>
+          <a:prstGeom prst="rect">
+            <a:avLst/>
+          </a:prstGeom>
+        </p:spPr>
+        <p:txBody>
+          <a:bodyPr lIns="0" rIns="0" tIns="0" bIns="0">
+            <a:normAutofit/>
+          </a:bodyPr>
+          <a:p>
+            <a:endParaRPr b="0" lang="en-US" sz="3200" spc="-1" strike="noStrike">
+              <a:latin typeface="Arial"/>
+            </a:endParaRPr>
+          </a:p>
+        </p:txBody>
+      </p:sp>
+      <p:sp>
+        <p:nvSpPr>
+          <p:cNvPr id="136" name="PlaceHolder 4"/>
+          <p:cNvSpPr>
+            <a:spLocks noGrp="1"/>
+          </p:cNvSpPr>
+          <p:nvPr>
+            <p:ph type="body"/>
+          </p:nvPr>
+        </p:nvSpPr>
+        <p:spPr>
+          <a:xfrm>
+            <a:off x="503640" y="4060080"/>
+            <a:ext cx="9068400" cy="2091600"/>
+          </a:xfrm>
+          <a:prstGeom prst="rect">
+            <a:avLst/>
+          </a:prstGeom>
+        </p:spPr>
+        <p:txBody>
+          <a:bodyPr lIns="0" rIns="0" tIns="0" bIns="0">
+            <a:normAutofit/>
+          </a:bodyPr>
+          <a:p>
+            <a:endParaRPr b="0" lang="en-US" sz="3200" spc="-1" strike="noStrike">
+              <a:latin typeface="Arial"/>
+            </a:endParaRPr>
+          </a:p>
+        </p:txBody>
+      </p:sp>
+    </p:spTree>
+  </p:cSld>
+</p:sldLayout>
+</file>
+
+<file path=ppt/slideLayouts/slideLayout46.xml><?xml version="1.0" encoding="utf-8"?>
+<p:sldLayout xmlns:a="http://schemas.openxmlformats.org/drawingml/2006/main" xmlns:p="http://schemas.openxmlformats.org/presentationml/2006/main" xmlns:r="http://schemas.openxmlformats.org/officeDocument/2006/relationships" xmlns:p14="http://schemas.microsoft.com/office/powerpoint/2010/main" xmlns:p15="http://schemas.microsoft.com/office/powerpoint/2012/main" xmlns:mc="http://schemas.openxmlformats.org/markup-compatibility/2006" type="objOverTx" preserve="1">
+  <p:cSld name="Title, Content over Content">
+    <p:spTree>
+      <p:nvGrpSpPr>
+        <p:cNvPr id="1" name=""/>
+        <p:cNvGrpSpPr/>
+        <p:nvPr/>
+      </p:nvGrpSpPr>
+      <p:grpSpPr>
+        <a:xfrm>
+          <a:off x="0" y="0"/>
+          <a:ext cx="0" cy="0"/>
+          <a:chOff x="0" y="0"/>
+          <a:chExt cx="0" cy="0"/>
+        </a:xfrm>
+      </p:grpSpPr>
+      <p:sp>
+        <p:nvSpPr>
+          <p:cNvPr id="137" name="PlaceHolder 1"/>
+          <p:cNvSpPr>
+            <a:spLocks noGrp="1"/>
+          </p:cNvSpPr>
+          <p:nvPr>
+            <p:ph type="title"/>
+          </p:nvPr>
+        </p:nvSpPr>
+        <p:spPr>
+          <a:xfrm>
+            <a:off x="503640" y="301680"/>
+            <a:ext cx="9068400" cy="1261800"/>
+          </a:xfrm>
+          <a:prstGeom prst="rect">
+            <a:avLst/>
+          </a:prstGeom>
+        </p:spPr>
+        <p:txBody>
+          <a:bodyPr lIns="0" rIns="0" tIns="0" bIns="0" anchor="ctr">
+            <a:noAutofit/>
+          </a:bodyPr>
+          <a:p>
+            <a:pPr algn="ctr"/>
+            <a:endParaRPr b="0" lang="en-US" sz="4400" spc="-1" strike="noStrike">
+              <a:latin typeface="Arial"/>
+            </a:endParaRPr>
+          </a:p>
+        </p:txBody>
+      </p:sp>
+      <p:sp>
+        <p:nvSpPr>
+          <p:cNvPr id="138" name="PlaceHolder 2"/>
+          <p:cNvSpPr>
+            <a:spLocks noGrp="1"/>
+          </p:cNvSpPr>
+          <p:nvPr>
+            <p:ph type="body"/>
+          </p:nvPr>
+        </p:nvSpPr>
+        <p:spPr>
+          <a:xfrm>
+            <a:off x="503640" y="1769400"/>
+            <a:ext cx="9068400" cy="2091600"/>
+          </a:xfrm>
+          <a:prstGeom prst="rect">
+            <a:avLst/>
+          </a:prstGeom>
+        </p:spPr>
+        <p:txBody>
+          <a:bodyPr lIns="0" rIns="0" tIns="0" bIns="0">
+            <a:normAutofit/>
+          </a:bodyPr>
+          <a:p>
+            <a:endParaRPr b="0" lang="en-US" sz="3200" spc="-1" strike="noStrike">
+              <a:latin typeface="Arial"/>
+            </a:endParaRPr>
+          </a:p>
+        </p:txBody>
+      </p:sp>
+      <p:sp>
+        <p:nvSpPr>
+          <p:cNvPr id="139" name="PlaceHolder 3"/>
+          <p:cNvSpPr>
+            <a:spLocks noGrp="1"/>
+          </p:cNvSpPr>
+          <p:nvPr>
+            <p:ph type="body"/>
+          </p:nvPr>
+        </p:nvSpPr>
+        <p:spPr>
+          <a:xfrm>
+            <a:off x="503640" y="4060080"/>
+            <a:ext cx="9068400" cy="2091600"/>
+          </a:xfrm>
+          <a:prstGeom prst="rect">
+            <a:avLst/>
+          </a:prstGeom>
+        </p:spPr>
+        <p:txBody>
+          <a:bodyPr lIns="0" rIns="0" tIns="0" bIns="0">
+            <a:normAutofit/>
+          </a:bodyPr>
+          <a:p>
+            <a:endParaRPr b="0" lang="en-US" sz="3200" spc="-1" strike="noStrike">
+              <a:latin typeface="Arial"/>
+            </a:endParaRPr>
+          </a:p>
+        </p:txBody>
+      </p:sp>
+    </p:spTree>
+  </p:cSld>
+</p:sldLayout>
+</file>
+
+<file path=ppt/slideLayouts/slideLayout47.xml><?xml version="1.0" encoding="utf-8"?>
+<p:sldLayout xmlns:a="http://schemas.openxmlformats.org/drawingml/2006/main" xmlns:p="http://schemas.openxmlformats.org/presentationml/2006/main" xmlns:r="http://schemas.openxmlformats.org/officeDocument/2006/relationships" xmlns:p14="http://schemas.microsoft.com/office/powerpoint/2010/main" xmlns:p15="http://schemas.microsoft.com/office/powerpoint/2012/main" xmlns:mc="http://schemas.openxmlformats.org/markup-compatibility/2006" type="fourObj" preserve="1">
+  <p:cSld name="Title, 4 Content">
+    <p:spTree>
+      <p:nvGrpSpPr>
+        <p:cNvPr id="1" name=""/>
+        <p:cNvGrpSpPr/>
+        <p:nvPr/>
+      </p:nvGrpSpPr>
+      <p:grpSpPr>
+        <a:xfrm>
+          <a:off x="0" y="0"/>
+          <a:ext cx="0" cy="0"/>
+          <a:chOff x="0" y="0"/>
+          <a:chExt cx="0" cy="0"/>
+        </a:xfrm>
+      </p:grpSpPr>
+      <p:sp>
+        <p:nvSpPr>
+          <p:cNvPr id="140" name="PlaceHolder 1"/>
+          <p:cNvSpPr>
+            <a:spLocks noGrp="1"/>
+          </p:cNvSpPr>
+          <p:nvPr>
+            <p:ph type="title"/>
+          </p:nvPr>
+        </p:nvSpPr>
+        <p:spPr>
+          <a:xfrm>
+            <a:off x="503640" y="301680"/>
+            <a:ext cx="9068400" cy="1261800"/>
+          </a:xfrm>
+          <a:prstGeom prst="rect">
+            <a:avLst/>
+          </a:prstGeom>
+        </p:spPr>
+        <p:txBody>
+          <a:bodyPr lIns="0" rIns="0" tIns="0" bIns="0" anchor="ctr">
+            <a:noAutofit/>
+          </a:bodyPr>
+          <a:p>
+            <a:pPr algn="ctr"/>
+            <a:endParaRPr b="0" lang="en-US" sz="4400" spc="-1" strike="noStrike">
+              <a:latin typeface="Arial"/>
+            </a:endParaRPr>
+          </a:p>
+        </p:txBody>
+      </p:sp>
+      <p:sp>
+        <p:nvSpPr>
+          <p:cNvPr id="141" name="PlaceHolder 2"/>
+          <p:cNvSpPr>
+            <a:spLocks noGrp="1"/>
+          </p:cNvSpPr>
+          <p:nvPr>
+            <p:ph type="body"/>
+          </p:nvPr>
+        </p:nvSpPr>
+        <p:spPr>
+          <a:xfrm>
+            <a:off x="503640" y="1769400"/>
+            <a:ext cx="4425120" cy="2091600"/>
+          </a:xfrm>
+          <a:prstGeom prst="rect">
+            <a:avLst/>
+          </a:prstGeom>
+        </p:spPr>
+        <p:txBody>
+          <a:bodyPr lIns="0" rIns="0" tIns="0" bIns="0">
+            <a:normAutofit/>
+          </a:bodyPr>
+          <a:p>
+            <a:endParaRPr b="0" lang="en-US" sz="3200" spc="-1" strike="noStrike">
+              <a:latin typeface="Arial"/>
+            </a:endParaRPr>
+          </a:p>
+        </p:txBody>
+      </p:sp>
+      <p:sp>
+        <p:nvSpPr>
+          <p:cNvPr id="142" name="PlaceHolder 3"/>
+          <p:cNvSpPr>
+            <a:spLocks noGrp="1"/>
+          </p:cNvSpPr>
+          <p:nvPr>
+            <p:ph type="body"/>
+          </p:nvPr>
+        </p:nvSpPr>
+        <p:spPr>
+          <a:xfrm>
+            <a:off x="5150520" y="1769400"/>
+            <a:ext cx="4425120" cy="2091600"/>
+          </a:xfrm>
+          <a:prstGeom prst="rect">
+            <a:avLst/>
+          </a:prstGeom>
+        </p:spPr>
+        <p:txBody>
+          <a:bodyPr lIns="0" rIns="0" tIns="0" bIns="0">
+            <a:normAutofit/>
+          </a:bodyPr>
+          <a:p>
+            <a:endParaRPr b="0" lang="en-US" sz="3200" spc="-1" strike="noStrike">
+              <a:latin typeface="Arial"/>
+            </a:endParaRPr>
+          </a:p>
+        </p:txBody>
+      </p:sp>
+      <p:sp>
+        <p:nvSpPr>
+          <p:cNvPr id="143" name="PlaceHolder 4"/>
+          <p:cNvSpPr>
+            <a:spLocks noGrp="1"/>
+          </p:cNvSpPr>
+          <p:nvPr>
+            <p:ph type="body"/>
+          </p:nvPr>
+        </p:nvSpPr>
+        <p:spPr>
+          <a:xfrm>
+            <a:off x="503640" y="4060080"/>
+            <a:ext cx="4425120" cy="2091600"/>
+          </a:xfrm>
+          <a:prstGeom prst="rect">
+            <a:avLst/>
+          </a:prstGeom>
+        </p:spPr>
+        <p:txBody>
+          <a:bodyPr lIns="0" rIns="0" tIns="0" bIns="0">
+            <a:normAutofit/>
+          </a:bodyPr>
+          <a:p>
+            <a:endParaRPr b="0" lang="en-US" sz="3200" spc="-1" strike="noStrike">
+              <a:latin typeface="Arial"/>
+            </a:endParaRPr>
+          </a:p>
+        </p:txBody>
+      </p:sp>
+      <p:sp>
+        <p:nvSpPr>
+          <p:cNvPr id="144" name="PlaceHolder 5"/>
+          <p:cNvSpPr>
+            <a:spLocks noGrp="1"/>
+          </p:cNvSpPr>
+          <p:nvPr>
+            <p:ph type="body"/>
+          </p:nvPr>
+        </p:nvSpPr>
+        <p:spPr>
+          <a:xfrm>
+            <a:off x="5150520" y="4060080"/>
+            <a:ext cx="4425120" cy="2091600"/>
+          </a:xfrm>
+          <a:prstGeom prst="rect">
+            <a:avLst/>
+          </a:prstGeom>
+        </p:spPr>
+        <p:txBody>
+          <a:bodyPr lIns="0" rIns="0" tIns="0" bIns="0">
+            <a:normAutofit/>
+          </a:bodyPr>
+          <a:p>
+            <a:endParaRPr b="0" lang="en-US" sz="3200" spc="-1" strike="noStrike">
+              <a:latin typeface="Arial"/>
+            </a:endParaRPr>
+          </a:p>
+        </p:txBody>
+      </p:sp>
+    </p:spTree>
+  </p:cSld>
+</p:sldLayout>
+</file>
+
+<file path=ppt/slideLayouts/slideLayout48.xml><?xml version="1.0" encoding="utf-8"?>
+<p:sldLayout xmlns:a="http://schemas.openxmlformats.org/drawingml/2006/main" xmlns:p="http://schemas.openxmlformats.org/presentationml/2006/main" xmlns:r="http://schemas.openxmlformats.org/officeDocument/2006/relationships" xmlns:p14="http://schemas.microsoft.com/office/powerpoint/2010/main" xmlns:p15="http://schemas.microsoft.com/office/powerpoint/2012/main" xmlns:mc="http://schemas.openxmlformats.org/markup-compatibility/2006" type="blank" preserve="1">
+  <p:cSld name="Title, 6 Content">
+    <p:spTree>
+      <p:nvGrpSpPr>
+        <p:cNvPr id="1" name=""/>
+        <p:cNvGrpSpPr/>
+        <p:nvPr/>
+      </p:nvGrpSpPr>
+      <p:grpSpPr>
+        <a:xfrm>
+          <a:off x="0" y="0"/>
+          <a:ext cx="0" cy="0"/>
+          <a:chOff x="0" y="0"/>
+          <a:chExt cx="0" cy="0"/>
+        </a:xfrm>
+      </p:grpSpPr>
+      <p:sp>
+        <p:nvSpPr>
+          <p:cNvPr id="145" name="PlaceHolder 1"/>
+          <p:cNvSpPr>
+            <a:spLocks noGrp="1"/>
+          </p:cNvSpPr>
+          <p:nvPr>
+            <p:ph type="title"/>
+          </p:nvPr>
+        </p:nvSpPr>
+        <p:spPr>
+          <a:xfrm>
+            <a:off x="503640" y="301680"/>
+            <a:ext cx="9068400" cy="1261800"/>
+          </a:xfrm>
+          <a:prstGeom prst="rect">
+            <a:avLst/>
+          </a:prstGeom>
+        </p:spPr>
+        <p:txBody>
+          <a:bodyPr lIns="0" rIns="0" tIns="0" bIns="0" anchor="ctr">
+            <a:noAutofit/>
+          </a:bodyPr>
+          <a:p>
+            <a:pPr algn="ctr"/>
+            <a:endParaRPr b="0" lang="en-US" sz="4400" spc="-1" strike="noStrike">
+              <a:latin typeface="Arial"/>
+            </a:endParaRPr>
+          </a:p>
+        </p:txBody>
+      </p:sp>
+      <p:sp>
+        <p:nvSpPr>
+          <p:cNvPr id="146" name="PlaceHolder 2"/>
+          <p:cNvSpPr>
+            <a:spLocks noGrp="1"/>
+          </p:cNvSpPr>
+          <p:nvPr>
+            <p:ph type="body"/>
+          </p:nvPr>
+        </p:nvSpPr>
+        <p:spPr>
+          <a:xfrm>
+            <a:off x="503640" y="1769400"/>
+            <a:ext cx="2919960" cy="2091600"/>
+          </a:xfrm>
+          <a:prstGeom prst="rect">
+            <a:avLst/>
+          </a:prstGeom>
+        </p:spPr>
+        <p:txBody>
+          <a:bodyPr lIns="0" rIns="0" tIns="0" bIns="0">
+            <a:normAutofit/>
+          </a:bodyPr>
+          <a:p>
+            <a:endParaRPr b="0" lang="en-US" sz="3200" spc="-1" strike="noStrike">
+              <a:latin typeface="Arial"/>
+            </a:endParaRPr>
+          </a:p>
+        </p:txBody>
+      </p:sp>
+      <p:sp>
+        <p:nvSpPr>
+          <p:cNvPr id="147" name="PlaceHolder 3"/>
+          <p:cNvSpPr>
+            <a:spLocks noGrp="1"/>
+          </p:cNvSpPr>
+          <p:nvPr>
+            <p:ph type="body"/>
+          </p:nvPr>
+        </p:nvSpPr>
+        <p:spPr>
+          <a:xfrm>
+            <a:off x="3570120" y="1769400"/>
+            <a:ext cx="2919960" cy="2091600"/>
+          </a:xfrm>
+          <a:prstGeom prst="rect">
+            <a:avLst/>
+          </a:prstGeom>
+        </p:spPr>
+        <p:txBody>
+          <a:bodyPr lIns="0" rIns="0" tIns="0" bIns="0">
+            <a:normAutofit/>
+          </a:bodyPr>
+          <a:p>
+            <a:endParaRPr b="0" lang="en-US" sz="3200" spc="-1" strike="noStrike">
+              <a:latin typeface="Arial"/>
+            </a:endParaRPr>
+          </a:p>
+        </p:txBody>
+      </p:sp>
+      <p:sp>
+        <p:nvSpPr>
+          <p:cNvPr id="148" name="PlaceHolder 4"/>
+          <p:cNvSpPr>
+            <a:spLocks noGrp="1"/>
+          </p:cNvSpPr>
+          <p:nvPr>
+            <p:ph type="body"/>
+          </p:nvPr>
+        </p:nvSpPr>
+        <p:spPr>
+          <a:xfrm>
+            <a:off x="6636240" y="1769400"/>
+            <a:ext cx="2919960" cy="2091600"/>
+          </a:xfrm>
+          <a:prstGeom prst="rect">
+            <a:avLst/>
+          </a:prstGeom>
+        </p:spPr>
+        <p:txBody>
+          <a:bodyPr lIns="0" rIns="0" tIns="0" bIns="0">
+            <a:normAutofit/>
+          </a:bodyPr>
+          <a:p>
+            <a:endParaRPr b="0" lang="en-US" sz="3200" spc="-1" strike="noStrike">
+              <a:latin typeface="Arial"/>
+            </a:endParaRPr>
+          </a:p>
+        </p:txBody>
+      </p:sp>
+      <p:sp>
+        <p:nvSpPr>
+          <p:cNvPr id="149" name="PlaceHolder 5"/>
+          <p:cNvSpPr>
+            <a:spLocks noGrp="1"/>
+          </p:cNvSpPr>
+          <p:nvPr>
+            <p:ph type="body"/>
+          </p:nvPr>
+        </p:nvSpPr>
+        <p:spPr>
+          <a:xfrm>
+            <a:off x="503640" y="4060080"/>
+            <a:ext cx="2919960" cy="2091600"/>
+          </a:xfrm>
+          <a:prstGeom prst="rect">
+            <a:avLst/>
+          </a:prstGeom>
+        </p:spPr>
+        <p:txBody>
+          <a:bodyPr lIns="0" rIns="0" tIns="0" bIns="0">
+            <a:normAutofit/>
+          </a:bodyPr>
+          <a:p>
+            <a:endParaRPr b="0" lang="en-US" sz="3200" spc="-1" strike="noStrike">
+              <a:latin typeface="Arial"/>
+            </a:endParaRPr>
+          </a:p>
+        </p:txBody>
+      </p:sp>
+      <p:sp>
+        <p:nvSpPr>
+          <p:cNvPr id="150" name="PlaceHolder 6"/>
+          <p:cNvSpPr>
+            <a:spLocks noGrp="1"/>
+          </p:cNvSpPr>
+          <p:nvPr>
+            <p:ph type="body"/>
+          </p:nvPr>
+        </p:nvSpPr>
+        <p:spPr>
+          <a:xfrm>
+            <a:off x="3570120" y="4060080"/>
+            <a:ext cx="2919960" cy="2091600"/>
+          </a:xfrm>
+          <a:prstGeom prst="rect">
+            <a:avLst/>
+          </a:prstGeom>
+        </p:spPr>
+        <p:txBody>
+          <a:bodyPr lIns="0" rIns="0" tIns="0" bIns="0">
+            <a:normAutofit/>
+          </a:bodyPr>
+          <a:p>
+            <a:endParaRPr b="0" lang="en-US" sz="3200" spc="-1" strike="noStrike">
+              <a:latin typeface="Arial"/>
+            </a:endParaRPr>
+          </a:p>
+        </p:txBody>
+      </p:sp>
+      <p:sp>
+        <p:nvSpPr>
+          <p:cNvPr id="151" name="PlaceHolder 7"/>
+          <p:cNvSpPr>
+            <a:spLocks noGrp="1"/>
+          </p:cNvSpPr>
+          <p:nvPr>
+            <p:ph type="body"/>
+          </p:nvPr>
+        </p:nvSpPr>
+        <p:spPr>
+          <a:xfrm>
+            <a:off x="6636240" y="4060080"/>
+            <a:ext cx="2919960" cy="2091600"/>
+          </a:xfrm>
+          <a:prstGeom prst="rect">
+            <a:avLst/>
+          </a:prstGeom>
+        </p:spPr>
+        <p:txBody>
+          <a:bodyPr lIns="0" rIns="0" tIns="0" bIns="0">
+            <a:normAutofit/>
+          </a:bodyPr>
+          <a:p>
+            <a:endParaRPr b="0" lang="en-US" sz="3200" spc="-1" strike="noStrike">
+              <a:latin typeface="Arial"/>
             </a:endParaRPr>
           </a:p>
         </p:txBody>
@@ -4487,8 +5762,8 @@
         </p:nvSpPr>
         <p:spPr>
           <a:xfrm>
-            <a:off x="503640" y="109440"/>
-            <a:ext cx="9067680" cy="1262160"/>
+            <a:off x="503640" y="301680"/>
+            <a:ext cx="9068400" cy="1261800"/>
           </a:xfrm>
           <a:prstGeom prst="rect">
             <a:avLst/>
@@ -4500,11 +5775,8 @@
           </a:bodyPr>
           <a:p>
             <a:pPr algn="ctr"/>
-            <a:endParaRPr b="0" i="1" lang="en-US" sz="4400" spc="-1" strike="noStrike">
-              <a:solidFill>
-                <a:srgbClr val="ffffff"/>
-              </a:solidFill>
-              <a:latin typeface="Times New Roman"/>
+            <a:endParaRPr b="0" lang="en-US" sz="4400" spc="-1" strike="noStrike">
+              <a:latin typeface="Arial"/>
             </a:endParaRPr>
           </a:p>
         </p:txBody>
@@ -4543,8 +5815,8 @@
         </p:nvSpPr>
         <p:spPr>
           <a:xfrm>
-            <a:off x="503640" y="109440"/>
-            <a:ext cx="9067680" cy="5851800"/>
+            <a:off x="503640" y="301680"/>
+            <a:ext cx="9068400" cy="5850360"/>
           </a:xfrm>
           <a:prstGeom prst="rect">
             <a:avLst/>
@@ -4596,8 +5868,8 @@
         </p:nvSpPr>
         <p:spPr>
           <a:xfrm>
-            <a:off x="503640" y="109440"/>
-            <a:ext cx="9067680" cy="1262160"/>
+            <a:off x="503640" y="301680"/>
+            <a:ext cx="9068400" cy="1261800"/>
           </a:xfrm>
           <a:prstGeom prst="rect">
             <a:avLst/>
@@ -4609,11 +5881,8 @@
           </a:bodyPr>
           <a:p>
             <a:pPr algn="ctr"/>
-            <a:endParaRPr b="0" i="1" lang="en-US" sz="4400" spc="-1" strike="noStrike">
-              <a:solidFill>
-                <a:srgbClr val="ffffff"/>
-              </a:solidFill>
-              <a:latin typeface="Times New Roman"/>
+            <a:endParaRPr b="0" lang="en-US" sz="4400" spc="-1" strike="noStrike">
+              <a:latin typeface="Arial"/>
             </a:endParaRPr>
           </a:p>
         </p:txBody>
@@ -4631,7 +5900,7 @@
         <p:spPr>
           <a:xfrm>
             <a:off x="503640" y="1769400"/>
-            <a:ext cx="4424760" cy="2091600"/>
+            <a:ext cx="4425120" cy="2091600"/>
           </a:xfrm>
           <a:prstGeom prst="rect">
             <a:avLst/>
@@ -4643,7 +5912,7 @@
           </a:bodyPr>
           <a:p>
             <a:endParaRPr b="0" lang="en-US" sz="3200" spc="-1" strike="noStrike">
-              <a:latin typeface="Times New Roman"/>
+              <a:latin typeface="Arial"/>
             </a:endParaRPr>
           </a:p>
         </p:txBody>
@@ -4660,8 +5929,8 @@
         </p:nvSpPr>
         <p:spPr>
           <a:xfrm>
-            <a:off x="5150160" y="1769400"/>
-            <a:ext cx="4424760" cy="4385520"/>
+            <a:off x="5150520" y="1769400"/>
+            <a:ext cx="4425120" cy="4385160"/>
           </a:xfrm>
           <a:prstGeom prst="rect">
             <a:avLst/>
@@ -4673,7 +5942,7 @@
           </a:bodyPr>
           <a:p>
             <a:endParaRPr b="0" lang="en-US" sz="3200" spc="-1" strike="noStrike">
-              <a:latin typeface="Times New Roman"/>
+              <a:latin typeface="Arial"/>
             </a:endParaRPr>
           </a:p>
         </p:txBody>
@@ -4691,7 +5960,7 @@
         <p:spPr>
           <a:xfrm>
             <a:off x="503640" y="4060080"/>
-            <a:ext cx="4424760" cy="2091600"/>
+            <a:ext cx="4425120" cy="2091600"/>
           </a:xfrm>
           <a:prstGeom prst="rect">
             <a:avLst/>
@@ -4703,7 +5972,7 @@
           </a:bodyPr>
           <a:p>
             <a:endParaRPr b="0" lang="en-US" sz="3200" spc="-1" strike="noStrike">
-              <a:latin typeface="Times New Roman"/>
+              <a:latin typeface="Arial"/>
             </a:endParaRPr>
           </a:p>
         </p:txBody>
@@ -4742,8 +6011,8 @@
         </p:nvSpPr>
         <p:spPr>
           <a:xfrm>
-            <a:off x="503640" y="109440"/>
-            <a:ext cx="9067680" cy="1262160"/>
+            <a:off x="503640" y="301680"/>
+            <a:ext cx="9068400" cy="1261800"/>
           </a:xfrm>
           <a:prstGeom prst="rect">
             <a:avLst/>
@@ -4755,11 +6024,8 @@
           </a:bodyPr>
           <a:p>
             <a:pPr algn="ctr"/>
-            <a:endParaRPr b="0" i="1" lang="en-US" sz="4400" spc="-1" strike="noStrike">
-              <a:solidFill>
-                <a:srgbClr val="ffffff"/>
-              </a:solidFill>
-              <a:latin typeface="Times New Roman"/>
+            <a:endParaRPr b="0" lang="en-US" sz="4400" spc="-1" strike="noStrike">
+              <a:latin typeface="Arial"/>
             </a:endParaRPr>
           </a:p>
         </p:txBody>
@@ -4777,7 +6043,7 @@
         <p:spPr>
           <a:xfrm>
             <a:off x="503640" y="1769400"/>
-            <a:ext cx="4424760" cy="4385520"/>
+            <a:ext cx="4425120" cy="4385160"/>
           </a:xfrm>
           <a:prstGeom prst="rect">
             <a:avLst/>
@@ -4789,7 +6055,7 @@
           </a:bodyPr>
           <a:p>
             <a:endParaRPr b="0" lang="en-US" sz="3200" spc="-1" strike="noStrike">
-              <a:latin typeface="Times New Roman"/>
+              <a:latin typeface="Arial"/>
             </a:endParaRPr>
           </a:p>
         </p:txBody>
@@ -4806,8 +6072,8 @@
         </p:nvSpPr>
         <p:spPr>
           <a:xfrm>
-            <a:off x="5150160" y="1769400"/>
-            <a:ext cx="4424760" cy="2091600"/>
+            <a:off x="5150520" y="1769400"/>
+            <a:ext cx="4425120" cy="2091600"/>
           </a:xfrm>
           <a:prstGeom prst="rect">
             <a:avLst/>
@@ -4819,7 +6085,7 @@
           </a:bodyPr>
           <a:p>
             <a:endParaRPr b="0" lang="en-US" sz="3200" spc="-1" strike="noStrike">
-              <a:latin typeface="Times New Roman"/>
+              <a:latin typeface="Arial"/>
             </a:endParaRPr>
           </a:p>
         </p:txBody>
@@ -4836,8 +6102,8 @@
         </p:nvSpPr>
         <p:spPr>
           <a:xfrm>
-            <a:off x="5150160" y="4060080"/>
-            <a:ext cx="4424760" cy="2091600"/>
+            <a:off x="5150520" y="4060080"/>
+            <a:ext cx="4425120" cy="2091600"/>
           </a:xfrm>
           <a:prstGeom prst="rect">
             <a:avLst/>
@@ -4849,7 +6115,7 @@
           </a:bodyPr>
           <a:p>
             <a:endParaRPr b="0" lang="en-US" sz="3200" spc="-1" strike="noStrike">
-              <a:latin typeface="Times New Roman"/>
+              <a:latin typeface="Arial"/>
             </a:endParaRPr>
           </a:p>
         </p:txBody>
@@ -4888,8 +6154,8 @@
         </p:nvSpPr>
         <p:spPr>
           <a:xfrm>
-            <a:off x="503640" y="109440"/>
-            <a:ext cx="9067680" cy="1262160"/>
+            <a:off x="503640" y="301680"/>
+            <a:ext cx="9068400" cy="1261800"/>
           </a:xfrm>
           <a:prstGeom prst="rect">
             <a:avLst/>
@@ -4901,11 +6167,8 @@
           </a:bodyPr>
           <a:p>
             <a:pPr algn="ctr"/>
-            <a:endParaRPr b="0" i="1" lang="en-US" sz="4400" spc="-1" strike="noStrike">
-              <a:solidFill>
-                <a:srgbClr val="ffffff"/>
-              </a:solidFill>
-              <a:latin typeface="Times New Roman"/>
+            <a:endParaRPr b="0" lang="en-US" sz="4400" spc="-1" strike="noStrike">
+              <a:latin typeface="Arial"/>
             </a:endParaRPr>
           </a:p>
         </p:txBody>
@@ -4923,7 +6186,7 @@
         <p:spPr>
           <a:xfrm>
             <a:off x="503640" y="1769400"/>
-            <a:ext cx="4424760" cy="2091600"/>
+            <a:ext cx="4425120" cy="2091600"/>
           </a:xfrm>
           <a:prstGeom prst="rect">
             <a:avLst/>
@@ -4935,7 +6198,7 @@
           </a:bodyPr>
           <a:p>
             <a:endParaRPr b="0" lang="en-US" sz="3200" spc="-1" strike="noStrike">
-              <a:latin typeface="Times New Roman"/>
+              <a:latin typeface="Arial"/>
             </a:endParaRPr>
           </a:p>
         </p:txBody>
@@ -4952,8 +6215,8 @@
         </p:nvSpPr>
         <p:spPr>
           <a:xfrm>
-            <a:off x="5150160" y="1769400"/>
-            <a:ext cx="4424760" cy="2091600"/>
+            <a:off x="5150520" y="1769400"/>
+            <a:ext cx="4425120" cy="2091600"/>
           </a:xfrm>
           <a:prstGeom prst="rect">
             <a:avLst/>
@@ -4965,7 +6228,7 @@
           </a:bodyPr>
           <a:p>
             <a:endParaRPr b="0" lang="en-US" sz="3200" spc="-1" strike="noStrike">
-              <a:latin typeface="Times New Roman"/>
+              <a:latin typeface="Arial"/>
             </a:endParaRPr>
           </a:p>
         </p:txBody>
@@ -4983,7 +6246,7 @@
         <p:spPr>
           <a:xfrm>
             <a:off x="503640" y="4060080"/>
-            <a:ext cx="9067680" cy="2091600"/>
+            <a:ext cx="9068400" cy="2091600"/>
           </a:xfrm>
           <a:prstGeom prst="rect">
             <a:avLst/>
@@ -4995,7 +6258,7 @@
           </a:bodyPr>
           <a:p>
             <a:endParaRPr b="0" lang="en-US" sz="3200" spc="-1" strike="noStrike">
-              <a:latin typeface="Times New Roman"/>
+              <a:latin typeface="Arial"/>
             </a:endParaRPr>
           </a:p>
         </p:txBody>
@@ -5044,8 +6307,8 @@
         </p:nvSpPr>
         <p:spPr>
           <a:xfrm>
-            <a:off x="503640" y="109440"/>
-            <a:ext cx="9068400" cy="1262160"/>
+            <a:off x="503640" y="301680"/>
+            <a:ext cx="9069120" cy="1262520"/>
           </a:xfrm>
           <a:prstGeom prst="rect">
             <a:avLst/>
@@ -5058,19 +6321,13 @@
           <a:p>
             <a:pPr algn="ctr"/>
             <a:r>
-              <a:rPr b="0" i="1" lang="en-US" sz="4400" spc="-1" strike="noStrike">
-                <a:solidFill>
-                  <a:srgbClr val="ffffff"/>
-                </a:solidFill>
-                <a:latin typeface="Times New Roman"/>
+              <a:rPr b="0" lang="en-US" sz="4400" spc="-1" strike="noStrike">
+                <a:latin typeface="Arial"/>
               </a:rPr>
               <a:t>Click to edit the title text format</a:t>
             </a:r>
-            <a:endParaRPr b="0" i="1" lang="en-US" sz="4400" spc="-1" strike="noStrike">
-              <a:solidFill>
-                <a:srgbClr val="ffffff"/>
-              </a:solidFill>
-              <a:latin typeface="Times New Roman"/>
+            <a:endParaRPr b="0" lang="en-US" sz="4400" spc="-1" strike="noStrike">
+              <a:latin typeface="Arial"/>
             </a:endParaRPr>
           </a:p>
         </p:txBody>
@@ -5087,8 +6344,8 @@
         </p:nvSpPr>
         <p:spPr>
           <a:xfrm>
-            <a:off x="503640" y="1769040"/>
-            <a:ext cx="9068400" cy="4385520"/>
+            <a:off x="503640" y="1769400"/>
+            <a:ext cx="9069120" cy="4385880"/>
           </a:xfrm>
           <a:prstGeom prst="rect">
             <a:avLst/>
@@ -5101,7 +6358,7 @@
           <a:p>
             <a:pPr marL="432000" indent="-324000">
               <a:spcBef>
-                <a:spcPts val="1414"/>
+                <a:spcPts val="1417"/>
               </a:spcBef>
               <a:buClr>
                 <a:srgbClr val="000000"/>
@@ -5112,12 +6369,12 @@
             </a:pPr>
             <a:r>
               <a:rPr b="0" lang="en-US" sz="3200" spc="-1" strike="noStrike">
-                <a:latin typeface="Times New Roman"/>
+                <a:latin typeface="Arial"/>
               </a:rPr>
               <a:t>Click to edit the outline text format</a:t>
             </a:r>
             <a:endParaRPr b="0" lang="en-US" sz="3200" spc="-1" strike="noStrike">
-              <a:latin typeface="Times New Roman"/>
+              <a:latin typeface="Arial"/>
             </a:endParaRPr>
           </a:p>
           <a:p>
@@ -5134,12 +6391,12 @@
             </a:pPr>
             <a:r>
               <a:rPr b="0" lang="en-US" sz="2800" spc="-1" strike="noStrike">
-                <a:latin typeface="Times New Roman"/>
+                <a:latin typeface="Arial"/>
               </a:rPr>
               <a:t>Second Outline Level</a:t>
             </a:r>
             <a:endParaRPr b="0" lang="en-US" sz="2800" spc="-1" strike="noStrike">
-              <a:latin typeface="Times New Roman"/>
+              <a:latin typeface="Arial"/>
             </a:endParaRPr>
           </a:p>
           <a:p>
@@ -5156,12 +6413,12 @@
             </a:pPr>
             <a:r>
               <a:rPr b="0" lang="en-US" sz="2400" spc="-1" strike="noStrike">
-                <a:latin typeface="Times New Roman"/>
+                <a:latin typeface="Arial"/>
               </a:rPr>
               <a:t>Third Outline Level</a:t>
             </a:r>
             <a:endParaRPr b="0" lang="en-US" sz="2400" spc="-1" strike="noStrike">
-              <a:latin typeface="Times New Roman"/>
+              <a:latin typeface="Arial"/>
             </a:endParaRPr>
           </a:p>
           <a:p>
@@ -5178,12 +6435,12 @@
             </a:pPr>
             <a:r>
               <a:rPr b="0" lang="en-US" sz="2000" spc="-1" strike="noStrike">
-                <a:latin typeface="Times New Roman"/>
+                <a:latin typeface="Arial"/>
               </a:rPr>
               <a:t>Fourth Outline Level</a:t>
             </a:r>
             <a:endParaRPr b="0" lang="en-US" sz="2000" spc="-1" strike="noStrike">
-              <a:latin typeface="Times New Roman"/>
+              <a:latin typeface="Arial"/>
             </a:endParaRPr>
           </a:p>
           <a:p>
@@ -5200,12 +6457,12 @@
             </a:pPr>
             <a:r>
               <a:rPr b="0" lang="en-US" sz="2000" spc="-1" strike="noStrike">
-                <a:latin typeface="Times New Roman"/>
+                <a:latin typeface="Arial"/>
               </a:rPr>
               <a:t>Fifth Outline Level</a:t>
             </a:r>
             <a:endParaRPr b="0" lang="en-US" sz="2000" spc="-1" strike="noStrike">
-              <a:latin typeface="Times New Roman"/>
+              <a:latin typeface="Arial"/>
             </a:endParaRPr>
           </a:p>
           <a:p>
@@ -5222,12 +6479,12 @@
             </a:pPr>
             <a:r>
               <a:rPr b="0" lang="en-US" sz="2000" spc="-1" strike="noStrike">
-                <a:latin typeface="Times New Roman"/>
+                <a:latin typeface="Arial"/>
               </a:rPr>
               <a:t>Sixth Outline Level</a:t>
             </a:r>
             <a:endParaRPr b="0" lang="en-US" sz="2000" spc="-1" strike="noStrike">
-              <a:latin typeface="Times New Roman"/>
+              <a:latin typeface="Arial"/>
             </a:endParaRPr>
           </a:p>
           <a:p>
@@ -5244,12 +6501,12 @@
             </a:pPr>
             <a:r>
               <a:rPr b="0" lang="en-US" sz="2000" spc="-1" strike="noStrike">
-                <a:latin typeface="Times New Roman"/>
+                <a:latin typeface="Arial"/>
               </a:rPr>
               <a:t>Seventh Outline Level</a:t>
             </a:r>
             <a:endParaRPr b="0" lang="en-US" sz="2000" spc="-1" strike="noStrike">
-              <a:latin typeface="Times New Roman"/>
+              <a:latin typeface="Arial"/>
             </a:endParaRPr>
           </a:p>
         </p:txBody>
@@ -5313,8 +6570,8 @@
         </p:nvSpPr>
         <p:spPr>
           <a:xfrm>
-            <a:off x="503640" y="109440"/>
-            <a:ext cx="9067680" cy="1262160"/>
+            <a:off x="503640" y="301680"/>
+            <a:ext cx="9069120" cy="1262520"/>
           </a:xfrm>
           <a:prstGeom prst="rect">
             <a:avLst/>
@@ -5327,19 +6584,13 @@
           <a:p>
             <a:pPr algn="ctr"/>
             <a:r>
-              <a:rPr b="0" i="1" lang="en-US" sz="1800" spc="-1" strike="noStrike">
-                <a:solidFill>
-                  <a:srgbClr val="ffffff"/>
-                </a:solidFill>
-                <a:latin typeface="Times New Roman"/>
+              <a:rPr b="0" lang="en-US" sz="4400" spc="-1" strike="noStrike">
+                <a:latin typeface="Arial"/>
               </a:rPr>
               <a:t>Click to edit the title text format</a:t>
             </a:r>
-            <a:endParaRPr b="0" i="1" lang="en-US" sz="1800" spc="-1" strike="noStrike">
-              <a:solidFill>
-                <a:srgbClr val="ffffff"/>
-              </a:solidFill>
-              <a:latin typeface="Times New Roman"/>
+            <a:endParaRPr b="0" lang="en-US" sz="4400" spc="-1" strike="noStrike">
+              <a:latin typeface="Arial"/>
             </a:endParaRPr>
           </a:p>
         </p:txBody>
@@ -5357,7 +6608,7 @@
         <p:spPr>
           <a:xfrm>
             <a:off x="503640" y="1769400"/>
-            <a:ext cx="9067680" cy="4385520"/>
+            <a:ext cx="9069120" cy="4385880"/>
           </a:xfrm>
           <a:prstGeom prst="rect">
             <a:avLst/>
@@ -5368,9 +6619,9 @@
             <a:normAutofit/>
           </a:bodyPr>
           <a:p>
-            <a:pPr marL="432000" indent="-324000" algn="ctr">
+            <a:pPr marL="432000" indent="-324000">
               <a:spcBef>
-                <a:spcPts val="1414"/>
+                <a:spcPts val="1417"/>
               </a:spcBef>
               <a:buClr>
                 <a:srgbClr val="000000"/>
@@ -5380,17 +6631,17 @@
               <a:buChar char=""/>
             </a:pPr>
             <a:r>
-              <a:rPr b="0" lang="en-US" sz="1800" spc="-1" strike="noStrike">
-                <a:latin typeface="Times New Roman"/>
+              <a:rPr b="0" lang="en-US" sz="3200" spc="-1" strike="noStrike">
+                <a:latin typeface="Arial"/>
               </a:rPr>
               <a:t>Click to edit the outline text format</a:t>
             </a:r>
-            <a:endParaRPr b="0" lang="en-US" sz="1800" spc="-1" strike="noStrike">
-              <a:latin typeface="Times New Roman"/>
-            </a:endParaRPr>
-          </a:p>
-          <a:p>
-            <a:pPr lvl="1" marL="864000" indent="-324000" algn="ctr">
+            <a:endParaRPr b="0" lang="en-US" sz="3200" spc="-1" strike="noStrike">
+              <a:latin typeface="Arial"/>
+            </a:endParaRPr>
+          </a:p>
+          <a:p>
+            <a:pPr lvl="1" marL="864000" indent="-324000">
               <a:spcBef>
                 <a:spcPts val="1134"/>
               </a:spcBef>
@@ -5402,17 +6653,17 @@
               <a:buChar char=""/>
             </a:pPr>
             <a:r>
-              <a:rPr b="0" lang="en-US" sz="1800" spc="-1" strike="noStrike">
-                <a:latin typeface="Times New Roman"/>
+              <a:rPr b="0" lang="en-US" sz="2800" spc="-1" strike="noStrike">
+                <a:latin typeface="Arial"/>
               </a:rPr>
               <a:t>Second Outline Level</a:t>
             </a:r>
-            <a:endParaRPr b="0" lang="en-US" sz="1800" spc="-1" strike="noStrike">
-              <a:latin typeface="Times New Roman"/>
-            </a:endParaRPr>
-          </a:p>
-          <a:p>
-            <a:pPr lvl="2" marL="1296000" indent="-288000" algn="ctr">
+            <a:endParaRPr b="0" lang="en-US" sz="2800" spc="-1" strike="noStrike">
+              <a:latin typeface="Arial"/>
+            </a:endParaRPr>
+          </a:p>
+          <a:p>
+            <a:pPr lvl="2" marL="1296000" indent="-288000">
               <a:spcBef>
                 <a:spcPts val="850"/>
               </a:spcBef>
@@ -5424,17 +6675,17 @@
               <a:buChar char=""/>
             </a:pPr>
             <a:r>
-              <a:rPr b="0" lang="en-US" sz="1800" spc="-1" strike="noStrike">
-                <a:latin typeface="Times New Roman"/>
+              <a:rPr b="0" lang="en-US" sz="2400" spc="-1" strike="noStrike">
+                <a:latin typeface="Arial"/>
               </a:rPr>
               <a:t>Third Outline Level</a:t>
             </a:r>
-            <a:endParaRPr b="0" lang="en-US" sz="1800" spc="-1" strike="noStrike">
-              <a:latin typeface="Times New Roman"/>
-            </a:endParaRPr>
-          </a:p>
-          <a:p>
-            <a:pPr lvl="3" marL="1728000" indent="-216000" algn="ctr">
+            <a:endParaRPr b="0" lang="en-US" sz="2400" spc="-1" strike="noStrike">
+              <a:latin typeface="Arial"/>
+            </a:endParaRPr>
+          </a:p>
+          <a:p>
+            <a:pPr lvl="3" marL="1728000" indent="-216000">
               <a:spcBef>
                 <a:spcPts val="567"/>
               </a:spcBef>
@@ -5446,17 +6697,17 @@
               <a:buChar char=""/>
             </a:pPr>
             <a:r>
-              <a:rPr b="0" lang="en-US" sz="1800" spc="-1" strike="noStrike">
-                <a:latin typeface="Times New Roman"/>
+              <a:rPr b="0" lang="en-US" sz="2000" spc="-1" strike="noStrike">
+                <a:latin typeface="Arial"/>
               </a:rPr>
               <a:t>Fourth Outline Level</a:t>
             </a:r>
-            <a:endParaRPr b="0" lang="en-US" sz="1800" spc="-1" strike="noStrike">
-              <a:latin typeface="Times New Roman"/>
-            </a:endParaRPr>
-          </a:p>
-          <a:p>
-            <a:pPr lvl="4" marL="2160000" indent="-216000" algn="ctr">
+            <a:endParaRPr b="0" lang="en-US" sz="2000" spc="-1" strike="noStrike">
+              <a:latin typeface="Arial"/>
+            </a:endParaRPr>
+          </a:p>
+          <a:p>
+            <a:pPr lvl="4" marL="2160000" indent="-216000">
               <a:spcBef>
                 <a:spcPts val="283"/>
               </a:spcBef>
@@ -5468,17 +6719,17 @@
               <a:buChar char=""/>
             </a:pPr>
             <a:r>
-              <a:rPr b="0" lang="en-US" sz="1800" spc="-1" strike="noStrike">
-                <a:latin typeface="Times New Roman"/>
+              <a:rPr b="0" lang="en-US" sz="2000" spc="-1" strike="noStrike">
+                <a:latin typeface="Arial"/>
               </a:rPr>
               <a:t>Fifth Outline Level</a:t>
             </a:r>
-            <a:endParaRPr b="0" lang="en-US" sz="1800" spc="-1" strike="noStrike">
-              <a:latin typeface="Times New Roman"/>
-            </a:endParaRPr>
-          </a:p>
-          <a:p>
-            <a:pPr lvl="5" marL="2592000" indent="-216000" algn="ctr">
+            <a:endParaRPr b="0" lang="en-US" sz="2000" spc="-1" strike="noStrike">
+              <a:latin typeface="Arial"/>
+            </a:endParaRPr>
+          </a:p>
+          <a:p>
+            <a:pPr lvl="5" marL="2592000" indent="-216000">
               <a:spcBef>
                 <a:spcPts val="283"/>
               </a:spcBef>
@@ -5490,17 +6741,17 @@
               <a:buChar char=""/>
             </a:pPr>
             <a:r>
-              <a:rPr b="0" lang="en-US" sz="1800" spc="-1" strike="noStrike">
-                <a:latin typeface="Times New Roman"/>
+              <a:rPr b="0" lang="en-US" sz="2000" spc="-1" strike="noStrike">
+                <a:latin typeface="Arial"/>
               </a:rPr>
               <a:t>Sixth Outline Level</a:t>
             </a:r>
-            <a:endParaRPr b="0" lang="en-US" sz="1800" spc="-1" strike="noStrike">
-              <a:latin typeface="Times New Roman"/>
-            </a:endParaRPr>
-          </a:p>
-          <a:p>
-            <a:pPr lvl="6" marL="3024000" indent="-216000" algn="ctr">
+            <a:endParaRPr b="0" lang="en-US" sz="2000" spc="-1" strike="noStrike">
+              <a:latin typeface="Arial"/>
+            </a:endParaRPr>
+          </a:p>
+          <a:p>
+            <a:pPr lvl="6" marL="3024000" indent="-216000">
               <a:spcBef>
                 <a:spcPts val="283"/>
               </a:spcBef>
@@ -5512,13 +6763,13 @@
               <a:buChar char=""/>
             </a:pPr>
             <a:r>
-              <a:rPr b="0" lang="en-US" sz="1800" spc="-1" strike="noStrike">
-                <a:latin typeface="Times New Roman"/>
+              <a:rPr b="0" lang="en-US" sz="2000" spc="-1" strike="noStrike">
+                <a:latin typeface="Arial"/>
               </a:rPr>
               <a:t>Seventh Outline Level</a:t>
             </a:r>
-            <a:endParaRPr b="0" lang="en-US" sz="1800" spc="-1" strike="noStrike">
-              <a:latin typeface="Times New Roman"/>
+            <a:endParaRPr b="0" lang="en-US" sz="2000" spc="-1" strike="noStrike">
+              <a:latin typeface="Arial"/>
             </a:endParaRPr>
           </a:p>
         </p:txBody>
@@ -5582,8 +6833,8 @@
         </p:nvSpPr>
         <p:spPr>
           <a:xfrm>
-            <a:off x="533520" y="91440"/>
-            <a:ext cx="9067680" cy="1262160"/>
+            <a:off x="503640" y="301680"/>
+            <a:ext cx="9069120" cy="1262520"/>
           </a:xfrm>
           <a:prstGeom prst="rect">
             <a:avLst/>
@@ -5596,19 +6847,13 @@
           <a:p>
             <a:pPr algn="ctr"/>
             <a:r>
-              <a:rPr b="0" i="1" lang="en-US" sz="4400" spc="-1" strike="noStrike">
-                <a:solidFill>
-                  <a:srgbClr val="ffffff"/>
-                </a:solidFill>
-                <a:latin typeface="Times New Roman"/>
+              <a:rPr b="0" lang="en-US" sz="4400" spc="-1" strike="noStrike">
+                <a:latin typeface="Arial"/>
               </a:rPr>
               <a:t>Click to edit the title text format</a:t>
             </a:r>
-            <a:endParaRPr b="0" i="1" lang="en-US" sz="4400" spc="-1" strike="noStrike">
-              <a:solidFill>
-                <a:srgbClr val="ffffff"/>
-              </a:solidFill>
-              <a:latin typeface="Times New Roman"/>
+            <a:endParaRPr b="0" lang="en-US" sz="4400" spc="-1" strike="noStrike">
+              <a:latin typeface="Arial"/>
             </a:endParaRPr>
           </a:p>
         </p:txBody>
@@ -5626,7 +6871,7 @@
         <p:spPr>
           <a:xfrm>
             <a:off x="503640" y="1769400"/>
-            <a:ext cx="9067680" cy="4385520"/>
+            <a:ext cx="9069120" cy="4385880"/>
           </a:xfrm>
           <a:prstGeom prst="rect">
             <a:avLst/>
@@ -5639,7 +6884,7 @@
           <a:p>
             <a:pPr marL="432000" indent="-324000">
               <a:spcBef>
-                <a:spcPts val="1414"/>
+                <a:spcPts val="1417"/>
               </a:spcBef>
               <a:buClr>
                 <a:srgbClr val="000000"/>
@@ -5650,12 +6895,12 @@
             </a:pPr>
             <a:r>
               <a:rPr b="0" lang="en-US" sz="3200" spc="-1" strike="noStrike">
-                <a:latin typeface="Times New Roman"/>
+                <a:latin typeface="Arial"/>
               </a:rPr>
               <a:t>Click to edit the outline text format</a:t>
             </a:r>
             <a:endParaRPr b="0" lang="en-US" sz="3200" spc="-1" strike="noStrike">
-              <a:latin typeface="Times New Roman"/>
+              <a:latin typeface="Arial"/>
             </a:endParaRPr>
           </a:p>
           <a:p>
@@ -5672,12 +6917,12 @@
             </a:pPr>
             <a:r>
               <a:rPr b="0" lang="en-US" sz="2800" spc="-1" strike="noStrike">
-                <a:latin typeface="Times New Roman"/>
+                <a:latin typeface="Arial"/>
               </a:rPr>
               <a:t>Second Outline Level</a:t>
             </a:r>
             <a:endParaRPr b="0" lang="en-US" sz="2800" spc="-1" strike="noStrike">
-              <a:latin typeface="Times New Roman"/>
+              <a:latin typeface="Arial"/>
             </a:endParaRPr>
           </a:p>
           <a:p>
@@ -5694,12 +6939,12 @@
             </a:pPr>
             <a:r>
               <a:rPr b="0" lang="en-US" sz="2400" spc="-1" strike="noStrike">
-                <a:latin typeface="Times New Roman"/>
+                <a:latin typeface="Arial"/>
               </a:rPr>
               <a:t>Third Outline Level</a:t>
             </a:r>
             <a:endParaRPr b="0" lang="en-US" sz="2400" spc="-1" strike="noStrike">
-              <a:latin typeface="Times New Roman"/>
+              <a:latin typeface="Arial"/>
             </a:endParaRPr>
           </a:p>
           <a:p>
@@ -5716,12 +6961,12 @@
             </a:pPr>
             <a:r>
               <a:rPr b="0" lang="en-US" sz="2000" spc="-1" strike="noStrike">
-                <a:latin typeface="Times New Roman"/>
+                <a:latin typeface="Arial"/>
               </a:rPr>
               <a:t>Fourth Outline Level</a:t>
             </a:r>
             <a:endParaRPr b="0" lang="en-US" sz="2000" spc="-1" strike="noStrike">
-              <a:latin typeface="Times New Roman"/>
+              <a:latin typeface="Arial"/>
             </a:endParaRPr>
           </a:p>
           <a:p>
@@ -5738,12 +6983,12 @@
             </a:pPr>
             <a:r>
               <a:rPr b="0" lang="en-US" sz="2000" spc="-1" strike="noStrike">
-                <a:latin typeface="Times New Roman"/>
+                <a:latin typeface="Arial"/>
               </a:rPr>
               <a:t>Fifth Outline Level</a:t>
             </a:r>
             <a:endParaRPr b="0" lang="en-US" sz="2000" spc="-1" strike="noStrike">
-              <a:latin typeface="Times New Roman"/>
+              <a:latin typeface="Arial"/>
             </a:endParaRPr>
           </a:p>
           <a:p>
@@ -5760,12 +7005,12 @@
             </a:pPr>
             <a:r>
               <a:rPr b="0" lang="en-US" sz="2000" spc="-1" strike="noStrike">
-                <a:latin typeface="Times New Roman"/>
+                <a:latin typeface="Arial"/>
               </a:rPr>
               <a:t>Sixth Outline Level</a:t>
             </a:r>
             <a:endParaRPr b="0" lang="en-US" sz="2000" spc="-1" strike="noStrike">
-              <a:latin typeface="Times New Roman"/>
+              <a:latin typeface="Arial"/>
             </a:endParaRPr>
           </a:p>
           <a:p>
@@ -5782,12 +7027,12 @@
             </a:pPr>
             <a:r>
               <a:rPr b="0" lang="en-US" sz="2000" spc="-1" strike="noStrike">
-                <a:latin typeface="Times New Roman"/>
+                <a:latin typeface="Arial"/>
               </a:rPr>
               <a:t>Seventh Outline Level</a:t>
             </a:r>
             <a:endParaRPr b="0" lang="en-US" sz="2000" spc="-1" strike="noStrike">
-              <a:latin typeface="Times New Roman"/>
+              <a:latin typeface="Arial"/>
             </a:endParaRPr>
           </a:p>
         </p:txBody>
@@ -5808,6 +7053,269 @@
     <p:sldLayoutId id="2147483684" r:id="rId12"/>
     <p:sldLayoutId id="2147483685" r:id="rId13"/>
     <p:sldLayoutId id="2147483686" r:id="rId14"/>
+  </p:sldLayoutIdLst>
+</p:sldMaster>
+</file>
+
+<file path=ppt/slideMasters/slideMaster4.xml><?xml version="1.0" encoding="utf-8"?>
+<p:sldMaster xmlns:a="http://schemas.openxmlformats.org/drawingml/2006/main" xmlns:p="http://schemas.openxmlformats.org/presentationml/2006/main" xmlns:r="http://schemas.openxmlformats.org/officeDocument/2006/relationships" xmlns:p14="http://schemas.microsoft.com/office/powerpoint/2010/main" xmlns:p15="http://schemas.microsoft.com/office/powerpoint/2012/main" xmlns:mc="http://schemas.openxmlformats.org/markup-compatibility/2006">
+  <p:cSld>
+    <p:bg>
+      <p:bgPr>
+        <a:blipFill rotWithShape="0">
+          <a:blip r:embed="rId2"/>
+          <a:stretch>
+            <a:fillRect/>
+          </a:stretch>
+        </a:blipFill>
+      </p:bgPr>
+    </p:bg>
+    <p:spTree>
+      <p:nvGrpSpPr>
+        <p:cNvPr id="1" name=""/>
+        <p:cNvGrpSpPr/>
+        <p:nvPr/>
+      </p:nvGrpSpPr>
+      <p:grpSpPr>
+        <a:xfrm>
+          <a:off x="0" y="0"/>
+          <a:ext cx="0" cy="0"/>
+          <a:chOff x="0" y="0"/>
+          <a:chExt cx="0" cy="0"/>
+        </a:xfrm>
+      </p:grpSpPr>
+      <p:sp>
+        <p:nvSpPr>
+          <p:cNvPr id="114" name="PlaceHolder 1"/>
+          <p:cNvSpPr>
+            <a:spLocks noGrp="1"/>
+          </p:cNvSpPr>
+          <p:nvPr>
+            <p:ph type="title"/>
+          </p:nvPr>
+        </p:nvSpPr>
+        <p:spPr>
+          <a:xfrm>
+            <a:off x="503640" y="301680"/>
+            <a:ext cx="9068400" cy="1261800"/>
+          </a:xfrm>
+          <a:prstGeom prst="rect">
+            <a:avLst/>
+          </a:prstGeom>
+        </p:spPr>
+        <p:txBody>
+          <a:bodyPr lIns="0" rIns="0" tIns="0" bIns="0" anchor="ctr">
+            <a:noAutofit/>
+          </a:bodyPr>
+          <a:p>
+            <a:pPr algn="ctr"/>
+            <a:r>
+              <a:rPr b="0" lang="en-US" sz="1800" spc="-1" strike="noStrike">
+                <a:latin typeface="Arial"/>
+              </a:rPr>
+              <a:t>Click to edit the title text format</a:t>
+            </a:r>
+            <a:endParaRPr b="0" lang="en-US" sz="1800" spc="-1" strike="noStrike">
+              <a:latin typeface="Arial"/>
+            </a:endParaRPr>
+          </a:p>
+        </p:txBody>
+      </p:sp>
+      <p:sp>
+        <p:nvSpPr>
+          <p:cNvPr id="115" name="PlaceHolder 2"/>
+          <p:cNvSpPr>
+            <a:spLocks noGrp="1"/>
+          </p:cNvSpPr>
+          <p:nvPr>
+            <p:ph type="body"/>
+          </p:nvPr>
+        </p:nvSpPr>
+        <p:spPr>
+          <a:xfrm>
+            <a:off x="503640" y="1769400"/>
+            <a:ext cx="9068400" cy="4385160"/>
+          </a:xfrm>
+          <a:prstGeom prst="rect">
+            <a:avLst/>
+          </a:prstGeom>
+        </p:spPr>
+        <p:txBody>
+          <a:bodyPr lIns="0" rIns="0" tIns="0" bIns="0">
+            <a:normAutofit/>
+          </a:bodyPr>
+          <a:p>
+            <a:pPr marL="432000" indent="-324000" algn="ctr">
+              <a:spcBef>
+                <a:spcPts val="1417"/>
+              </a:spcBef>
+              <a:buClr>
+                <a:srgbClr val="000000"/>
+              </a:buClr>
+              <a:buSzPct val="45000"/>
+              <a:buFont typeface="Wingdings" charset="2"/>
+              <a:buChar char=""/>
+            </a:pPr>
+            <a:r>
+              <a:rPr b="0" lang="en-US" sz="1800" spc="-1" strike="noStrike">
+                <a:latin typeface="Arial"/>
+              </a:rPr>
+              <a:t>Click to edit the outline text format</a:t>
+            </a:r>
+            <a:endParaRPr b="0" lang="en-US" sz="1800" spc="-1" strike="noStrike">
+              <a:latin typeface="Arial"/>
+            </a:endParaRPr>
+          </a:p>
+          <a:p>
+            <a:pPr lvl="1" marL="864000" indent="-324000" algn="ctr">
+              <a:spcBef>
+                <a:spcPts val="1134"/>
+              </a:spcBef>
+              <a:buClr>
+                <a:srgbClr val="000000"/>
+              </a:buClr>
+              <a:buSzPct val="75000"/>
+              <a:buFont typeface="Symbol" charset="2"/>
+              <a:buChar char=""/>
+            </a:pPr>
+            <a:r>
+              <a:rPr b="0" lang="en-US" sz="1800" spc="-1" strike="noStrike">
+                <a:latin typeface="Arial"/>
+              </a:rPr>
+              <a:t>Second Outline Level</a:t>
+            </a:r>
+            <a:endParaRPr b="0" lang="en-US" sz="1800" spc="-1" strike="noStrike">
+              <a:latin typeface="Arial"/>
+            </a:endParaRPr>
+          </a:p>
+          <a:p>
+            <a:pPr lvl="2" marL="1296000" indent="-288000" algn="ctr">
+              <a:spcBef>
+                <a:spcPts val="850"/>
+              </a:spcBef>
+              <a:buClr>
+                <a:srgbClr val="000000"/>
+              </a:buClr>
+              <a:buSzPct val="45000"/>
+              <a:buFont typeface="Wingdings" charset="2"/>
+              <a:buChar char=""/>
+            </a:pPr>
+            <a:r>
+              <a:rPr b="0" lang="en-US" sz="1800" spc="-1" strike="noStrike">
+                <a:latin typeface="Arial"/>
+              </a:rPr>
+              <a:t>Third Outline Level</a:t>
+            </a:r>
+            <a:endParaRPr b="0" lang="en-US" sz="1800" spc="-1" strike="noStrike">
+              <a:latin typeface="Arial"/>
+            </a:endParaRPr>
+          </a:p>
+          <a:p>
+            <a:pPr lvl="3" marL="1728000" indent="-216000" algn="ctr">
+              <a:spcBef>
+                <a:spcPts val="567"/>
+              </a:spcBef>
+              <a:buClr>
+                <a:srgbClr val="000000"/>
+              </a:buClr>
+              <a:buSzPct val="75000"/>
+              <a:buFont typeface="Symbol" charset="2"/>
+              <a:buChar char=""/>
+            </a:pPr>
+            <a:r>
+              <a:rPr b="0" lang="en-US" sz="1800" spc="-1" strike="noStrike">
+                <a:latin typeface="Arial"/>
+              </a:rPr>
+              <a:t>Fourth Outline Level</a:t>
+            </a:r>
+            <a:endParaRPr b="0" lang="en-US" sz="1800" spc="-1" strike="noStrike">
+              <a:latin typeface="Arial"/>
+            </a:endParaRPr>
+          </a:p>
+          <a:p>
+            <a:pPr lvl="4" marL="2160000" indent="-216000" algn="ctr">
+              <a:spcBef>
+                <a:spcPts val="283"/>
+              </a:spcBef>
+              <a:buClr>
+                <a:srgbClr val="000000"/>
+              </a:buClr>
+              <a:buSzPct val="45000"/>
+              <a:buFont typeface="Wingdings" charset="2"/>
+              <a:buChar char=""/>
+            </a:pPr>
+            <a:r>
+              <a:rPr b="0" lang="en-US" sz="1800" spc="-1" strike="noStrike">
+                <a:latin typeface="Arial"/>
+              </a:rPr>
+              <a:t>Fifth Outline Level</a:t>
+            </a:r>
+            <a:endParaRPr b="0" lang="en-US" sz="1800" spc="-1" strike="noStrike">
+              <a:latin typeface="Arial"/>
+            </a:endParaRPr>
+          </a:p>
+          <a:p>
+            <a:pPr lvl="5" marL="2592000" indent="-216000" algn="ctr">
+              <a:spcBef>
+                <a:spcPts val="283"/>
+              </a:spcBef>
+              <a:buClr>
+                <a:srgbClr val="000000"/>
+              </a:buClr>
+              <a:buSzPct val="45000"/>
+              <a:buFont typeface="Wingdings" charset="2"/>
+              <a:buChar char=""/>
+            </a:pPr>
+            <a:r>
+              <a:rPr b="0" lang="en-US" sz="1800" spc="-1" strike="noStrike">
+                <a:latin typeface="Arial"/>
+              </a:rPr>
+              <a:t>Sixth Outline Level</a:t>
+            </a:r>
+            <a:endParaRPr b="0" lang="en-US" sz="1800" spc="-1" strike="noStrike">
+              <a:latin typeface="Arial"/>
+            </a:endParaRPr>
+          </a:p>
+          <a:p>
+            <a:pPr lvl="6" marL="3024000" indent="-216000" algn="ctr">
+              <a:spcBef>
+                <a:spcPts val="283"/>
+              </a:spcBef>
+              <a:buClr>
+                <a:srgbClr val="000000"/>
+              </a:buClr>
+              <a:buSzPct val="45000"/>
+              <a:buFont typeface="Wingdings" charset="2"/>
+              <a:buChar char=""/>
+            </a:pPr>
+            <a:r>
+              <a:rPr b="0" lang="en-US" sz="1800" spc="-1" strike="noStrike">
+                <a:latin typeface="Arial"/>
+              </a:rPr>
+              <a:t>Seventh Outline Level</a:t>
+            </a:r>
+            <a:endParaRPr b="0" lang="en-US" sz="1800" spc="-1" strike="noStrike">
+              <a:latin typeface="Arial"/>
+            </a:endParaRPr>
+          </a:p>
+        </p:txBody>
+      </p:sp>
+    </p:spTree>
+  </p:cSld>
+  <p:clrMap bg1="lt1" bg2="lt2" tx1="dk1" tx2="dk2" accent1="accent1" accent2="accent2" accent3="accent3" accent4="accent4" accent5="accent5" accent6="accent6" hlink="hlink" folHlink="folHlink"/>
+  <p:sldLayoutIdLst>
+    <p:sldLayoutId id="2147483688" r:id="rId3"/>
+    <p:sldLayoutId id="2147483689" r:id="rId4"/>
+    <p:sldLayoutId id="2147483690" r:id="rId5"/>
+    <p:sldLayoutId id="2147483691" r:id="rId6"/>
+    <p:sldLayoutId id="2147483692" r:id="rId7"/>
+    <p:sldLayoutId id="2147483693" r:id="rId8"/>
+    <p:sldLayoutId id="2147483694" r:id="rId9"/>
+    <p:sldLayoutId id="2147483695" r:id="rId10"/>
+    <p:sldLayoutId id="2147483696" r:id="rId11"/>
+    <p:sldLayoutId id="2147483697" r:id="rId12"/>
+    <p:sldLayoutId id="2147483698" r:id="rId13"/>
+    <p:sldLayoutId id="2147483699" r:id="rId14"/>
   </p:sldLayoutIdLst>
 </p:sldMaster>
 </file>
@@ -5841,14 +7349,14 @@
       </p:grpSpPr>
       <p:sp>
         <p:nvSpPr>
-          <p:cNvPr id="120" name="CustomShape 1"/>
+          <p:cNvPr id="158" name="CustomShape 1"/>
           <p:cNvSpPr/>
           <p:nvPr/>
         </p:nvSpPr>
         <p:spPr>
           <a:xfrm>
             <a:off x="529200" y="887760"/>
-            <a:ext cx="9067680" cy="5697360"/>
+            <a:ext cx="9066240" cy="5695920"/>
           </a:xfrm>
           <a:prstGeom prst="rect">
             <a:avLst/>
@@ -5880,13 +7388,11 @@
                   <a:srgbClr val="ffffff"/>
                 </a:solidFill>
                 <a:latin typeface="Times New Roman"/>
+                <a:ea typeface="DejaVu Sans"/>
               </a:rPr>
               <a:t>Go  Micro</a:t>
             </a:r>
             <a:endParaRPr b="0" lang="en-US" sz="7200" spc="-1" strike="noStrike">
-              <a:solidFill>
-                <a:srgbClr val="ffffff"/>
-              </a:solidFill>
               <a:latin typeface="Arial"/>
             </a:endParaRPr>
           </a:p>
@@ -5924,14 +7430,14 @@
       </p:grpSpPr>
       <p:sp>
         <p:nvSpPr>
-          <p:cNvPr id="137" name="CustomShape 1"/>
+          <p:cNvPr id="175" name="CustomShape 1"/>
           <p:cNvSpPr/>
           <p:nvPr/>
         </p:nvSpPr>
         <p:spPr>
           <a:xfrm>
             <a:off x="503640" y="109440"/>
-            <a:ext cx="9067680" cy="1262160"/>
+            <a:ext cx="9066240" cy="1260720"/>
           </a:xfrm>
           <a:prstGeom prst="rect">
             <a:avLst/>
@@ -5963,6 +7469,7 @@
                   <a:srgbClr val="ffffff"/>
                 </a:solidFill>
                 <a:latin typeface="Open Sans"/>
+                <a:ea typeface="DejaVu Sans"/>
               </a:rPr>
               <a:t>Transport</a:t>
             </a:r>
@@ -5974,14 +7481,622 @@
       </p:sp>
       <p:sp>
         <p:nvSpPr>
-          <p:cNvPr id="138" name="CustomShape 2"/>
+          <p:cNvPr id="176" name="CustomShape 2"/>
           <p:cNvSpPr/>
           <p:nvPr/>
         </p:nvSpPr>
         <p:spPr>
           <a:xfrm>
             <a:off x="503640" y="1769400"/>
-            <a:ext cx="9067680" cy="4385520"/>
+            <a:ext cx="9066240" cy="4384080"/>
+          </a:xfrm>
+          <a:prstGeom prst="rect">
+            <a:avLst/>
+          </a:prstGeom>
+          <a:noFill/>
+          <a:ln>
+            <a:noFill/>
+          </a:ln>
+        </p:spPr>
+        <p:style>
+          <a:lnRef idx="0"/>
+          <a:fillRef idx="0"/>
+          <a:effectRef idx="0"/>
+          <a:fontRef idx="minor"/>
+        </p:style>
+        <p:txBody>
+          <a:bodyPr lIns="0" rIns="0" tIns="0" bIns="0">
+            <a:normAutofit/>
+          </a:bodyPr>
+          <a:p>
+            <a:pPr marL="432000" indent="-322200">
+              <a:lnSpc>
+                <a:spcPct val="100000"/>
+              </a:lnSpc>
+              <a:spcBef>
+                <a:spcPts val="1417"/>
+              </a:spcBef>
+              <a:buClr>
+                <a:srgbClr val="000000"/>
+              </a:buClr>
+              <a:buSzPct val="45000"/>
+              <a:buFont typeface="Wingdings" charset="2"/>
+              <a:buChar char=""/>
+            </a:pPr>
+            <a:r>
+              <a:rPr b="0" lang="en-US" sz="3200" spc="-1" strike="noStrike">
+                <a:solidFill>
+                  <a:srgbClr val="000000"/>
+                </a:solidFill>
+                <a:latin typeface="Open Sans"/>
+                <a:ea typeface="DejaVu Sans"/>
+              </a:rPr>
+              <a:t>Način na koji se razmenjuju poruke</a:t>
+            </a:r>
+            <a:endParaRPr b="0" lang="en-US" sz="3200" spc="-1" strike="noStrike">
+              <a:latin typeface="Arial"/>
+            </a:endParaRPr>
+          </a:p>
+          <a:p>
+            <a:pPr lvl="1" marL="864000" indent="-322200">
+              <a:lnSpc>
+                <a:spcPct val="100000"/>
+              </a:lnSpc>
+              <a:spcBef>
+                <a:spcPts val="1134"/>
+              </a:spcBef>
+              <a:buClr>
+                <a:srgbClr val="000000"/>
+              </a:buClr>
+              <a:buSzPct val="75000"/>
+              <a:buFont typeface="Symbol"/>
+              <a:buChar char=""/>
+            </a:pPr>
+            <a:r>
+              <a:rPr b="0" lang="en-US" sz="2800" spc="-1" strike="noStrike">
+                <a:solidFill>
+                  <a:srgbClr val="000000"/>
+                </a:solidFill>
+                <a:latin typeface="Open Sans"/>
+                <a:ea typeface="DejaVu Sans"/>
+              </a:rPr>
+              <a:t>Http (default)</a:t>
+            </a:r>
+            <a:endParaRPr b="0" lang="en-US" sz="2800" spc="-1" strike="noStrike">
+              <a:latin typeface="Arial"/>
+            </a:endParaRPr>
+          </a:p>
+          <a:p>
+            <a:pPr lvl="1" marL="864000" indent="-322200">
+              <a:lnSpc>
+                <a:spcPct val="100000"/>
+              </a:lnSpc>
+              <a:spcBef>
+                <a:spcPts val="1134"/>
+              </a:spcBef>
+              <a:buClr>
+                <a:srgbClr val="000000"/>
+              </a:buClr>
+              <a:buSzPct val="75000"/>
+              <a:buFont typeface="Symbol"/>
+              <a:buChar char=""/>
+            </a:pPr>
+            <a:r>
+              <a:rPr b="0" lang="en-US" sz="2800" spc="-1" strike="noStrike">
+                <a:solidFill>
+                  <a:srgbClr val="000000"/>
+                </a:solidFill>
+                <a:latin typeface="Open Sans"/>
+                <a:ea typeface="DejaVu Sans"/>
+              </a:rPr>
+              <a:t>Grpc</a:t>
+            </a:r>
+            <a:endParaRPr b="0" lang="en-US" sz="2800" spc="-1" strike="noStrike">
+              <a:latin typeface="Arial"/>
+            </a:endParaRPr>
+          </a:p>
+          <a:p>
+            <a:pPr lvl="1" marL="864000" indent="-322200">
+              <a:lnSpc>
+                <a:spcPct val="100000"/>
+              </a:lnSpc>
+              <a:spcBef>
+                <a:spcPts val="1134"/>
+              </a:spcBef>
+              <a:buClr>
+                <a:srgbClr val="000000"/>
+              </a:buClr>
+              <a:buSzPct val="75000"/>
+              <a:buFont typeface="Symbol"/>
+              <a:buChar char=""/>
+            </a:pPr>
+            <a:r>
+              <a:rPr b="0" lang="en-US" sz="2800" spc="-1" strike="noStrike">
+                <a:solidFill>
+                  <a:srgbClr val="000000"/>
+                </a:solidFill>
+                <a:latin typeface="Open Sans"/>
+                <a:ea typeface="DejaVu Sans"/>
+              </a:rPr>
+              <a:t>Nats</a:t>
+            </a:r>
+            <a:endParaRPr b="0" lang="en-US" sz="2800" spc="-1" strike="noStrike">
+              <a:latin typeface="Arial"/>
+            </a:endParaRPr>
+          </a:p>
+          <a:p>
+            <a:pPr lvl="1" marL="864000" indent="-322200">
+              <a:lnSpc>
+                <a:spcPct val="100000"/>
+              </a:lnSpc>
+              <a:spcBef>
+                <a:spcPts val="1134"/>
+              </a:spcBef>
+              <a:buClr>
+                <a:srgbClr val="000000"/>
+              </a:buClr>
+              <a:buSzPct val="75000"/>
+              <a:buFont typeface="Symbol"/>
+              <a:buChar char=""/>
+            </a:pPr>
+            <a:r>
+              <a:rPr b="0" lang="en-US" sz="2800" spc="-1" strike="noStrike">
+                <a:solidFill>
+                  <a:srgbClr val="000000"/>
+                </a:solidFill>
+                <a:latin typeface="Open Sans"/>
+                <a:ea typeface="DejaVu Sans"/>
+              </a:rPr>
+              <a:t>RabbitMQ</a:t>
+            </a:r>
+            <a:endParaRPr b="0" lang="en-US" sz="2800" spc="-1" strike="noStrike">
+              <a:latin typeface="Arial"/>
+            </a:endParaRPr>
+          </a:p>
+          <a:p>
+            <a:pPr lvl="1" marL="864000" indent="-322200">
+              <a:lnSpc>
+                <a:spcPct val="100000"/>
+              </a:lnSpc>
+              <a:spcBef>
+                <a:spcPts val="1134"/>
+              </a:spcBef>
+              <a:buClr>
+                <a:srgbClr val="000000"/>
+              </a:buClr>
+              <a:buSzPct val="75000"/>
+              <a:buFont typeface="Symbol"/>
+              <a:buChar char=""/>
+            </a:pPr>
+            <a:r>
+              <a:rPr b="0" lang="en-US" sz="2800" spc="-1" strike="noStrike">
+                <a:solidFill>
+                  <a:srgbClr val="000000"/>
+                </a:solidFill>
+                <a:latin typeface="Open Sans"/>
+                <a:ea typeface="DejaVu Sans"/>
+              </a:rPr>
+              <a:t>TCP</a:t>
+            </a:r>
+            <a:endParaRPr b="0" lang="en-US" sz="2800" spc="-1" strike="noStrike">
+              <a:latin typeface="Arial"/>
+            </a:endParaRPr>
+          </a:p>
+          <a:p>
+            <a:pPr lvl="1" marL="864000" indent="-322200">
+              <a:lnSpc>
+                <a:spcPct val="100000"/>
+              </a:lnSpc>
+              <a:spcBef>
+                <a:spcPts val="1134"/>
+              </a:spcBef>
+              <a:buClr>
+                <a:srgbClr val="000000"/>
+              </a:buClr>
+              <a:buSzPct val="75000"/>
+              <a:buFont typeface="Symbol"/>
+              <a:buChar char=""/>
+            </a:pPr>
+            <a:r>
+              <a:rPr b="0" lang="en-US" sz="2800" spc="-1" strike="noStrike">
+                <a:solidFill>
+                  <a:srgbClr val="000000"/>
+                </a:solidFill>
+                <a:latin typeface="Open Sans"/>
+                <a:ea typeface="DejaVu Sans"/>
+              </a:rPr>
+              <a:t>UTP (UDP sa BitTorrent protocolom)</a:t>
+            </a:r>
+            <a:endParaRPr b="0" lang="en-US" sz="2800" spc="-1" strike="noStrike">
+              <a:latin typeface="Arial"/>
+            </a:endParaRPr>
+          </a:p>
+        </p:txBody>
+      </p:sp>
+    </p:spTree>
+  </p:cSld>
+  <mc:AlternateContent>
+    <mc:Choice Requires="p14">
+      <p:transition spd="slow" p14:dur="2000"/>
+    </mc:Choice>
+    <mc:Fallback>
+      <p:transition spd="slow"/>
+    </mc:Fallback>
+  </mc:AlternateContent>
+</p:sld>
+</file>
+
+<file path=ppt/slides/slide11.xml><?xml version="1.0" encoding="utf-8"?>
+<p:sld xmlns:a="http://schemas.openxmlformats.org/drawingml/2006/main" xmlns:p="http://schemas.openxmlformats.org/presentationml/2006/main" xmlns:r="http://schemas.openxmlformats.org/officeDocument/2006/relationships" xmlns:p14="http://schemas.microsoft.com/office/powerpoint/2010/main" xmlns:p15="http://schemas.microsoft.com/office/powerpoint/2012/main" xmlns:mc="http://schemas.openxmlformats.org/markup-compatibility/2006">
+  <p:cSld>
+    <p:spTree>
+      <p:nvGrpSpPr>
+        <p:cNvPr id="1" name=""/>
+        <p:cNvGrpSpPr/>
+        <p:nvPr/>
+      </p:nvGrpSpPr>
+      <p:grpSpPr>
+        <a:xfrm>
+          <a:off x="0" y="0"/>
+          <a:ext cx="0" cy="0"/>
+          <a:chOff x="0" y="0"/>
+          <a:chExt cx="0" cy="0"/>
+        </a:xfrm>
+      </p:grpSpPr>
+      <p:sp>
+        <p:nvSpPr>
+          <p:cNvPr id="177" name="CustomShape 1"/>
+          <p:cNvSpPr/>
+          <p:nvPr/>
+        </p:nvSpPr>
+        <p:spPr>
+          <a:xfrm>
+            <a:off x="503640" y="109440"/>
+            <a:ext cx="9066240" cy="1260720"/>
+          </a:xfrm>
+          <a:prstGeom prst="rect">
+            <a:avLst/>
+          </a:prstGeom>
+          <a:noFill/>
+          <a:ln>
+            <a:noFill/>
+          </a:ln>
+        </p:spPr>
+        <p:style>
+          <a:lnRef idx="0"/>
+          <a:fillRef idx="0"/>
+          <a:effectRef idx="0"/>
+          <a:fontRef idx="minor"/>
+        </p:style>
+        <p:txBody>
+          <a:bodyPr lIns="0" rIns="0" tIns="0" bIns="0" anchor="ctr">
+            <a:noAutofit/>
+          </a:bodyPr>
+          <a:p>
+            <a:pPr algn="ctr">
+              <a:lnSpc>
+                <a:spcPct val="100000"/>
+              </a:lnSpc>
+            </a:pPr>
+            <a:r>
+              <a:rPr b="0" i="1" lang="en-US" sz="4400" spc="-1" strike="noStrike">
+                <a:solidFill>
+                  <a:srgbClr val="ffffff"/>
+                </a:solidFill>
+                <a:latin typeface="Open Sans"/>
+                <a:ea typeface="DejaVu Sans"/>
+              </a:rPr>
+              <a:t>Instalacija Micro</a:t>
+            </a:r>
+            <a:endParaRPr b="0" lang="en-US" sz="4400" spc="-1" strike="noStrike">
+              <a:latin typeface="Arial"/>
+            </a:endParaRPr>
+          </a:p>
+        </p:txBody>
+      </p:sp>
+      <p:sp>
+        <p:nvSpPr>
+          <p:cNvPr id="178" name="CustomShape 2"/>
+          <p:cNvSpPr/>
+          <p:nvPr/>
+        </p:nvSpPr>
+        <p:spPr>
+          <a:xfrm>
+            <a:off x="503640" y="1769400"/>
+            <a:ext cx="9066240" cy="4384080"/>
+          </a:xfrm>
+          <a:prstGeom prst="rect">
+            <a:avLst/>
+          </a:prstGeom>
+          <a:noFill/>
+          <a:ln>
+            <a:noFill/>
+          </a:ln>
+        </p:spPr>
+        <p:style>
+          <a:lnRef idx="0"/>
+          <a:fillRef idx="0"/>
+          <a:effectRef idx="0"/>
+          <a:fontRef idx="minor"/>
+        </p:style>
+        <p:txBody>
+          <a:bodyPr lIns="0" rIns="0" tIns="0" bIns="0">
+            <a:normAutofit/>
+          </a:bodyPr>
+          <a:p>
+            <a:pPr>
+              <a:lnSpc>
+                <a:spcPct val="100000"/>
+              </a:lnSpc>
+              <a:spcBef>
+                <a:spcPts val="1417"/>
+              </a:spcBef>
+            </a:pPr>
+            <a:endParaRPr b="0" lang="en-US" sz="1800" spc="-1" strike="noStrike">
+              <a:latin typeface="Arial"/>
+            </a:endParaRPr>
+          </a:p>
+          <a:p>
+            <a:pPr>
+              <a:lnSpc>
+                <a:spcPct val="100000"/>
+              </a:lnSpc>
+              <a:spcBef>
+                <a:spcPts val="1417"/>
+              </a:spcBef>
+            </a:pPr>
+            <a:r>
+              <a:rPr b="0" lang="en-US" sz="3200" spc="-1" strike="noStrike">
+                <a:solidFill>
+                  <a:srgbClr val="000000"/>
+                </a:solidFill>
+                <a:latin typeface="Open Sans"/>
+                <a:ea typeface="DejaVu Sans"/>
+              </a:rPr>
+              <a:t>	</a:t>
+            </a:r>
+            <a:r>
+              <a:rPr b="0" lang="en-US" sz="3200" spc="-1" strike="noStrike">
+                <a:solidFill>
+                  <a:srgbClr val="000000"/>
+                </a:solidFill>
+                <a:latin typeface="Open Sans"/>
+                <a:ea typeface="DejaVu Sans"/>
+              </a:rPr>
+              <a:t>Jedna komadna linija: </a:t>
+            </a:r>
+            <a:endParaRPr b="0" lang="en-US" sz="3200" spc="-1" strike="noStrike">
+              <a:latin typeface="Arial"/>
+            </a:endParaRPr>
+          </a:p>
+          <a:p>
+            <a:pPr lvl="4" marL="1080000" indent="-214920">
+              <a:lnSpc>
+                <a:spcPct val="100000"/>
+              </a:lnSpc>
+              <a:spcBef>
+                <a:spcPts val="1417"/>
+              </a:spcBef>
+              <a:buClr>
+                <a:srgbClr val="000000"/>
+              </a:buClr>
+              <a:buSzPct val="45000"/>
+              <a:buFont typeface="Wingdings" charset="2"/>
+              <a:buChar char=""/>
+            </a:pPr>
+            <a:r>
+              <a:rPr b="0" lang="en-US" sz="3200" spc="-1" strike="noStrike">
+                <a:solidFill>
+                  <a:srgbClr val="000000"/>
+                </a:solidFill>
+                <a:latin typeface="Open Sans"/>
+                <a:ea typeface="DejaVu Sans"/>
+              </a:rPr>
+              <a:t>go get github/micro/micro</a:t>
+            </a:r>
+            <a:endParaRPr b="0" lang="en-US" sz="3200" spc="-1" strike="noStrike">
+              <a:latin typeface="Arial"/>
+            </a:endParaRPr>
+          </a:p>
+          <a:p>
+            <a:pPr marL="432000" indent="-322200">
+              <a:lnSpc>
+                <a:spcPct val="100000"/>
+              </a:lnSpc>
+              <a:spcBef>
+                <a:spcPts val="1417"/>
+              </a:spcBef>
+              <a:buClr>
+                <a:srgbClr val="000000"/>
+              </a:buClr>
+              <a:buSzPct val="45000"/>
+              <a:buFont typeface="Wingdings" charset="2"/>
+              <a:buChar char=""/>
+            </a:pPr>
+            <a:r>
+              <a:rPr b="0" lang="en-US" sz="3200" spc="-1" strike="noStrike">
+                <a:solidFill>
+                  <a:srgbClr val="000000"/>
+                </a:solidFill>
+                <a:latin typeface="Open Sans"/>
+                <a:ea typeface="DejaVu Sans"/>
+              </a:rPr>
+              <a:t>Alterantiva koristiti vec kompalirani binarni fajl:</a:t>
+            </a:r>
+            <a:endParaRPr b="0" lang="en-US" sz="3200" spc="-1" strike="noStrike">
+              <a:latin typeface="Arial"/>
+            </a:endParaRPr>
+          </a:p>
+          <a:p>
+            <a:pPr lvl="3" marL="864000" indent="-214920">
+              <a:lnSpc>
+                <a:spcPct val="100000"/>
+              </a:lnSpc>
+              <a:spcBef>
+                <a:spcPts val="1417"/>
+              </a:spcBef>
+              <a:buClr>
+                <a:srgbClr val="000000"/>
+              </a:buClr>
+              <a:buSzPct val="45000"/>
+              <a:buFont typeface="Wingdings" charset="2"/>
+              <a:buChar char=""/>
+            </a:pPr>
+            <a:r>
+              <a:rPr b="0" lang="en-US" sz="3200" spc="-1" strike="noStrike">
+                <a:solidFill>
+                  <a:srgbClr val="000000"/>
+                </a:solidFill>
+                <a:latin typeface="Open Sans"/>
+                <a:ea typeface="DejaVu Sans"/>
+              </a:rPr>
+              <a:t>https://github.com/micro/micro/releases</a:t>
+            </a:r>
+            <a:endParaRPr b="0" lang="en-US" sz="3200" spc="-1" strike="noStrike">
+              <a:latin typeface="Arial"/>
+            </a:endParaRPr>
+          </a:p>
+        </p:txBody>
+      </p:sp>
+    </p:spTree>
+  </p:cSld>
+  <mc:AlternateContent>
+    <mc:Choice Requires="p14">
+      <p:transition spd="slow" p14:dur="2000"/>
+    </mc:Choice>
+    <mc:Fallback>
+      <p:transition spd="slow"/>
+    </mc:Fallback>
+  </mc:AlternateContent>
+</p:sld>
+</file>
+
+<file path=ppt/slides/slide12.xml><?xml version="1.0" encoding="utf-8"?>
+<p:sld xmlns:a="http://schemas.openxmlformats.org/drawingml/2006/main" xmlns:p="http://schemas.openxmlformats.org/presentationml/2006/main" xmlns:r="http://schemas.openxmlformats.org/officeDocument/2006/relationships" xmlns:p14="http://schemas.microsoft.com/office/powerpoint/2010/main" xmlns:p15="http://schemas.microsoft.com/office/powerpoint/2012/main" xmlns:mc="http://schemas.openxmlformats.org/markup-compatibility/2006">
+  <p:cSld>
+    <p:spTree>
+      <p:nvGrpSpPr>
+        <p:cNvPr id="1" name=""/>
+        <p:cNvGrpSpPr/>
+        <p:nvPr/>
+      </p:nvGrpSpPr>
+      <p:grpSpPr>
+        <a:xfrm>
+          <a:off x="0" y="0"/>
+          <a:ext cx="0" cy="0"/>
+          <a:chOff x="0" y="0"/>
+          <a:chExt cx="0" cy="0"/>
+        </a:xfrm>
+      </p:grpSpPr>
+      <p:sp>
+        <p:nvSpPr>
+          <p:cNvPr id="179" name="CustomShape 1"/>
+          <p:cNvSpPr/>
+          <p:nvPr/>
+        </p:nvSpPr>
+        <p:spPr>
+          <a:xfrm>
+            <a:off x="503640" y="301680"/>
+            <a:ext cx="9068400" cy="1261800"/>
+          </a:xfrm>
+          <a:prstGeom prst="rect">
+            <a:avLst/>
+          </a:prstGeom>
+          <a:noFill/>
+          <a:ln>
+            <a:noFill/>
+          </a:ln>
+        </p:spPr>
+        <p:style>
+          <a:lnRef idx="0"/>
+          <a:fillRef idx="0"/>
+          <a:effectRef idx="0"/>
+          <a:fontRef idx="minor"/>
+        </p:style>
+      </p:sp>
+      <p:sp>
+        <p:nvSpPr>
+          <p:cNvPr id="180" name="CustomShape 2"/>
+          <p:cNvSpPr/>
+          <p:nvPr/>
+        </p:nvSpPr>
+        <p:spPr>
+          <a:xfrm>
+            <a:off x="503640" y="1769400"/>
+            <a:ext cx="9068400" cy="4385160"/>
+          </a:xfrm>
+          <a:prstGeom prst="rect">
+            <a:avLst/>
+          </a:prstGeom>
+          <a:noFill/>
+          <a:ln>
+            <a:noFill/>
+          </a:ln>
+        </p:spPr>
+        <p:style>
+          <a:lnRef idx="0"/>
+          <a:fillRef idx="0"/>
+          <a:effectRef idx="0"/>
+          <a:fontRef idx="minor"/>
+        </p:style>
+      </p:sp>
+      <p:sp>
+        <p:nvSpPr>
+          <p:cNvPr id="181" name="CustomShape 3"/>
+          <p:cNvSpPr/>
+          <p:nvPr/>
+        </p:nvSpPr>
+        <p:spPr>
+          <a:xfrm>
+            <a:off x="503640" y="301680"/>
+            <a:ext cx="9068400" cy="1261800"/>
+          </a:xfrm>
+          <a:prstGeom prst="rect">
+            <a:avLst/>
+          </a:prstGeom>
+          <a:noFill/>
+          <a:ln>
+            <a:noFill/>
+          </a:ln>
+        </p:spPr>
+        <p:style>
+          <a:lnRef idx="0"/>
+          <a:fillRef idx="0"/>
+          <a:effectRef idx="0"/>
+          <a:fontRef idx="minor"/>
+        </p:style>
+        <p:txBody>
+          <a:bodyPr lIns="0" rIns="0" tIns="0" bIns="0" anchor="ctr">
+            <a:noAutofit/>
+          </a:bodyPr>
+          <a:p>
+            <a:pPr algn="ctr">
+              <a:lnSpc>
+                <a:spcPct val="100000"/>
+              </a:lnSpc>
+            </a:pPr>
+            <a:r>
+              <a:rPr b="0" lang="en-US" sz="4400" spc="-1" strike="noStrike">
+                <a:latin typeface="Arial"/>
+              </a:rPr>
+              <a:t>Kreiranje novog projekta</a:t>
+            </a:r>
+            <a:endParaRPr b="0" lang="en-US" sz="4400" spc="-1" strike="noStrike">
+              <a:latin typeface="Arial"/>
+            </a:endParaRPr>
+          </a:p>
+        </p:txBody>
+      </p:sp>
+      <p:sp>
+        <p:nvSpPr>
+          <p:cNvPr id="182" name="CustomShape 4"/>
+          <p:cNvSpPr/>
+          <p:nvPr/>
+        </p:nvSpPr>
+        <p:spPr>
+          <a:xfrm>
+            <a:off x="503640" y="1769400"/>
+            <a:ext cx="9068400" cy="4385160"/>
           </a:xfrm>
           <a:prstGeom prst="rect">
             <a:avLst/>
@@ -6018,161 +8133,86 @@
             </a:pPr>
             <a:r>
               <a:rPr b="0" lang="en-US" sz="3200" spc="-1" strike="noStrike">
-                <a:latin typeface="Open Sans"/>
-              </a:rPr>
-              <a:t>Način na koji se razmenjuju poruke</a:t>
-            </a:r>
-            <a:endParaRPr b="0" lang="en-US" sz="3200" spc="-1" strike="noStrike">
-              <a:latin typeface="Arial"/>
-            </a:endParaRPr>
-          </a:p>
-          <a:p>
-            <a:pPr lvl="1" marL="864000" indent="-323640">
+                <a:latin typeface="Arial"/>
+              </a:rPr>
+              <a:t>Komanda: micro new &lt;naziv projekta&gt;</a:t>
+            </a:r>
+            <a:endParaRPr b="0" lang="en-US" sz="3200" spc="-1" strike="noStrike">
+              <a:latin typeface="Arial"/>
+            </a:endParaRPr>
+          </a:p>
+          <a:p>
+            <a:pPr marL="432000" indent="-323640">
               <a:lnSpc>
                 <a:spcPct val="100000"/>
               </a:lnSpc>
               <a:spcBef>
-                <a:spcPts val="1134"/>
+                <a:spcPts val="1417"/>
               </a:spcBef>
               <a:buClr>
                 <a:srgbClr val="000000"/>
               </a:buClr>
-              <a:buSzPct val="75000"/>
-              <a:buFont typeface="Symbol"/>
-              <a:buChar char=""/>
-            </a:pPr>
-            <a:r>
-              <a:rPr b="0" lang="en-US" sz="2800" spc="-1" strike="noStrike">
-                <a:latin typeface="Open Sans"/>
-              </a:rPr>
-              <a:t>Http (default)</a:t>
-            </a:r>
-            <a:endParaRPr b="0" lang="en-US" sz="2800" spc="-1" strike="noStrike">
-              <a:latin typeface="Arial"/>
-            </a:endParaRPr>
-          </a:p>
-          <a:p>
-            <a:pPr lvl="1" marL="864000" indent="-323640">
+              <a:buSzPct val="45000"/>
+              <a:buFont typeface="Wingdings" charset="2"/>
+              <a:buChar char=""/>
+            </a:pPr>
+            <a:r>
+              <a:rPr b="0" lang="en-US" sz="3200" spc="-1" strike="noStrike">
+                <a:latin typeface="Arial"/>
+              </a:rPr>
+              <a:t>U main fajlu kreira servis, registruje handlere za taj servis, inicira servis I pokrece servis</a:t>
+            </a:r>
+            <a:endParaRPr b="0" lang="en-US" sz="3200" spc="-1" strike="noStrike">
+              <a:latin typeface="Arial"/>
+            </a:endParaRPr>
+          </a:p>
+          <a:p>
+            <a:pPr marL="432000" indent="-323640">
               <a:lnSpc>
                 <a:spcPct val="100000"/>
               </a:lnSpc>
               <a:spcBef>
-                <a:spcPts val="1134"/>
+                <a:spcPts val="1417"/>
               </a:spcBef>
               <a:buClr>
                 <a:srgbClr val="000000"/>
               </a:buClr>
-              <a:buSzPct val="75000"/>
-              <a:buFont typeface="Symbol"/>
-              <a:buChar char=""/>
-            </a:pPr>
-            <a:r>
-              <a:rPr b="0" lang="en-US" sz="2800" spc="-1" strike="noStrike">
-                <a:latin typeface="Open Sans"/>
-              </a:rPr>
-              <a:t>Grpc</a:t>
-            </a:r>
-            <a:endParaRPr b="0" lang="en-US" sz="2800" spc="-1" strike="noStrike">
-              <a:latin typeface="Arial"/>
-            </a:endParaRPr>
-          </a:p>
-          <a:p>
-            <a:pPr lvl="1" marL="864000" indent="-323640">
+              <a:buSzPct val="45000"/>
+              <a:buFont typeface="Wingdings" charset="2"/>
+              <a:buChar char=""/>
+            </a:pPr>
+            <a:r>
+              <a:rPr b="0" lang="en-US" sz="3200" spc="-1" strike="noStrike">
+                <a:latin typeface="Arial"/>
+              </a:rPr>
+              <a:t>Servis interfejs se definise u .proto fajlu kao i argumenti funkcija</a:t>
+            </a:r>
+            <a:endParaRPr b="0" lang="en-US" sz="3200" spc="-1" strike="noStrike">
+              <a:latin typeface="Arial"/>
+            </a:endParaRPr>
+          </a:p>
+          <a:p>
+            <a:pPr marL="432000" indent="-323640">
               <a:lnSpc>
                 <a:spcPct val="100000"/>
               </a:lnSpc>
               <a:spcBef>
-                <a:spcPts val="1134"/>
+                <a:spcPts val="1417"/>
               </a:spcBef>
               <a:buClr>
                 <a:srgbClr val="000000"/>
               </a:buClr>
-              <a:buSzPct val="75000"/>
-              <a:buFont typeface="Symbol"/>
-              <a:buChar char=""/>
-            </a:pPr>
-            <a:r>
-              <a:rPr b="0" lang="en-US" sz="2800" spc="-1" strike="noStrike">
-                <a:latin typeface="Open Sans"/>
-              </a:rPr>
-              <a:t>Nats</a:t>
-            </a:r>
-            <a:endParaRPr b="0" lang="en-US" sz="2800" spc="-1" strike="noStrike">
-              <a:latin typeface="Arial"/>
-            </a:endParaRPr>
-          </a:p>
-          <a:p>
-            <a:pPr lvl="1" marL="864000" indent="-323640">
-              <a:lnSpc>
-                <a:spcPct val="100000"/>
-              </a:lnSpc>
-              <a:spcBef>
-                <a:spcPts val="1134"/>
-              </a:spcBef>
-              <a:buClr>
-                <a:srgbClr val="000000"/>
-              </a:buClr>
-              <a:buSzPct val="75000"/>
-              <a:buFont typeface="Symbol"/>
-              <a:buChar char=""/>
-            </a:pPr>
-            <a:r>
-              <a:rPr b="0" lang="en-US" sz="2800" spc="-1" strike="noStrike">
-                <a:latin typeface="Open Sans"/>
-              </a:rPr>
-              <a:t>RabbitMQ</a:t>
-            </a:r>
-            <a:endParaRPr b="0" lang="en-US" sz="2800" spc="-1" strike="noStrike">
-              <a:latin typeface="Arial"/>
-            </a:endParaRPr>
-          </a:p>
-          <a:p>
-            <a:pPr lvl="1" marL="864000" indent="-323640">
-              <a:lnSpc>
-                <a:spcPct val="100000"/>
-              </a:lnSpc>
-              <a:spcBef>
-                <a:spcPts val="1134"/>
-              </a:spcBef>
-              <a:buClr>
-                <a:srgbClr val="000000"/>
-              </a:buClr>
-              <a:buSzPct val="75000"/>
-              <a:buFont typeface="Symbol"/>
-              <a:buChar char=""/>
-            </a:pPr>
-            <a:r>
-              <a:rPr b="0" lang="en-US" sz="2800" spc="-1" strike="noStrike">
-                <a:latin typeface="Open Sans"/>
-              </a:rPr>
-              <a:t>TCP</a:t>
-            </a:r>
-            <a:endParaRPr b="0" lang="en-US" sz="2800" spc="-1" strike="noStrike">
-              <a:latin typeface="Arial"/>
-            </a:endParaRPr>
-          </a:p>
-          <a:p>
-            <a:pPr lvl="1" marL="864000" indent="-323640">
-              <a:lnSpc>
-                <a:spcPct val="100000"/>
-              </a:lnSpc>
-              <a:spcBef>
-                <a:spcPts val="1134"/>
-              </a:spcBef>
-              <a:buClr>
-                <a:srgbClr val="000000"/>
-              </a:buClr>
-              <a:buSzPct val="75000"/>
-              <a:buFont typeface="Symbol"/>
-              <a:buChar char=""/>
-            </a:pPr>
-            <a:r>
-              <a:rPr b="0" lang="en-US" sz="2800" spc="-1" strike="noStrike">
-                <a:latin typeface="Open Sans"/>
-              </a:rPr>
-              <a:t>UTP (UDP sa BitTorrent protocolom)</a:t>
-            </a:r>
-            <a:endParaRPr b="0" lang="en-US" sz="2800" spc="-1" strike="noStrike">
+              <a:buSzPct val="45000"/>
+              <a:buFont typeface="Wingdings" charset="2"/>
+              <a:buChar char=""/>
+            </a:pPr>
+            <a:r>
+              <a:rPr b="0" lang="en-US" sz="3200" spc="-1" strike="noStrike">
+                <a:latin typeface="Arial"/>
+              </a:rPr>
+              <a:t>U handleru je potrebno implemenitrati nas interfejs</a:t>
+            </a:r>
+            <a:endParaRPr b="0" lang="en-US" sz="3200" spc="-1" strike="noStrike">
               <a:latin typeface="Arial"/>
             </a:endParaRPr>
           </a:p>
@@ -6220,14 +8260,14 @@
       </p:grpSpPr>
       <p:sp>
         <p:nvSpPr>
-          <p:cNvPr id="121" name="CustomShape 1"/>
+          <p:cNvPr id="159" name="CustomShape 1"/>
           <p:cNvSpPr/>
           <p:nvPr/>
         </p:nvSpPr>
         <p:spPr>
           <a:xfrm>
             <a:off x="503640" y="109440"/>
-            <a:ext cx="9067680" cy="1262160"/>
+            <a:ext cx="9066240" cy="1260720"/>
           </a:xfrm>
           <a:prstGeom prst="rect">
             <a:avLst/>
@@ -6259,6 +8299,7 @@
                   <a:srgbClr val="ffffff"/>
                 </a:solidFill>
                 <a:latin typeface="Open Sans"/>
+                <a:ea typeface="DejaVu Sans"/>
               </a:rPr>
               <a:t>Micro</a:t>
             </a:r>
@@ -6270,14 +8311,14 @@
       </p:sp>
       <p:sp>
         <p:nvSpPr>
-          <p:cNvPr id="122" name="CustomShape 2"/>
+          <p:cNvPr id="160" name="CustomShape 2"/>
           <p:cNvSpPr/>
           <p:nvPr/>
         </p:nvSpPr>
         <p:spPr>
           <a:xfrm>
             <a:off x="503640" y="2103480"/>
-            <a:ext cx="9067680" cy="4051440"/>
+            <a:ext cx="9066240" cy="4050000"/>
           </a:xfrm>
           <a:prstGeom prst="rect">
             <a:avLst/>
@@ -6298,7 +8339,7 @@
             <a:normAutofit/>
           </a:bodyPr>
           <a:p>
-            <a:pPr marL="432000" indent="-323640">
+            <a:pPr marL="432000" indent="-322200">
               <a:lnSpc>
                 <a:spcPct val="100000"/>
               </a:lnSpc>
@@ -6314,7 +8355,11 @@
             </a:pPr>
             <a:r>
               <a:rPr b="0" lang="en-US" sz="3200" spc="-1" strike="noStrike">
+                <a:solidFill>
+                  <a:srgbClr val="000000"/>
+                </a:solidFill>
                 <a:latin typeface="Open Sans"/>
+                <a:ea typeface="DejaVu Sans"/>
               </a:rPr>
               <a:t>Micro pruža ključne stavke za izgradnju mikroservisa</a:t>
             </a:r>
@@ -6323,7 +8368,7 @@
             </a:endParaRPr>
           </a:p>
           <a:p>
-            <a:pPr marL="432000" indent="-323640">
+            <a:pPr marL="432000" indent="-322200">
               <a:lnSpc>
                 <a:spcPct val="100000"/>
               </a:lnSpc>
@@ -6339,7 +8384,11 @@
             </a:pPr>
             <a:r>
               <a:rPr b="0" lang="en-US" sz="3200" spc="-1" strike="noStrike">
+                <a:solidFill>
+                  <a:srgbClr val="000000"/>
+                </a:solidFill>
                 <a:latin typeface="Open Sans"/>
+                <a:ea typeface="DejaVu Sans"/>
               </a:rPr>
               <a:t>Koristi mikroservis arhitekturni obrazac I pretvara ga u set alatki, pomoću kojih je lako izgraditi skalabilnu platformu</a:t>
             </a:r>
@@ -6348,7 +8397,7 @@
             </a:endParaRPr>
           </a:p>
           <a:p>
-            <a:pPr marL="432000" indent="-323640">
+            <a:pPr marL="432000" indent="-322200">
               <a:lnSpc>
                 <a:spcPct val="100000"/>
               </a:lnSpc>
@@ -6364,7 +8413,11 @@
             </a:pPr>
             <a:r>
               <a:rPr b="0" lang="en-US" sz="3200" spc="-1" strike="noStrike">
+                <a:solidFill>
+                  <a:srgbClr val="000000"/>
+                </a:solidFill>
                 <a:latin typeface="Open Sans"/>
+                <a:ea typeface="DejaVu Sans"/>
               </a:rPr>
               <a:t>Micro skriva kompleksnost distribuiranog sistema i pruža veoma razuman koncept za programere</a:t>
             </a:r>
@@ -6406,14 +8459,14 @@
       </p:grpSpPr>
       <p:sp>
         <p:nvSpPr>
-          <p:cNvPr id="123" name="CustomShape 1"/>
+          <p:cNvPr id="161" name="CustomShape 1"/>
           <p:cNvSpPr/>
           <p:nvPr/>
         </p:nvSpPr>
         <p:spPr>
           <a:xfrm>
             <a:off x="533520" y="109440"/>
-            <a:ext cx="9067680" cy="1262160"/>
+            <a:ext cx="9066240" cy="1260720"/>
           </a:xfrm>
           <a:prstGeom prst="rect">
             <a:avLst/>
@@ -6445,6 +8498,7 @@
                   <a:srgbClr val="ffffff"/>
                 </a:solidFill>
                 <a:latin typeface="Open Sans"/>
+                <a:ea typeface="DejaVu Sans"/>
               </a:rPr>
               <a:t>Micro</a:t>
             </a:r>
@@ -6456,14 +8510,14 @@
       </p:sp>
       <p:sp>
         <p:nvSpPr>
-          <p:cNvPr id="124" name="CustomShape 2"/>
+          <p:cNvPr id="162" name="CustomShape 2"/>
           <p:cNvSpPr/>
           <p:nvPr/>
         </p:nvSpPr>
         <p:spPr>
           <a:xfrm>
             <a:off x="503640" y="1769400"/>
-            <a:ext cx="9067680" cy="5639040"/>
+            <a:ext cx="9066240" cy="5637600"/>
           </a:xfrm>
           <a:prstGeom prst="rect">
             <a:avLst/>
@@ -6484,7 +8538,7 @@
             <a:normAutofit fontScale="39000"/>
           </a:bodyPr>
           <a:p>
-            <a:pPr marL="432000" indent="-323640">
+            <a:pPr marL="432000" indent="-322200">
               <a:lnSpc>
                 <a:spcPct val="100000"/>
               </a:lnSpc>
@@ -6500,7 +8554,11 @@
             </a:pPr>
             <a:r>
               <a:rPr b="0" lang="en-US" sz="3200" spc="-1" strike="noStrike">
+                <a:solidFill>
+                  <a:srgbClr val="000000"/>
+                </a:solidFill>
                 <a:latin typeface="Open Sans"/>
+                <a:ea typeface="DejaVu Sans"/>
               </a:rPr>
               <a:t>Api – jedinstevni ulaz sa dinamičkim rutiranjem zahteva pomoću usluge za oktrivanje servisa</a:t>
             </a:r>
@@ -6509,7 +8567,7 @@
             </a:endParaRPr>
           </a:p>
           <a:p>
-            <a:pPr marL="432000" indent="-323640">
+            <a:pPr marL="432000" indent="-322200">
               <a:lnSpc>
                 <a:spcPct val="100000"/>
               </a:lnSpc>
@@ -6525,7 +8583,11 @@
             </a:pPr>
             <a:r>
               <a:rPr b="0" lang="en-US" sz="3200" spc="-1" strike="noStrike">
+                <a:solidFill>
+                  <a:srgbClr val="000000"/>
+                </a:solidFill>
                 <a:latin typeface="Open Sans"/>
+                <a:ea typeface="DejaVu Sans"/>
               </a:rPr>
               <a:t>Bot – Slackbot koji radi na našoj platformi I dozvoljava nam da upravljamo apliakcijama iz samog  Slacka</a:t>
             </a:r>
@@ -6534,7 +8596,7 @@
             </a:endParaRPr>
           </a:p>
           <a:p>
-            <a:pPr marL="432000" indent="-323640">
+            <a:pPr marL="432000" indent="-322200">
               <a:lnSpc>
                 <a:spcPct val="100000"/>
               </a:lnSpc>
@@ -6550,7 +8612,11 @@
             </a:pPr>
             <a:r>
               <a:rPr b="0" lang="en-US" sz="3200" spc="-1" strike="noStrike">
+                <a:solidFill>
+                  <a:srgbClr val="000000"/>
+                </a:solidFill>
                 <a:latin typeface="Open Sans"/>
+                <a:ea typeface="DejaVu Sans"/>
               </a:rPr>
               <a:t>Cli – interaktivna konzola koja nam sluzi da opisemo, pravimo upite i direktno da komunicramo sa nasim servisom</a:t>
             </a:r>
@@ -6559,7 +8625,7 @@
             </a:endParaRPr>
           </a:p>
           <a:p>
-            <a:pPr marL="432000" indent="-323640">
+            <a:pPr marL="432000" indent="-322200">
               <a:lnSpc>
                 <a:spcPct val="100000"/>
               </a:lnSpc>
@@ -6575,7 +8641,11 @@
             </a:pPr>
             <a:r>
               <a:rPr b="0" lang="en-US" sz="3200" spc="-1" strike="noStrike">
+                <a:solidFill>
+                  <a:srgbClr val="000000"/>
+                </a:solidFill>
                 <a:latin typeface="Open Sans"/>
+                <a:ea typeface="DejaVu Sans"/>
               </a:rPr>
               <a:t>Network – omogcuje nam da izgradimo multi-cloud mrezu sa micro network servisom</a:t>
             </a:r>
@@ -6584,7 +8654,7 @@
             </a:endParaRPr>
           </a:p>
           <a:p>
-            <a:pPr marL="432000" indent="-323640">
+            <a:pPr marL="432000" indent="-322200">
               <a:lnSpc>
                 <a:spcPct val="100000"/>
               </a:lnSpc>
@@ -6600,7 +8670,11 @@
             </a:pPr>
             <a:r>
               <a:rPr b="0" lang="en-US" sz="3200" spc="-1" strike="noStrike">
+                <a:solidFill>
+                  <a:srgbClr val="000000"/>
+                </a:solidFill>
                 <a:latin typeface="Open Sans"/>
+                <a:ea typeface="DejaVu Sans"/>
               </a:rPr>
               <a:t>New – generator servisnih obrazaca</a:t>
             </a:r>
@@ -6609,7 +8683,7 @@
             </a:endParaRPr>
           </a:p>
           <a:p>
-            <a:pPr marL="432000" indent="-323640">
+            <a:pPr marL="432000" indent="-322200">
               <a:lnSpc>
                 <a:spcPct val="100000"/>
               </a:lnSpc>
@@ -6625,7 +8699,11 @@
             </a:pPr>
             <a:r>
               <a:rPr b="0" lang="en-US" sz="3200" spc="-1" strike="noStrike">
+                <a:solidFill>
+                  <a:srgbClr val="000000"/>
+                </a:solidFill>
                 <a:latin typeface="Open Sans"/>
+                <a:ea typeface="DejaVu Sans"/>
               </a:rPr>
               <a:t>Proxy – transperatan proxy servis za Go Micro</a:t>
             </a:r>
@@ -6634,7 +8712,7 @@
             </a:endParaRPr>
           </a:p>
           <a:p>
-            <a:pPr marL="432000" indent="-323640">
+            <a:pPr marL="432000" indent="-322200">
               <a:lnSpc>
                 <a:spcPct val="100000"/>
               </a:lnSpc>
@@ -6650,7 +8728,11 @@
             </a:pPr>
             <a:r>
               <a:rPr b="0" lang="en-US" sz="3200" spc="-1" strike="noStrike">
+                <a:solidFill>
+                  <a:srgbClr val="000000"/>
+                </a:solidFill>
                 <a:latin typeface="Open Sans"/>
+                <a:ea typeface="DejaVu Sans"/>
               </a:rPr>
               <a:t>Tunnel- mrezni tunel koji nam daje pristup servisima u bilo km okruzenju bez potrebe vpn-a</a:t>
             </a:r>
@@ -6659,7 +8741,7 @@
             </a:endParaRPr>
           </a:p>
           <a:p>
-            <a:pPr marL="432000" indent="-323640">
+            <a:pPr marL="432000" indent="-322200">
               <a:lnSpc>
                 <a:spcPct val="100000"/>
               </a:lnSpc>
@@ -6675,7 +8757,11 @@
             </a:pPr>
             <a:r>
               <a:rPr b="0" lang="en-US" sz="3200" spc="-1" strike="noStrike">
+                <a:solidFill>
+                  <a:srgbClr val="000000"/>
+                </a:solidFill>
                 <a:latin typeface="Open Sans"/>
+                <a:ea typeface="DejaVu Sans"/>
               </a:rPr>
               <a:t>Web – web komadna tabla koja nam omogucuje da nadjemo servise, vidimo opise njihovih endpointa, vidimo njihove request i response kao I da vršimo upite direktno nad njima </a:t>
             </a:r>
@@ -6717,14 +8803,14 @@
       </p:grpSpPr>
       <p:sp>
         <p:nvSpPr>
-          <p:cNvPr id="125" name="CustomShape 1"/>
+          <p:cNvPr id="163" name="CustomShape 1"/>
           <p:cNvSpPr/>
           <p:nvPr/>
         </p:nvSpPr>
         <p:spPr>
           <a:xfrm>
             <a:off x="503640" y="109440"/>
-            <a:ext cx="9067680" cy="1262160"/>
+            <a:ext cx="9066240" cy="1260720"/>
           </a:xfrm>
           <a:prstGeom prst="rect">
             <a:avLst/>
@@ -6756,25 +8842,26 @@
                   <a:srgbClr val="ffffff"/>
                 </a:solidFill>
                 <a:latin typeface="Open Sans"/>
+                <a:ea typeface="DejaVu Sans"/>
               </a:rPr>
               <a:t>Go micro - apstrakcija</a:t>
             </a:r>
-            <a:endParaRPr b="0" i="1" lang="en-US" sz="4400" spc="-1" strike="noStrike">
-              <a:latin typeface="Arial"/>
-            </a:endParaRPr>
-          </a:p>
-        </p:txBody>
-      </p:sp>
-      <p:sp>
-        <p:nvSpPr>
-          <p:cNvPr id="126" name="CustomShape 2"/>
+            <a:endParaRPr b="0" lang="en-US" sz="4400" spc="-1" strike="noStrike">
+              <a:latin typeface="Arial"/>
+            </a:endParaRPr>
+          </a:p>
+        </p:txBody>
+      </p:sp>
+      <p:sp>
+        <p:nvSpPr>
+          <p:cNvPr id="164" name="CustomShape 2"/>
           <p:cNvSpPr/>
           <p:nvPr/>
         </p:nvSpPr>
         <p:spPr>
           <a:xfrm>
             <a:off x="456840" y="1925280"/>
-            <a:ext cx="9067680" cy="4385520"/>
+            <a:ext cx="9066240" cy="4384080"/>
           </a:xfrm>
           <a:prstGeom prst="rect">
             <a:avLst/>
@@ -6795,7 +8882,7 @@
             <a:normAutofit fontScale="42000"/>
           </a:bodyPr>
           <a:p>
-            <a:pPr marL="432000" indent="-323640">
+            <a:pPr marL="432000" indent="-322200">
               <a:lnSpc>
                 <a:spcPct val="100000"/>
               </a:lnSpc>
@@ -6811,7 +8898,11 @@
             </a:pPr>
             <a:r>
               <a:rPr b="0" lang="en-US" sz="3200" spc="-1" strike="noStrike">
+                <a:solidFill>
+                  <a:srgbClr val="000000"/>
+                </a:solidFill>
                 <a:latin typeface="Open Sans"/>
+                <a:ea typeface="DejaVu Sans"/>
               </a:rPr>
               <a:t>Servic Discovery – automatsko registrovanje servisa i prevodjenje imena</a:t>
             </a:r>
@@ -6820,7 +8911,7 @@
             </a:endParaRPr>
           </a:p>
           <a:p>
-            <a:pPr marL="432000" indent="-323640">
+            <a:pPr marL="432000" indent="-322200">
               <a:lnSpc>
                 <a:spcPct val="100000"/>
               </a:lnSpc>
@@ -6836,7 +8927,11 @@
             </a:pPr>
             <a:r>
               <a:rPr b="0" lang="en-US" sz="3200" spc="-1" strike="noStrike">
+                <a:solidFill>
+                  <a:srgbClr val="000000"/>
+                </a:solidFill>
                 <a:latin typeface="Open Sans"/>
+                <a:ea typeface="DejaVu Sans"/>
               </a:rPr>
               <a:t>Load Blancing – sa clijentse strane mogući je load balancing</a:t>
             </a:r>
@@ -6845,7 +8940,7 @@
             </a:endParaRPr>
           </a:p>
           <a:p>
-            <a:pPr marL="432000" indent="-323640">
+            <a:pPr marL="432000" indent="-322200">
               <a:lnSpc>
                 <a:spcPct val="100000"/>
               </a:lnSpc>
@@ -6861,7 +8956,11 @@
             </a:pPr>
             <a:r>
               <a:rPr b="0" lang="en-US" sz="3200" spc="-1" strike="noStrike">
+                <a:solidFill>
+                  <a:srgbClr val="000000"/>
+                </a:solidFill>
                 <a:latin typeface="Open Sans"/>
+                <a:ea typeface="DejaVu Sans"/>
               </a:rPr>
               <a:t>Message Encoding – dinamicko kodiranje poruke prema tipu poruke</a:t>
             </a:r>
@@ -6870,7 +8969,7 @@
             </a:endParaRPr>
           </a:p>
           <a:p>
-            <a:pPr marL="432000" indent="-323640">
+            <a:pPr marL="432000" indent="-322200">
               <a:lnSpc>
                 <a:spcPct val="100000"/>
               </a:lnSpc>
@@ -6886,7 +8985,11 @@
             </a:pPr>
             <a:r>
               <a:rPr b="0" lang="en-US" sz="3200" spc="-1" strike="noStrike">
+                <a:solidFill>
+                  <a:srgbClr val="000000"/>
+                </a:solidFill>
                 <a:latin typeface="Open Sans"/>
+                <a:ea typeface="DejaVu Sans"/>
               </a:rPr>
               <a:t>Reqeust / Response – RPC baziran request/response sa biderekcionalnim razgovorom</a:t>
             </a:r>
@@ -6895,7 +8998,7 @@
             </a:endParaRPr>
           </a:p>
           <a:p>
-            <a:pPr marL="432000" indent="-323640">
+            <a:pPr marL="432000" indent="-322200">
               <a:lnSpc>
                 <a:spcPct val="100000"/>
               </a:lnSpc>
@@ -6911,7 +9014,11 @@
             </a:pPr>
             <a:r>
               <a:rPr b="0" lang="en-US" sz="3200" spc="-1" strike="noStrike">
+                <a:solidFill>
+                  <a:srgbClr val="000000"/>
+                </a:solidFill>
                 <a:latin typeface="Open Sans"/>
+                <a:ea typeface="DejaVu Sans"/>
               </a:rPr>
               <a:t>Async Messaging – PublishSubscribe je ugradjen za asinhronu komunikaciju  I event driven arhitekturu</a:t>
             </a:r>
@@ -6920,7 +9027,7 @@
             </a:endParaRPr>
           </a:p>
           <a:p>
-            <a:pPr marL="432000" indent="-323640">
+            <a:pPr marL="432000" indent="-322200">
               <a:lnSpc>
                 <a:spcPct val="100000"/>
               </a:lnSpc>
@@ -6936,7 +9043,11 @@
             </a:pPr>
             <a:r>
               <a:rPr b="0" lang="en-US" sz="3200" spc="-1" strike="noStrike">
+                <a:solidFill>
+                  <a:srgbClr val="000000"/>
+                </a:solidFill>
                 <a:latin typeface="Open Sans"/>
+                <a:ea typeface="DejaVu Sans"/>
               </a:rPr>
               <a:t>Pluggable Interfaces – Go micrko koristi Go interfejse za svaki apstrakciju distribuiranog sistema</a:t>
             </a:r>
@@ -6978,14 +9089,14 @@
       </p:grpSpPr>
       <p:sp>
         <p:nvSpPr>
-          <p:cNvPr id="127" name="CustomShape 1"/>
+          <p:cNvPr id="165" name="CustomShape 1"/>
           <p:cNvSpPr/>
           <p:nvPr/>
         </p:nvSpPr>
         <p:spPr>
           <a:xfrm>
             <a:off x="533520" y="182880"/>
-            <a:ext cx="9067680" cy="1262160"/>
+            <a:ext cx="9066240" cy="1260720"/>
           </a:xfrm>
           <a:prstGeom prst="rect">
             <a:avLst/>
@@ -7017,6 +9128,7 @@
                   <a:srgbClr val="ffffff"/>
                 </a:solidFill>
                 <a:latin typeface="Open Sans"/>
+                <a:ea typeface="DejaVu Sans"/>
               </a:rPr>
               <a:t>Apstrakcija Go Micro frameworka</a:t>
             </a:r>
@@ -7028,7 +9140,7 @@
       </p:sp>
       <p:pic>
         <p:nvPicPr>
-          <p:cNvPr id="128" name="" descr=""/>
+          <p:cNvPr id="166" name="" descr=""/>
           <p:cNvPicPr/>
           <p:nvPr/>
         </p:nvPicPr>
@@ -7039,7 +9151,7 @@
         <p:spPr>
           <a:xfrm>
             <a:off x="639720" y="2076480"/>
-            <a:ext cx="8853120" cy="4051440"/>
+            <a:ext cx="8851680" cy="4050000"/>
           </a:xfrm>
           <a:prstGeom prst="rect">
             <a:avLst/>
@@ -7086,14 +9198,14 @@
       </p:grpSpPr>
       <p:sp>
         <p:nvSpPr>
-          <p:cNvPr id="129" name="CustomShape 1"/>
+          <p:cNvPr id="167" name="CustomShape 1"/>
           <p:cNvSpPr/>
           <p:nvPr/>
         </p:nvSpPr>
         <p:spPr>
           <a:xfrm>
             <a:off x="503640" y="109440"/>
-            <a:ext cx="9067680" cy="1262160"/>
+            <a:ext cx="9066240" cy="1260720"/>
           </a:xfrm>
           <a:prstGeom prst="rect">
             <a:avLst/>
@@ -7125,6 +9237,7 @@
                   <a:srgbClr val="ffffff"/>
                 </a:solidFill>
                 <a:latin typeface="Open Sans"/>
+                <a:ea typeface="DejaVu Sans"/>
               </a:rPr>
               <a:t>Broker</a:t>
             </a:r>
@@ -7136,14 +9249,14 @@
       </p:sp>
       <p:sp>
         <p:nvSpPr>
-          <p:cNvPr id="130" name="CustomShape 2"/>
+          <p:cNvPr id="168" name="CustomShape 2"/>
           <p:cNvSpPr/>
           <p:nvPr/>
         </p:nvSpPr>
         <p:spPr>
           <a:xfrm>
             <a:off x="182520" y="1920600"/>
-            <a:ext cx="9779760" cy="5208840"/>
+            <a:ext cx="9778320" cy="5207400"/>
           </a:xfrm>
           <a:prstGeom prst="rect">
             <a:avLst/>
@@ -7164,7 +9277,7 @@
             <a:normAutofit fontScale="84000"/>
           </a:bodyPr>
           <a:p>
-            <a:pPr marL="432000" indent="-323640">
+            <a:pPr marL="432000" indent="-322200">
               <a:lnSpc>
                 <a:spcPct val="100000"/>
               </a:lnSpc>
@@ -7180,7 +9293,11 @@
             </a:pPr>
             <a:r>
               <a:rPr b="0" lang="en-US" sz="3200" spc="-1" strike="noStrike">
+                <a:solidFill>
+                  <a:srgbClr val="000000"/>
+                </a:solidFill>
                 <a:latin typeface="Open Sans"/>
+                <a:ea typeface="DejaVu Sans"/>
               </a:rPr>
               <a:t>Broker predstavlja način kako se razmenjuju poruke i/ili eventovi između servisa</a:t>
             </a:r>
@@ -7189,7 +9306,7 @@
             </a:endParaRPr>
           </a:p>
           <a:p>
-            <a:pPr lvl="1" marL="864000" indent="-323640">
+            <a:pPr lvl="1" marL="864000" indent="-322200">
               <a:lnSpc>
                 <a:spcPct val="100000"/>
               </a:lnSpc>
@@ -7205,7 +9322,11 @@
             </a:pPr>
             <a:r>
               <a:rPr b="0" lang="en-US" sz="2800" spc="-1" strike="noStrike">
+                <a:solidFill>
+                  <a:srgbClr val="000000"/>
+                </a:solidFill>
                 <a:latin typeface="Open Sans"/>
+                <a:ea typeface="DejaVu Sans"/>
               </a:rPr>
               <a:t>HTTP (default)</a:t>
             </a:r>
@@ -7214,7 +9335,7 @@
             </a:endParaRPr>
           </a:p>
           <a:p>
-            <a:pPr lvl="1" marL="864000" indent="-323640">
+            <a:pPr lvl="1" marL="864000" indent="-322200">
               <a:lnSpc>
                 <a:spcPct val="100000"/>
               </a:lnSpc>
@@ -7230,7 +9351,11 @@
             </a:pPr>
             <a:r>
               <a:rPr b="0" lang="en-US" sz="2800" spc="-1" strike="noStrike">
+                <a:solidFill>
+                  <a:srgbClr val="000000"/>
+                </a:solidFill>
                 <a:latin typeface="Open Sans"/>
+                <a:ea typeface="DejaVu Sans"/>
               </a:rPr>
               <a:t>Google pubsub</a:t>
             </a:r>
@@ -7239,7 +9364,7 @@
             </a:endParaRPr>
           </a:p>
           <a:p>
-            <a:pPr lvl="1" marL="864000" indent="-323640">
+            <a:pPr lvl="1" marL="864000" indent="-322200">
               <a:lnSpc>
                 <a:spcPct val="100000"/>
               </a:lnSpc>
@@ -7255,7 +9380,11 @@
             </a:pPr>
             <a:r>
               <a:rPr b="0" lang="en-US" sz="2800" spc="-1" strike="noStrike">
+                <a:solidFill>
+                  <a:srgbClr val="000000"/>
+                </a:solidFill>
                 <a:latin typeface="Open Sans"/>
+                <a:ea typeface="DejaVu Sans"/>
               </a:rPr>
               <a:t>Kafka</a:t>
             </a:r>
@@ -7264,7 +9393,7 @@
             </a:endParaRPr>
           </a:p>
           <a:p>
-            <a:pPr lvl="1" marL="864000" indent="-323640">
+            <a:pPr lvl="1" marL="864000" indent="-322200">
               <a:lnSpc>
                 <a:spcPct val="100000"/>
               </a:lnSpc>
@@ -7280,7 +9409,11 @@
             </a:pPr>
             <a:r>
               <a:rPr b="0" lang="en-US" sz="2800" spc="-1" strike="noStrike">
+                <a:solidFill>
+                  <a:srgbClr val="000000"/>
+                </a:solidFill>
                 <a:latin typeface="Open Sans"/>
+                <a:ea typeface="DejaVu Sans"/>
               </a:rPr>
               <a:t>MQTT</a:t>
             </a:r>
@@ -7289,7 +9422,7 @@
             </a:endParaRPr>
           </a:p>
           <a:p>
-            <a:pPr lvl="1" marL="864000" indent="-323640">
+            <a:pPr lvl="1" marL="864000" indent="-322200">
               <a:lnSpc>
                 <a:spcPct val="100000"/>
               </a:lnSpc>
@@ -7305,7 +9438,11 @@
             </a:pPr>
             <a:r>
               <a:rPr b="0" lang="en-US" sz="2800" spc="-1" strike="noStrike">
+                <a:solidFill>
+                  <a:srgbClr val="000000"/>
+                </a:solidFill>
                 <a:latin typeface="Open Sans"/>
+                <a:ea typeface="DejaVu Sans"/>
               </a:rPr>
               <a:t>NATS</a:t>
             </a:r>
@@ -7314,7 +9451,7 @@
             </a:endParaRPr>
           </a:p>
           <a:p>
-            <a:pPr lvl="1" marL="864000" indent="-323640">
+            <a:pPr lvl="1" marL="864000" indent="-322200">
               <a:lnSpc>
                 <a:spcPct val="100000"/>
               </a:lnSpc>
@@ -7330,7 +9467,11 @@
             </a:pPr>
             <a:r>
               <a:rPr b="0" lang="en-US" sz="2800" spc="-1" strike="noStrike">
+                <a:solidFill>
+                  <a:srgbClr val="000000"/>
+                </a:solidFill>
                 <a:latin typeface="Open Sans"/>
+                <a:ea typeface="DejaVu Sans"/>
               </a:rPr>
               <a:t>NSQ</a:t>
             </a:r>
@@ -7339,7 +9480,7 @@
             </a:endParaRPr>
           </a:p>
           <a:p>
-            <a:pPr lvl="1" marL="864000" indent="-323640">
+            <a:pPr lvl="1" marL="864000" indent="-322200">
               <a:lnSpc>
                 <a:spcPct val="100000"/>
               </a:lnSpc>
@@ -7355,7 +9496,11 @@
             </a:pPr>
             <a:r>
               <a:rPr b="0" lang="en-US" sz="2800" spc="-1" strike="noStrike">
+                <a:solidFill>
+                  <a:srgbClr val="000000"/>
+                </a:solidFill>
                 <a:latin typeface="Open Sans"/>
+                <a:ea typeface="DejaVu Sans"/>
               </a:rPr>
               <a:t>RabbitMQ</a:t>
             </a:r>
@@ -7364,7 +9509,7 @@
             </a:endParaRPr>
           </a:p>
           <a:p>
-            <a:pPr lvl="1" marL="864000" indent="-323640">
+            <a:pPr lvl="1" marL="864000" indent="-322200">
               <a:lnSpc>
                 <a:spcPct val="100000"/>
               </a:lnSpc>
@@ -7380,7 +9525,11 @@
             </a:pPr>
             <a:r>
               <a:rPr b="0" lang="en-US" sz="2800" spc="-1" strike="noStrike">
+                <a:solidFill>
+                  <a:srgbClr val="000000"/>
+                </a:solidFill>
                 <a:latin typeface="Open Sans"/>
+                <a:ea typeface="DejaVu Sans"/>
               </a:rPr>
               <a:t>Redis</a:t>
             </a:r>
@@ -7389,7 +9538,7 @@
             </a:endParaRPr>
           </a:p>
           <a:p>
-            <a:pPr lvl="1" marL="864000" indent="-323640">
+            <a:pPr lvl="1" marL="864000" indent="-322200">
               <a:lnSpc>
                 <a:spcPct val="100000"/>
               </a:lnSpc>
@@ -7405,7 +9554,11 @@
             </a:pPr>
             <a:r>
               <a:rPr b="0" lang="en-US" sz="2800" spc="-1" strike="noStrike">
+                <a:solidFill>
+                  <a:srgbClr val="000000"/>
+                </a:solidFill>
                 <a:latin typeface="Open Sans"/>
+                <a:ea typeface="DejaVu Sans"/>
               </a:rPr>
               <a:t>Amazon SQS</a:t>
             </a:r>
@@ -7447,14 +9600,14 @@
       </p:grpSpPr>
       <p:sp>
         <p:nvSpPr>
-          <p:cNvPr id="131" name="CustomShape 1"/>
+          <p:cNvPr id="169" name="CustomShape 1"/>
           <p:cNvSpPr/>
           <p:nvPr/>
         </p:nvSpPr>
         <p:spPr>
           <a:xfrm>
             <a:off x="503640" y="109440"/>
-            <a:ext cx="9067680" cy="1262160"/>
+            <a:ext cx="9066240" cy="1260720"/>
           </a:xfrm>
           <a:prstGeom prst="rect">
             <a:avLst/>
@@ -7486,6 +9639,7 @@
                   <a:srgbClr val="ffffff"/>
                 </a:solidFill>
                 <a:latin typeface="Open Sans"/>
+                <a:ea typeface="DejaVu Sans"/>
               </a:rPr>
               <a:t>Codec</a:t>
             </a:r>
@@ -7497,14 +9651,14 @@
       </p:sp>
       <p:sp>
         <p:nvSpPr>
-          <p:cNvPr id="132" name="CustomShape 2"/>
+          <p:cNvPr id="170" name="CustomShape 2"/>
           <p:cNvSpPr/>
           <p:nvPr/>
         </p:nvSpPr>
         <p:spPr>
           <a:xfrm>
             <a:off x="503640" y="1769400"/>
-            <a:ext cx="9067680" cy="4385520"/>
+            <a:ext cx="9066240" cy="4384080"/>
           </a:xfrm>
           <a:prstGeom prst="rect">
             <a:avLst/>
@@ -7525,7 +9679,7 @@
             <a:normAutofit/>
           </a:bodyPr>
           <a:p>
-            <a:pPr marL="432000" indent="-323640">
+            <a:pPr marL="432000" indent="-322200">
               <a:lnSpc>
                 <a:spcPct val="100000"/>
               </a:lnSpc>
@@ -7541,7 +9695,11 @@
             </a:pPr>
             <a:r>
               <a:rPr b="0" lang="en-US" sz="3200" spc="-1" strike="noStrike">
+                <a:solidFill>
+                  <a:srgbClr val="000000"/>
+                </a:solidFill>
                 <a:latin typeface="Open Sans"/>
+                <a:ea typeface="DejaVu Sans"/>
               </a:rPr>
               <a:t>Codec predstavlja način na koji se kodiraju tj dekodiraju poruke</a:t>
             </a:r>
@@ -7550,7 +9708,7 @@
             </a:endParaRPr>
           </a:p>
           <a:p>
-            <a:pPr lvl="1" marL="864000" indent="-323640">
+            <a:pPr lvl="1" marL="864000" indent="-322200">
               <a:lnSpc>
                 <a:spcPct val="100000"/>
               </a:lnSpc>
@@ -7566,7 +9724,11 @@
             </a:pPr>
             <a:r>
               <a:rPr b="0" lang="en-US" sz="2800" spc="-1" strike="noStrike">
+                <a:solidFill>
+                  <a:srgbClr val="000000"/>
+                </a:solidFill>
                 <a:latin typeface="Open Sans"/>
+                <a:ea typeface="DejaVu Sans"/>
               </a:rPr>
               <a:t>Json</a:t>
             </a:r>
@@ -7575,7 +9737,7 @@
             </a:endParaRPr>
           </a:p>
           <a:p>
-            <a:pPr lvl="1" marL="864000" indent="-323640">
+            <a:pPr lvl="1" marL="864000" indent="-322200">
               <a:lnSpc>
                 <a:spcPct val="100000"/>
               </a:lnSpc>
@@ -7591,7 +9753,11 @@
             </a:pPr>
             <a:r>
               <a:rPr b="0" lang="en-US" sz="2800" spc="-1" strike="noStrike">
+                <a:solidFill>
+                  <a:srgbClr val="000000"/>
+                </a:solidFill>
                 <a:latin typeface="Open Sans"/>
+                <a:ea typeface="DejaVu Sans"/>
               </a:rPr>
               <a:t>Zaml</a:t>
             </a:r>
@@ -7600,7 +9766,7 @@
             </a:endParaRPr>
           </a:p>
           <a:p>
-            <a:pPr lvl="1" marL="864000" indent="-323640">
+            <a:pPr lvl="1" marL="864000" indent="-322200">
               <a:lnSpc>
                 <a:spcPct val="100000"/>
               </a:lnSpc>
@@ -7616,7 +9782,11 @@
             </a:pPr>
             <a:r>
               <a:rPr b="0" lang="en-US" sz="2800" spc="-1" strike="noStrike">
+                <a:solidFill>
+                  <a:srgbClr val="000000"/>
+                </a:solidFill>
                 <a:latin typeface="Open Sans"/>
+                <a:ea typeface="DejaVu Sans"/>
               </a:rPr>
               <a:t>Toml</a:t>
             </a:r>
@@ -7625,7 +9795,7 @@
             </a:endParaRPr>
           </a:p>
           <a:p>
-            <a:pPr lvl="1" marL="864000" indent="-323640">
+            <a:pPr lvl="1" marL="864000" indent="-322200">
               <a:lnSpc>
                 <a:spcPct val="100000"/>
               </a:lnSpc>
@@ -7641,7 +9811,11 @@
             </a:pPr>
             <a:r>
               <a:rPr b="0" lang="en-US" sz="2800" spc="-1" strike="noStrike">
+                <a:solidFill>
+                  <a:srgbClr val="000000"/>
+                </a:solidFill>
                 <a:latin typeface="Open Sans"/>
+                <a:ea typeface="DejaVu Sans"/>
               </a:rPr>
               <a:t>Xml</a:t>
             </a:r>
@@ -7650,7 +9824,7 @@
             </a:endParaRPr>
           </a:p>
           <a:p>
-            <a:pPr lvl="1" marL="864000" indent="-323640">
+            <a:pPr lvl="1" marL="864000" indent="-322200">
               <a:lnSpc>
                 <a:spcPct val="100000"/>
               </a:lnSpc>
@@ -7666,7 +9840,11 @@
             </a:pPr>
             <a:r>
               <a:rPr b="0" lang="en-US" sz="2800" spc="-1" strike="noStrike">
+                <a:solidFill>
+                  <a:srgbClr val="000000"/>
+                </a:solidFill>
                 <a:latin typeface="Open Sans"/>
+                <a:ea typeface="DejaVu Sans"/>
               </a:rPr>
               <a:t>Hcl</a:t>
             </a:r>
@@ -7708,14 +9886,14 @@
       </p:grpSpPr>
       <p:sp>
         <p:nvSpPr>
-          <p:cNvPr id="133" name="CustomShape 1"/>
+          <p:cNvPr id="171" name="CustomShape 1"/>
           <p:cNvSpPr/>
           <p:nvPr/>
         </p:nvSpPr>
         <p:spPr>
           <a:xfrm>
             <a:off x="503640" y="109440"/>
-            <a:ext cx="9067680" cy="1262160"/>
+            <a:ext cx="9066240" cy="1260720"/>
           </a:xfrm>
           <a:prstGeom prst="rect">
             <a:avLst/>
@@ -7747,6 +9925,7 @@
                   <a:srgbClr val="ffffff"/>
                 </a:solidFill>
                 <a:latin typeface="Open Sans"/>
+                <a:ea typeface="DejaVu Sans"/>
               </a:rPr>
               <a:t>Registry</a:t>
             </a:r>
@@ -7758,14 +9937,14 @@
       </p:sp>
       <p:sp>
         <p:nvSpPr>
-          <p:cNvPr id="134" name="CustomShape 2"/>
+          <p:cNvPr id="172" name="CustomShape 2"/>
           <p:cNvSpPr/>
           <p:nvPr/>
         </p:nvSpPr>
         <p:spPr>
           <a:xfrm>
             <a:off x="273960" y="1769400"/>
-            <a:ext cx="9297360" cy="5456160"/>
+            <a:ext cx="9295920" cy="5454720"/>
           </a:xfrm>
           <a:prstGeom prst="rect">
             <a:avLst/>
@@ -7786,7 +9965,7 @@
             <a:normAutofit/>
           </a:bodyPr>
           <a:p>
-            <a:pPr marL="432000" indent="-323640">
+            <a:pPr marL="432000" indent="-322200">
               <a:lnSpc>
                 <a:spcPct val="100000"/>
               </a:lnSpc>
@@ -7802,7 +9981,11 @@
             </a:pPr>
             <a:r>
               <a:rPr b="0" lang="en-US" sz="3200" spc="-1" strike="noStrike">
+                <a:solidFill>
+                  <a:srgbClr val="000000"/>
+                </a:solidFill>
                 <a:latin typeface="Open Sans"/>
+                <a:ea typeface="DejaVu Sans"/>
               </a:rPr>
               <a:t>Predstavlja način kako mozemo da nadjemo nas servis</a:t>
             </a:r>
@@ -7811,7 +9994,7 @@
             </a:endParaRPr>
           </a:p>
           <a:p>
-            <a:pPr lvl="1" marL="864000" indent="-323640">
+            <a:pPr lvl="1" marL="864000" indent="-322200">
               <a:lnSpc>
                 <a:spcPct val="100000"/>
               </a:lnSpc>
@@ -7827,7 +10010,11 @@
             </a:pPr>
             <a:r>
               <a:rPr b="0" lang="en-US" sz="2800" spc="-1" strike="noStrike">
+                <a:solidFill>
+                  <a:srgbClr val="000000"/>
+                </a:solidFill>
                 <a:latin typeface="Open Sans"/>
+                <a:ea typeface="DejaVu Sans"/>
               </a:rPr>
               <a:t>Consul (default)</a:t>
             </a:r>
@@ -7836,7 +10023,7 @@
             </a:endParaRPr>
           </a:p>
           <a:p>
-            <a:pPr lvl="1" marL="864000" indent="-323640">
+            <a:pPr lvl="1" marL="864000" indent="-322200">
               <a:lnSpc>
                 <a:spcPct val="100000"/>
               </a:lnSpc>
@@ -7852,7 +10039,11 @@
             </a:pPr>
             <a:r>
               <a:rPr b="0" lang="en-US" sz="2800" spc="-1" strike="noStrike">
+                <a:solidFill>
+                  <a:srgbClr val="000000"/>
+                </a:solidFill>
                 <a:latin typeface="Open Sans"/>
+                <a:ea typeface="DejaVu Sans"/>
               </a:rPr>
               <a:t>Etcd 2 or 3</a:t>
             </a:r>
@@ -7861,7 +10052,7 @@
             </a:endParaRPr>
           </a:p>
           <a:p>
-            <a:pPr lvl="1" marL="864000" indent="-323640">
+            <a:pPr lvl="1" marL="864000" indent="-322200">
               <a:lnSpc>
                 <a:spcPct val="100000"/>
               </a:lnSpc>
@@ -7877,7 +10068,11 @@
             </a:pPr>
             <a:r>
               <a:rPr b="0" lang="en-US" sz="2800" spc="-1" strike="noStrike">
+                <a:solidFill>
+                  <a:srgbClr val="000000"/>
+                </a:solidFill>
                 <a:latin typeface="Open Sans"/>
+                <a:ea typeface="DejaVu Sans"/>
               </a:rPr>
               <a:t>Eureka</a:t>
             </a:r>
@@ -7886,7 +10081,7 @@
             </a:endParaRPr>
           </a:p>
           <a:p>
-            <a:pPr lvl="1" marL="864000" indent="-323640">
+            <a:pPr lvl="1" marL="864000" indent="-322200">
               <a:lnSpc>
                 <a:spcPct val="100000"/>
               </a:lnSpc>
@@ -7902,7 +10097,11 @@
             </a:pPr>
             <a:r>
               <a:rPr b="0" lang="en-US" sz="2800" spc="-1" strike="noStrike">
+                <a:solidFill>
+                  <a:srgbClr val="000000"/>
+                </a:solidFill>
                 <a:latin typeface="Open Sans"/>
+                <a:ea typeface="DejaVu Sans"/>
               </a:rPr>
               <a:t>Gossip</a:t>
             </a:r>
@@ -7911,7 +10110,7 @@
             </a:endParaRPr>
           </a:p>
           <a:p>
-            <a:pPr lvl="1" marL="864000" indent="-323640">
+            <a:pPr lvl="1" marL="864000" indent="-322200">
               <a:lnSpc>
                 <a:spcPct val="100000"/>
               </a:lnSpc>
@@ -7927,7 +10126,11 @@
             </a:pPr>
             <a:r>
               <a:rPr b="0" lang="en-US" sz="2800" spc="-1" strike="noStrike">
+                <a:solidFill>
+                  <a:srgbClr val="000000"/>
+                </a:solidFill>
                 <a:latin typeface="Open Sans"/>
+                <a:ea typeface="DejaVu Sans"/>
               </a:rPr>
               <a:t>Kubernetes</a:t>
             </a:r>
@@ -7936,7 +10139,7 @@
             </a:endParaRPr>
           </a:p>
           <a:p>
-            <a:pPr lvl="1" marL="864000" indent="-323640">
+            <a:pPr lvl="1" marL="864000" indent="-322200">
               <a:lnSpc>
                 <a:spcPct val="100000"/>
               </a:lnSpc>
@@ -7952,7 +10155,11 @@
             </a:pPr>
             <a:r>
               <a:rPr b="0" lang="en-US" sz="2800" spc="-1" strike="noStrike">
+                <a:solidFill>
+                  <a:srgbClr val="000000"/>
+                </a:solidFill>
                 <a:latin typeface="Open Sans"/>
+                <a:ea typeface="DejaVu Sans"/>
               </a:rPr>
               <a:t>MDNS (multicast DNS)</a:t>
             </a:r>
@@ -7961,7 +10168,7 @@
             </a:endParaRPr>
           </a:p>
           <a:p>
-            <a:pPr lvl="1" marL="864000" indent="-323640">
+            <a:pPr lvl="1" marL="864000" indent="-322200">
               <a:lnSpc>
                 <a:spcPct val="100000"/>
               </a:lnSpc>
@@ -7977,7 +10184,11 @@
             </a:pPr>
             <a:r>
               <a:rPr b="0" lang="en-US" sz="2800" spc="-1" strike="noStrike">
+                <a:solidFill>
+                  <a:srgbClr val="000000"/>
+                </a:solidFill>
                 <a:latin typeface="Open Sans"/>
+                <a:ea typeface="DejaVu Sans"/>
               </a:rPr>
               <a:t>NATS</a:t>
             </a:r>
@@ -7986,7 +10197,7 @@
             </a:endParaRPr>
           </a:p>
           <a:p>
-            <a:pPr lvl="1" marL="864000" indent="-323640">
+            <a:pPr lvl="1" marL="864000" indent="-322200">
               <a:lnSpc>
                 <a:spcPct val="100000"/>
               </a:lnSpc>
@@ -8002,7 +10213,11 @@
             </a:pPr>
             <a:r>
               <a:rPr b="0" lang="en-US" sz="2800" spc="-1" strike="noStrike">
+                <a:solidFill>
+                  <a:srgbClr val="000000"/>
+                </a:solidFill>
                 <a:latin typeface="Open Sans"/>
+                <a:ea typeface="DejaVu Sans"/>
               </a:rPr>
               <a:t>Zookeeper</a:t>
             </a:r>
@@ -8044,14 +10259,14 @@
       </p:grpSpPr>
       <p:sp>
         <p:nvSpPr>
-          <p:cNvPr id="135" name="CustomShape 1"/>
+          <p:cNvPr id="173" name="CustomShape 1"/>
           <p:cNvSpPr/>
           <p:nvPr/>
         </p:nvSpPr>
         <p:spPr>
           <a:xfrm>
             <a:off x="503640" y="109440"/>
-            <a:ext cx="9067680" cy="1262160"/>
+            <a:ext cx="9066240" cy="1260720"/>
           </a:xfrm>
           <a:prstGeom prst="rect">
             <a:avLst/>
@@ -8083,6 +10298,7 @@
                   <a:srgbClr val="ffffff"/>
                 </a:solidFill>
                 <a:latin typeface="Open Sans"/>
+                <a:ea typeface="DejaVu Sans"/>
               </a:rPr>
               <a:t>Selector</a:t>
             </a:r>
@@ -8094,14 +10310,14 @@
       </p:sp>
       <p:sp>
         <p:nvSpPr>
-          <p:cNvPr id="136" name="CustomShape 2"/>
+          <p:cNvPr id="174" name="CustomShape 2"/>
           <p:cNvSpPr/>
           <p:nvPr/>
         </p:nvSpPr>
         <p:spPr>
           <a:xfrm>
             <a:off x="503640" y="1769400"/>
-            <a:ext cx="9067680" cy="4385520"/>
+            <a:ext cx="9066240" cy="4384080"/>
           </a:xfrm>
           <a:prstGeom prst="rect">
             <a:avLst/>
@@ -8122,7 +10338,7 @@
             <a:normAutofit/>
           </a:bodyPr>
           <a:p>
-            <a:pPr marL="432000" indent="-323640">
+            <a:pPr marL="432000" indent="-322200">
               <a:lnSpc>
                 <a:spcPct val="100000"/>
               </a:lnSpc>
@@ -8138,7 +10354,11 @@
             </a:pPr>
             <a:r>
               <a:rPr b="0" lang="en-US" sz="3200" spc="-1" strike="noStrike">
+                <a:solidFill>
+                  <a:srgbClr val="000000"/>
+                </a:solidFill>
                 <a:latin typeface="Open Sans"/>
+                <a:ea typeface="DejaVu Sans"/>
               </a:rPr>
               <a:t>Omogućuje nam da izaberemo sa kojim serverom zelimo da komuniciramo</a:t>
             </a:r>
@@ -8147,7 +10367,7 @@
             </a:endParaRPr>
           </a:p>
           <a:p>
-            <a:pPr lvl="1" marL="864000" indent="-323640">
+            <a:pPr lvl="1" marL="864000" indent="-322200">
               <a:lnSpc>
                 <a:spcPct val="100000"/>
               </a:lnSpc>
@@ -8163,7 +10383,11 @@
             </a:pPr>
             <a:r>
               <a:rPr b="0" lang="en-US" sz="2800" spc="-1" strike="noStrike">
+                <a:solidFill>
+                  <a:srgbClr val="000000"/>
+                </a:solidFill>
                 <a:latin typeface="Open Sans"/>
+                <a:ea typeface="DejaVu Sans"/>
               </a:rPr>
               <a:t>Blacklist</a:t>
             </a:r>
@@ -8172,7 +10396,7 @@
             </a:endParaRPr>
           </a:p>
           <a:p>
-            <a:pPr lvl="1" marL="864000" indent="-323640">
+            <a:pPr lvl="1" marL="864000" indent="-322200">
               <a:lnSpc>
                 <a:spcPct val="100000"/>
               </a:lnSpc>
@@ -8188,7 +10412,11 @@
             </a:pPr>
             <a:r>
               <a:rPr b="0" lang="en-US" sz="2800" spc="-1" strike="noStrike">
+                <a:solidFill>
+                  <a:srgbClr val="000000"/>
+                </a:solidFill>
                 <a:latin typeface="Open Sans"/>
+                <a:ea typeface="DejaVu Sans"/>
               </a:rPr>
               <a:t>Cache (default)</a:t>
             </a:r>
@@ -8197,7 +10425,7 @@
             </a:endParaRPr>
           </a:p>
           <a:p>
-            <a:pPr lvl="1" marL="864000" indent="-323640">
+            <a:pPr lvl="1" marL="864000" indent="-322200">
               <a:lnSpc>
                 <a:spcPct val="100000"/>
               </a:lnSpc>
@@ -8213,7 +10441,11 @@
             </a:pPr>
             <a:r>
               <a:rPr b="0" lang="en-US" sz="2800" spc="-1" strike="noStrike">
+                <a:solidFill>
+                  <a:srgbClr val="000000"/>
+                </a:solidFill>
                 <a:latin typeface="Open Sans"/>
+                <a:ea typeface="DejaVu Sans"/>
               </a:rPr>
               <a:t>Label</a:t>
             </a:r>
@@ -8222,7 +10454,7 @@
             </a:endParaRPr>
           </a:p>
           <a:p>
-            <a:pPr lvl="1" marL="864000" indent="-323640">
+            <a:pPr lvl="1" marL="864000" indent="-322200">
               <a:lnSpc>
                 <a:spcPct val="100000"/>
               </a:lnSpc>
@@ -8238,7 +10470,11 @@
             </a:pPr>
             <a:r>
               <a:rPr b="0" lang="en-US" sz="2800" spc="-1" strike="noStrike">
+                <a:solidFill>
+                  <a:srgbClr val="000000"/>
+                </a:solidFill>
                 <a:latin typeface="Open Sans"/>
+                <a:ea typeface="DejaVu Sans"/>
               </a:rPr>
               <a:t>Named</a:t>
             </a:r>
@@ -8247,7 +10483,7 @@
             </a:endParaRPr>
           </a:p>
           <a:p>
-            <a:pPr lvl="1" marL="864000" indent="-323640">
+            <a:pPr lvl="1" marL="864000" indent="-322200">
               <a:lnSpc>
                 <a:spcPct val="100000"/>
               </a:lnSpc>
@@ -8263,7 +10499,11 @@
             </a:pPr>
             <a:r>
               <a:rPr b="0" lang="en-US" sz="2800" spc="-1" strike="noStrike">
+                <a:solidFill>
+                  <a:srgbClr val="000000"/>
+                </a:solidFill>
                 <a:latin typeface="Open Sans"/>
+                <a:ea typeface="DejaVu Sans"/>
               </a:rPr>
               <a:t>Static</a:t>
             </a:r>
@@ -9188,4 +11428,230 @@
     </a:fmtScheme>
   </a:themeElements>
 </a:theme>
+</file>
+
+<file path=ppt/theme/theme5.xml><?xml version="1.0" encoding="utf-8"?>
+<a:theme xmlns:a="http://schemas.openxmlformats.org/drawingml/2006/main" name="Office Theme">
+  <a:themeElements>
+    <a:clrScheme name="Office">
+      <a:dk1>
+        <a:sysClr val="windowText" lastClr="000000"/>
+      </a:dk1>
+      <a:lt1>
+        <a:sysClr val="window" lastClr="FFFFFF"/>
+      </a:lt1>
+      <a:dk2>
+        <a:srgbClr val="1f497d"/>
+      </a:dk2>
+      <a:lt2>
+        <a:srgbClr val="eeece1"/>
+      </a:lt2>
+      <a:accent1>
+        <a:srgbClr val="4f81bd"/>
+      </a:accent1>
+      <a:accent2>
+        <a:srgbClr val="c0504d"/>
+      </a:accent2>
+      <a:accent3>
+        <a:srgbClr val="9bbb59"/>
+      </a:accent3>
+      <a:accent4>
+        <a:srgbClr val="8064a2"/>
+      </a:accent4>
+      <a:accent5>
+        <a:srgbClr val="4bacc6"/>
+      </a:accent5>
+      <a:accent6>
+        <a:srgbClr val="f79646"/>
+      </a:accent6>
+      <a:hlink>
+        <a:srgbClr val="0000ff"/>
+      </a:hlink>
+      <a:folHlink>
+        <a:srgbClr val="800080"/>
+      </a:folHlink>
+    </a:clrScheme>
+    <a:fontScheme name="Office">
+      <a:majorFont>
+        <a:latin typeface="Arial"/>
+        <a:ea typeface="DejaVu Sans"/>
+        <a:cs typeface="DejaVu Sans"/>
+      </a:majorFont>
+      <a:minorFont>
+        <a:latin typeface="Arial"/>
+        <a:ea typeface="DejaVu Sans"/>
+        <a:cs typeface="DejaVu Sans"/>
+      </a:minorFont>
+    </a:fontScheme>
+    <a:fmtScheme name="Office">
+      <a:fillStyleLst>
+        <a:solidFill>
+          <a:schemeClr val="phClr"/>
+        </a:solidFill>
+        <a:gradFill rotWithShape="1">
+          <a:gsLst>
+            <a:gs pos="0">
+              <a:schemeClr val="phClr">
+                <a:tint val="50000"/>
+                <a:satMod val="300000"/>
+              </a:schemeClr>
+            </a:gs>
+            <a:gs pos="35000">
+              <a:schemeClr val="phClr">
+                <a:tint val="37000"/>
+                <a:satMod val="300000"/>
+              </a:schemeClr>
+            </a:gs>
+            <a:gs pos="100000">
+              <a:schemeClr val="phClr">
+                <a:tint val="15000"/>
+                <a:satMod val="350000"/>
+              </a:schemeClr>
+            </a:gs>
+          </a:gsLst>
+          <a:lin ang="16200000" scaled="1"/>
+        </a:gradFill>
+        <a:gradFill rotWithShape="1">
+          <a:gsLst>
+            <a:gs pos="0">
+              <a:schemeClr val="phClr">
+                <a:shade val="51000"/>
+                <a:satMod val="130000"/>
+              </a:schemeClr>
+            </a:gs>
+            <a:gs pos="80000">
+              <a:schemeClr val="phClr">
+                <a:shade val="93000"/>
+                <a:satMod val="130000"/>
+              </a:schemeClr>
+            </a:gs>
+            <a:gs pos="100000">
+              <a:schemeClr val="phClr">
+                <a:shade val="94000"/>
+                <a:satMod val="135000"/>
+              </a:schemeClr>
+            </a:gs>
+          </a:gsLst>
+          <a:lin ang="16200000" scaled="0"/>
+        </a:gradFill>
+      </a:fillStyleLst>
+      <a:lnStyleLst>
+        <a:ln w="9525" cap="flat" cmpd="sng" algn="ctr">
+          <a:solidFill>
+            <a:schemeClr val="phClr">
+              <a:shade val="95000"/>
+              <a:satMod val="105000"/>
+            </a:schemeClr>
+          </a:solidFill>
+          <a:prstDash val="solid"/>
+          <a:miter/>
+        </a:ln>
+        <a:ln w="25400" cap="flat" cmpd="sng" algn="ctr">
+          <a:solidFill>
+            <a:schemeClr val="phClr"/>
+          </a:solidFill>
+          <a:prstDash val="solid"/>
+          <a:miter/>
+        </a:ln>
+        <a:ln w="38100" cap="flat" cmpd="sng" algn="ctr">
+          <a:solidFill>
+            <a:schemeClr val="phClr"/>
+          </a:solidFill>
+          <a:prstDash val="solid"/>
+          <a:miter/>
+        </a:ln>
+      </a:lnStyleLst>
+      <a:effectStyleLst>
+        <a:effectStyle>
+          <a:effectLst>
+            <a:outerShdw blurRad="40000" dist="20000" dir="5400000" rotWithShape="0">
+              <a:srgbClr val="000000">
+                <a:alpha val="38000"/>
+              </a:srgbClr>
+            </a:outerShdw>
+          </a:effectLst>
+        </a:effectStyle>
+        <a:effectStyle>
+          <a:effectLst>
+            <a:outerShdw blurRad="40000" dist="23000" dir="5400000" rotWithShape="0">
+              <a:srgbClr val="000000">
+                <a:alpha val="35000"/>
+              </a:srgbClr>
+            </a:outerShdw>
+          </a:effectLst>
+        </a:effectStyle>
+        <a:effectStyle>
+          <a:effectLst>
+            <a:outerShdw blurRad="40000" dist="23000" dir="5400000" rotWithShape="0">
+              <a:srgbClr val="000000">
+                <a:alpha val="35000"/>
+              </a:srgbClr>
+            </a:outerShdw>
+          </a:effectLst>
+          <a:scene3d>
+            <a:camera prst="orthographicFront">
+              <a:rot lat="0" lon="0" rev="0"/>
+            </a:camera>
+            <a:lightRig rig="threePt" dir="t">
+              <a:rot lat="0" lon="0" rev="1200000"/>
+            </a:lightRig>
+          </a:scene3d>
+          <a:sp3d>
+            <a:bevelT w="63500" h="25400"/>
+          </a:sp3d>
+        </a:effectStyle>
+      </a:effectStyleLst>
+      <a:bgFillStyleLst>
+        <a:solidFill>
+          <a:schemeClr val="phClr"/>
+        </a:solidFill>
+        <a:gradFill rotWithShape="1">
+          <a:gsLst>
+            <a:gs pos="0">
+              <a:schemeClr val="phClr">
+                <a:tint val="40000"/>
+                <a:satMod val="350000"/>
+              </a:schemeClr>
+            </a:gs>
+            <a:gs pos="40000">
+              <a:schemeClr val="phClr">
+                <a:tint val="45000"/>
+                <a:shade val="99000"/>
+                <a:satMod val="350000"/>
+              </a:schemeClr>
+            </a:gs>
+            <a:gs pos="100000">
+              <a:schemeClr val="phClr">
+                <a:shade val="20000"/>
+                <a:satMod val="255000"/>
+              </a:schemeClr>
+            </a:gs>
+          </a:gsLst>
+          <a:path path="circle">
+            <a:fillToRect l="50000" t="-80000" r="50000" b="180000"/>
+          </a:path>
+        </a:gradFill>
+        <a:gradFill rotWithShape="1">
+          <a:gsLst>
+            <a:gs pos="0">
+              <a:schemeClr val="phClr">
+                <a:tint val="80000"/>
+                <a:satMod val="300000"/>
+              </a:schemeClr>
+            </a:gs>
+            <a:gs pos="100000">
+              <a:schemeClr val="phClr">
+                <a:shade val="30000"/>
+                <a:satMod val="200000"/>
+              </a:schemeClr>
+            </a:gs>
+          </a:gsLst>
+          <a:path path="circle">
+            <a:fillToRect l="50000" t="50000" r="50000" b="50000"/>
+          </a:path>
+        </a:gradFill>
+      </a:bgFillStyleLst>
+    </a:fmtScheme>
+  </a:themeElements>
+</a:theme>
 </file>
--- a/GoMicroUvod.pptx
+++ b/GoMicroUvod.pptx
@@ -23,6 +23,9 @@
     <p:sldId id="265" r:id="rId16"/>
     <p:sldId id="266" r:id="rId17"/>
     <p:sldId id="267" r:id="rId18"/>
+    <p:sldId id="268" r:id="rId19"/>
+    <p:sldId id="269" r:id="rId20"/>
+    <p:sldId id="270" r:id="rId21"/>
   </p:sldIdLst>
   <p:sldSz cx="10077450" cy="7562850"/>
   <p:notesSz cx="7772400" cy="10058400"/>
@@ -253,7 +256,7 @@
           </a:bodyPr>
           <a:p>
             <a:pPr algn="r"/>
-            <a:fld id="{957FF0D0-A2EC-4E73-A649-7D7A359EDE49}" type="slidenum">
+            <a:fld id="{935D693C-E900-4370-AE16-FACBD981AF2F}" type="slidenum">
               <a:rPr b="0" lang="en-US" sz="1400" spc="-1" strike="noStrike">
                 <a:latin typeface="Times New Roman"/>
               </a:rPr>
@@ -269,6 +272,288 @@
   </p:cSld>
   <p:clrMap bg1="lt1" bg2="lt2" tx1="dk1" tx2="dk2" accent1="accent1" accent2="accent2" accent3="accent3" accent4="accent4" accent5="accent5" accent6="accent6" hlink="hlink" folHlink="folHlink"/>
 </p:notesMaster>
+</file>
+
+<file path=ppt/notesSlides/notesSlide12.xml><?xml version="1.0" encoding="utf-8"?>
+<p:notes xmlns:a="http://schemas.openxmlformats.org/drawingml/2006/main" xmlns:p="http://schemas.openxmlformats.org/presentationml/2006/main" xmlns:r="http://schemas.openxmlformats.org/officeDocument/2006/relationships" xmlns:p14="http://schemas.microsoft.com/office/powerpoint/2010/main" xmlns:p15="http://schemas.microsoft.com/office/powerpoint/2012/main" xmlns:mc="http://schemas.openxmlformats.org/markup-compatibility/2006">
+  <p:cSld>
+    <p:spTree>
+      <p:nvGrpSpPr>
+        <p:cNvPr id="1" name=""/>
+        <p:cNvGrpSpPr/>
+        <p:nvPr/>
+      </p:nvGrpSpPr>
+      <p:grpSpPr>
+        <a:xfrm>
+          <a:off x="0" y="0"/>
+          <a:ext cx="0" cy="0"/>
+          <a:chOff x="0" y="0"/>
+          <a:chExt cx="0" cy="0"/>
+        </a:xfrm>
+      </p:grpSpPr>
+      <p:sp>
+        <p:nvSpPr>
+          <p:cNvPr id="199" name="PlaceHolder 1"/>
+          <p:cNvSpPr>
+            <a:spLocks noGrp="1"/>
+          </p:cNvSpPr>
+          <p:nvPr>
+            <p:ph type="sldImg"/>
+          </p:nvPr>
+        </p:nvSpPr>
+        <p:spPr>
+          <a:xfrm>
+            <a:off x="1373400" y="764280"/>
+            <a:ext cx="5025240" cy="3771360"/>
+          </a:xfrm>
+          <a:prstGeom prst="rect">
+            <a:avLst/>
+          </a:prstGeom>
+        </p:spPr>
+      </p:sp>
+      <p:sp>
+        <p:nvSpPr>
+          <p:cNvPr id="200" name="PlaceHolder 2"/>
+          <p:cNvSpPr>
+            <a:spLocks noGrp="1"/>
+          </p:cNvSpPr>
+          <p:nvPr>
+            <p:ph type="body"/>
+          </p:nvPr>
+        </p:nvSpPr>
+        <p:spPr>
+          <a:xfrm>
+            <a:off x="777240" y="4777560"/>
+            <a:ext cx="6217560" cy="4525920"/>
+          </a:xfrm>
+          <a:prstGeom prst="rect">
+            <a:avLst/>
+          </a:prstGeom>
+        </p:spPr>
+        <p:txBody>
+          <a:bodyPr lIns="0" rIns="0" tIns="0" bIns="0">
+            <a:noAutofit/>
+          </a:bodyPr>
+          <a:p>
+            <a:r>
+              <a:rPr b="0" lang="en-US" sz="2000" spc="-1" strike="noStrike">
+                <a:latin typeface="Arial"/>
+              </a:rPr>
+              <a:t>micro new hello --namespace=com.foo –gopath=false</a:t>
+            </a:r>
+            <a:endParaRPr b="0" lang="en-US" sz="2000" spc="-1" strike="noStrike">
+              <a:latin typeface="Arial"/>
+            </a:endParaRPr>
+          </a:p>
+          <a:p>
+            <a:r>
+              <a:rPr b="0" lang="en-US" sz="2000" spc="-1" strike="noStrike">
+                <a:latin typeface="Arial"/>
+              </a:rPr>
+              <a:t>protoc  --go_out=. --micro_out=. protofajl</a:t>
+            </a:r>
+            <a:endParaRPr b="0" lang="en-US" sz="2000" spc="-1" strike="noStrike">
+              <a:latin typeface="Arial"/>
+            </a:endParaRPr>
+          </a:p>
+          <a:p>
+            <a:endParaRPr b="0" lang="en-US" sz="2000" spc="-1" strike="noStrike">
+              <a:latin typeface="Arial"/>
+            </a:endParaRPr>
+          </a:p>
+        </p:txBody>
+      </p:sp>
+    </p:spTree>
+  </p:cSld>
+</p:notes>
+</file>
+
+<file path=ppt/notesSlides/notesSlide13.xml><?xml version="1.0" encoding="utf-8"?>
+<p:notes xmlns:a="http://schemas.openxmlformats.org/drawingml/2006/main" xmlns:p="http://schemas.openxmlformats.org/presentationml/2006/main" xmlns:r="http://schemas.openxmlformats.org/officeDocument/2006/relationships" xmlns:p14="http://schemas.microsoft.com/office/powerpoint/2010/main" xmlns:p15="http://schemas.microsoft.com/office/powerpoint/2012/main" xmlns:mc="http://schemas.openxmlformats.org/markup-compatibility/2006">
+  <p:cSld>
+    <p:spTree>
+      <p:nvGrpSpPr>
+        <p:cNvPr id="1" name=""/>
+        <p:cNvGrpSpPr/>
+        <p:nvPr/>
+      </p:nvGrpSpPr>
+      <p:grpSpPr>
+        <a:xfrm>
+          <a:off x="0" y="0"/>
+          <a:ext cx="0" cy="0"/>
+          <a:chOff x="0" y="0"/>
+          <a:chExt cx="0" cy="0"/>
+        </a:xfrm>
+      </p:grpSpPr>
+      <p:sp>
+        <p:nvSpPr>
+          <p:cNvPr id="201" name="PlaceHolder 1"/>
+          <p:cNvSpPr>
+            <a:spLocks noGrp="1"/>
+          </p:cNvSpPr>
+          <p:nvPr>
+            <p:ph type="sldImg"/>
+          </p:nvPr>
+        </p:nvSpPr>
+        <p:spPr>
+          <a:xfrm>
+            <a:off x="1373400" y="764280"/>
+            <a:ext cx="5025240" cy="3771360"/>
+          </a:xfrm>
+          <a:prstGeom prst="rect">
+            <a:avLst/>
+          </a:prstGeom>
+        </p:spPr>
+      </p:sp>
+      <p:sp>
+        <p:nvSpPr>
+          <p:cNvPr id="202" name="PlaceHolder 2"/>
+          <p:cNvSpPr>
+            <a:spLocks noGrp="1"/>
+          </p:cNvSpPr>
+          <p:nvPr>
+            <p:ph type="body"/>
+          </p:nvPr>
+        </p:nvSpPr>
+        <p:spPr>
+          <a:xfrm>
+            <a:off x="777240" y="4777560"/>
+            <a:ext cx="6217560" cy="4525920"/>
+          </a:xfrm>
+          <a:prstGeom prst="rect">
+            <a:avLst/>
+          </a:prstGeom>
+        </p:spPr>
+        <p:txBody>
+          <a:bodyPr lIns="0" rIns="0" tIns="0" bIns="0">
+            <a:noAutofit/>
+          </a:bodyPr>
+          <a:p>
+            <a:r>
+              <a:rPr b="0" lang="en-US" sz="2000" spc="-1" strike="noStrike">
+                <a:latin typeface="Arial"/>
+              </a:rPr>
+              <a:t>Name – daje ime servisa</a:t>
+            </a:r>
+            <a:endParaRPr b="0" lang="en-US" sz="2000" spc="-1" strike="noStrike">
+              <a:latin typeface="Arial"/>
+            </a:endParaRPr>
+          </a:p>
+          <a:p>
+            <a:r>
+              <a:rPr b="0" lang="en-US" sz="2000" spc="-1" strike="noStrike">
+                <a:latin typeface="Arial"/>
+              </a:rPr>
+              <a:t>Address – adresa servisa (localhost–default)</a:t>
+            </a:r>
+            <a:endParaRPr b="0" lang="en-US" sz="2000" spc="-1" strike="noStrike">
+              <a:latin typeface="Arial"/>
+            </a:endParaRPr>
+          </a:p>
+          <a:p>
+            <a:r>
+              <a:rPr b="0" lang="en-US" sz="2000" spc="-1" strike="noStrike">
+                <a:latin typeface="Arial"/>
+              </a:rPr>
+              <a:t>RegistarIntevear- vreme obnavljanja statusa u registry</a:t>
+            </a:r>
+            <a:endParaRPr b="0" lang="en-US" sz="2000" spc="-1" strike="noStrike">
+              <a:latin typeface="Arial"/>
+            </a:endParaRPr>
+          </a:p>
+          <a:p>
+            <a:r>
+              <a:rPr b="0" lang="en-US" sz="2000" spc="-1" strike="noStrike">
+                <a:latin typeface="Arial"/>
+              </a:rPr>
+              <a:t>Wrap – kontrolise ponasanje X, moze da bude u vise nivoa gde ide od spolja ka unutra</a:t>
+            </a:r>
+            <a:endParaRPr b="0" lang="en-US" sz="2000" spc="-1" strike="noStrike">
+              <a:latin typeface="Arial"/>
+            </a:endParaRPr>
+          </a:p>
+          <a:p>
+            <a:r>
+              <a:rPr b="0" lang="en-US" sz="2000" spc="-1" strike="noStrike">
+                <a:latin typeface="Arial"/>
+              </a:rPr>
+              <a:t>Action – za command line flegove</a:t>
+            </a:r>
+            <a:endParaRPr b="0" lang="en-US" sz="2000" spc="-1" strike="noStrike">
+              <a:latin typeface="Arial"/>
+            </a:endParaRPr>
+          </a:p>
+          <a:p>
+            <a:r>
+              <a:rPr b="0" lang="en-US" sz="2000" spc="-1" strike="noStrike">
+                <a:latin typeface="Arial"/>
+              </a:rPr>
+              <a:t>Transport – specifra nacin transportovajna</a:t>
+            </a:r>
+            <a:endParaRPr b="0" lang="en-US" sz="2000" spc="-1" strike="noStrike">
+              <a:latin typeface="Arial"/>
+            </a:endParaRPr>
+          </a:p>
+          <a:p>
+            <a:r>
+              <a:rPr b="0" lang="en-US" sz="2000" spc="-1" strike="noStrike">
+                <a:latin typeface="Arial"/>
+              </a:rPr>
+              <a:t>Selector – specifra selctor</a:t>
+            </a:r>
+            <a:endParaRPr b="0" lang="en-US" sz="2000" spc="-1" strike="noStrike">
+              <a:latin typeface="Arial"/>
+            </a:endParaRPr>
+          </a:p>
+          <a:p>
+            <a:r>
+              <a:rPr b="0" lang="en-US" sz="2000" spc="-1" strike="noStrike">
+                <a:latin typeface="Arial"/>
+              </a:rPr>
+              <a:t>Registry – specifira registry koji se koristi</a:t>
+            </a:r>
+            <a:endParaRPr b="0" lang="en-US" sz="2000" spc="-1" strike="noStrike">
+              <a:latin typeface="Arial"/>
+            </a:endParaRPr>
+          </a:p>
+          <a:p>
+            <a:r>
+              <a:rPr b="0" lang="en-US" sz="2000" spc="-1" strike="noStrike">
+                <a:latin typeface="Arial"/>
+              </a:rPr>
+              <a:t>Server – defoltno je rpcServer</a:t>
+            </a:r>
+            <a:endParaRPr b="0" lang="en-US" sz="2000" spc="-1" strike="noStrike">
+              <a:latin typeface="Arial"/>
+            </a:endParaRPr>
+          </a:p>
+          <a:p>
+            <a:r>
+              <a:rPr b="0" lang="en-US" sz="2000" spc="-1" strike="noStrike">
+                <a:latin typeface="Arial"/>
+              </a:rPr>
+              <a:t>Profile – za debagiranje</a:t>
+            </a:r>
+            <a:endParaRPr b="0" lang="en-US" sz="2000" spc="-1" strike="noStrike">
+              <a:latin typeface="Arial"/>
+            </a:endParaRPr>
+          </a:p>
+          <a:p>
+            <a:r>
+              <a:rPr b="0" lang="en-US" sz="2000" spc="-1" strike="noStrike">
+                <a:latin typeface="Arial"/>
+              </a:rPr>
+              <a:t> </a:t>
+            </a:r>
+            <a:endParaRPr b="0" lang="en-US" sz="2000" spc="-1" strike="noStrike">
+              <a:latin typeface="Arial"/>
+            </a:endParaRPr>
+          </a:p>
+        </p:txBody>
+      </p:sp>
+    </p:spTree>
+  </p:cSld>
+</p:notes>
 </file>
 
 <file path=ppt/notesSlides/notesSlide3.xml><?xml version="1.0" encoding="utf-8"?>
@@ -290,7 +575,7 @@
       </p:grpSpPr>
       <p:sp>
         <p:nvSpPr>
-          <p:cNvPr id="183" name="PlaceHolder 1"/>
+          <p:cNvPr id="193" name="PlaceHolder 1"/>
           <p:cNvSpPr>
             <a:spLocks noGrp="1"/>
           </p:cNvSpPr>
@@ -301,16 +586,16 @@
         <p:spPr>
           <a:xfrm>
             <a:off x="1371600" y="764280"/>
-            <a:ext cx="5026680" cy="3769560"/>
-          </a:xfrm>
-          <a:prstGeom prst="rect">
-            <a:avLst/>
-          </a:prstGeom>
-        </p:spPr>
-      </p:sp>
-      <p:sp>
-        <p:nvSpPr>
-          <p:cNvPr id="184" name="PlaceHolder 2"/>
+            <a:ext cx="5026320" cy="3769200"/>
+          </a:xfrm>
+          <a:prstGeom prst="rect">
+            <a:avLst/>
+          </a:prstGeom>
+        </p:spPr>
+      </p:sp>
+      <p:sp>
+        <p:nvSpPr>
+          <p:cNvPr id="194" name="PlaceHolder 2"/>
           <p:cNvSpPr>
             <a:spLocks noGrp="1"/>
           </p:cNvSpPr>
@@ -321,7 +606,7 @@
         <p:spPr>
           <a:xfrm>
             <a:off x="777240" y="4603320"/>
-            <a:ext cx="6215760" cy="5636160"/>
+            <a:ext cx="6215400" cy="5635800"/>
           </a:xfrm>
           <a:prstGeom prst="rect">
             <a:avLst/>
@@ -332,7 +617,7 @@
             <a:noAutofit/>
           </a:bodyPr>
           <a:p>
-            <a:pPr marL="216000" indent="-214560">
+            <a:pPr marL="216000" indent="-214200">
               <a:lnSpc>
                 <a:spcPct val="100000"/>
               </a:lnSpc>
@@ -348,7 +633,7 @@
             </a:endParaRPr>
           </a:p>
           <a:p>
-            <a:pPr marL="216000" indent="-214560">
+            <a:pPr marL="216000" indent="-214200">
               <a:lnSpc>
                 <a:spcPct val="100000"/>
               </a:lnSpc>
@@ -364,7 +649,7 @@
             </a:endParaRPr>
           </a:p>
           <a:p>
-            <a:pPr marL="216000" indent="-214560">
+            <a:pPr marL="216000" indent="-214200">
               <a:lnSpc>
                 <a:spcPct val="100000"/>
               </a:lnSpc>
@@ -380,7 +665,7 @@
             </a:endParaRPr>
           </a:p>
           <a:p>
-            <a:pPr marL="216000" indent="-214560">
+            <a:pPr marL="216000" indent="-214200">
               <a:lnSpc>
                 <a:spcPct val="100000"/>
               </a:lnSpc>
@@ -396,7 +681,7 @@
             </a:endParaRPr>
           </a:p>
           <a:p>
-            <a:pPr marL="216000" indent="-214560">
+            <a:pPr marL="216000" indent="-214200">
               <a:lnSpc>
                 <a:spcPct val="100000"/>
               </a:lnSpc>
@@ -412,7 +697,7 @@
             </a:endParaRPr>
           </a:p>
           <a:p>
-            <a:pPr marL="216000" indent="-214560">
+            <a:pPr marL="216000" indent="-214200">
               <a:lnSpc>
                 <a:spcPct val="100000"/>
               </a:lnSpc>
@@ -428,7 +713,7 @@
             </a:endParaRPr>
           </a:p>
           <a:p>
-            <a:pPr marL="216000" indent="-214560">
+            <a:pPr marL="216000" indent="-214200">
               <a:lnSpc>
                 <a:spcPct val="100000"/>
               </a:lnSpc>
@@ -444,7 +729,7 @@
             </a:endParaRPr>
           </a:p>
           <a:p>
-            <a:pPr marL="216000" indent="-214560">
+            <a:pPr marL="216000" indent="-214200">
               <a:lnSpc>
                 <a:spcPct val="100000"/>
               </a:lnSpc>
@@ -485,7 +770,7 @@
       </p:grpSpPr>
       <p:sp>
         <p:nvSpPr>
-          <p:cNvPr id="185" name="PlaceHolder 1"/>
+          <p:cNvPr id="195" name="PlaceHolder 1"/>
           <p:cNvSpPr>
             <a:spLocks noGrp="1"/>
           </p:cNvSpPr>
@@ -496,16 +781,16 @@
         <p:spPr>
           <a:xfrm>
             <a:off x="1371600" y="764280"/>
-            <a:ext cx="5026680" cy="3769560"/>
-          </a:xfrm>
-          <a:prstGeom prst="rect">
-            <a:avLst/>
-          </a:prstGeom>
-        </p:spPr>
-      </p:sp>
-      <p:sp>
-        <p:nvSpPr>
-          <p:cNvPr id="186" name="PlaceHolder 2"/>
+            <a:ext cx="5026320" cy="3769200"/>
+          </a:xfrm>
+          <a:prstGeom prst="rect">
+            <a:avLst/>
+          </a:prstGeom>
+        </p:spPr>
+      </p:sp>
+      <p:sp>
+        <p:nvSpPr>
+          <p:cNvPr id="196" name="PlaceHolder 2"/>
           <p:cNvSpPr>
             <a:spLocks noGrp="1"/>
           </p:cNvSpPr>
@@ -516,7 +801,7 @@
         <p:spPr>
           <a:xfrm>
             <a:off x="777240" y="4777560"/>
-            <a:ext cx="6215760" cy="4524120"/>
+            <a:ext cx="6215400" cy="4523760"/>
           </a:xfrm>
           <a:prstGeom prst="rect">
             <a:avLst/>
@@ -527,7 +812,7 @@
             <a:noAutofit/>
           </a:bodyPr>
           <a:p>
-            <a:pPr marL="216000" indent="-214560">
+            <a:pPr marL="216000" indent="-214200">
               <a:lnSpc>
                 <a:spcPct val="100000"/>
               </a:lnSpc>
@@ -543,7 +828,7 @@
             </a:endParaRPr>
           </a:p>
           <a:p>
-            <a:pPr marL="216000" indent="-214560">
+            <a:pPr marL="216000" indent="-214200">
               <a:lnSpc>
                 <a:spcPct val="100000"/>
               </a:lnSpc>
@@ -559,7 +844,7 @@
             </a:endParaRPr>
           </a:p>
           <a:p>
-            <a:pPr marL="216000" indent="-214560">
+            <a:pPr marL="216000" indent="-214200">
               <a:lnSpc>
                 <a:spcPct val="100000"/>
               </a:lnSpc>
@@ -575,7 +860,7 @@
             </a:endParaRPr>
           </a:p>
           <a:p>
-            <a:pPr marL="216000" indent="-214560">
+            <a:pPr marL="216000" indent="-214200">
               <a:lnSpc>
                 <a:spcPct val="100000"/>
               </a:lnSpc>
@@ -591,7 +876,7 @@
             </a:endParaRPr>
           </a:p>
           <a:p>
-            <a:pPr marL="216000" indent="-214560">
+            <a:pPr marL="216000" indent="-214200">
               <a:lnSpc>
                 <a:spcPct val="100000"/>
               </a:lnSpc>
@@ -607,7 +892,7 @@
             </a:endParaRPr>
           </a:p>
           <a:p>
-            <a:pPr marL="216000" indent="-214560">
+            <a:pPr marL="216000" indent="-214200">
               <a:lnSpc>
                 <a:spcPct val="100000"/>
               </a:lnSpc>
@@ -623,7 +908,7 @@
             </a:endParaRPr>
           </a:p>
           <a:p>
-            <a:pPr marL="216000" indent="-214560">
+            <a:pPr marL="216000" indent="-214200">
               <a:lnSpc>
                 <a:spcPct val="100000"/>
               </a:lnSpc>
@@ -639,7 +924,7 @@
             </a:endParaRPr>
           </a:p>
           <a:p>
-            <a:pPr marL="216000" indent="-214560">
+            <a:pPr marL="216000" indent="-214200">
               <a:lnSpc>
                 <a:spcPct val="100000"/>
               </a:lnSpc>
@@ -655,7 +940,7 @@
             </a:endParaRPr>
           </a:p>
           <a:p>
-            <a:pPr marL="216000" indent="-214560">
+            <a:pPr marL="216000" indent="-214200">
               <a:lnSpc>
                 <a:spcPct val="100000"/>
               </a:lnSpc>
@@ -665,7 +950,7 @@
             </a:endParaRPr>
           </a:p>
           <a:p>
-            <a:pPr marL="216000" indent="-214560">
+            <a:pPr marL="216000" indent="-214200">
               <a:lnSpc>
                 <a:spcPct val="100000"/>
               </a:lnSpc>
@@ -681,7 +966,7 @@
             </a:endParaRPr>
           </a:p>
           <a:p>
-            <a:pPr marL="216000" indent="-214560">
+            <a:pPr marL="216000" indent="-214200">
               <a:lnSpc>
                 <a:spcPct val="100000"/>
               </a:lnSpc>
@@ -716,7 +1001,7 @@
       </p:grpSpPr>
       <p:sp>
         <p:nvSpPr>
-          <p:cNvPr id="187" name="PlaceHolder 1"/>
+          <p:cNvPr id="197" name="PlaceHolder 1"/>
           <p:cNvSpPr>
             <a:spLocks noGrp="1"/>
           </p:cNvSpPr>
@@ -727,16 +1012,16 @@
         <p:spPr>
           <a:xfrm>
             <a:off x="1371600" y="764280"/>
-            <a:ext cx="5026680" cy="3769560"/>
-          </a:xfrm>
-          <a:prstGeom prst="rect">
-            <a:avLst/>
-          </a:prstGeom>
-        </p:spPr>
-      </p:sp>
-      <p:sp>
-        <p:nvSpPr>
-          <p:cNvPr id="188" name="PlaceHolder 2"/>
+            <a:ext cx="5026320" cy="3769200"/>
+          </a:xfrm>
+          <a:prstGeom prst="rect">
+            <a:avLst/>
+          </a:prstGeom>
+        </p:spPr>
+      </p:sp>
+      <p:sp>
+        <p:nvSpPr>
+          <p:cNvPr id="198" name="PlaceHolder 2"/>
           <p:cNvSpPr>
             <a:spLocks noGrp="1"/>
           </p:cNvSpPr>
@@ -747,7 +1032,7 @@
         <p:spPr>
           <a:xfrm>
             <a:off x="777240" y="4777560"/>
-            <a:ext cx="6215760" cy="4524120"/>
+            <a:ext cx="6215400" cy="4523760"/>
           </a:xfrm>
           <a:prstGeom prst="rect">
             <a:avLst/>
@@ -758,7 +1043,7 @@
             <a:noAutofit/>
           </a:bodyPr>
           <a:p>
-            <a:pPr marL="216000" indent="-214560">
+            <a:pPr marL="216000" indent="-214200">
               <a:lnSpc>
                 <a:spcPct val="100000"/>
               </a:lnSpc>
@@ -774,7 +1059,7 @@
             </a:endParaRPr>
           </a:p>
           <a:p>
-            <a:pPr marL="216000" indent="-214560">
+            <a:pPr marL="216000" indent="-214200">
               <a:lnSpc>
                 <a:spcPct val="100000"/>
               </a:lnSpc>
@@ -790,7 +1075,7 @@
             </a:endParaRPr>
           </a:p>
           <a:p>
-            <a:pPr marL="216000" indent="-214560">
+            <a:pPr marL="216000" indent="-214200">
               <a:lnSpc>
                 <a:spcPct val="100000"/>
               </a:lnSpc>
@@ -806,7 +1091,7 @@
             </a:endParaRPr>
           </a:p>
           <a:p>
-            <a:pPr marL="216000" indent="-214560">
+            <a:pPr marL="216000" indent="-214200">
               <a:lnSpc>
                 <a:spcPct val="100000"/>
               </a:lnSpc>
@@ -822,7 +1107,7 @@
             </a:endParaRPr>
           </a:p>
           <a:p>
-            <a:pPr marL="216000" indent="-214560">
+            <a:pPr marL="216000" indent="-214200">
               <a:lnSpc>
                 <a:spcPct val="100000"/>
               </a:lnSpc>
@@ -896,7 +1181,7 @@
         <p:spPr>
           <a:xfrm>
             <a:off x="503640" y="301680"/>
-            <a:ext cx="9068400" cy="1261800"/>
+            <a:ext cx="9069120" cy="1262520"/>
           </a:xfrm>
           <a:prstGeom prst="rect">
             <a:avLst/>
@@ -927,7 +1212,7 @@
         <p:spPr>
           <a:xfrm>
             <a:off x="503640" y="1769400"/>
-            <a:ext cx="9068400" cy="2091600"/>
+            <a:ext cx="9069120" cy="2091960"/>
           </a:xfrm>
           <a:prstGeom prst="rect">
             <a:avLst/>
@@ -956,8 +1241,8 @@
         </p:nvSpPr>
         <p:spPr>
           <a:xfrm>
-            <a:off x="503640" y="4060080"/>
-            <a:ext cx="9068400" cy="2091600"/>
+            <a:off x="503640" y="4060440"/>
+            <a:ext cx="9069120" cy="2091960"/>
           </a:xfrm>
           <a:prstGeom prst="rect">
             <a:avLst/>
@@ -1009,7 +1294,7 @@
         <p:spPr>
           <a:xfrm>
             <a:off x="503640" y="301680"/>
-            <a:ext cx="9068400" cy="1261800"/>
+            <a:ext cx="9069120" cy="1262520"/>
           </a:xfrm>
           <a:prstGeom prst="rect">
             <a:avLst/>
@@ -1040,7 +1325,7 @@
         <p:spPr>
           <a:xfrm>
             <a:off x="503640" y="1769400"/>
-            <a:ext cx="4425120" cy="2091600"/>
+            <a:ext cx="4425480" cy="2091960"/>
           </a:xfrm>
           <a:prstGeom prst="rect">
             <a:avLst/>
@@ -1069,8 +1354,8 @@
         </p:nvSpPr>
         <p:spPr>
           <a:xfrm>
-            <a:off x="5150520" y="1769400"/>
-            <a:ext cx="4425120" cy="2091600"/>
+            <a:off x="5150880" y="1769400"/>
+            <a:ext cx="4425480" cy="2091960"/>
           </a:xfrm>
           <a:prstGeom prst="rect">
             <a:avLst/>
@@ -1099,8 +1384,8 @@
         </p:nvSpPr>
         <p:spPr>
           <a:xfrm>
-            <a:off x="503640" y="4060080"/>
-            <a:ext cx="4425120" cy="2091600"/>
+            <a:off x="503640" y="4060440"/>
+            <a:ext cx="4425480" cy="2091960"/>
           </a:xfrm>
           <a:prstGeom prst="rect">
             <a:avLst/>
@@ -1129,8 +1414,8 @@
         </p:nvSpPr>
         <p:spPr>
           <a:xfrm>
-            <a:off x="5150520" y="4060080"/>
-            <a:ext cx="4425120" cy="2091600"/>
+            <a:off x="5150880" y="4060440"/>
+            <a:ext cx="4425480" cy="2091960"/>
           </a:xfrm>
           <a:prstGeom prst="rect">
             <a:avLst/>
@@ -1182,7 +1467,7 @@
         <p:spPr>
           <a:xfrm>
             <a:off x="503640" y="301680"/>
-            <a:ext cx="9068400" cy="1261800"/>
+            <a:ext cx="9069120" cy="1262520"/>
           </a:xfrm>
           <a:prstGeom prst="rect">
             <a:avLst/>
@@ -1213,7 +1498,7 @@
         <p:spPr>
           <a:xfrm>
             <a:off x="503640" y="1769400"/>
-            <a:ext cx="2919960" cy="2091600"/>
+            <a:ext cx="2919960" cy="2091960"/>
           </a:xfrm>
           <a:prstGeom prst="rect">
             <a:avLst/>
@@ -1243,7 +1528,7 @@
         <p:spPr>
           <a:xfrm>
             <a:off x="3570120" y="1769400"/>
-            <a:ext cx="2919960" cy="2091600"/>
+            <a:ext cx="2919960" cy="2091960"/>
           </a:xfrm>
           <a:prstGeom prst="rect">
             <a:avLst/>
@@ -1273,7 +1558,7 @@
         <p:spPr>
           <a:xfrm>
             <a:off x="6636240" y="1769400"/>
-            <a:ext cx="2919960" cy="2091600"/>
+            <a:ext cx="2919960" cy="2091960"/>
           </a:xfrm>
           <a:prstGeom prst="rect">
             <a:avLst/>
@@ -1302,8 +1587,8 @@
         </p:nvSpPr>
         <p:spPr>
           <a:xfrm>
-            <a:off x="503640" y="4060080"/>
-            <a:ext cx="2919960" cy="2091600"/>
+            <a:off x="503640" y="4060440"/>
+            <a:ext cx="2919960" cy="2091960"/>
           </a:xfrm>
           <a:prstGeom prst="rect">
             <a:avLst/>
@@ -1332,8 +1617,8 @@
         </p:nvSpPr>
         <p:spPr>
           <a:xfrm>
-            <a:off x="3570120" y="4060080"/>
-            <a:ext cx="2919960" cy="2091600"/>
+            <a:off x="3570120" y="4060440"/>
+            <a:ext cx="2919960" cy="2091960"/>
           </a:xfrm>
           <a:prstGeom prst="rect">
             <a:avLst/>
@@ -1362,8 +1647,8 @@
         </p:nvSpPr>
         <p:spPr>
           <a:xfrm>
-            <a:off x="6636240" y="4060080"/>
-            <a:ext cx="2919960" cy="2091600"/>
+            <a:off x="6636240" y="4060440"/>
+            <a:ext cx="2919960" cy="2091960"/>
           </a:xfrm>
           <a:prstGeom prst="rect">
             <a:avLst/>
@@ -1437,7 +1722,7 @@
         <p:spPr>
           <a:xfrm>
             <a:off x="503640" y="301680"/>
-            <a:ext cx="9068400" cy="1261800"/>
+            <a:ext cx="9069120" cy="1262520"/>
           </a:xfrm>
           <a:prstGeom prst="rect">
             <a:avLst/>
@@ -1468,7 +1753,7 @@
         <p:spPr>
           <a:xfrm>
             <a:off x="503640" y="1769400"/>
-            <a:ext cx="9068400" cy="4385160"/>
+            <a:ext cx="9069120" cy="4385880"/>
           </a:xfrm>
           <a:prstGeom prst="rect">
             <a:avLst/>
@@ -1521,7 +1806,7 @@
         <p:spPr>
           <a:xfrm>
             <a:off x="503640" y="301680"/>
-            <a:ext cx="9068400" cy="1261800"/>
+            <a:ext cx="9069120" cy="1262520"/>
           </a:xfrm>
           <a:prstGeom prst="rect">
             <a:avLst/>
@@ -1552,7 +1837,7 @@
         <p:spPr>
           <a:xfrm>
             <a:off x="503640" y="1769400"/>
-            <a:ext cx="9068400" cy="4385160"/>
+            <a:ext cx="9069120" cy="4385880"/>
           </a:xfrm>
           <a:prstGeom prst="rect">
             <a:avLst/>
@@ -1604,7 +1889,7 @@
         <p:spPr>
           <a:xfrm>
             <a:off x="503640" y="301680"/>
-            <a:ext cx="9068400" cy="1261800"/>
+            <a:ext cx="9069120" cy="1262520"/>
           </a:xfrm>
           <a:prstGeom prst="rect">
             <a:avLst/>
@@ -1635,7 +1920,7 @@
         <p:spPr>
           <a:xfrm>
             <a:off x="503640" y="1769400"/>
-            <a:ext cx="4425120" cy="4385160"/>
+            <a:ext cx="4425480" cy="4385880"/>
           </a:xfrm>
           <a:prstGeom prst="rect">
             <a:avLst/>
@@ -1664,8 +1949,8 @@
         </p:nvSpPr>
         <p:spPr>
           <a:xfrm>
-            <a:off x="5150520" y="1769400"/>
-            <a:ext cx="4425120" cy="4385160"/>
+            <a:off x="5150880" y="1769400"/>
+            <a:ext cx="4425480" cy="4385880"/>
           </a:xfrm>
           <a:prstGeom prst="rect">
             <a:avLst/>
@@ -1717,7 +2002,7 @@
         <p:spPr>
           <a:xfrm>
             <a:off x="503640" y="301680"/>
-            <a:ext cx="9068400" cy="1261800"/>
+            <a:ext cx="9069120" cy="1262520"/>
           </a:xfrm>
           <a:prstGeom prst="rect">
             <a:avLst/>
@@ -1770,7 +2055,7 @@
         <p:spPr>
           <a:xfrm>
             <a:off x="503640" y="301680"/>
-            <a:ext cx="9068400" cy="5850360"/>
+            <a:ext cx="9069120" cy="5853600"/>
           </a:xfrm>
           <a:prstGeom prst="rect">
             <a:avLst/>
@@ -1823,7 +2108,7 @@
         <p:spPr>
           <a:xfrm>
             <a:off x="503640" y="301680"/>
-            <a:ext cx="9068400" cy="1261800"/>
+            <a:ext cx="9069120" cy="1262520"/>
           </a:xfrm>
           <a:prstGeom prst="rect">
             <a:avLst/>
@@ -1854,7 +2139,7 @@
         <p:spPr>
           <a:xfrm>
             <a:off x="503640" y="1769400"/>
-            <a:ext cx="4425120" cy="2091600"/>
+            <a:ext cx="4425480" cy="2091960"/>
           </a:xfrm>
           <a:prstGeom prst="rect">
             <a:avLst/>
@@ -1883,8 +2168,8 @@
         </p:nvSpPr>
         <p:spPr>
           <a:xfrm>
-            <a:off x="5150520" y="1769400"/>
-            <a:ext cx="4425120" cy="4385160"/>
+            <a:off x="5150880" y="1769400"/>
+            <a:ext cx="4425480" cy="4385880"/>
           </a:xfrm>
           <a:prstGeom prst="rect">
             <a:avLst/>
@@ -1913,8 +2198,8 @@
         </p:nvSpPr>
         <p:spPr>
           <a:xfrm>
-            <a:off x="503640" y="4060080"/>
-            <a:ext cx="4425120" cy="2091600"/>
+            <a:off x="503640" y="4060440"/>
+            <a:ext cx="4425480" cy="2091960"/>
           </a:xfrm>
           <a:prstGeom prst="rect">
             <a:avLst/>
@@ -1966,7 +2251,7 @@
         <p:spPr>
           <a:xfrm>
             <a:off x="503640" y="301680"/>
-            <a:ext cx="9068400" cy="1261800"/>
+            <a:ext cx="9069120" cy="1262520"/>
           </a:xfrm>
           <a:prstGeom prst="rect">
             <a:avLst/>
@@ -1997,7 +2282,7 @@
         <p:spPr>
           <a:xfrm>
             <a:off x="503640" y="1769400"/>
-            <a:ext cx="9068400" cy="4385160"/>
+            <a:ext cx="9069120" cy="4385880"/>
           </a:xfrm>
           <a:prstGeom prst="rect">
             <a:avLst/>
@@ -2050,7 +2335,7 @@
         <p:spPr>
           <a:xfrm>
             <a:off x="503640" y="301680"/>
-            <a:ext cx="9068400" cy="1261800"/>
+            <a:ext cx="9069120" cy="1262520"/>
           </a:xfrm>
           <a:prstGeom prst="rect">
             <a:avLst/>
@@ -2081,7 +2366,7 @@
         <p:spPr>
           <a:xfrm>
             <a:off x="503640" y="1769400"/>
-            <a:ext cx="4425120" cy="4385160"/>
+            <a:ext cx="4425480" cy="4385880"/>
           </a:xfrm>
           <a:prstGeom prst="rect">
             <a:avLst/>
@@ -2110,8 +2395,8 @@
         </p:nvSpPr>
         <p:spPr>
           <a:xfrm>
-            <a:off x="5150520" y="1769400"/>
-            <a:ext cx="4425120" cy="2091600"/>
+            <a:off x="5150880" y="1769400"/>
+            <a:ext cx="4425480" cy="2091960"/>
           </a:xfrm>
           <a:prstGeom prst="rect">
             <a:avLst/>
@@ -2140,8 +2425,8 @@
         </p:nvSpPr>
         <p:spPr>
           <a:xfrm>
-            <a:off x="5150520" y="4060080"/>
-            <a:ext cx="4425120" cy="2091600"/>
+            <a:off x="5150880" y="4060440"/>
+            <a:ext cx="4425480" cy="2091960"/>
           </a:xfrm>
           <a:prstGeom prst="rect">
             <a:avLst/>
@@ -2193,7 +2478,7 @@
         <p:spPr>
           <a:xfrm>
             <a:off x="503640" y="301680"/>
-            <a:ext cx="9068400" cy="1261800"/>
+            <a:ext cx="9069120" cy="1262520"/>
           </a:xfrm>
           <a:prstGeom prst="rect">
             <a:avLst/>
@@ -2224,7 +2509,7 @@
         <p:spPr>
           <a:xfrm>
             <a:off x="503640" y="1769400"/>
-            <a:ext cx="4425120" cy="2091600"/>
+            <a:ext cx="4425480" cy="2091960"/>
           </a:xfrm>
           <a:prstGeom prst="rect">
             <a:avLst/>
@@ -2253,8 +2538,8 @@
         </p:nvSpPr>
         <p:spPr>
           <a:xfrm>
-            <a:off x="5150520" y="1769400"/>
-            <a:ext cx="4425120" cy="2091600"/>
+            <a:off x="5150880" y="1769400"/>
+            <a:ext cx="4425480" cy="2091960"/>
           </a:xfrm>
           <a:prstGeom prst="rect">
             <a:avLst/>
@@ -2283,8 +2568,8 @@
         </p:nvSpPr>
         <p:spPr>
           <a:xfrm>
-            <a:off x="503640" y="4060080"/>
-            <a:ext cx="9068400" cy="2091600"/>
+            <a:off x="503640" y="4060440"/>
+            <a:ext cx="9069120" cy="2091960"/>
           </a:xfrm>
           <a:prstGeom prst="rect">
             <a:avLst/>
@@ -2336,7 +2621,7 @@
         <p:spPr>
           <a:xfrm>
             <a:off x="503640" y="301680"/>
-            <a:ext cx="9068400" cy="1261800"/>
+            <a:ext cx="9069120" cy="1262520"/>
           </a:xfrm>
           <a:prstGeom prst="rect">
             <a:avLst/>
@@ -2367,7 +2652,7 @@
         <p:spPr>
           <a:xfrm>
             <a:off x="503640" y="1769400"/>
-            <a:ext cx="9068400" cy="2091600"/>
+            <a:ext cx="9069120" cy="2091960"/>
           </a:xfrm>
           <a:prstGeom prst="rect">
             <a:avLst/>
@@ -2396,8 +2681,8 @@
         </p:nvSpPr>
         <p:spPr>
           <a:xfrm>
-            <a:off x="503640" y="4060080"/>
-            <a:ext cx="9068400" cy="2091600"/>
+            <a:off x="503640" y="4060440"/>
+            <a:ext cx="9069120" cy="2091960"/>
           </a:xfrm>
           <a:prstGeom prst="rect">
             <a:avLst/>
@@ -2449,7 +2734,7 @@
         <p:spPr>
           <a:xfrm>
             <a:off x="503640" y="301680"/>
-            <a:ext cx="9068400" cy="1261800"/>
+            <a:ext cx="9069120" cy="1262520"/>
           </a:xfrm>
           <a:prstGeom prst="rect">
             <a:avLst/>
@@ -2480,7 +2765,7 @@
         <p:spPr>
           <a:xfrm>
             <a:off x="503640" y="1769400"/>
-            <a:ext cx="4425120" cy="2091600"/>
+            <a:ext cx="4425480" cy="2091960"/>
           </a:xfrm>
           <a:prstGeom prst="rect">
             <a:avLst/>
@@ -2509,8 +2794,8 @@
         </p:nvSpPr>
         <p:spPr>
           <a:xfrm>
-            <a:off x="5150520" y="1769400"/>
-            <a:ext cx="4425120" cy="2091600"/>
+            <a:off x="5150880" y="1769400"/>
+            <a:ext cx="4425480" cy="2091960"/>
           </a:xfrm>
           <a:prstGeom prst="rect">
             <a:avLst/>
@@ -2539,8 +2824,8 @@
         </p:nvSpPr>
         <p:spPr>
           <a:xfrm>
-            <a:off x="503640" y="4060080"/>
-            <a:ext cx="4425120" cy="2091600"/>
+            <a:off x="503640" y="4060440"/>
+            <a:ext cx="4425480" cy="2091960"/>
           </a:xfrm>
           <a:prstGeom prst="rect">
             <a:avLst/>
@@ -2569,8 +2854,8 @@
         </p:nvSpPr>
         <p:spPr>
           <a:xfrm>
-            <a:off x="5150520" y="4060080"/>
-            <a:ext cx="4425120" cy="2091600"/>
+            <a:off x="5150880" y="4060440"/>
+            <a:ext cx="4425480" cy="2091960"/>
           </a:xfrm>
           <a:prstGeom prst="rect">
             <a:avLst/>
@@ -2622,7 +2907,7 @@
         <p:spPr>
           <a:xfrm>
             <a:off x="503640" y="301680"/>
-            <a:ext cx="9068400" cy="1261800"/>
+            <a:ext cx="9069120" cy="1262520"/>
           </a:xfrm>
           <a:prstGeom prst="rect">
             <a:avLst/>
@@ -2653,7 +2938,7 @@
         <p:spPr>
           <a:xfrm>
             <a:off x="503640" y="1769400"/>
-            <a:ext cx="2919960" cy="2091600"/>
+            <a:ext cx="2919960" cy="2091960"/>
           </a:xfrm>
           <a:prstGeom prst="rect">
             <a:avLst/>
@@ -2683,7 +2968,7 @@
         <p:spPr>
           <a:xfrm>
             <a:off x="3570120" y="1769400"/>
-            <a:ext cx="2919960" cy="2091600"/>
+            <a:ext cx="2919960" cy="2091960"/>
           </a:xfrm>
           <a:prstGeom prst="rect">
             <a:avLst/>
@@ -2713,7 +2998,7 @@
         <p:spPr>
           <a:xfrm>
             <a:off x="6636240" y="1769400"/>
-            <a:ext cx="2919960" cy="2091600"/>
+            <a:ext cx="2919960" cy="2091960"/>
           </a:xfrm>
           <a:prstGeom prst="rect">
             <a:avLst/>
@@ -2742,8 +3027,8 @@
         </p:nvSpPr>
         <p:spPr>
           <a:xfrm>
-            <a:off x="503640" y="4060080"/>
-            <a:ext cx="2919960" cy="2091600"/>
+            <a:off x="503640" y="4060440"/>
+            <a:ext cx="2919960" cy="2091960"/>
           </a:xfrm>
           <a:prstGeom prst="rect">
             <a:avLst/>
@@ -2772,8 +3057,8 @@
         </p:nvSpPr>
         <p:spPr>
           <a:xfrm>
-            <a:off x="3570120" y="4060080"/>
-            <a:ext cx="2919960" cy="2091600"/>
+            <a:off x="3570120" y="4060440"/>
+            <a:ext cx="2919960" cy="2091960"/>
           </a:xfrm>
           <a:prstGeom prst="rect">
             <a:avLst/>
@@ -2802,8 +3087,8 @@
         </p:nvSpPr>
         <p:spPr>
           <a:xfrm>
-            <a:off x="6636240" y="4060080"/>
-            <a:ext cx="2919960" cy="2091600"/>
+            <a:off x="6636240" y="4060440"/>
+            <a:ext cx="2919960" cy="2091960"/>
           </a:xfrm>
           <a:prstGeom prst="rect">
             <a:avLst/>
@@ -2877,7 +3162,7 @@
         <p:spPr>
           <a:xfrm>
             <a:off x="503640" y="301680"/>
-            <a:ext cx="9068400" cy="1261800"/>
+            <a:ext cx="9069120" cy="1262520"/>
           </a:xfrm>
           <a:prstGeom prst="rect">
             <a:avLst/>
@@ -2908,7 +3193,7 @@
         <p:spPr>
           <a:xfrm>
             <a:off x="503640" y="1769400"/>
-            <a:ext cx="9068400" cy="4385160"/>
+            <a:ext cx="9069120" cy="4385880"/>
           </a:xfrm>
           <a:prstGeom prst="rect">
             <a:avLst/>
@@ -2961,7 +3246,7 @@
         <p:spPr>
           <a:xfrm>
             <a:off x="503640" y="301680"/>
-            <a:ext cx="9068400" cy="1261800"/>
+            <a:ext cx="9069120" cy="1262520"/>
           </a:xfrm>
           <a:prstGeom prst="rect">
             <a:avLst/>
@@ -2992,7 +3277,7 @@
         <p:spPr>
           <a:xfrm>
             <a:off x="503640" y="1769400"/>
-            <a:ext cx="9068400" cy="4385160"/>
+            <a:ext cx="9069120" cy="4385880"/>
           </a:xfrm>
           <a:prstGeom prst="rect">
             <a:avLst/>
@@ -3044,7 +3329,7 @@
         <p:spPr>
           <a:xfrm>
             <a:off x="503640" y="301680"/>
-            <a:ext cx="9068400" cy="1261800"/>
+            <a:ext cx="9069120" cy="1262520"/>
           </a:xfrm>
           <a:prstGeom prst="rect">
             <a:avLst/>
@@ -3075,7 +3360,7 @@
         <p:spPr>
           <a:xfrm>
             <a:off x="503640" y="1769400"/>
-            <a:ext cx="4425120" cy="4385160"/>
+            <a:ext cx="4425480" cy="4385880"/>
           </a:xfrm>
           <a:prstGeom prst="rect">
             <a:avLst/>
@@ -3104,8 +3389,8 @@
         </p:nvSpPr>
         <p:spPr>
           <a:xfrm>
-            <a:off x="5150520" y="1769400"/>
-            <a:ext cx="4425120" cy="4385160"/>
+            <a:off x="5150880" y="1769400"/>
+            <a:ext cx="4425480" cy="4385880"/>
           </a:xfrm>
           <a:prstGeom prst="rect">
             <a:avLst/>
@@ -3157,7 +3442,7 @@
         <p:spPr>
           <a:xfrm>
             <a:off x="503640" y="301680"/>
-            <a:ext cx="9068400" cy="1261800"/>
+            <a:ext cx="9069120" cy="1262520"/>
           </a:xfrm>
           <a:prstGeom prst="rect">
             <a:avLst/>
@@ -3210,7 +3495,7 @@
         <p:spPr>
           <a:xfrm>
             <a:off x="503640" y="301680"/>
-            <a:ext cx="9068400" cy="1261800"/>
+            <a:ext cx="9069120" cy="1262520"/>
           </a:xfrm>
           <a:prstGeom prst="rect">
             <a:avLst/>
@@ -3241,7 +3526,7 @@
         <p:spPr>
           <a:xfrm>
             <a:off x="503640" y="1769400"/>
-            <a:ext cx="9068400" cy="4385160"/>
+            <a:ext cx="9069120" cy="4385880"/>
           </a:xfrm>
           <a:prstGeom prst="rect">
             <a:avLst/>
@@ -3293,7 +3578,7 @@
         <p:spPr>
           <a:xfrm>
             <a:off x="503640" y="301680"/>
-            <a:ext cx="9068400" cy="5850360"/>
+            <a:ext cx="9069120" cy="5853600"/>
           </a:xfrm>
           <a:prstGeom prst="rect">
             <a:avLst/>
@@ -3346,7 +3631,7 @@
         <p:spPr>
           <a:xfrm>
             <a:off x="503640" y="301680"/>
-            <a:ext cx="9068400" cy="1261800"/>
+            <a:ext cx="9069120" cy="1262520"/>
           </a:xfrm>
           <a:prstGeom prst="rect">
             <a:avLst/>
@@ -3377,7 +3662,7 @@
         <p:spPr>
           <a:xfrm>
             <a:off x="503640" y="1769400"/>
-            <a:ext cx="4425120" cy="2091600"/>
+            <a:ext cx="4425480" cy="2091960"/>
           </a:xfrm>
           <a:prstGeom prst="rect">
             <a:avLst/>
@@ -3406,8 +3691,8 @@
         </p:nvSpPr>
         <p:spPr>
           <a:xfrm>
-            <a:off x="5150520" y="1769400"/>
-            <a:ext cx="4425120" cy="4385160"/>
+            <a:off x="5150880" y="1769400"/>
+            <a:ext cx="4425480" cy="4385880"/>
           </a:xfrm>
           <a:prstGeom prst="rect">
             <a:avLst/>
@@ -3436,8 +3721,8 @@
         </p:nvSpPr>
         <p:spPr>
           <a:xfrm>
-            <a:off x="503640" y="4060080"/>
-            <a:ext cx="4425120" cy="2091600"/>
+            <a:off x="503640" y="4060440"/>
+            <a:ext cx="4425480" cy="2091960"/>
           </a:xfrm>
           <a:prstGeom prst="rect">
             <a:avLst/>
@@ -3489,7 +3774,7 @@
         <p:spPr>
           <a:xfrm>
             <a:off x="503640" y="301680"/>
-            <a:ext cx="9068400" cy="1261800"/>
+            <a:ext cx="9069120" cy="1262520"/>
           </a:xfrm>
           <a:prstGeom prst="rect">
             <a:avLst/>
@@ -3520,7 +3805,7 @@
         <p:spPr>
           <a:xfrm>
             <a:off x="503640" y="1769400"/>
-            <a:ext cx="4425120" cy="4385160"/>
+            <a:ext cx="4425480" cy="4385880"/>
           </a:xfrm>
           <a:prstGeom prst="rect">
             <a:avLst/>
@@ -3549,8 +3834,8 @@
         </p:nvSpPr>
         <p:spPr>
           <a:xfrm>
-            <a:off x="5150520" y="1769400"/>
-            <a:ext cx="4425120" cy="2091600"/>
+            <a:off x="5150880" y="1769400"/>
+            <a:ext cx="4425480" cy="2091960"/>
           </a:xfrm>
           <a:prstGeom prst="rect">
             <a:avLst/>
@@ -3579,8 +3864,8 @@
         </p:nvSpPr>
         <p:spPr>
           <a:xfrm>
-            <a:off x="5150520" y="4060080"/>
-            <a:ext cx="4425120" cy="2091600"/>
+            <a:off x="5150880" y="4060440"/>
+            <a:ext cx="4425480" cy="2091960"/>
           </a:xfrm>
           <a:prstGeom prst="rect">
             <a:avLst/>
@@ -3632,7 +3917,7 @@
         <p:spPr>
           <a:xfrm>
             <a:off x="503640" y="301680"/>
-            <a:ext cx="9068400" cy="1261800"/>
+            <a:ext cx="9069120" cy="1262520"/>
           </a:xfrm>
           <a:prstGeom prst="rect">
             <a:avLst/>
@@ -3663,7 +3948,7 @@
         <p:spPr>
           <a:xfrm>
             <a:off x="503640" y="1769400"/>
-            <a:ext cx="4425120" cy="2091600"/>
+            <a:ext cx="4425480" cy="2091960"/>
           </a:xfrm>
           <a:prstGeom prst="rect">
             <a:avLst/>
@@ -3692,8 +3977,8 @@
         </p:nvSpPr>
         <p:spPr>
           <a:xfrm>
-            <a:off x="5150520" y="1769400"/>
-            <a:ext cx="4425120" cy="2091600"/>
+            <a:off x="5150880" y="1769400"/>
+            <a:ext cx="4425480" cy="2091960"/>
           </a:xfrm>
           <a:prstGeom prst="rect">
             <a:avLst/>
@@ -3722,8 +4007,8 @@
         </p:nvSpPr>
         <p:spPr>
           <a:xfrm>
-            <a:off x="503640" y="4060080"/>
-            <a:ext cx="9068400" cy="2091600"/>
+            <a:off x="503640" y="4060440"/>
+            <a:ext cx="9069120" cy="2091960"/>
           </a:xfrm>
           <a:prstGeom prst="rect">
             <a:avLst/>
@@ -3775,7 +4060,7 @@
         <p:spPr>
           <a:xfrm>
             <a:off x="503640" y="301680"/>
-            <a:ext cx="9068400" cy="1261800"/>
+            <a:ext cx="9069120" cy="1262520"/>
           </a:xfrm>
           <a:prstGeom prst="rect">
             <a:avLst/>
@@ -3806,7 +4091,7 @@
         <p:spPr>
           <a:xfrm>
             <a:off x="503640" y="1769400"/>
-            <a:ext cx="9068400" cy="2091600"/>
+            <a:ext cx="9069120" cy="2091960"/>
           </a:xfrm>
           <a:prstGeom prst="rect">
             <a:avLst/>
@@ -3835,8 +4120,8 @@
         </p:nvSpPr>
         <p:spPr>
           <a:xfrm>
-            <a:off x="503640" y="4060080"/>
-            <a:ext cx="9068400" cy="2091600"/>
+            <a:off x="503640" y="4060440"/>
+            <a:ext cx="9069120" cy="2091960"/>
           </a:xfrm>
           <a:prstGeom prst="rect">
             <a:avLst/>
@@ -3888,7 +4173,7 @@
         <p:spPr>
           <a:xfrm>
             <a:off x="503640" y="301680"/>
-            <a:ext cx="9068400" cy="1261800"/>
+            <a:ext cx="9069120" cy="1262520"/>
           </a:xfrm>
           <a:prstGeom prst="rect">
             <a:avLst/>
@@ -3919,7 +4204,7 @@
         <p:spPr>
           <a:xfrm>
             <a:off x="503640" y="1769400"/>
-            <a:ext cx="4425120" cy="2091600"/>
+            <a:ext cx="4425480" cy="2091960"/>
           </a:xfrm>
           <a:prstGeom prst="rect">
             <a:avLst/>
@@ -3948,8 +4233,8 @@
         </p:nvSpPr>
         <p:spPr>
           <a:xfrm>
-            <a:off x="5150520" y="1769400"/>
-            <a:ext cx="4425120" cy="2091600"/>
+            <a:off x="5150880" y="1769400"/>
+            <a:ext cx="4425480" cy="2091960"/>
           </a:xfrm>
           <a:prstGeom prst="rect">
             <a:avLst/>
@@ -3978,8 +4263,8 @@
         </p:nvSpPr>
         <p:spPr>
           <a:xfrm>
-            <a:off x="503640" y="4060080"/>
-            <a:ext cx="4425120" cy="2091600"/>
+            <a:off x="503640" y="4060440"/>
+            <a:ext cx="4425480" cy="2091960"/>
           </a:xfrm>
           <a:prstGeom prst="rect">
             <a:avLst/>
@@ -4008,8 +4293,8 @@
         </p:nvSpPr>
         <p:spPr>
           <a:xfrm>
-            <a:off x="5150520" y="4060080"/>
-            <a:ext cx="4425120" cy="2091600"/>
+            <a:off x="5150880" y="4060440"/>
+            <a:ext cx="4425480" cy="2091960"/>
           </a:xfrm>
           <a:prstGeom prst="rect">
             <a:avLst/>
@@ -4061,7 +4346,7 @@
         <p:spPr>
           <a:xfrm>
             <a:off x="503640" y="301680"/>
-            <a:ext cx="9068400" cy="1261800"/>
+            <a:ext cx="9069120" cy="1262520"/>
           </a:xfrm>
           <a:prstGeom prst="rect">
             <a:avLst/>
@@ -4092,7 +4377,7 @@
         <p:spPr>
           <a:xfrm>
             <a:off x="503640" y="1769400"/>
-            <a:ext cx="2919960" cy="2091600"/>
+            <a:ext cx="2919960" cy="2091960"/>
           </a:xfrm>
           <a:prstGeom prst="rect">
             <a:avLst/>
@@ -4122,7 +4407,7 @@
         <p:spPr>
           <a:xfrm>
             <a:off x="3570120" y="1769400"/>
-            <a:ext cx="2919960" cy="2091600"/>
+            <a:ext cx="2919960" cy="2091960"/>
           </a:xfrm>
           <a:prstGeom prst="rect">
             <a:avLst/>
@@ -4152,7 +4437,7 @@
         <p:spPr>
           <a:xfrm>
             <a:off x="6636240" y="1769400"/>
-            <a:ext cx="2919960" cy="2091600"/>
+            <a:ext cx="2919960" cy="2091960"/>
           </a:xfrm>
           <a:prstGeom prst="rect">
             <a:avLst/>
@@ -4181,8 +4466,8 @@
         </p:nvSpPr>
         <p:spPr>
           <a:xfrm>
-            <a:off x="503640" y="4060080"/>
-            <a:ext cx="2919960" cy="2091600"/>
+            <a:off x="503640" y="4060440"/>
+            <a:ext cx="2919960" cy="2091960"/>
           </a:xfrm>
           <a:prstGeom prst="rect">
             <a:avLst/>
@@ -4211,8 +4496,8 @@
         </p:nvSpPr>
         <p:spPr>
           <a:xfrm>
-            <a:off x="3570120" y="4060080"/>
-            <a:ext cx="2919960" cy="2091600"/>
+            <a:off x="3570120" y="4060440"/>
+            <a:ext cx="2919960" cy="2091960"/>
           </a:xfrm>
           <a:prstGeom prst="rect">
             <a:avLst/>
@@ -4241,8 +4526,8 @@
         </p:nvSpPr>
         <p:spPr>
           <a:xfrm>
-            <a:off x="6636240" y="4060080"/>
-            <a:ext cx="2919960" cy="2091600"/>
+            <a:off x="6636240" y="4060440"/>
+            <a:ext cx="2919960" cy="2091960"/>
           </a:xfrm>
           <a:prstGeom prst="rect">
             <a:avLst/>
@@ -4316,7 +4601,7 @@
         <p:spPr>
           <a:xfrm>
             <a:off x="503640" y="301680"/>
-            <a:ext cx="9068400" cy="1261800"/>
+            <a:ext cx="9069120" cy="1262520"/>
           </a:xfrm>
           <a:prstGeom prst="rect">
             <a:avLst/>
@@ -4347,7 +4632,7 @@
         <p:spPr>
           <a:xfrm>
             <a:off x="503640" y="1769400"/>
-            <a:ext cx="9068400" cy="4385160"/>
+            <a:ext cx="9069120" cy="4385880"/>
           </a:xfrm>
           <a:prstGeom prst="rect">
             <a:avLst/>
@@ -4400,7 +4685,7 @@
         <p:spPr>
           <a:xfrm>
             <a:off x="503640" y="301680"/>
-            <a:ext cx="9068400" cy="1261800"/>
+            <a:ext cx="9069120" cy="1262520"/>
           </a:xfrm>
           <a:prstGeom prst="rect">
             <a:avLst/>
@@ -4431,7 +4716,7 @@
         <p:spPr>
           <a:xfrm>
             <a:off x="503640" y="1769400"/>
-            <a:ext cx="9068400" cy="4385160"/>
+            <a:ext cx="9069120" cy="4385880"/>
           </a:xfrm>
           <a:prstGeom prst="rect">
             <a:avLst/>
@@ -4483,7 +4768,7 @@
         <p:spPr>
           <a:xfrm>
             <a:off x="503640" y="301680"/>
-            <a:ext cx="9068400" cy="1261800"/>
+            <a:ext cx="9069120" cy="1262520"/>
           </a:xfrm>
           <a:prstGeom prst="rect">
             <a:avLst/>
@@ -4514,7 +4799,7 @@
         <p:spPr>
           <a:xfrm>
             <a:off x="503640" y="1769400"/>
-            <a:ext cx="4425120" cy="4385160"/>
+            <a:ext cx="4425480" cy="4385880"/>
           </a:xfrm>
           <a:prstGeom prst="rect">
             <a:avLst/>
@@ -4543,8 +4828,8 @@
         </p:nvSpPr>
         <p:spPr>
           <a:xfrm>
-            <a:off x="5150520" y="1769400"/>
-            <a:ext cx="4425120" cy="4385160"/>
+            <a:off x="5150880" y="1769400"/>
+            <a:ext cx="4425480" cy="4385880"/>
           </a:xfrm>
           <a:prstGeom prst="rect">
             <a:avLst/>
@@ -4596,7 +4881,7 @@
         <p:spPr>
           <a:xfrm>
             <a:off x="503640" y="301680"/>
-            <a:ext cx="9068400" cy="1261800"/>
+            <a:ext cx="9069120" cy="1262520"/>
           </a:xfrm>
           <a:prstGeom prst="rect">
             <a:avLst/>
@@ -4627,7 +4912,7 @@
         <p:spPr>
           <a:xfrm>
             <a:off x="503640" y="1769400"/>
-            <a:ext cx="4425120" cy="4385160"/>
+            <a:ext cx="4425480" cy="4385880"/>
           </a:xfrm>
           <a:prstGeom prst="rect">
             <a:avLst/>
@@ -4656,8 +4941,8 @@
         </p:nvSpPr>
         <p:spPr>
           <a:xfrm>
-            <a:off x="5150520" y="1769400"/>
-            <a:ext cx="4425120" cy="4385160"/>
+            <a:off x="5150880" y="1769400"/>
+            <a:ext cx="4425480" cy="4385880"/>
           </a:xfrm>
           <a:prstGeom prst="rect">
             <a:avLst/>
@@ -4709,7 +4994,7 @@
         <p:spPr>
           <a:xfrm>
             <a:off x="503640" y="301680"/>
-            <a:ext cx="9068400" cy="1261800"/>
+            <a:ext cx="9069120" cy="1262520"/>
           </a:xfrm>
           <a:prstGeom prst="rect">
             <a:avLst/>
@@ -4762,7 +5047,7 @@
         <p:spPr>
           <a:xfrm>
             <a:off x="503640" y="301680"/>
-            <a:ext cx="9068400" cy="5850360"/>
+            <a:ext cx="9069120" cy="5853600"/>
           </a:xfrm>
           <a:prstGeom prst="rect">
             <a:avLst/>
@@ -4815,7 +5100,7 @@
         <p:spPr>
           <a:xfrm>
             <a:off x="503640" y="301680"/>
-            <a:ext cx="9068400" cy="1261800"/>
+            <a:ext cx="9069120" cy="1262520"/>
           </a:xfrm>
           <a:prstGeom prst="rect">
             <a:avLst/>
@@ -4846,7 +5131,7 @@
         <p:spPr>
           <a:xfrm>
             <a:off x="503640" y="1769400"/>
-            <a:ext cx="4425120" cy="2091600"/>
+            <a:ext cx="4425480" cy="2091960"/>
           </a:xfrm>
           <a:prstGeom prst="rect">
             <a:avLst/>
@@ -4875,8 +5160,8 @@
         </p:nvSpPr>
         <p:spPr>
           <a:xfrm>
-            <a:off x="5150520" y="1769400"/>
-            <a:ext cx="4425120" cy="4385160"/>
+            <a:off x="5150880" y="1769400"/>
+            <a:ext cx="4425480" cy="4385880"/>
           </a:xfrm>
           <a:prstGeom prst="rect">
             <a:avLst/>
@@ -4905,8 +5190,8 @@
         </p:nvSpPr>
         <p:spPr>
           <a:xfrm>
-            <a:off x="503640" y="4060080"/>
-            <a:ext cx="4425120" cy="2091600"/>
+            <a:off x="503640" y="4060440"/>
+            <a:ext cx="4425480" cy="2091960"/>
           </a:xfrm>
           <a:prstGeom prst="rect">
             <a:avLst/>
@@ -4958,7 +5243,7 @@
         <p:spPr>
           <a:xfrm>
             <a:off x="503640" y="301680"/>
-            <a:ext cx="9068400" cy="1261800"/>
+            <a:ext cx="9069120" cy="1262520"/>
           </a:xfrm>
           <a:prstGeom prst="rect">
             <a:avLst/>
@@ -4989,7 +5274,7 @@
         <p:spPr>
           <a:xfrm>
             <a:off x="503640" y="1769400"/>
-            <a:ext cx="4425120" cy="4385160"/>
+            <a:ext cx="4425480" cy="4385880"/>
           </a:xfrm>
           <a:prstGeom prst="rect">
             <a:avLst/>
@@ -5018,8 +5303,8 @@
         </p:nvSpPr>
         <p:spPr>
           <a:xfrm>
-            <a:off x="5150520" y="1769400"/>
-            <a:ext cx="4425120" cy="2091600"/>
+            <a:off x="5150880" y="1769400"/>
+            <a:ext cx="4425480" cy="2091960"/>
           </a:xfrm>
           <a:prstGeom prst="rect">
             <a:avLst/>
@@ -5048,8 +5333,8 @@
         </p:nvSpPr>
         <p:spPr>
           <a:xfrm>
-            <a:off x="5150520" y="4060080"/>
-            <a:ext cx="4425120" cy="2091600"/>
+            <a:off x="5150880" y="4060440"/>
+            <a:ext cx="4425480" cy="2091960"/>
           </a:xfrm>
           <a:prstGeom prst="rect">
             <a:avLst/>
@@ -5101,7 +5386,7 @@
         <p:spPr>
           <a:xfrm>
             <a:off x="503640" y="301680"/>
-            <a:ext cx="9068400" cy="1261800"/>
+            <a:ext cx="9069120" cy="1262520"/>
           </a:xfrm>
           <a:prstGeom prst="rect">
             <a:avLst/>
@@ -5132,7 +5417,7 @@
         <p:spPr>
           <a:xfrm>
             <a:off x="503640" y="1769400"/>
-            <a:ext cx="4425120" cy="2091600"/>
+            <a:ext cx="4425480" cy="2091960"/>
           </a:xfrm>
           <a:prstGeom prst="rect">
             <a:avLst/>
@@ -5161,8 +5446,8 @@
         </p:nvSpPr>
         <p:spPr>
           <a:xfrm>
-            <a:off x="5150520" y="1769400"/>
-            <a:ext cx="4425120" cy="2091600"/>
+            <a:off x="5150880" y="1769400"/>
+            <a:ext cx="4425480" cy="2091960"/>
           </a:xfrm>
           <a:prstGeom prst="rect">
             <a:avLst/>
@@ -5191,8 +5476,8 @@
         </p:nvSpPr>
         <p:spPr>
           <a:xfrm>
-            <a:off x="503640" y="4060080"/>
-            <a:ext cx="9068400" cy="2091600"/>
+            <a:off x="503640" y="4060440"/>
+            <a:ext cx="9069120" cy="2091960"/>
           </a:xfrm>
           <a:prstGeom prst="rect">
             <a:avLst/>
@@ -5244,7 +5529,7 @@
         <p:spPr>
           <a:xfrm>
             <a:off x="503640" y="301680"/>
-            <a:ext cx="9068400" cy="1261800"/>
+            <a:ext cx="9069120" cy="1262520"/>
           </a:xfrm>
           <a:prstGeom prst="rect">
             <a:avLst/>
@@ -5275,7 +5560,7 @@
         <p:spPr>
           <a:xfrm>
             <a:off x="503640" y="1769400"/>
-            <a:ext cx="9068400" cy="2091600"/>
+            <a:ext cx="9069120" cy="2091960"/>
           </a:xfrm>
           <a:prstGeom prst="rect">
             <a:avLst/>
@@ -5304,8 +5589,8 @@
         </p:nvSpPr>
         <p:spPr>
           <a:xfrm>
-            <a:off x="503640" y="4060080"/>
-            <a:ext cx="9068400" cy="2091600"/>
+            <a:off x="503640" y="4060440"/>
+            <a:ext cx="9069120" cy="2091960"/>
           </a:xfrm>
           <a:prstGeom prst="rect">
             <a:avLst/>
@@ -5357,7 +5642,7 @@
         <p:spPr>
           <a:xfrm>
             <a:off x="503640" y="301680"/>
-            <a:ext cx="9068400" cy="1261800"/>
+            <a:ext cx="9069120" cy="1262520"/>
           </a:xfrm>
           <a:prstGeom prst="rect">
             <a:avLst/>
@@ -5388,7 +5673,7 @@
         <p:spPr>
           <a:xfrm>
             <a:off x="503640" y="1769400"/>
-            <a:ext cx="4425120" cy="2091600"/>
+            <a:ext cx="4425480" cy="2091960"/>
           </a:xfrm>
           <a:prstGeom prst="rect">
             <a:avLst/>
@@ -5417,8 +5702,8 @@
         </p:nvSpPr>
         <p:spPr>
           <a:xfrm>
-            <a:off x="5150520" y="1769400"/>
-            <a:ext cx="4425120" cy="2091600"/>
+            <a:off x="5150880" y="1769400"/>
+            <a:ext cx="4425480" cy="2091960"/>
           </a:xfrm>
           <a:prstGeom prst="rect">
             <a:avLst/>
@@ -5447,8 +5732,8 @@
         </p:nvSpPr>
         <p:spPr>
           <a:xfrm>
-            <a:off x="503640" y="4060080"/>
-            <a:ext cx="4425120" cy="2091600"/>
+            <a:off x="503640" y="4060440"/>
+            <a:ext cx="4425480" cy="2091960"/>
           </a:xfrm>
           <a:prstGeom prst="rect">
             <a:avLst/>
@@ -5477,8 +5762,8 @@
         </p:nvSpPr>
         <p:spPr>
           <a:xfrm>
-            <a:off x="5150520" y="4060080"/>
-            <a:ext cx="4425120" cy="2091600"/>
+            <a:off x="5150880" y="4060440"/>
+            <a:ext cx="4425480" cy="2091960"/>
           </a:xfrm>
           <a:prstGeom prst="rect">
             <a:avLst/>
@@ -5530,7 +5815,7 @@
         <p:spPr>
           <a:xfrm>
             <a:off x="503640" y="301680"/>
-            <a:ext cx="9068400" cy="1261800"/>
+            <a:ext cx="9069120" cy="1262520"/>
           </a:xfrm>
           <a:prstGeom prst="rect">
             <a:avLst/>
@@ -5561,7 +5846,7 @@
         <p:spPr>
           <a:xfrm>
             <a:off x="503640" y="1769400"/>
-            <a:ext cx="2919960" cy="2091600"/>
+            <a:ext cx="2919960" cy="2091960"/>
           </a:xfrm>
           <a:prstGeom prst="rect">
             <a:avLst/>
@@ -5591,7 +5876,7 @@
         <p:spPr>
           <a:xfrm>
             <a:off x="3570120" y="1769400"/>
-            <a:ext cx="2919960" cy="2091600"/>
+            <a:ext cx="2919960" cy="2091960"/>
           </a:xfrm>
           <a:prstGeom prst="rect">
             <a:avLst/>
@@ -5621,7 +5906,7 @@
         <p:spPr>
           <a:xfrm>
             <a:off x="6636240" y="1769400"/>
-            <a:ext cx="2919960" cy="2091600"/>
+            <a:ext cx="2919960" cy="2091960"/>
           </a:xfrm>
           <a:prstGeom prst="rect">
             <a:avLst/>
@@ -5650,8 +5935,8 @@
         </p:nvSpPr>
         <p:spPr>
           <a:xfrm>
-            <a:off x="503640" y="4060080"/>
-            <a:ext cx="2919960" cy="2091600"/>
+            <a:off x="503640" y="4060440"/>
+            <a:ext cx="2919960" cy="2091960"/>
           </a:xfrm>
           <a:prstGeom prst="rect">
             <a:avLst/>
@@ -5680,8 +5965,8 @@
         </p:nvSpPr>
         <p:spPr>
           <a:xfrm>
-            <a:off x="3570120" y="4060080"/>
-            <a:ext cx="2919960" cy="2091600"/>
+            <a:off x="3570120" y="4060440"/>
+            <a:ext cx="2919960" cy="2091960"/>
           </a:xfrm>
           <a:prstGeom prst="rect">
             <a:avLst/>
@@ -5710,8 +5995,8 @@
         </p:nvSpPr>
         <p:spPr>
           <a:xfrm>
-            <a:off x="6636240" y="4060080"/>
-            <a:ext cx="2919960" cy="2091600"/>
+            <a:off x="6636240" y="4060440"/>
+            <a:ext cx="2919960" cy="2091960"/>
           </a:xfrm>
           <a:prstGeom prst="rect">
             <a:avLst/>
@@ -5763,7 +6048,7 @@
         <p:spPr>
           <a:xfrm>
             <a:off x="503640" y="301680"/>
-            <a:ext cx="9068400" cy="1261800"/>
+            <a:ext cx="9069120" cy="1262520"/>
           </a:xfrm>
           <a:prstGeom prst="rect">
             <a:avLst/>
@@ -5816,7 +6101,7 @@
         <p:spPr>
           <a:xfrm>
             <a:off x="503640" y="301680"/>
-            <a:ext cx="9068400" cy="5850360"/>
+            <a:ext cx="9069120" cy="5853600"/>
           </a:xfrm>
           <a:prstGeom prst="rect">
             <a:avLst/>
@@ -5869,7 +6154,7 @@
         <p:spPr>
           <a:xfrm>
             <a:off x="503640" y="301680"/>
-            <a:ext cx="9068400" cy="1261800"/>
+            <a:ext cx="9069120" cy="1262520"/>
           </a:xfrm>
           <a:prstGeom prst="rect">
             <a:avLst/>
@@ -5900,7 +6185,7 @@
         <p:spPr>
           <a:xfrm>
             <a:off x="503640" y="1769400"/>
-            <a:ext cx="4425120" cy="2091600"/>
+            <a:ext cx="4425480" cy="2091960"/>
           </a:xfrm>
           <a:prstGeom prst="rect">
             <a:avLst/>
@@ -5929,8 +6214,8 @@
         </p:nvSpPr>
         <p:spPr>
           <a:xfrm>
-            <a:off x="5150520" y="1769400"/>
-            <a:ext cx="4425120" cy="4385160"/>
+            <a:off x="5150880" y="1769400"/>
+            <a:ext cx="4425480" cy="4385880"/>
           </a:xfrm>
           <a:prstGeom prst="rect">
             <a:avLst/>
@@ -5959,8 +6244,8 @@
         </p:nvSpPr>
         <p:spPr>
           <a:xfrm>
-            <a:off x="503640" y="4060080"/>
-            <a:ext cx="4425120" cy="2091600"/>
+            <a:off x="503640" y="4060440"/>
+            <a:ext cx="4425480" cy="2091960"/>
           </a:xfrm>
           <a:prstGeom prst="rect">
             <a:avLst/>
@@ -6012,7 +6297,7 @@
         <p:spPr>
           <a:xfrm>
             <a:off x="503640" y="301680"/>
-            <a:ext cx="9068400" cy="1261800"/>
+            <a:ext cx="9069120" cy="1262520"/>
           </a:xfrm>
           <a:prstGeom prst="rect">
             <a:avLst/>
@@ -6043,7 +6328,7 @@
         <p:spPr>
           <a:xfrm>
             <a:off x="503640" y="1769400"/>
-            <a:ext cx="4425120" cy="4385160"/>
+            <a:ext cx="4425480" cy="4385880"/>
           </a:xfrm>
           <a:prstGeom prst="rect">
             <a:avLst/>
@@ -6072,8 +6357,8 @@
         </p:nvSpPr>
         <p:spPr>
           <a:xfrm>
-            <a:off x="5150520" y="1769400"/>
-            <a:ext cx="4425120" cy="2091600"/>
+            <a:off x="5150880" y="1769400"/>
+            <a:ext cx="4425480" cy="2091960"/>
           </a:xfrm>
           <a:prstGeom prst="rect">
             <a:avLst/>
@@ -6102,8 +6387,8 @@
         </p:nvSpPr>
         <p:spPr>
           <a:xfrm>
-            <a:off x="5150520" y="4060080"/>
-            <a:ext cx="4425120" cy="2091600"/>
+            <a:off x="5150880" y="4060440"/>
+            <a:ext cx="4425480" cy="2091960"/>
           </a:xfrm>
           <a:prstGeom prst="rect">
             <a:avLst/>
@@ -6155,7 +6440,7 @@
         <p:spPr>
           <a:xfrm>
             <a:off x="503640" y="301680"/>
-            <a:ext cx="9068400" cy="1261800"/>
+            <a:ext cx="9069120" cy="1262520"/>
           </a:xfrm>
           <a:prstGeom prst="rect">
             <a:avLst/>
@@ -6186,7 +6471,7 @@
         <p:spPr>
           <a:xfrm>
             <a:off x="503640" y="1769400"/>
-            <a:ext cx="4425120" cy="2091600"/>
+            <a:ext cx="4425480" cy="2091960"/>
           </a:xfrm>
           <a:prstGeom prst="rect">
             <a:avLst/>
@@ -6215,8 +6500,8 @@
         </p:nvSpPr>
         <p:spPr>
           <a:xfrm>
-            <a:off x="5150520" y="1769400"/>
-            <a:ext cx="4425120" cy="2091600"/>
+            <a:off x="5150880" y="1769400"/>
+            <a:ext cx="4425480" cy="2091960"/>
           </a:xfrm>
           <a:prstGeom prst="rect">
             <a:avLst/>
@@ -6245,8 +6530,8 @@
         </p:nvSpPr>
         <p:spPr>
           <a:xfrm>
-            <a:off x="503640" y="4060080"/>
-            <a:ext cx="9068400" cy="2091600"/>
+            <a:off x="503640" y="4060440"/>
+            <a:ext cx="9069120" cy="2091960"/>
           </a:xfrm>
           <a:prstGeom prst="rect">
             <a:avLst/>
@@ -7097,7 +7382,7 @@
         <p:spPr>
           <a:xfrm>
             <a:off x="503640" y="301680"/>
-            <a:ext cx="9068400" cy="1261800"/>
+            <a:ext cx="9069120" cy="1262520"/>
           </a:xfrm>
           <a:prstGeom prst="rect">
             <a:avLst/>
@@ -7110,12 +7395,12 @@
           <a:p>
             <a:pPr algn="ctr"/>
             <a:r>
-              <a:rPr b="0" lang="en-US" sz="1800" spc="-1" strike="noStrike">
+              <a:rPr b="0" lang="en-US" sz="4400" spc="-1" strike="noStrike">
                 <a:latin typeface="Arial"/>
               </a:rPr>
               <a:t>Click to edit the title text format</a:t>
             </a:r>
-            <a:endParaRPr b="0" lang="en-US" sz="1800" spc="-1" strike="noStrike">
+            <a:endParaRPr b="0" lang="en-US" sz="4400" spc="-1" strike="noStrike">
               <a:latin typeface="Arial"/>
             </a:endParaRPr>
           </a:p>
@@ -7134,7 +7419,7 @@
         <p:spPr>
           <a:xfrm>
             <a:off x="503640" y="1769400"/>
-            <a:ext cx="9068400" cy="4385160"/>
+            <a:ext cx="9069120" cy="4385880"/>
           </a:xfrm>
           <a:prstGeom prst="rect">
             <a:avLst/>
@@ -7145,7 +7430,7 @@
             <a:normAutofit/>
           </a:bodyPr>
           <a:p>
-            <a:pPr marL="432000" indent="-324000" algn="ctr">
+            <a:pPr marL="432000" indent="-324000">
               <a:spcBef>
                 <a:spcPts val="1417"/>
               </a:spcBef>
@@ -7157,17 +7442,17 @@
               <a:buChar char=""/>
             </a:pPr>
             <a:r>
-              <a:rPr b="0" lang="en-US" sz="1800" spc="-1" strike="noStrike">
+              <a:rPr b="0" lang="en-US" sz="3200" spc="-1" strike="noStrike">
                 <a:latin typeface="Arial"/>
               </a:rPr>
               <a:t>Click to edit the outline text format</a:t>
             </a:r>
-            <a:endParaRPr b="0" lang="en-US" sz="1800" spc="-1" strike="noStrike">
-              <a:latin typeface="Arial"/>
-            </a:endParaRPr>
-          </a:p>
-          <a:p>
-            <a:pPr lvl="1" marL="864000" indent="-324000" algn="ctr">
+            <a:endParaRPr b="0" lang="en-US" sz="3200" spc="-1" strike="noStrike">
+              <a:latin typeface="Arial"/>
+            </a:endParaRPr>
+          </a:p>
+          <a:p>
+            <a:pPr lvl="1" marL="864000" indent="-324000">
               <a:spcBef>
                 <a:spcPts val="1134"/>
               </a:spcBef>
@@ -7179,17 +7464,17 @@
               <a:buChar char=""/>
             </a:pPr>
             <a:r>
-              <a:rPr b="0" lang="en-US" sz="1800" spc="-1" strike="noStrike">
+              <a:rPr b="0" lang="en-US" sz="2800" spc="-1" strike="noStrike">
                 <a:latin typeface="Arial"/>
               </a:rPr>
               <a:t>Second Outline Level</a:t>
             </a:r>
-            <a:endParaRPr b="0" lang="en-US" sz="1800" spc="-1" strike="noStrike">
-              <a:latin typeface="Arial"/>
-            </a:endParaRPr>
-          </a:p>
-          <a:p>
-            <a:pPr lvl="2" marL="1296000" indent="-288000" algn="ctr">
+            <a:endParaRPr b="0" lang="en-US" sz="2800" spc="-1" strike="noStrike">
+              <a:latin typeface="Arial"/>
+            </a:endParaRPr>
+          </a:p>
+          <a:p>
+            <a:pPr lvl="2" marL="1296000" indent="-288000">
               <a:spcBef>
                 <a:spcPts val="850"/>
               </a:spcBef>
@@ -7201,17 +7486,17 @@
               <a:buChar char=""/>
             </a:pPr>
             <a:r>
-              <a:rPr b="0" lang="en-US" sz="1800" spc="-1" strike="noStrike">
+              <a:rPr b="0" lang="en-US" sz="2400" spc="-1" strike="noStrike">
                 <a:latin typeface="Arial"/>
               </a:rPr>
               <a:t>Third Outline Level</a:t>
             </a:r>
-            <a:endParaRPr b="0" lang="en-US" sz="1800" spc="-1" strike="noStrike">
-              <a:latin typeface="Arial"/>
-            </a:endParaRPr>
-          </a:p>
-          <a:p>
-            <a:pPr lvl="3" marL="1728000" indent="-216000" algn="ctr">
+            <a:endParaRPr b="0" lang="en-US" sz="2400" spc="-1" strike="noStrike">
+              <a:latin typeface="Arial"/>
+            </a:endParaRPr>
+          </a:p>
+          <a:p>
+            <a:pPr lvl="3" marL="1728000" indent="-216000">
               <a:spcBef>
                 <a:spcPts val="567"/>
               </a:spcBef>
@@ -7223,17 +7508,17 @@
               <a:buChar char=""/>
             </a:pPr>
             <a:r>
-              <a:rPr b="0" lang="en-US" sz="1800" spc="-1" strike="noStrike">
+              <a:rPr b="0" lang="en-US" sz="2000" spc="-1" strike="noStrike">
                 <a:latin typeface="Arial"/>
               </a:rPr>
               <a:t>Fourth Outline Level</a:t>
             </a:r>
-            <a:endParaRPr b="0" lang="en-US" sz="1800" spc="-1" strike="noStrike">
-              <a:latin typeface="Arial"/>
-            </a:endParaRPr>
-          </a:p>
-          <a:p>
-            <a:pPr lvl="4" marL="2160000" indent="-216000" algn="ctr">
+            <a:endParaRPr b="0" lang="en-US" sz="2000" spc="-1" strike="noStrike">
+              <a:latin typeface="Arial"/>
+            </a:endParaRPr>
+          </a:p>
+          <a:p>
+            <a:pPr lvl="4" marL="2160000" indent="-216000">
               <a:spcBef>
                 <a:spcPts val="283"/>
               </a:spcBef>
@@ -7245,17 +7530,17 @@
               <a:buChar char=""/>
             </a:pPr>
             <a:r>
-              <a:rPr b="0" lang="en-US" sz="1800" spc="-1" strike="noStrike">
+              <a:rPr b="0" lang="en-US" sz="2000" spc="-1" strike="noStrike">
                 <a:latin typeface="Arial"/>
               </a:rPr>
               <a:t>Fifth Outline Level</a:t>
             </a:r>
-            <a:endParaRPr b="0" lang="en-US" sz="1800" spc="-1" strike="noStrike">
-              <a:latin typeface="Arial"/>
-            </a:endParaRPr>
-          </a:p>
-          <a:p>
-            <a:pPr lvl="5" marL="2592000" indent="-216000" algn="ctr">
+            <a:endParaRPr b="0" lang="en-US" sz="2000" spc="-1" strike="noStrike">
+              <a:latin typeface="Arial"/>
+            </a:endParaRPr>
+          </a:p>
+          <a:p>
+            <a:pPr lvl="5" marL="2592000" indent="-216000">
               <a:spcBef>
                 <a:spcPts val="283"/>
               </a:spcBef>
@@ -7267,17 +7552,17 @@
               <a:buChar char=""/>
             </a:pPr>
             <a:r>
-              <a:rPr b="0" lang="en-US" sz="1800" spc="-1" strike="noStrike">
+              <a:rPr b="0" lang="en-US" sz="2000" spc="-1" strike="noStrike">
                 <a:latin typeface="Arial"/>
               </a:rPr>
               <a:t>Sixth Outline Level</a:t>
             </a:r>
-            <a:endParaRPr b="0" lang="en-US" sz="1800" spc="-1" strike="noStrike">
-              <a:latin typeface="Arial"/>
-            </a:endParaRPr>
-          </a:p>
-          <a:p>
-            <a:pPr lvl="6" marL="3024000" indent="-216000" algn="ctr">
+            <a:endParaRPr b="0" lang="en-US" sz="2000" spc="-1" strike="noStrike">
+              <a:latin typeface="Arial"/>
+            </a:endParaRPr>
+          </a:p>
+          <a:p>
+            <a:pPr lvl="6" marL="3024000" indent="-216000">
               <a:spcBef>
                 <a:spcPts val="283"/>
               </a:spcBef>
@@ -7289,12 +7574,12 @@
               <a:buChar char=""/>
             </a:pPr>
             <a:r>
-              <a:rPr b="0" lang="en-US" sz="1800" spc="-1" strike="noStrike">
+              <a:rPr b="0" lang="en-US" sz="2000" spc="-1" strike="noStrike">
                 <a:latin typeface="Arial"/>
               </a:rPr>
               <a:t>Seventh Outline Level</a:t>
             </a:r>
-            <a:endParaRPr b="0" lang="en-US" sz="1800" spc="-1" strike="noStrike">
+            <a:endParaRPr b="0" lang="en-US" sz="2000" spc="-1" strike="noStrike">
               <a:latin typeface="Arial"/>
             </a:endParaRPr>
           </a:p>
@@ -7356,7 +7641,7 @@
         <p:spPr>
           <a:xfrm>
             <a:off x="529200" y="887760"/>
-            <a:ext cx="9066240" cy="5695920"/>
+            <a:ext cx="9065880" cy="5695560"/>
           </a:xfrm>
           <a:prstGeom prst="rect">
             <a:avLst/>
@@ -7437,7 +7722,7 @@
         <p:spPr>
           <a:xfrm>
             <a:off x="503640" y="109440"/>
-            <a:ext cx="9066240" cy="1260720"/>
+            <a:ext cx="9065880" cy="1260360"/>
           </a:xfrm>
           <a:prstGeom prst="rect">
             <a:avLst/>
@@ -7488,7 +7773,7 @@
         <p:spPr>
           <a:xfrm>
             <a:off x="503640" y="1769400"/>
-            <a:ext cx="9066240" cy="4384080"/>
+            <a:ext cx="9065880" cy="4383720"/>
           </a:xfrm>
           <a:prstGeom prst="rect">
             <a:avLst/>
@@ -7509,7 +7794,7 @@
             <a:normAutofit/>
           </a:bodyPr>
           <a:p>
-            <a:pPr marL="432000" indent="-322200">
+            <a:pPr marL="432000" indent="-321840">
               <a:lnSpc>
                 <a:spcPct val="100000"/>
               </a:lnSpc>
@@ -7538,7 +7823,7 @@
             </a:endParaRPr>
           </a:p>
           <a:p>
-            <a:pPr lvl="1" marL="864000" indent="-322200">
+            <a:pPr lvl="1" marL="864000" indent="-321840">
               <a:lnSpc>
                 <a:spcPct val="100000"/>
               </a:lnSpc>
@@ -7567,7 +7852,7 @@
             </a:endParaRPr>
           </a:p>
           <a:p>
-            <a:pPr lvl="1" marL="864000" indent="-322200">
+            <a:pPr lvl="1" marL="864000" indent="-321840">
               <a:lnSpc>
                 <a:spcPct val="100000"/>
               </a:lnSpc>
@@ -7596,7 +7881,7 @@
             </a:endParaRPr>
           </a:p>
           <a:p>
-            <a:pPr lvl="1" marL="864000" indent="-322200">
+            <a:pPr lvl="1" marL="864000" indent="-321840">
               <a:lnSpc>
                 <a:spcPct val="100000"/>
               </a:lnSpc>
@@ -7625,7 +7910,7 @@
             </a:endParaRPr>
           </a:p>
           <a:p>
-            <a:pPr lvl="1" marL="864000" indent="-322200">
+            <a:pPr lvl="1" marL="864000" indent="-321840">
               <a:lnSpc>
                 <a:spcPct val="100000"/>
               </a:lnSpc>
@@ -7654,7 +7939,7 @@
             </a:endParaRPr>
           </a:p>
           <a:p>
-            <a:pPr lvl="1" marL="864000" indent="-322200">
+            <a:pPr lvl="1" marL="864000" indent="-321840">
               <a:lnSpc>
                 <a:spcPct val="100000"/>
               </a:lnSpc>
@@ -7683,7 +7968,7 @@
             </a:endParaRPr>
           </a:p>
           <a:p>
-            <a:pPr lvl="1" marL="864000" indent="-322200">
+            <a:pPr lvl="1" marL="864000" indent="-321840">
               <a:lnSpc>
                 <a:spcPct val="100000"/>
               </a:lnSpc>
@@ -7752,7 +8037,7 @@
         <p:spPr>
           <a:xfrm>
             <a:off x="503640" y="109440"/>
-            <a:ext cx="9066240" cy="1260720"/>
+            <a:ext cx="9065880" cy="1260360"/>
           </a:xfrm>
           <a:prstGeom prst="rect">
             <a:avLst/>
@@ -7803,7 +8088,7 @@
         <p:spPr>
           <a:xfrm>
             <a:off x="503640" y="1769400"/>
-            <a:ext cx="9066240" cy="4384080"/>
+            <a:ext cx="9065880" cy="4383720"/>
           </a:xfrm>
           <a:prstGeom prst="rect">
             <a:avLst/>
@@ -7870,7 +8155,7 @@
             </a:endParaRPr>
           </a:p>
           <a:p>
-            <a:pPr lvl="4" marL="1080000" indent="-214920">
+            <a:pPr lvl="4" marL="1080000" indent="-214560">
               <a:lnSpc>
                 <a:spcPct val="100000"/>
               </a:lnSpc>
@@ -7899,7 +8184,7 @@
             </a:endParaRPr>
           </a:p>
           <a:p>
-            <a:pPr marL="432000" indent="-322200">
+            <a:pPr marL="432000" indent="-321840">
               <a:lnSpc>
                 <a:spcPct val="100000"/>
               </a:lnSpc>
@@ -7928,7 +8213,7 @@
             </a:endParaRPr>
           </a:p>
           <a:p>
-            <a:pPr lvl="3" marL="864000" indent="-214920">
+            <a:pPr lvl="3" marL="864000" indent="-214560">
               <a:lnSpc>
                 <a:spcPct val="100000"/>
               </a:lnSpc>
@@ -7997,7 +8282,7 @@
         <p:spPr>
           <a:xfrm>
             <a:off x="503640" y="301680"/>
-            <a:ext cx="9068400" cy="1261800"/>
+            <a:ext cx="9068040" cy="1261440"/>
           </a:xfrm>
           <a:prstGeom prst="rect">
             <a:avLst/>
@@ -8023,7 +8308,7 @@
         <p:spPr>
           <a:xfrm>
             <a:off x="503640" y="1769400"/>
-            <a:ext cx="9068400" cy="4385160"/>
+            <a:ext cx="9068040" cy="4384800"/>
           </a:xfrm>
           <a:prstGeom prst="rect">
             <a:avLst/>
@@ -8048,8 +8333,8 @@
         </p:nvSpPr>
         <p:spPr>
           <a:xfrm>
-            <a:off x="503640" y="301680"/>
-            <a:ext cx="9068400" cy="1261800"/>
+            <a:off x="503640" y="182880"/>
+            <a:ext cx="9068040" cy="1261440"/>
           </a:xfrm>
           <a:prstGeom prst="rect">
             <a:avLst/>
@@ -8076,12 +8361,19 @@
               </a:lnSpc>
             </a:pPr>
             <a:r>
-              <a:rPr b="0" lang="en-US" sz="4400" spc="-1" strike="noStrike">
+              <a:rPr b="0" i="1" lang="en-US" sz="4400" spc="-1" strike="noStrike">
+                <a:solidFill>
+                  <a:srgbClr val="ffffff"/>
+                </a:solidFill>
                 <a:latin typeface="Arial"/>
+                <a:ea typeface="DejaVu Sans"/>
               </a:rPr>
               <a:t>Kreiranje novog projekta</a:t>
             </a:r>
-            <a:endParaRPr b="0" lang="en-US" sz="4400" spc="-1" strike="noStrike">
+            <a:endParaRPr b="0" i="1" lang="en-US" sz="4400" spc="-1" strike="noStrike">
+              <a:solidFill>
+                <a:srgbClr val="ffffff"/>
+              </a:solidFill>
               <a:latin typeface="Arial"/>
             </a:endParaRPr>
           </a:p>
@@ -8095,8 +8387,8 @@
         </p:nvSpPr>
         <p:spPr>
           <a:xfrm>
-            <a:off x="503640" y="1769400"/>
-            <a:ext cx="9068400" cy="4385160"/>
+            <a:off x="365760" y="1833120"/>
+            <a:ext cx="6720120" cy="4384800"/>
           </a:xfrm>
           <a:prstGeom prst="rect">
             <a:avLst/>
@@ -8114,10 +8406,10 @@
         </p:style>
         <p:txBody>
           <a:bodyPr lIns="0" rIns="0" tIns="0" bIns="0">
-            <a:normAutofit/>
-          </a:bodyPr>
-          <a:p>
-            <a:pPr marL="432000" indent="-323640">
+            <a:normAutofit fontScale="91000"/>
+          </a:bodyPr>
+          <a:p>
+            <a:pPr marL="432000" indent="-323280">
               <a:lnSpc>
                 <a:spcPct val="100000"/>
               </a:lnSpc>
@@ -8133,7 +8425,11 @@
             </a:pPr>
             <a:r>
               <a:rPr b="0" lang="en-US" sz="3200" spc="-1" strike="noStrike">
+                <a:solidFill>
+                  <a:srgbClr val="000000"/>
+                </a:solidFill>
                 <a:latin typeface="Arial"/>
+                <a:ea typeface="DejaVu Sans"/>
               </a:rPr>
               <a:t>Komanda: micro new &lt;naziv projekta&gt;</a:t>
             </a:r>
@@ -8142,7 +8438,7 @@
             </a:endParaRPr>
           </a:p>
           <a:p>
-            <a:pPr marL="432000" indent="-323640">
+            <a:pPr marL="432000" indent="-323280">
               <a:lnSpc>
                 <a:spcPct val="100000"/>
               </a:lnSpc>
@@ -8158,7 +8454,11 @@
             </a:pPr>
             <a:r>
               <a:rPr b="0" lang="en-US" sz="3200" spc="-1" strike="noStrike">
+                <a:solidFill>
+                  <a:srgbClr val="000000"/>
+                </a:solidFill>
                 <a:latin typeface="Arial"/>
+                <a:ea typeface="DejaVu Sans"/>
               </a:rPr>
               <a:t>U main fajlu kreira servis, registruje handlere za taj servis, inicira servis I pokrece servis</a:t>
             </a:r>
@@ -8167,7 +8467,7 @@
             </a:endParaRPr>
           </a:p>
           <a:p>
-            <a:pPr marL="432000" indent="-323640">
+            <a:pPr marL="432000" indent="-323280">
               <a:lnSpc>
                 <a:spcPct val="100000"/>
               </a:lnSpc>
@@ -8183,7 +8483,11 @@
             </a:pPr>
             <a:r>
               <a:rPr b="0" lang="en-US" sz="3200" spc="-1" strike="noStrike">
+                <a:solidFill>
+                  <a:srgbClr val="000000"/>
+                </a:solidFill>
                 <a:latin typeface="Arial"/>
+                <a:ea typeface="DejaVu Sans"/>
               </a:rPr>
               <a:t>Servis interfejs se definise u .proto fajlu kao i argumenti funkcija</a:t>
             </a:r>
@@ -8192,7 +8496,7 @@
             </a:endParaRPr>
           </a:p>
           <a:p>
-            <a:pPr marL="432000" indent="-323640">
+            <a:pPr marL="432000" indent="-323280">
               <a:lnSpc>
                 <a:spcPct val="100000"/>
               </a:lnSpc>
@@ -8208,7 +8512,11 @@
             </a:pPr>
             <a:r>
               <a:rPr b="0" lang="en-US" sz="3200" spc="-1" strike="noStrike">
+                <a:solidFill>
+                  <a:srgbClr val="000000"/>
+                </a:solidFill>
                 <a:latin typeface="Arial"/>
+                <a:ea typeface="DejaVu Sans"/>
               </a:rPr>
               <a:t>U handleru je potrebno implemenitrati nas interfejs</a:t>
             </a:r>
@@ -8218,6 +8526,1230 @@
           </a:p>
         </p:txBody>
       </p:sp>
+      <p:pic>
+        <p:nvPicPr>
+          <p:cNvPr id="183" name="" descr=""/>
+          <p:cNvPicPr/>
+          <p:nvPr/>
+        </p:nvPicPr>
+        <p:blipFill>
+          <a:blip r:embed="rId1"/>
+          <a:stretch/>
+        </p:blipFill>
+        <p:spPr>
+          <a:xfrm>
+            <a:off x="7264080" y="2484360"/>
+            <a:ext cx="2428560" cy="2819160"/>
+          </a:xfrm>
+          <a:prstGeom prst="rect">
+            <a:avLst/>
+          </a:prstGeom>
+          <a:ln>
+            <a:noFill/>
+          </a:ln>
+        </p:spPr>
+      </p:pic>
+    </p:spTree>
+  </p:cSld>
+  <mc:AlternateContent>
+    <mc:Choice Requires="p14">
+      <p:transition spd="slow" p14:dur="2000"/>
+    </mc:Choice>
+    <mc:Fallback>
+      <p:transition spd="slow"/>
+    </mc:Fallback>
+  </mc:AlternateContent>
+</p:sld>
+</file>
+
+<file path=ppt/slides/slide13.xml><?xml version="1.0" encoding="utf-8"?>
+<p:sld xmlns:a="http://schemas.openxmlformats.org/drawingml/2006/main" xmlns:p="http://schemas.openxmlformats.org/presentationml/2006/main" xmlns:r="http://schemas.openxmlformats.org/officeDocument/2006/relationships" xmlns:p14="http://schemas.microsoft.com/office/powerpoint/2010/main" xmlns:p15="http://schemas.microsoft.com/office/powerpoint/2012/main" xmlns:mc="http://schemas.openxmlformats.org/markup-compatibility/2006">
+  <p:cSld>
+    <p:spTree>
+      <p:nvGrpSpPr>
+        <p:cNvPr id="1" name=""/>
+        <p:cNvGrpSpPr/>
+        <p:nvPr/>
+      </p:nvGrpSpPr>
+      <p:grpSpPr>
+        <a:xfrm>
+          <a:off x="0" y="0"/>
+          <a:ext cx="0" cy="0"/>
+          <a:chOff x="0" y="0"/>
+          <a:chExt cx="0" cy="0"/>
+        </a:xfrm>
+      </p:grpSpPr>
+      <p:sp>
+        <p:nvSpPr>
+          <p:cNvPr id="184" name="TextShape 1"/>
+          <p:cNvSpPr txBox="1"/>
+          <p:nvPr/>
+        </p:nvSpPr>
+        <p:spPr>
+          <a:xfrm>
+            <a:off x="503640" y="301680"/>
+            <a:ext cx="9069120" cy="1262520"/>
+          </a:xfrm>
+          <a:prstGeom prst="rect">
+            <a:avLst/>
+          </a:prstGeom>
+          <a:noFill/>
+          <a:ln>
+            <a:noFill/>
+          </a:ln>
+        </p:spPr>
+        <p:txBody>
+          <a:bodyPr lIns="0" rIns="0" tIns="0" bIns="0" anchor="ctr">
+            <a:noAutofit/>
+          </a:bodyPr>
+          <a:p>
+            <a:pPr algn="ctr"/>
+            <a:r>
+              <a:rPr b="0" i="1" lang="en-US" sz="4400" spc="-1" strike="noStrike">
+                <a:solidFill>
+                  <a:srgbClr val="ffffff"/>
+                </a:solidFill>
+                <a:latin typeface="Arial"/>
+              </a:rPr>
+              <a:t>Opcije za kreiranje servisa</a:t>
+            </a:r>
+            <a:endParaRPr b="0" i="1" lang="en-US" sz="4400" spc="-1" strike="noStrike">
+              <a:solidFill>
+                <a:srgbClr val="ffffff"/>
+              </a:solidFill>
+              <a:latin typeface="Arial"/>
+            </a:endParaRPr>
+          </a:p>
+        </p:txBody>
+      </p:sp>
+      <p:sp>
+        <p:nvSpPr>
+          <p:cNvPr id="185" name="TextShape 2"/>
+          <p:cNvSpPr txBox="1"/>
+          <p:nvPr/>
+        </p:nvSpPr>
+        <p:spPr>
+          <a:xfrm>
+            <a:off x="91440" y="1769400"/>
+            <a:ext cx="5394960" cy="4997160"/>
+          </a:xfrm>
+          <a:prstGeom prst="rect">
+            <a:avLst/>
+          </a:prstGeom>
+          <a:noFill/>
+          <a:ln>
+            <a:noFill/>
+          </a:ln>
+        </p:spPr>
+        <p:txBody>
+          <a:bodyPr lIns="0" rIns="0" tIns="0" bIns="0">
+            <a:normAutofit fontScale="70000"/>
+          </a:bodyPr>
+          <a:p>
+            <a:pPr marL="432000" indent="-324000">
+              <a:spcBef>
+                <a:spcPts val="1417"/>
+              </a:spcBef>
+              <a:buClr>
+                <a:srgbClr val="000000"/>
+              </a:buClr>
+              <a:buSzPct val="45000"/>
+              <a:buFont typeface="Wingdings" charset="2"/>
+              <a:buChar char=""/>
+            </a:pPr>
+            <a:r>
+              <a:rPr b="0" lang="en-US" sz="1700" spc="-1" strike="noStrike">
+                <a:solidFill>
+                  <a:srgbClr val="c9211e"/>
+                </a:solidFill>
+                <a:latin typeface="Arial"/>
+              </a:rPr>
+              <a:t>Micro.Name (n string) Option</a:t>
+            </a:r>
+            <a:endParaRPr b="0" lang="en-US" sz="1700" spc="-1" strike="noStrike">
+              <a:latin typeface="Arial"/>
+            </a:endParaRPr>
+          </a:p>
+          <a:p>
+            <a:pPr marL="432000" indent="-324000">
+              <a:spcBef>
+                <a:spcPts val="1417"/>
+              </a:spcBef>
+              <a:buClr>
+                <a:srgbClr val="000000"/>
+              </a:buClr>
+              <a:buSzPct val="45000"/>
+              <a:buFont typeface="Wingdings" charset="2"/>
+              <a:buChar char=""/>
+            </a:pPr>
+            <a:r>
+              <a:rPr b="0" lang="en-US" sz="1700" spc="-1" strike="noStrike">
+                <a:latin typeface="Arial"/>
+              </a:rPr>
+              <a:t>Micro.Version(v string) Option</a:t>
+            </a:r>
+            <a:endParaRPr b="0" lang="en-US" sz="1700" spc="-1" strike="noStrike">
+              <a:latin typeface="Arial"/>
+            </a:endParaRPr>
+          </a:p>
+          <a:p>
+            <a:pPr marL="432000" indent="-324000">
+              <a:spcBef>
+                <a:spcPts val="1417"/>
+              </a:spcBef>
+              <a:buClr>
+                <a:srgbClr val="000000"/>
+              </a:buClr>
+              <a:buSzPct val="45000"/>
+              <a:buFont typeface="Wingdings" charset="2"/>
+              <a:buChar char=""/>
+            </a:pPr>
+            <a:r>
+              <a:rPr b="0" lang="en-US" sz="1700" spc="-1" strike="noStrike">
+                <a:latin typeface="Arial"/>
+              </a:rPr>
+              <a:t>Micro.Address(addr string) Option</a:t>
+            </a:r>
+            <a:endParaRPr b="0" lang="en-US" sz="1700" spc="-1" strike="noStrike">
+              <a:latin typeface="Arial"/>
+            </a:endParaRPr>
+          </a:p>
+          <a:p>
+            <a:pPr marL="432000" indent="-324000">
+              <a:spcBef>
+                <a:spcPts val="1417"/>
+              </a:spcBef>
+              <a:buClr>
+                <a:srgbClr val="000000"/>
+              </a:buClr>
+              <a:buSzPct val="45000"/>
+              <a:buFont typeface="Wingdings" charset="2"/>
+              <a:buChar char=""/>
+            </a:pPr>
+            <a:r>
+              <a:rPr b="0" lang="en-US" sz="1700" spc="-1" strike="noStrike">
+                <a:latin typeface="Arial"/>
+              </a:rPr>
+              <a:t>Micro.RegisterTTL(t time.Duration) Option</a:t>
+            </a:r>
+            <a:endParaRPr b="0" lang="en-US" sz="1700" spc="-1" strike="noStrike">
+              <a:latin typeface="Arial"/>
+            </a:endParaRPr>
+          </a:p>
+          <a:p>
+            <a:pPr marL="432000" indent="-324000">
+              <a:spcBef>
+                <a:spcPts val="1417"/>
+              </a:spcBef>
+              <a:buClr>
+                <a:srgbClr val="000000"/>
+              </a:buClr>
+              <a:buSzPct val="45000"/>
+              <a:buFont typeface="Wingdings" charset="2"/>
+              <a:buChar char=""/>
+            </a:pPr>
+            <a:r>
+              <a:rPr b="0" lang="en-US" sz="1700" spc="-1" strike="noStrike">
+                <a:latin typeface="Arial"/>
+              </a:rPr>
+              <a:t>Micro.RegisterInterval(t.time.Duration) Option</a:t>
+            </a:r>
+            <a:endParaRPr b="0" lang="en-US" sz="1700" spc="-1" strike="noStrike">
+              <a:latin typeface="Arial"/>
+            </a:endParaRPr>
+          </a:p>
+          <a:p>
+            <a:pPr marL="432000" indent="-324000">
+              <a:spcBef>
+                <a:spcPts val="1417"/>
+              </a:spcBef>
+              <a:buClr>
+                <a:srgbClr val="000000"/>
+              </a:buClr>
+              <a:buSzPct val="45000"/>
+              <a:buFont typeface="Wingdings" charset="2"/>
+              <a:buChar char=""/>
+            </a:pPr>
+            <a:r>
+              <a:rPr b="0" lang="en-US" sz="1700" spc="-1" strike="noStrike">
+                <a:latin typeface="Arial"/>
+              </a:rPr>
+              <a:t>Micro.WrapHandler(w ...server.HandlerWrapper) Option</a:t>
+            </a:r>
+            <a:endParaRPr b="0" lang="en-US" sz="1700" spc="-1" strike="noStrike">
+              <a:latin typeface="Arial"/>
+            </a:endParaRPr>
+          </a:p>
+          <a:p>
+            <a:pPr marL="432000" indent="-324000">
+              <a:spcBef>
+                <a:spcPts val="1417"/>
+              </a:spcBef>
+              <a:buClr>
+                <a:srgbClr val="000000"/>
+              </a:buClr>
+              <a:buSzPct val="45000"/>
+              <a:buFont typeface="Wingdings" charset="2"/>
+              <a:buChar char=""/>
+            </a:pPr>
+            <a:r>
+              <a:rPr b="0" lang="en-US" sz="1700" spc="-1" strike="noStrike">
+                <a:latin typeface="Arial"/>
+              </a:rPr>
+              <a:t>Micro.wrapSubscriber(w… server.SubscriberWrapper) Option</a:t>
+            </a:r>
+            <a:endParaRPr b="0" lang="en-US" sz="1700" spc="-1" strike="noStrike">
+              <a:latin typeface="Arial"/>
+            </a:endParaRPr>
+          </a:p>
+          <a:p>
+            <a:pPr marL="432000" indent="-324000">
+              <a:spcBef>
+                <a:spcPts val="1417"/>
+              </a:spcBef>
+              <a:buClr>
+                <a:srgbClr val="000000"/>
+              </a:buClr>
+              <a:buSzPct val="45000"/>
+              <a:buFont typeface="Wingdings" charset="2"/>
+              <a:buChar char=""/>
+            </a:pPr>
+            <a:r>
+              <a:rPr b="0" lang="en-US" sz="1700" spc="-1" strike="noStrike">
+                <a:latin typeface="Arial"/>
+              </a:rPr>
+              <a:t>Micro.WrapCall(w...client.CallWrapper) Option</a:t>
+            </a:r>
+            <a:endParaRPr b="0" lang="en-US" sz="1700" spc="-1" strike="noStrike">
+              <a:latin typeface="Arial"/>
+            </a:endParaRPr>
+          </a:p>
+          <a:p>
+            <a:pPr marL="432000" indent="-324000">
+              <a:spcBef>
+                <a:spcPts val="1417"/>
+              </a:spcBef>
+              <a:buClr>
+                <a:srgbClr val="000000"/>
+              </a:buClr>
+              <a:buSzPct val="45000"/>
+              <a:buFont typeface="Wingdings" charset="2"/>
+              <a:buChar char=""/>
+            </a:pPr>
+            <a:r>
+              <a:rPr b="0" lang="en-US" sz="1700" spc="-1" strike="noStrike">
+                <a:latin typeface="Arial"/>
+              </a:rPr>
+              <a:t>Micro.WrapClient(w...client.Wrapper) Option</a:t>
+            </a:r>
+            <a:endParaRPr b="0" lang="en-US" sz="1700" spc="-1" strike="noStrike">
+              <a:latin typeface="Arial"/>
+            </a:endParaRPr>
+          </a:p>
+          <a:p>
+            <a:pPr marL="432000" indent="-324000">
+              <a:spcBef>
+                <a:spcPts val="1417"/>
+              </a:spcBef>
+              <a:buClr>
+                <a:srgbClr val="000000"/>
+              </a:buClr>
+              <a:buSzPct val="45000"/>
+              <a:buFont typeface="Wingdings" charset="2"/>
+              <a:buChar char=""/>
+            </a:pPr>
+            <a:r>
+              <a:rPr b="0" lang="en-US" sz="1700" spc="-1" strike="noStrike">
+                <a:latin typeface="Arial"/>
+              </a:rPr>
+              <a:t>Micro.BeforeStart(fn func() error) Option</a:t>
+            </a:r>
+            <a:endParaRPr b="0" lang="en-US" sz="1700" spc="-1" strike="noStrike">
+              <a:latin typeface="Arial"/>
+            </a:endParaRPr>
+          </a:p>
+          <a:p>
+            <a:pPr marL="432000" indent="-324000">
+              <a:spcBef>
+                <a:spcPts val="1417"/>
+              </a:spcBef>
+              <a:buClr>
+                <a:srgbClr val="000000"/>
+              </a:buClr>
+              <a:buSzPct val="45000"/>
+              <a:buFont typeface="Wingdings" charset="2"/>
+              <a:buChar char=""/>
+            </a:pPr>
+            <a:r>
+              <a:rPr b="0" lang="en-US" sz="1700" spc="-1" strike="noStrike">
+                <a:latin typeface="Arial"/>
+              </a:rPr>
+              <a:t>Micro.BeforeStop(fn func() error) Option</a:t>
+            </a:r>
+            <a:endParaRPr b="0" lang="en-US" sz="1700" spc="-1" strike="noStrike">
+              <a:latin typeface="Arial"/>
+            </a:endParaRPr>
+          </a:p>
+          <a:p>
+            <a:pPr marL="432000" indent="-324000">
+              <a:spcBef>
+                <a:spcPts val="1417"/>
+              </a:spcBef>
+              <a:buClr>
+                <a:srgbClr val="000000"/>
+              </a:buClr>
+              <a:buSzPct val="45000"/>
+              <a:buFont typeface="Wingdings" charset="2"/>
+              <a:buChar char=""/>
+            </a:pPr>
+            <a:r>
+              <a:rPr b="0" lang="en-US" sz="1700" spc="-1" strike="noStrike">
+                <a:latin typeface="Arial"/>
+              </a:rPr>
+              <a:t>Micro.AfterStart(fn func() error) Option</a:t>
+            </a:r>
+            <a:endParaRPr b="0" lang="en-US" sz="1700" spc="-1" strike="noStrike">
+              <a:latin typeface="Arial"/>
+            </a:endParaRPr>
+          </a:p>
+          <a:p>
+            <a:pPr marL="432000" indent="-324000">
+              <a:spcBef>
+                <a:spcPts val="1417"/>
+              </a:spcBef>
+              <a:buClr>
+                <a:srgbClr val="000000"/>
+              </a:buClr>
+              <a:buSzPct val="45000"/>
+              <a:buFont typeface="Wingdings" charset="2"/>
+              <a:buChar char=""/>
+            </a:pPr>
+            <a:r>
+              <a:rPr b="0" lang="en-US" sz="1700" spc="-1" strike="noStrike">
+                <a:latin typeface="Arial"/>
+              </a:rPr>
+              <a:t>Micro.Action(a func(*cli.Context)) Option</a:t>
+            </a:r>
+            <a:endParaRPr b="0" lang="en-US" sz="1700" spc="-1" strike="noStrike">
+              <a:latin typeface="Arial"/>
+            </a:endParaRPr>
+          </a:p>
+          <a:p>
+            <a:pPr marL="432000" indent="-324000">
+              <a:spcBef>
+                <a:spcPts val="1417"/>
+              </a:spcBef>
+              <a:buClr>
+                <a:srgbClr val="000000"/>
+              </a:buClr>
+              <a:buSzPct val="45000"/>
+              <a:buFont typeface="Wingdings" charset="2"/>
+              <a:buChar char=""/>
+            </a:pPr>
+            <a:r>
+              <a:rPr b="0" lang="en-US" sz="1700" spc="-1" strike="noStrike">
+                <a:latin typeface="Arial"/>
+              </a:rPr>
+              <a:t>Micro.Flags(flags ..cli.Flag) Option</a:t>
+            </a:r>
+            <a:endParaRPr b="0" lang="en-US" sz="1700" spc="-1" strike="noStrike">
+              <a:latin typeface="Arial"/>
+            </a:endParaRPr>
+          </a:p>
+        </p:txBody>
+      </p:sp>
+      <p:sp>
+        <p:nvSpPr>
+          <p:cNvPr id="186" name="TextShape 3"/>
+          <p:cNvSpPr txBox="1"/>
+          <p:nvPr/>
+        </p:nvSpPr>
+        <p:spPr>
+          <a:xfrm>
+            <a:off x="5577840" y="1769760"/>
+            <a:ext cx="4937760" cy="5728320"/>
+          </a:xfrm>
+          <a:prstGeom prst="rect">
+            <a:avLst/>
+          </a:prstGeom>
+          <a:noFill/>
+          <a:ln>
+            <a:noFill/>
+          </a:ln>
+        </p:spPr>
+        <p:txBody>
+          <a:bodyPr lIns="0" rIns="0" tIns="0" bIns="0">
+            <a:normAutofit/>
+          </a:bodyPr>
+          <a:p>
+            <a:pPr marL="432000" indent="-324000">
+              <a:spcBef>
+                <a:spcPts val="1417"/>
+              </a:spcBef>
+              <a:buClr>
+                <a:srgbClr val="000000"/>
+              </a:buClr>
+              <a:buSzPct val="45000"/>
+              <a:buFont typeface="Wingdings" charset="2"/>
+              <a:buChar char=""/>
+            </a:pPr>
+            <a:r>
+              <a:rPr b="0" lang="en-US" sz="1500" spc="-1" strike="noStrike">
+                <a:latin typeface="Arial"/>
+              </a:rPr>
+              <a:t>Micro.MetaData(md map[string] string) Option</a:t>
+            </a:r>
+            <a:endParaRPr b="0" lang="en-US" sz="1500" spc="-1" strike="noStrike">
+              <a:latin typeface="Arial"/>
+            </a:endParaRPr>
+          </a:p>
+          <a:p>
+            <a:pPr marL="432000" indent="-324000">
+              <a:spcBef>
+                <a:spcPts val="1417"/>
+              </a:spcBef>
+              <a:buClr>
+                <a:srgbClr val="000000"/>
+              </a:buClr>
+              <a:buSzPct val="45000"/>
+              <a:buFont typeface="Wingdings" charset="2"/>
+              <a:buChar char=""/>
+            </a:pPr>
+            <a:r>
+              <a:rPr b="0" lang="en-US" sz="1500" spc="-1" strike="noStrike">
+                <a:solidFill>
+                  <a:srgbClr val="c9211e"/>
+                </a:solidFill>
+                <a:latin typeface="Arial"/>
+              </a:rPr>
+              <a:t>Micro.Transport (t transport.Transport) Option</a:t>
+            </a:r>
+            <a:endParaRPr b="0" lang="en-US" sz="1500" spc="-1" strike="noStrike">
+              <a:latin typeface="Arial"/>
+            </a:endParaRPr>
+          </a:p>
+          <a:p>
+            <a:pPr marL="432000" indent="-324000">
+              <a:spcBef>
+                <a:spcPts val="1417"/>
+              </a:spcBef>
+              <a:buClr>
+                <a:srgbClr val="000000"/>
+              </a:buClr>
+              <a:buSzPct val="45000"/>
+              <a:buFont typeface="Wingdings" charset="2"/>
+              <a:buChar char=""/>
+            </a:pPr>
+            <a:r>
+              <a:rPr b="0" lang="en-US" sz="1500" spc="-1" strike="noStrike">
+                <a:solidFill>
+                  <a:srgbClr val="c9211e"/>
+                </a:solidFill>
+                <a:latin typeface="Arial"/>
+              </a:rPr>
+              <a:t>Micro.Selector( s selector.Selector) Option</a:t>
+            </a:r>
+            <a:endParaRPr b="0" lang="en-US" sz="1500" spc="-1" strike="noStrike">
+              <a:latin typeface="Arial"/>
+            </a:endParaRPr>
+          </a:p>
+          <a:p>
+            <a:pPr marL="432000" indent="-324000">
+              <a:spcBef>
+                <a:spcPts val="1417"/>
+              </a:spcBef>
+              <a:buClr>
+                <a:srgbClr val="000000"/>
+              </a:buClr>
+              <a:buSzPct val="45000"/>
+              <a:buFont typeface="Wingdings" charset="2"/>
+              <a:buChar char=""/>
+            </a:pPr>
+            <a:r>
+              <a:rPr b="0" lang="en-US" sz="1500" spc="-1" strike="noStrike">
+                <a:solidFill>
+                  <a:srgbClr val="c9211e"/>
+                </a:solidFill>
+                <a:latin typeface="Arial"/>
+              </a:rPr>
+              <a:t>Micro.Registry( r registry.Registry) Option</a:t>
+            </a:r>
+            <a:endParaRPr b="0" lang="en-US" sz="1500" spc="-1" strike="noStrike">
+              <a:latin typeface="Arial"/>
+            </a:endParaRPr>
+          </a:p>
+          <a:p>
+            <a:pPr marL="432000" indent="-324000">
+              <a:spcBef>
+                <a:spcPts val="1417"/>
+              </a:spcBef>
+              <a:buClr>
+                <a:srgbClr val="000000"/>
+              </a:buClr>
+              <a:buSzPct val="45000"/>
+              <a:buFont typeface="Wingdings" charset="2"/>
+              <a:buChar char=""/>
+            </a:pPr>
+            <a:r>
+              <a:rPr b="0" lang="en-US" sz="1500" spc="-1" strike="noStrike">
+                <a:solidFill>
+                  <a:srgbClr val="c9211e"/>
+                </a:solidFill>
+                <a:latin typeface="Arial"/>
+              </a:rPr>
+              <a:t>Micro.Server( s Server.Server) Option</a:t>
+            </a:r>
+            <a:endParaRPr b="0" lang="en-US" sz="1500" spc="-1" strike="noStrike">
+              <a:latin typeface="Arial"/>
+            </a:endParaRPr>
+          </a:p>
+          <a:p>
+            <a:pPr marL="432000" indent="-324000">
+              <a:spcBef>
+                <a:spcPts val="1417"/>
+              </a:spcBef>
+              <a:buClr>
+                <a:srgbClr val="000000"/>
+              </a:buClr>
+              <a:buSzPct val="45000"/>
+              <a:buFont typeface="Wingdings" charset="2"/>
+              <a:buChar char=""/>
+            </a:pPr>
+            <a:r>
+              <a:rPr b="0" lang="en-US" sz="1500" spc="-1" strike="noStrike">
+                <a:latin typeface="Arial"/>
+              </a:rPr>
+              <a:t>Micro.HandleSIgnal(b bool) Option</a:t>
+            </a:r>
+            <a:endParaRPr b="0" lang="en-US" sz="1500" spc="-1" strike="noStrike">
+              <a:latin typeface="Arial"/>
+            </a:endParaRPr>
+          </a:p>
+          <a:p>
+            <a:pPr marL="432000" indent="-324000">
+              <a:spcBef>
+                <a:spcPts val="1417"/>
+              </a:spcBef>
+              <a:buClr>
+                <a:srgbClr val="000000"/>
+              </a:buClr>
+              <a:buSzPct val="45000"/>
+              <a:buFont typeface="Wingdings" charset="2"/>
+              <a:buChar char=""/>
+            </a:pPr>
+            <a:r>
+              <a:rPr b="0" lang="en-US" sz="1500" spc="-1" strike="noStrike">
+                <a:latin typeface="Arial"/>
+              </a:rPr>
+              <a:t>Micro.Context(ctx context.Context) Option</a:t>
+            </a:r>
+            <a:endParaRPr b="0" lang="en-US" sz="1500" spc="-1" strike="noStrike">
+              <a:latin typeface="Arial"/>
+            </a:endParaRPr>
+          </a:p>
+          <a:p>
+            <a:pPr marL="432000" indent="-324000">
+              <a:spcBef>
+                <a:spcPts val="1417"/>
+              </a:spcBef>
+              <a:buClr>
+                <a:srgbClr val="000000"/>
+              </a:buClr>
+              <a:buSzPct val="45000"/>
+              <a:buFont typeface="Wingdings" charset="2"/>
+              <a:buChar char=""/>
+            </a:pPr>
+            <a:r>
+              <a:rPr b="0" lang="en-US" sz="1500" spc="-1" strike="noStrike">
+                <a:latin typeface="Arial"/>
+              </a:rPr>
+              <a:t>Micro.Client(c client.Client) Option</a:t>
+            </a:r>
+            <a:endParaRPr b="0" lang="en-US" sz="1500" spc="-1" strike="noStrike">
+              <a:latin typeface="Arial"/>
+            </a:endParaRPr>
+          </a:p>
+          <a:p>
+            <a:pPr marL="432000" indent="-324000">
+              <a:spcBef>
+                <a:spcPts val="1417"/>
+              </a:spcBef>
+              <a:buClr>
+                <a:srgbClr val="000000"/>
+              </a:buClr>
+              <a:buSzPct val="45000"/>
+              <a:buFont typeface="Wingdings" charset="2"/>
+              <a:buChar char=""/>
+            </a:pPr>
+            <a:r>
+              <a:rPr b="0" lang="en-US" sz="1500" spc="-1" strike="noStrike">
+                <a:solidFill>
+                  <a:srgbClr val="c9211e"/>
+                </a:solidFill>
+                <a:latin typeface="Arial"/>
+              </a:rPr>
+              <a:t>Micro.Broker(b broker.Broker) Option</a:t>
+            </a:r>
+            <a:endParaRPr b="0" lang="en-US" sz="1500" spc="-1" strike="noStrike">
+              <a:latin typeface="Arial"/>
+            </a:endParaRPr>
+          </a:p>
+          <a:p>
+            <a:pPr marL="432000" indent="-324000">
+              <a:spcBef>
+                <a:spcPts val="1417"/>
+              </a:spcBef>
+              <a:buClr>
+                <a:srgbClr val="000000"/>
+              </a:buClr>
+              <a:buSzPct val="45000"/>
+              <a:buFont typeface="Wingdings" charset="2"/>
+              <a:buChar char=""/>
+            </a:pPr>
+            <a:r>
+              <a:rPr b="0" lang="en-US" sz="1500" spc="-1" strike="noStrike">
+                <a:latin typeface="Arial"/>
+              </a:rPr>
+              <a:t>Micro.Tracer(t trace.Tracer) Option</a:t>
+            </a:r>
+            <a:endParaRPr b="0" lang="en-US" sz="1500" spc="-1" strike="noStrike">
+              <a:latin typeface="Arial"/>
+            </a:endParaRPr>
+          </a:p>
+          <a:p>
+            <a:pPr marL="432000" indent="-324000">
+              <a:spcBef>
+                <a:spcPts val="1417"/>
+              </a:spcBef>
+              <a:buClr>
+                <a:srgbClr val="000000"/>
+              </a:buClr>
+              <a:buSzPct val="45000"/>
+              <a:buFont typeface="Wingdings" charset="2"/>
+              <a:buChar char=""/>
+            </a:pPr>
+            <a:r>
+              <a:rPr b="0" lang="en-US" sz="1500" spc="-1" strike="noStrike">
+                <a:latin typeface="Arial"/>
+              </a:rPr>
+              <a:t>Micro.Auth(a auth.Auth) Option</a:t>
+            </a:r>
+            <a:endParaRPr b="0" lang="en-US" sz="1500" spc="-1" strike="noStrike">
+              <a:latin typeface="Arial"/>
+            </a:endParaRPr>
+          </a:p>
+          <a:p>
+            <a:pPr marL="432000" indent="-324000">
+              <a:spcBef>
+                <a:spcPts val="1417"/>
+              </a:spcBef>
+              <a:buClr>
+                <a:srgbClr val="000000"/>
+              </a:buClr>
+              <a:buSzPct val="45000"/>
+              <a:buFont typeface="Wingdings" charset="2"/>
+              <a:buChar char=""/>
+            </a:pPr>
+            <a:r>
+              <a:rPr b="0" lang="en-US" sz="1500" spc="-1" strike="noStrike">
+                <a:latin typeface="Arial"/>
+              </a:rPr>
+              <a:t>Micro.Cmd(c cmd.Cmd) Option</a:t>
+            </a:r>
+            <a:endParaRPr b="0" lang="en-US" sz="1500" spc="-1" strike="noStrike">
+              <a:latin typeface="Arial"/>
+            </a:endParaRPr>
+          </a:p>
+        </p:txBody>
+      </p:sp>
+    </p:spTree>
+  </p:cSld>
+  <mc:AlternateContent>
+    <mc:Choice Requires="p14">
+      <p:transition spd="slow" p14:dur="2000"/>
+    </mc:Choice>
+    <mc:Fallback>
+      <p:transition spd="slow"/>
+    </mc:Fallback>
+  </mc:AlternateContent>
+</p:sld>
+</file>
+
+<file path=ppt/slides/slide14.xml><?xml version="1.0" encoding="utf-8"?>
+<p:sld xmlns:a="http://schemas.openxmlformats.org/drawingml/2006/main" xmlns:p="http://schemas.openxmlformats.org/presentationml/2006/main" xmlns:r="http://schemas.openxmlformats.org/officeDocument/2006/relationships" xmlns:p14="http://schemas.microsoft.com/office/powerpoint/2010/main" xmlns:p15="http://schemas.microsoft.com/office/powerpoint/2012/main" xmlns:mc="http://schemas.openxmlformats.org/markup-compatibility/2006">
+  <p:cSld>
+    <p:spTree>
+      <p:nvGrpSpPr>
+        <p:cNvPr id="1" name=""/>
+        <p:cNvGrpSpPr/>
+        <p:nvPr/>
+      </p:nvGrpSpPr>
+      <p:grpSpPr>
+        <a:xfrm>
+          <a:off x="0" y="0"/>
+          <a:ext cx="0" cy="0"/>
+          <a:chOff x="0" y="0"/>
+          <a:chExt cx="0" cy="0"/>
+        </a:xfrm>
+      </p:grpSpPr>
+      <p:sp>
+        <p:nvSpPr>
+          <p:cNvPr id="187" name="TextShape 1"/>
+          <p:cNvSpPr txBox="1"/>
+          <p:nvPr/>
+        </p:nvSpPr>
+        <p:spPr>
+          <a:xfrm>
+            <a:off x="503640" y="301680"/>
+            <a:ext cx="9069120" cy="1262520"/>
+          </a:xfrm>
+          <a:prstGeom prst="rect">
+            <a:avLst/>
+          </a:prstGeom>
+          <a:noFill/>
+          <a:ln>
+            <a:noFill/>
+          </a:ln>
+        </p:spPr>
+        <p:txBody>
+          <a:bodyPr lIns="0" rIns="0" tIns="0" bIns="0" anchor="ctr">
+            <a:noAutofit/>
+          </a:bodyPr>
+          <a:p>
+            <a:pPr algn="ctr"/>
+            <a:r>
+              <a:rPr b="0" i="1" lang="en-US" sz="4400" spc="-1" strike="noStrike">
+                <a:solidFill>
+                  <a:srgbClr val="ffffff"/>
+                </a:solidFill>
+                <a:latin typeface="Arial"/>
+              </a:rPr>
+              <a:t>Poziv servisa</a:t>
+            </a:r>
+            <a:endParaRPr b="0" i="1" lang="en-US" sz="4400" spc="-1" strike="noStrike">
+              <a:solidFill>
+                <a:srgbClr val="ffffff"/>
+              </a:solidFill>
+              <a:latin typeface="Arial"/>
+            </a:endParaRPr>
+          </a:p>
+        </p:txBody>
+      </p:sp>
+      <p:sp>
+        <p:nvSpPr>
+          <p:cNvPr id="188" name="TextShape 2"/>
+          <p:cNvSpPr txBox="1"/>
+          <p:nvPr/>
+        </p:nvSpPr>
+        <p:spPr>
+          <a:xfrm>
+            <a:off x="503640" y="1769400"/>
+            <a:ext cx="9069120" cy="4385880"/>
+          </a:xfrm>
+          <a:prstGeom prst="rect">
+            <a:avLst/>
+          </a:prstGeom>
+          <a:noFill/>
+          <a:ln>
+            <a:noFill/>
+          </a:ln>
+        </p:spPr>
+        <p:txBody>
+          <a:bodyPr lIns="0" rIns="0" tIns="0" bIns="0">
+            <a:normAutofit fontScale="63000"/>
+          </a:bodyPr>
+          <a:p>
+            <a:pPr marL="432000" indent="-324000">
+              <a:spcBef>
+                <a:spcPts val="1417"/>
+              </a:spcBef>
+              <a:buClr>
+                <a:srgbClr val="000000"/>
+              </a:buClr>
+              <a:buSzPct val="45000"/>
+              <a:buFont typeface="Wingdings" charset="2"/>
+              <a:buChar char=""/>
+            </a:pPr>
+            <a:r>
+              <a:rPr b="0" lang="en-US" sz="3200" spc="-1" strike="noStrike">
+                <a:latin typeface="Arial"/>
+              </a:rPr>
+              <a:t>Preko CLI (list, get, call)</a:t>
+            </a:r>
+            <a:endParaRPr b="0" lang="en-US" sz="3200" spc="-1" strike="noStrike">
+              <a:latin typeface="Arial"/>
+            </a:endParaRPr>
+          </a:p>
+          <a:p>
+            <a:pPr marL="432000" indent="-324000">
+              <a:spcBef>
+                <a:spcPts val="1417"/>
+              </a:spcBef>
+              <a:buClr>
+                <a:srgbClr val="000000"/>
+              </a:buClr>
+              <a:buSzPct val="45000"/>
+              <a:buFont typeface="Wingdings" charset="2"/>
+              <a:buChar char=""/>
+            </a:pPr>
+            <a:r>
+              <a:rPr b="0" lang="en-US" sz="3200" spc="-1" strike="noStrike">
+                <a:latin typeface="Arial"/>
+              </a:rPr>
+              <a:t>Preko Micro Weba</a:t>
+            </a:r>
+            <a:endParaRPr b="0" lang="en-US" sz="3200" spc="-1" strike="noStrike">
+              <a:latin typeface="Arial"/>
+            </a:endParaRPr>
+          </a:p>
+          <a:p>
+            <a:pPr marL="432000" indent="-324000">
+              <a:spcBef>
+                <a:spcPts val="1417"/>
+              </a:spcBef>
+              <a:buClr>
+                <a:srgbClr val="000000"/>
+              </a:buClr>
+              <a:buSzPct val="45000"/>
+              <a:buFont typeface="Wingdings" charset="2"/>
+              <a:buChar char=""/>
+            </a:pPr>
+            <a:endParaRPr b="0" lang="en-US" sz="3200" spc="-1" strike="noStrike">
+              <a:latin typeface="Arial"/>
+            </a:endParaRPr>
+          </a:p>
+          <a:p>
+            <a:pPr marL="432000" indent="-324000">
+              <a:spcBef>
+                <a:spcPts val="1417"/>
+              </a:spcBef>
+              <a:buClr>
+                <a:srgbClr val="000000"/>
+              </a:buClr>
+              <a:buSzPct val="45000"/>
+              <a:buFont typeface="Wingdings" charset="2"/>
+              <a:buChar char=""/>
+            </a:pPr>
+            <a:endParaRPr b="0" lang="en-US" sz="3200" spc="-1" strike="noStrike">
+              <a:latin typeface="Arial"/>
+            </a:endParaRPr>
+          </a:p>
+          <a:p>
+            <a:pPr marL="432000" indent="-324000">
+              <a:spcBef>
+                <a:spcPts val="1417"/>
+              </a:spcBef>
+              <a:buClr>
+                <a:srgbClr val="000000"/>
+              </a:buClr>
+              <a:buSzPct val="45000"/>
+              <a:buFont typeface="Wingdings" charset="2"/>
+              <a:buChar char=""/>
+            </a:pPr>
+            <a:endParaRPr b="0" lang="en-US" sz="3200" spc="-1" strike="noStrike">
+              <a:latin typeface="Arial"/>
+            </a:endParaRPr>
+          </a:p>
+          <a:p>
+            <a:pPr marL="432000" indent="-324000">
+              <a:spcBef>
+                <a:spcPts val="1417"/>
+              </a:spcBef>
+              <a:buClr>
+                <a:srgbClr val="000000"/>
+              </a:buClr>
+              <a:buSzPct val="45000"/>
+              <a:buFont typeface="Wingdings" charset="2"/>
+              <a:buChar char=""/>
+            </a:pPr>
+            <a:r>
+              <a:rPr b="0" lang="en-US" sz="3200" spc="-1" strike="noStrike">
+                <a:latin typeface="Arial"/>
+              </a:rPr>
+              <a:t>Kroz kod</a:t>
+            </a:r>
+            <a:endParaRPr b="0" lang="en-US" sz="3200" spc="-1" strike="noStrike">
+              <a:latin typeface="Arial"/>
+            </a:endParaRPr>
+          </a:p>
+          <a:p>
+            <a:pPr lvl="1" marL="864000" indent="-324000">
+              <a:spcBef>
+                <a:spcPts val="1134"/>
+              </a:spcBef>
+              <a:buClr>
+                <a:srgbClr val="000000"/>
+              </a:buClr>
+              <a:buSzPct val="75000"/>
+              <a:buFont typeface="Symbol" charset="2"/>
+              <a:buChar char=""/>
+            </a:pPr>
+            <a:r>
+              <a:rPr b="0" lang="en-US" sz="2800" spc="-1" strike="noStrike">
+                <a:latin typeface="Arial"/>
+              </a:rPr>
+              <a:t>helloClient := hello.NewHelloService("com.foo.srv.hello", service.Client())</a:t>
+            </a:r>
+            <a:endParaRPr b="0" lang="en-US" sz="2800" spc="-1" strike="noStrike">
+              <a:latin typeface="Arial"/>
+            </a:endParaRPr>
+          </a:p>
+          <a:p>
+            <a:pPr lvl="1" marL="864000" indent="-324000">
+              <a:spcBef>
+                <a:spcPts val="1134"/>
+              </a:spcBef>
+              <a:buClr>
+                <a:srgbClr val="000000"/>
+              </a:buClr>
+              <a:buSzPct val="75000"/>
+              <a:buFont typeface="Symbol" charset="2"/>
+              <a:buChar char=""/>
+            </a:pPr>
+            <a:r>
+              <a:rPr b="0" lang="en-US" sz="2800" spc="-1" strike="noStrike">
+                <a:latin typeface="Arial"/>
+              </a:rPr>
+              <a:t>resp, err := helloClient.Helloo(context.TODO(), &amp;hello.Request { Name: "World"}) </a:t>
+            </a:r>
+            <a:endParaRPr b="0" lang="en-US" sz="2800" spc="-1" strike="noStrike">
+              <a:latin typeface="Arial"/>
+            </a:endParaRPr>
+          </a:p>
+        </p:txBody>
+      </p:sp>
+      <p:pic>
+        <p:nvPicPr>
+          <p:cNvPr id="189" name="" descr=""/>
+          <p:cNvPicPr/>
+          <p:nvPr/>
+        </p:nvPicPr>
+        <p:blipFill>
+          <a:blip r:embed="rId1"/>
+          <a:stretch/>
+        </p:blipFill>
+        <p:spPr>
+          <a:xfrm>
+            <a:off x="5577840" y="1768320"/>
+            <a:ext cx="4263480" cy="2803680"/>
+          </a:xfrm>
+          <a:prstGeom prst="rect">
+            <a:avLst/>
+          </a:prstGeom>
+          <a:ln>
+            <a:noFill/>
+          </a:ln>
+        </p:spPr>
+      </p:pic>
+    </p:spTree>
+  </p:cSld>
+  <mc:AlternateContent>
+    <mc:Choice Requires="p14">
+      <p:transition spd="slow" p14:dur="2000"/>
+    </mc:Choice>
+    <mc:Fallback>
+      <p:transition spd="slow"/>
+    </mc:Fallback>
+  </mc:AlternateContent>
+</p:sld>
+</file>
+
+<file path=ppt/slides/slide15.xml><?xml version="1.0" encoding="utf-8"?>
+<p:sld xmlns:a="http://schemas.openxmlformats.org/drawingml/2006/main" xmlns:p="http://schemas.openxmlformats.org/presentationml/2006/main" xmlns:r="http://schemas.openxmlformats.org/officeDocument/2006/relationships" xmlns:p14="http://schemas.microsoft.com/office/powerpoint/2010/main" xmlns:p15="http://schemas.microsoft.com/office/powerpoint/2012/main" xmlns:mc="http://schemas.openxmlformats.org/markup-compatibility/2006">
+  <p:cSld>
+    <p:spTree>
+      <p:nvGrpSpPr>
+        <p:cNvPr id="1" name=""/>
+        <p:cNvGrpSpPr/>
+        <p:nvPr/>
+      </p:nvGrpSpPr>
+      <p:grpSpPr>
+        <a:xfrm>
+          <a:off x="0" y="0"/>
+          <a:ext cx="0" cy="0"/>
+          <a:chOff x="0" y="0"/>
+          <a:chExt cx="0" cy="0"/>
+        </a:xfrm>
+      </p:grpSpPr>
+      <p:sp>
+        <p:nvSpPr>
+          <p:cNvPr id="190" name="TextShape 1"/>
+          <p:cNvSpPr txBox="1"/>
+          <p:nvPr/>
+        </p:nvSpPr>
+        <p:spPr>
+          <a:xfrm>
+            <a:off x="503640" y="301680"/>
+            <a:ext cx="9069120" cy="1262520"/>
+          </a:xfrm>
+          <a:prstGeom prst="rect">
+            <a:avLst/>
+          </a:prstGeom>
+          <a:noFill/>
+          <a:ln>
+            <a:noFill/>
+          </a:ln>
+        </p:spPr>
+        <p:txBody>
+          <a:bodyPr lIns="0" rIns="0" tIns="0" bIns="0" anchor="ctr">
+            <a:noAutofit/>
+          </a:bodyPr>
+          <a:p>
+            <a:pPr algn="ctr"/>
+            <a:r>
+              <a:rPr b="0" i="1" lang="en-US" sz="4400" spc="-1" strike="noStrike">
+                <a:solidFill>
+                  <a:srgbClr val="ffffff"/>
+                </a:solidFill>
+                <a:latin typeface="Arial"/>
+              </a:rPr>
+              <a:t>Plugins</a:t>
+            </a:r>
+            <a:endParaRPr b="0" i="1" lang="en-US" sz="4400" spc="-1" strike="noStrike">
+              <a:solidFill>
+                <a:srgbClr val="ffffff"/>
+              </a:solidFill>
+              <a:latin typeface="Arial"/>
+            </a:endParaRPr>
+          </a:p>
+        </p:txBody>
+      </p:sp>
+      <p:sp>
+        <p:nvSpPr>
+          <p:cNvPr id="191" name="TextShape 2"/>
+          <p:cNvSpPr txBox="1"/>
+          <p:nvPr/>
+        </p:nvSpPr>
+        <p:spPr>
+          <a:xfrm>
+            <a:off x="0" y="2011680"/>
+            <a:ext cx="5943960" cy="3566160"/>
+          </a:xfrm>
+          <a:prstGeom prst="rect">
+            <a:avLst/>
+          </a:prstGeom>
+          <a:noFill/>
+          <a:ln>
+            <a:noFill/>
+          </a:ln>
+        </p:spPr>
+        <p:txBody>
+          <a:bodyPr lIns="0" rIns="0" tIns="0" bIns="0">
+            <a:normAutofit/>
+          </a:bodyPr>
+          <a:p>
+            <a:pPr marL="432000" indent="-324000">
+              <a:spcBef>
+                <a:spcPts val="1417"/>
+              </a:spcBef>
+              <a:buClr>
+                <a:srgbClr val="000000"/>
+              </a:buClr>
+              <a:buSzPct val="45000"/>
+              <a:buFont typeface="Wingdings" charset="2"/>
+              <a:buChar char=""/>
+            </a:pPr>
+            <a:r>
+              <a:rPr b="0" lang="en-US" sz="2800" spc="-1" strike="noStrike">
+                <a:latin typeface="Arial"/>
+              </a:rPr>
+              <a:t>Da bi zamenili jednu od komponeti micro moramo da uradimo sledece:</a:t>
+            </a:r>
+            <a:endParaRPr b="0" lang="en-US" sz="2800" spc="-1" strike="noStrike">
+              <a:latin typeface="Arial"/>
+            </a:endParaRPr>
+          </a:p>
+          <a:p>
+            <a:pPr lvl="1" marL="864000" indent="-324000">
+              <a:spcBef>
+                <a:spcPts val="1134"/>
+              </a:spcBef>
+              <a:buClr>
+                <a:srgbClr val="000000"/>
+              </a:buClr>
+              <a:buSzPct val="75000"/>
+              <a:buFont typeface="Symbol" charset="2"/>
+              <a:buChar char=""/>
+            </a:pPr>
+            <a:r>
+              <a:rPr b="0" lang="en-US" sz="2800" spc="-1" strike="noStrike">
+                <a:latin typeface="Arial"/>
+              </a:rPr>
+              <a:t>Importujemo odgovrajuci plugin</a:t>
+            </a:r>
+            <a:endParaRPr b="0" lang="en-US" sz="2800" spc="-1" strike="noStrike">
+              <a:latin typeface="Arial"/>
+            </a:endParaRPr>
+          </a:p>
+          <a:p>
+            <a:pPr lvl="1" marL="864000" indent="-324000">
+              <a:spcBef>
+                <a:spcPts val="1134"/>
+              </a:spcBef>
+              <a:buClr>
+                <a:srgbClr val="000000"/>
+              </a:buClr>
+              <a:buSzPct val="75000"/>
+              <a:buFont typeface="Symbol" charset="2"/>
+              <a:buChar char=""/>
+            </a:pPr>
+            <a:r>
+              <a:rPr b="0" lang="en-US" sz="2800" spc="-1" strike="noStrike">
+                <a:latin typeface="Arial"/>
+              </a:rPr>
+              <a:t>Kreiramo odgovarajuci plugin</a:t>
+            </a:r>
+            <a:endParaRPr b="0" lang="en-US" sz="2800" spc="-1" strike="noStrike">
+              <a:latin typeface="Arial"/>
+            </a:endParaRPr>
+          </a:p>
+          <a:p>
+            <a:pPr lvl="1" marL="864000" indent="-324000">
+              <a:spcBef>
+                <a:spcPts val="1134"/>
+              </a:spcBef>
+              <a:buClr>
+                <a:srgbClr val="000000"/>
+              </a:buClr>
+              <a:buSzPct val="75000"/>
+              <a:buFont typeface="Symbol" charset="2"/>
+              <a:buChar char=""/>
+            </a:pPr>
+            <a:r>
+              <a:rPr b="0" lang="en-US" sz="2800" spc="-1" strike="noStrike">
+                <a:latin typeface="Arial"/>
+              </a:rPr>
+              <a:t>Prosledimo plugin pri kreiranju servisa</a:t>
+            </a:r>
+            <a:endParaRPr b="0" lang="en-US" sz="2800" spc="-1" strike="noStrike">
+              <a:latin typeface="Arial"/>
+            </a:endParaRPr>
+          </a:p>
+        </p:txBody>
+      </p:sp>
+      <p:pic>
+        <p:nvPicPr>
+          <p:cNvPr id="192" name="" descr=""/>
+          <p:cNvPicPr/>
+          <p:nvPr/>
+        </p:nvPicPr>
+        <p:blipFill>
+          <a:blip r:embed="rId1"/>
+          <a:stretch/>
+        </p:blipFill>
+        <p:spPr>
+          <a:xfrm>
+            <a:off x="5943960" y="2011680"/>
+            <a:ext cx="4133520" cy="5038200"/>
+          </a:xfrm>
+          <a:prstGeom prst="rect">
+            <a:avLst/>
+          </a:prstGeom>
+          <a:ln>
+            <a:noFill/>
+          </a:ln>
+        </p:spPr>
+      </p:pic>
     </p:spTree>
   </p:cSld>
   <mc:AlternateContent>
@@ -8267,7 +9799,7 @@
         <p:spPr>
           <a:xfrm>
             <a:off x="503640" y="109440"/>
-            <a:ext cx="9066240" cy="1260720"/>
+            <a:ext cx="9065880" cy="1260360"/>
           </a:xfrm>
           <a:prstGeom prst="rect">
             <a:avLst/>
@@ -8318,7 +9850,7 @@
         <p:spPr>
           <a:xfrm>
             <a:off x="503640" y="2103480"/>
-            <a:ext cx="9066240" cy="4050000"/>
+            <a:ext cx="9065880" cy="4049640"/>
           </a:xfrm>
           <a:prstGeom prst="rect">
             <a:avLst/>
@@ -8339,7 +9871,7 @@
             <a:normAutofit/>
           </a:bodyPr>
           <a:p>
-            <a:pPr marL="432000" indent="-322200">
+            <a:pPr marL="432000" indent="-321840">
               <a:lnSpc>
                 <a:spcPct val="100000"/>
               </a:lnSpc>
@@ -8368,7 +9900,7 @@
             </a:endParaRPr>
           </a:p>
           <a:p>
-            <a:pPr marL="432000" indent="-322200">
+            <a:pPr marL="432000" indent="-321840">
               <a:lnSpc>
                 <a:spcPct val="100000"/>
               </a:lnSpc>
@@ -8397,7 +9929,7 @@
             </a:endParaRPr>
           </a:p>
           <a:p>
-            <a:pPr marL="432000" indent="-322200">
+            <a:pPr marL="432000" indent="-321840">
               <a:lnSpc>
                 <a:spcPct val="100000"/>
               </a:lnSpc>
@@ -8466,7 +9998,7 @@
         <p:spPr>
           <a:xfrm>
             <a:off x="533520" y="109440"/>
-            <a:ext cx="9066240" cy="1260720"/>
+            <a:ext cx="9065880" cy="1260360"/>
           </a:xfrm>
           <a:prstGeom prst="rect">
             <a:avLst/>
@@ -8517,7 +10049,7 @@
         <p:spPr>
           <a:xfrm>
             <a:off x="503640" y="1769400"/>
-            <a:ext cx="9066240" cy="5637600"/>
+            <a:ext cx="9065880" cy="5637240"/>
           </a:xfrm>
           <a:prstGeom prst="rect">
             <a:avLst/>
@@ -8538,7 +10070,7 @@
             <a:normAutofit fontScale="39000"/>
           </a:bodyPr>
           <a:p>
-            <a:pPr marL="432000" indent="-322200">
+            <a:pPr marL="432000" indent="-321840">
               <a:lnSpc>
                 <a:spcPct val="100000"/>
               </a:lnSpc>
@@ -8567,7 +10099,7 @@
             </a:endParaRPr>
           </a:p>
           <a:p>
-            <a:pPr marL="432000" indent="-322200">
+            <a:pPr marL="432000" indent="-321840">
               <a:lnSpc>
                 <a:spcPct val="100000"/>
               </a:lnSpc>
@@ -8596,7 +10128,7 @@
             </a:endParaRPr>
           </a:p>
           <a:p>
-            <a:pPr marL="432000" indent="-322200">
+            <a:pPr marL="432000" indent="-321840">
               <a:lnSpc>
                 <a:spcPct val="100000"/>
               </a:lnSpc>
@@ -8625,7 +10157,7 @@
             </a:endParaRPr>
           </a:p>
           <a:p>
-            <a:pPr marL="432000" indent="-322200">
+            <a:pPr marL="432000" indent="-321840">
               <a:lnSpc>
                 <a:spcPct val="100000"/>
               </a:lnSpc>
@@ -8654,7 +10186,7 @@
             </a:endParaRPr>
           </a:p>
           <a:p>
-            <a:pPr marL="432000" indent="-322200">
+            <a:pPr marL="432000" indent="-321840">
               <a:lnSpc>
                 <a:spcPct val="100000"/>
               </a:lnSpc>
@@ -8683,7 +10215,7 @@
             </a:endParaRPr>
           </a:p>
           <a:p>
-            <a:pPr marL="432000" indent="-322200">
+            <a:pPr marL="432000" indent="-321840">
               <a:lnSpc>
                 <a:spcPct val="100000"/>
               </a:lnSpc>
@@ -8712,7 +10244,7 @@
             </a:endParaRPr>
           </a:p>
           <a:p>
-            <a:pPr marL="432000" indent="-322200">
+            <a:pPr marL="432000" indent="-321840">
               <a:lnSpc>
                 <a:spcPct val="100000"/>
               </a:lnSpc>
@@ -8741,7 +10273,7 @@
             </a:endParaRPr>
           </a:p>
           <a:p>
-            <a:pPr marL="432000" indent="-322200">
+            <a:pPr marL="432000" indent="-321840">
               <a:lnSpc>
                 <a:spcPct val="100000"/>
               </a:lnSpc>
@@ -8810,7 +10342,7 @@
         <p:spPr>
           <a:xfrm>
             <a:off x="503640" y="109440"/>
-            <a:ext cx="9066240" cy="1260720"/>
+            <a:ext cx="9065880" cy="1260360"/>
           </a:xfrm>
           <a:prstGeom prst="rect">
             <a:avLst/>
@@ -8861,7 +10393,7 @@
         <p:spPr>
           <a:xfrm>
             <a:off x="456840" y="1925280"/>
-            <a:ext cx="9066240" cy="4384080"/>
+            <a:ext cx="9065880" cy="4383720"/>
           </a:xfrm>
           <a:prstGeom prst="rect">
             <a:avLst/>
@@ -8882,7 +10414,7 @@
             <a:normAutofit fontScale="42000"/>
           </a:bodyPr>
           <a:p>
-            <a:pPr marL="432000" indent="-322200">
+            <a:pPr marL="432000" indent="-321840">
               <a:lnSpc>
                 <a:spcPct val="100000"/>
               </a:lnSpc>
@@ -8911,7 +10443,7 @@
             </a:endParaRPr>
           </a:p>
           <a:p>
-            <a:pPr marL="432000" indent="-322200">
+            <a:pPr marL="432000" indent="-321840">
               <a:lnSpc>
                 <a:spcPct val="100000"/>
               </a:lnSpc>
@@ -8940,7 +10472,7 @@
             </a:endParaRPr>
           </a:p>
           <a:p>
-            <a:pPr marL="432000" indent="-322200">
+            <a:pPr marL="432000" indent="-321840">
               <a:lnSpc>
                 <a:spcPct val="100000"/>
               </a:lnSpc>
@@ -8969,7 +10501,7 @@
             </a:endParaRPr>
           </a:p>
           <a:p>
-            <a:pPr marL="432000" indent="-322200">
+            <a:pPr marL="432000" indent="-321840">
               <a:lnSpc>
                 <a:spcPct val="100000"/>
               </a:lnSpc>
@@ -8998,7 +10530,7 @@
             </a:endParaRPr>
           </a:p>
           <a:p>
-            <a:pPr marL="432000" indent="-322200">
+            <a:pPr marL="432000" indent="-321840">
               <a:lnSpc>
                 <a:spcPct val="100000"/>
               </a:lnSpc>
@@ -9027,7 +10559,7 @@
             </a:endParaRPr>
           </a:p>
           <a:p>
-            <a:pPr marL="432000" indent="-322200">
+            <a:pPr marL="432000" indent="-321840">
               <a:lnSpc>
                 <a:spcPct val="100000"/>
               </a:lnSpc>
@@ -9096,7 +10628,7 @@
         <p:spPr>
           <a:xfrm>
             <a:off x="533520" y="182880"/>
-            <a:ext cx="9066240" cy="1260720"/>
+            <a:ext cx="9065880" cy="1260360"/>
           </a:xfrm>
           <a:prstGeom prst="rect">
             <a:avLst/>
@@ -9151,7 +10683,7 @@
         <p:spPr>
           <a:xfrm>
             <a:off x="639720" y="2076480"/>
-            <a:ext cx="8851680" cy="4050000"/>
+            <a:ext cx="8851320" cy="4049640"/>
           </a:xfrm>
           <a:prstGeom prst="rect">
             <a:avLst/>
@@ -9205,7 +10737,7 @@
         <p:spPr>
           <a:xfrm>
             <a:off x="503640" y="109440"/>
-            <a:ext cx="9066240" cy="1260720"/>
+            <a:ext cx="9065880" cy="1260360"/>
           </a:xfrm>
           <a:prstGeom prst="rect">
             <a:avLst/>
@@ -9256,7 +10788,7 @@
         <p:spPr>
           <a:xfrm>
             <a:off x="182520" y="1920600"/>
-            <a:ext cx="9778320" cy="5207400"/>
+            <a:ext cx="9777960" cy="5207040"/>
           </a:xfrm>
           <a:prstGeom prst="rect">
             <a:avLst/>
@@ -9277,7 +10809,7 @@
             <a:normAutofit fontScale="84000"/>
           </a:bodyPr>
           <a:p>
-            <a:pPr marL="432000" indent="-322200">
+            <a:pPr marL="432000" indent="-321840">
               <a:lnSpc>
                 <a:spcPct val="100000"/>
               </a:lnSpc>
@@ -9306,7 +10838,7 @@
             </a:endParaRPr>
           </a:p>
           <a:p>
-            <a:pPr lvl="1" marL="864000" indent="-322200">
+            <a:pPr lvl="1" marL="864000" indent="-321840">
               <a:lnSpc>
                 <a:spcPct val="100000"/>
               </a:lnSpc>
@@ -9335,7 +10867,7 @@
             </a:endParaRPr>
           </a:p>
           <a:p>
-            <a:pPr lvl="1" marL="864000" indent="-322200">
+            <a:pPr lvl="1" marL="864000" indent="-321840">
               <a:lnSpc>
                 <a:spcPct val="100000"/>
               </a:lnSpc>
@@ -9364,7 +10896,7 @@
             </a:endParaRPr>
           </a:p>
           <a:p>
-            <a:pPr lvl="1" marL="864000" indent="-322200">
+            <a:pPr lvl="1" marL="864000" indent="-321840">
               <a:lnSpc>
                 <a:spcPct val="100000"/>
               </a:lnSpc>
@@ -9393,7 +10925,7 @@
             </a:endParaRPr>
           </a:p>
           <a:p>
-            <a:pPr lvl="1" marL="864000" indent="-322200">
+            <a:pPr lvl="1" marL="864000" indent="-321840">
               <a:lnSpc>
                 <a:spcPct val="100000"/>
               </a:lnSpc>
@@ -9422,7 +10954,7 @@
             </a:endParaRPr>
           </a:p>
           <a:p>
-            <a:pPr lvl="1" marL="864000" indent="-322200">
+            <a:pPr lvl="1" marL="864000" indent="-321840">
               <a:lnSpc>
                 <a:spcPct val="100000"/>
               </a:lnSpc>
@@ -9451,7 +10983,7 @@
             </a:endParaRPr>
           </a:p>
           <a:p>
-            <a:pPr lvl="1" marL="864000" indent="-322200">
+            <a:pPr lvl="1" marL="864000" indent="-321840">
               <a:lnSpc>
                 <a:spcPct val="100000"/>
               </a:lnSpc>
@@ -9480,7 +11012,7 @@
             </a:endParaRPr>
           </a:p>
           <a:p>
-            <a:pPr lvl="1" marL="864000" indent="-322200">
+            <a:pPr lvl="1" marL="864000" indent="-321840">
               <a:lnSpc>
                 <a:spcPct val="100000"/>
               </a:lnSpc>
@@ -9509,7 +11041,7 @@
             </a:endParaRPr>
           </a:p>
           <a:p>
-            <a:pPr lvl="1" marL="864000" indent="-322200">
+            <a:pPr lvl="1" marL="864000" indent="-321840">
               <a:lnSpc>
                 <a:spcPct val="100000"/>
               </a:lnSpc>
@@ -9538,7 +11070,7 @@
             </a:endParaRPr>
           </a:p>
           <a:p>
-            <a:pPr lvl="1" marL="864000" indent="-322200">
+            <a:pPr lvl="1" marL="864000" indent="-321840">
               <a:lnSpc>
                 <a:spcPct val="100000"/>
               </a:lnSpc>
@@ -9607,7 +11139,7 @@
         <p:spPr>
           <a:xfrm>
             <a:off x="503640" y="109440"/>
-            <a:ext cx="9066240" cy="1260720"/>
+            <a:ext cx="9065880" cy="1260360"/>
           </a:xfrm>
           <a:prstGeom prst="rect">
             <a:avLst/>
@@ -9658,7 +11190,7 @@
         <p:spPr>
           <a:xfrm>
             <a:off x="503640" y="1769400"/>
-            <a:ext cx="9066240" cy="4384080"/>
+            <a:ext cx="9065880" cy="4383720"/>
           </a:xfrm>
           <a:prstGeom prst="rect">
             <a:avLst/>
@@ -9679,7 +11211,7 @@
             <a:normAutofit/>
           </a:bodyPr>
           <a:p>
-            <a:pPr marL="432000" indent="-322200">
+            <a:pPr marL="432000" indent="-321840">
               <a:lnSpc>
                 <a:spcPct val="100000"/>
               </a:lnSpc>
@@ -9708,7 +11240,7 @@
             </a:endParaRPr>
           </a:p>
           <a:p>
-            <a:pPr lvl="1" marL="864000" indent="-322200">
+            <a:pPr lvl="1" marL="864000" indent="-321840">
               <a:lnSpc>
                 <a:spcPct val="100000"/>
               </a:lnSpc>
@@ -9730,14 +11262,14 @@
                 <a:latin typeface="Open Sans"/>
                 <a:ea typeface="DejaVu Sans"/>
               </a:rPr>
-              <a:t>Json</a:t>
+              <a:t>json</a:t>
             </a:r>
             <a:endParaRPr b="0" lang="en-US" sz="2800" spc="-1" strike="noStrike">
               <a:latin typeface="Arial"/>
             </a:endParaRPr>
           </a:p>
           <a:p>
-            <a:pPr lvl="1" marL="864000" indent="-322200">
+            <a:pPr lvl="1" marL="864000" indent="-321840">
               <a:lnSpc>
                 <a:spcPct val="100000"/>
               </a:lnSpc>
@@ -9759,14 +11291,14 @@
                 <a:latin typeface="Open Sans"/>
                 <a:ea typeface="DejaVu Sans"/>
               </a:rPr>
-              <a:t>Zaml</a:t>
+              <a:t>yaml</a:t>
             </a:r>
             <a:endParaRPr b="0" lang="en-US" sz="2800" spc="-1" strike="noStrike">
               <a:latin typeface="Arial"/>
             </a:endParaRPr>
           </a:p>
           <a:p>
-            <a:pPr lvl="1" marL="864000" indent="-322200">
+            <a:pPr lvl="1" marL="864000" indent="-321840">
               <a:lnSpc>
                 <a:spcPct val="100000"/>
               </a:lnSpc>
@@ -9788,14 +11320,14 @@
                 <a:latin typeface="Open Sans"/>
                 <a:ea typeface="DejaVu Sans"/>
               </a:rPr>
-              <a:t>Toml</a:t>
+              <a:t>toml</a:t>
             </a:r>
             <a:endParaRPr b="0" lang="en-US" sz="2800" spc="-1" strike="noStrike">
               <a:latin typeface="Arial"/>
             </a:endParaRPr>
           </a:p>
           <a:p>
-            <a:pPr lvl="1" marL="864000" indent="-322200">
+            <a:pPr lvl="1" marL="864000" indent="-321840">
               <a:lnSpc>
                 <a:spcPct val="100000"/>
               </a:lnSpc>
@@ -9817,14 +11349,14 @@
                 <a:latin typeface="Open Sans"/>
                 <a:ea typeface="DejaVu Sans"/>
               </a:rPr>
-              <a:t>Xml</a:t>
+              <a:t>xml</a:t>
             </a:r>
             <a:endParaRPr b="0" lang="en-US" sz="2800" spc="-1" strike="noStrike">
               <a:latin typeface="Arial"/>
             </a:endParaRPr>
           </a:p>
           <a:p>
-            <a:pPr lvl="1" marL="864000" indent="-322200">
+            <a:pPr lvl="1" marL="864000" indent="-321840">
               <a:lnSpc>
                 <a:spcPct val="100000"/>
               </a:lnSpc>
@@ -9846,7 +11378,7 @@
                 <a:latin typeface="Open Sans"/>
                 <a:ea typeface="DejaVu Sans"/>
               </a:rPr>
-              <a:t>Hcl</a:t>
+              <a:t>hcl</a:t>
             </a:r>
             <a:endParaRPr b="0" lang="en-US" sz="2800" spc="-1" strike="noStrike">
               <a:latin typeface="Arial"/>
@@ -9893,7 +11425,7 @@
         <p:spPr>
           <a:xfrm>
             <a:off x="503640" y="109440"/>
-            <a:ext cx="9066240" cy="1260720"/>
+            <a:ext cx="9065880" cy="1260360"/>
           </a:xfrm>
           <a:prstGeom prst="rect">
             <a:avLst/>
@@ -9944,7 +11476,7 @@
         <p:spPr>
           <a:xfrm>
             <a:off x="273960" y="1769400"/>
-            <a:ext cx="9295920" cy="5454720"/>
+            <a:ext cx="9295560" cy="5454360"/>
           </a:xfrm>
           <a:prstGeom prst="rect">
             <a:avLst/>
@@ -9965,7 +11497,7 @@
             <a:normAutofit/>
           </a:bodyPr>
           <a:p>
-            <a:pPr marL="432000" indent="-322200">
+            <a:pPr marL="432000" indent="-321840">
               <a:lnSpc>
                 <a:spcPct val="100000"/>
               </a:lnSpc>
@@ -9994,7 +11526,7 @@
             </a:endParaRPr>
           </a:p>
           <a:p>
-            <a:pPr lvl="1" marL="864000" indent="-322200">
+            <a:pPr lvl="1" marL="864000" indent="-321840">
               <a:lnSpc>
                 <a:spcPct val="100000"/>
               </a:lnSpc>
@@ -10023,7 +11555,7 @@
             </a:endParaRPr>
           </a:p>
           <a:p>
-            <a:pPr lvl="1" marL="864000" indent="-322200">
+            <a:pPr lvl="1" marL="864000" indent="-321840">
               <a:lnSpc>
                 <a:spcPct val="100000"/>
               </a:lnSpc>
@@ -10052,7 +11584,7 @@
             </a:endParaRPr>
           </a:p>
           <a:p>
-            <a:pPr lvl="1" marL="864000" indent="-322200">
+            <a:pPr lvl="1" marL="864000" indent="-321840">
               <a:lnSpc>
                 <a:spcPct val="100000"/>
               </a:lnSpc>
@@ -10081,7 +11613,7 @@
             </a:endParaRPr>
           </a:p>
           <a:p>
-            <a:pPr lvl="1" marL="864000" indent="-322200">
+            <a:pPr lvl="1" marL="864000" indent="-321840">
               <a:lnSpc>
                 <a:spcPct val="100000"/>
               </a:lnSpc>
@@ -10110,7 +11642,7 @@
             </a:endParaRPr>
           </a:p>
           <a:p>
-            <a:pPr lvl="1" marL="864000" indent="-322200">
+            <a:pPr lvl="1" marL="864000" indent="-321840">
               <a:lnSpc>
                 <a:spcPct val="100000"/>
               </a:lnSpc>
@@ -10139,7 +11671,7 @@
             </a:endParaRPr>
           </a:p>
           <a:p>
-            <a:pPr lvl="1" marL="864000" indent="-322200">
+            <a:pPr lvl="1" marL="864000" indent="-321840">
               <a:lnSpc>
                 <a:spcPct val="100000"/>
               </a:lnSpc>
@@ -10168,7 +11700,7 @@
             </a:endParaRPr>
           </a:p>
           <a:p>
-            <a:pPr lvl="1" marL="864000" indent="-322200">
+            <a:pPr lvl="1" marL="864000" indent="-321840">
               <a:lnSpc>
                 <a:spcPct val="100000"/>
               </a:lnSpc>
@@ -10197,7 +11729,7 @@
             </a:endParaRPr>
           </a:p>
           <a:p>
-            <a:pPr lvl="1" marL="864000" indent="-322200">
+            <a:pPr lvl="1" marL="864000" indent="-321840">
               <a:lnSpc>
                 <a:spcPct val="100000"/>
               </a:lnSpc>
@@ -10266,7 +11798,7 @@
         <p:spPr>
           <a:xfrm>
             <a:off x="503640" y="109440"/>
-            <a:ext cx="9066240" cy="1260720"/>
+            <a:ext cx="9065880" cy="1260360"/>
           </a:xfrm>
           <a:prstGeom prst="rect">
             <a:avLst/>
@@ -10317,7 +11849,7 @@
         <p:spPr>
           <a:xfrm>
             <a:off x="503640" y="1769400"/>
-            <a:ext cx="9066240" cy="4384080"/>
+            <a:ext cx="9065880" cy="4383720"/>
           </a:xfrm>
           <a:prstGeom prst="rect">
             <a:avLst/>
@@ -10338,7 +11870,7 @@
             <a:normAutofit/>
           </a:bodyPr>
           <a:p>
-            <a:pPr marL="432000" indent="-322200">
+            <a:pPr marL="432000" indent="-321840">
               <a:lnSpc>
                 <a:spcPct val="100000"/>
               </a:lnSpc>
@@ -10367,7 +11899,7 @@
             </a:endParaRPr>
           </a:p>
           <a:p>
-            <a:pPr lvl="1" marL="864000" indent="-322200">
+            <a:pPr lvl="1" marL="864000" indent="-321840">
               <a:lnSpc>
                 <a:spcPct val="100000"/>
               </a:lnSpc>
@@ -10396,7 +11928,7 @@
             </a:endParaRPr>
           </a:p>
           <a:p>
-            <a:pPr lvl="1" marL="864000" indent="-322200">
+            <a:pPr lvl="1" marL="864000" indent="-321840">
               <a:lnSpc>
                 <a:spcPct val="100000"/>
               </a:lnSpc>
@@ -10425,7 +11957,7 @@
             </a:endParaRPr>
           </a:p>
           <a:p>
-            <a:pPr lvl="1" marL="864000" indent="-322200">
+            <a:pPr lvl="1" marL="864000" indent="-321840">
               <a:lnSpc>
                 <a:spcPct val="100000"/>
               </a:lnSpc>
@@ -10454,7 +11986,7 @@
             </a:endParaRPr>
           </a:p>
           <a:p>
-            <a:pPr lvl="1" marL="864000" indent="-322200">
+            <a:pPr lvl="1" marL="864000" indent="-321840">
               <a:lnSpc>
                 <a:spcPct val="100000"/>
               </a:lnSpc>
@@ -10483,7 +12015,7 @@
             </a:endParaRPr>
           </a:p>
           <a:p>
-            <a:pPr lvl="1" marL="864000" indent="-322200">
+            <a:pPr lvl="1" marL="864000" indent="-321840">
               <a:lnSpc>
                 <a:spcPct val="100000"/>
               </a:lnSpc>

--- a/GoMicroUvod.pptx
+++ b/GoMicroUvod.pptx
@@ -9,31 +9,34 @@
     <p:sldMasterId id="2147483700" r:id="rId6"/>
     <p:sldMasterId id="2147483713" r:id="rId7"/>
     <p:sldMasterId id="2147483726" r:id="rId8"/>
+    <p:sldMasterId id="2147483739" r:id="rId9"/>
   </p:sldMasterIdLst>
   <p:notesMasterIdLst>
-    <p:notesMasterId r:id="rId9"/>
+    <p:notesMasterId r:id="rId10"/>
   </p:notesMasterIdLst>
   <p:sldIdLst>
-    <p:sldId id="256" r:id="rId10"/>
-    <p:sldId id="257" r:id="rId11"/>
-    <p:sldId id="258" r:id="rId12"/>
-    <p:sldId id="259" r:id="rId13"/>
-    <p:sldId id="260" r:id="rId14"/>
-    <p:sldId id="261" r:id="rId15"/>
-    <p:sldId id="262" r:id="rId16"/>
-    <p:sldId id="263" r:id="rId17"/>
-    <p:sldId id="264" r:id="rId18"/>
-    <p:sldId id="265" r:id="rId19"/>
-    <p:sldId id="266" r:id="rId20"/>
-    <p:sldId id="267" r:id="rId21"/>
-    <p:sldId id="268" r:id="rId22"/>
-    <p:sldId id="269" r:id="rId23"/>
-    <p:sldId id="270" r:id="rId24"/>
-    <p:sldId id="271" r:id="rId25"/>
-    <p:sldId id="272" r:id="rId26"/>
-    <p:sldId id="273" r:id="rId27"/>
-    <p:sldId id="274" r:id="rId28"/>
-    <p:sldId id="275" r:id="rId29"/>
+    <p:sldId id="256" r:id="rId11"/>
+    <p:sldId id="257" r:id="rId12"/>
+    <p:sldId id="258" r:id="rId13"/>
+    <p:sldId id="259" r:id="rId14"/>
+    <p:sldId id="260" r:id="rId15"/>
+    <p:sldId id="261" r:id="rId16"/>
+    <p:sldId id="262" r:id="rId17"/>
+    <p:sldId id="263" r:id="rId18"/>
+    <p:sldId id="264" r:id="rId19"/>
+    <p:sldId id="265" r:id="rId20"/>
+    <p:sldId id="266" r:id="rId21"/>
+    <p:sldId id="267" r:id="rId22"/>
+    <p:sldId id="268" r:id="rId23"/>
+    <p:sldId id="269" r:id="rId24"/>
+    <p:sldId id="270" r:id="rId25"/>
+    <p:sldId id="271" r:id="rId26"/>
+    <p:sldId id="272" r:id="rId27"/>
+    <p:sldId id="273" r:id="rId28"/>
+    <p:sldId id="274" r:id="rId29"/>
+    <p:sldId id="275" r:id="rId30"/>
+    <p:sldId id="276" r:id="rId31"/>
+    <p:sldId id="277" r:id="rId32"/>
   </p:sldIdLst>
   <p:sldSz cx="10077450" cy="7562850"/>
   <p:notesSz cx="7772400" cy="10058400"/>
@@ -59,7 +62,7 @@
       </p:grpSpPr>
       <p:sp>
         <p:nvSpPr>
-          <p:cNvPr id="266" name="PlaceHolder 1"/>
+          <p:cNvPr id="304" name="PlaceHolder 1"/>
           <p:cNvSpPr>
             <a:spLocks noGrp="1"/>
           </p:cNvSpPr>
@@ -96,7 +99,7 @@
       </p:sp>
       <p:sp>
         <p:nvSpPr>
-          <p:cNvPr id="267" name="PlaceHolder 2"/>
+          <p:cNvPr id="305" name="PlaceHolder 2"/>
           <p:cNvSpPr>
             <a:spLocks noGrp="1"/>
           </p:cNvSpPr>
@@ -132,7 +135,7 @@
       </p:sp>
       <p:sp>
         <p:nvSpPr>
-          <p:cNvPr id="268" name="PlaceHolder 3"/>
+          <p:cNvPr id="306" name="PlaceHolder 3"/>
           <p:cNvSpPr>
             <a:spLocks noGrp="1"/>
           </p:cNvSpPr>
@@ -168,7 +171,7 @@
       </p:sp>
       <p:sp>
         <p:nvSpPr>
-          <p:cNvPr id="269" name="PlaceHolder 4"/>
+          <p:cNvPr id="307" name="PlaceHolder 4"/>
           <p:cNvSpPr>
             <a:spLocks noGrp="1"/>
           </p:cNvSpPr>
@@ -205,7 +208,7 @@
       </p:sp>
       <p:sp>
         <p:nvSpPr>
-          <p:cNvPr id="270" name="PlaceHolder 5"/>
+          <p:cNvPr id="308" name="PlaceHolder 5"/>
           <p:cNvSpPr>
             <a:spLocks noGrp="1"/>
           </p:cNvSpPr>
@@ -241,7 +244,7 @@
       </p:sp>
       <p:sp>
         <p:nvSpPr>
-          <p:cNvPr id="271" name="PlaceHolder 6"/>
+          <p:cNvPr id="309" name="PlaceHolder 6"/>
           <p:cNvSpPr>
             <a:spLocks noGrp="1"/>
           </p:cNvSpPr>
@@ -264,7 +267,7 @@
           </a:bodyPr>
           <a:p>
             <a:pPr algn="r"/>
-            <a:fld id="{241DBF26-568E-49B1-B5DD-2627A2B40974}" type="slidenum">
+            <a:fld id="{51715FA6-4B1E-4427-907F-2453B367F32C}" type="slidenum">
               <a:rPr b="0" lang="en-US" sz="1400" spc="-1" strike="noStrike">
                 <a:latin typeface="Times New Roman"/>
               </a:rPr>
@@ -301,7 +304,7 @@
       </p:grpSpPr>
       <p:sp>
         <p:nvSpPr>
-          <p:cNvPr id="322" name="PlaceHolder 1"/>
+          <p:cNvPr id="364" name="PlaceHolder 1"/>
           <p:cNvSpPr>
             <a:spLocks noGrp="1"/>
           </p:cNvSpPr>
@@ -312,16 +315,16 @@
         <p:spPr>
           <a:xfrm>
             <a:off x="1373400" y="764280"/>
-            <a:ext cx="5024520" cy="3770640"/>
-          </a:xfrm>
-          <a:prstGeom prst="rect">
-            <a:avLst/>
-          </a:prstGeom>
-        </p:spPr>
-      </p:sp>
-      <p:sp>
-        <p:nvSpPr>
-          <p:cNvPr id="323" name="PlaceHolder 2"/>
+            <a:ext cx="5023800" cy="3769920"/>
+          </a:xfrm>
+          <a:prstGeom prst="rect">
+            <a:avLst/>
+          </a:prstGeom>
+        </p:spPr>
+      </p:sp>
+      <p:sp>
+        <p:nvSpPr>
+          <p:cNvPr id="365" name="PlaceHolder 2"/>
           <p:cNvSpPr>
             <a:spLocks noGrp="1"/>
           </p:cNvSpPr>
@@ -332,7 +335,7 @@
         <p:spPr>
           <a:xfrm>
             <a:off x="777240" y="4777560"/>
-            <a:ext cx="6216840" cy="4525200"/>
+            <a:ext cx="6216120" cy="4524480"/>
           </a:xfrm>
           <a:prstGeom prst="rect">
             <a:avLst/>
@@ -343,7 +346,7 @@
             <a:noAutofit/>
           </a:bodyPr>
           <a:p>
-            <a:pPr marL="216000" indent="-215640">
+            <a:pPr marL="216000" indent="-214920">
               <a:lnSpc>
                 <a:spcPct val="100000"/>
               </a:lnSpc>
@@ -359,7 +362,7 @@
             </a:endParaRPr>
           </a:p>
           <a:p>
-            <a:pPr marL="216000" indent="-215640">
+            <a:pPr marL="216000" indent="-214920">
               <a:lnSpc>
                 <a:spcPct val="100000"/>
               </a:lnSpc>
@@ -375,7 +378,7 @@
             </a:endParaRPr>
           </a:p>
           <a:p>
-            <a:pPr marL="216000" indent="-215640">
+            <a:pPr marL="216000" indent="-214920">
               <a:lnSpc>
                 <a:spcPct val="100000"/>
               </a:lnSpc>
@@ -410,7 +413,7 @@
       </p:grpSpPr>
       <p:sp>
         <p:nvSpPr>
-          <p:cNvPr id="324" name="PlaceHolder 1"/>
+          <p:cNvPr id="366" name="PlaceHolder 1"/>
           <p:cNvSpPr>
             <a:spLocks noGrp="1"/>
           </p:cNvSpPr>
@@ -421,16 +424,16 @@
         <p:spPr>
           <a:xfrm>
             <a:off x="1373400" y="764280"/>
-            <a:ext cx="5024520" cy="3770640"/>
-          </a:xfrm>
-          <a:prstGeom prst="rect">
-            <a:avLst/>
-          </a:prstGeom>
-        </p:spPr>
-      </p:sp>
-      <p:sp>
-        <p:nvSpPr>
-          <p:cNvPr id="325" name="PlaceHolder 2"/>
+            <a:ext cx="5023800" cy="3769920"/>
+          </a:xfrm>
+          <a:prstGeom prst="rect">
+            <a:avLst/>
+          </a:prstGeom>
+        </p:spPr>
+      </p:sp>
+      <p:sp>
+        <p:nvSpPr>
+          <p:cNvPr id="367" name="PlaceHolder 2"/>
           <p:cNvSpPr>
             <a:spLocks noGrp="1"/>
           </p:cNvSpPr>
@@ -441,7 +444,7 @@
         <p:spPr>
           <a:xfrm>
             <a:off x="777240" y="4777560"/>
-            <a:ext cx="6216840" cy="4525200"/>
+            <a:ext cx="6216120" cy="4524480"/>
           </a:xfrm>
           <a:prstGeom prst="rect">
             <a:avLst/>
@@ -452,7 +455,7 @@
             <a:noAutofit/>
           </a:bodyPr>
           <a:p>
-            <a:pPr marL="216000" indent="-215640">
+            <a:pPr marL="216000" indent="-214920">
               <a:lnSpc>
                 <a:spcPct val="100000"/>
               </a:lnSpc>
@@ -468,7 +471,7 @@
             </a:endParaRPr>
           </a:p>
           <a:p>
-            <a:pPr marL="216000" indent="-215640">
+            <a:pPr marL="216000" indent="-214920">
               <a:lnSpc>
                 <a:spcPct val="100000"/>
               </a:lnSpc>
@@ -484,7 +487,7 @@
             </a:endParaRPr>
           </a:p>
           <a:p>
-            <a:pPr marL="216000" indent="-215640">
+            <a:pPr marL="216000" indent="-214920">
               <a:lnSpc>
                 <a:spcPct val="100000"/>
               </a:lnSpc>
@@ -500,7 +503,7 @@
             </a:endParaRPr>
           </a:p>
           <a:p>
-            <a:pPr marL="216000" indent="-215640">
+            <a:pPr marL="216000" indent="-214920">
               <a:lnSpc>
                 <a:spcPct val="100000"/>
               </a:lnSpc>
@@ -516,7 +519,7 @@
             </a:endParaRPr>
           </a:p>
           <a:p>
-            <a:pPr marL="216000" indent="-215640">
+            <a:pPr marL="216000" indent="-214920">
               <a:lnSpc>
                 <a:spcPct val="100000"/>
               </a:lnSpc>
@@ -532,7 +535,7 @@
             </a:endParaRPr>
           </a:p>
           <a:p>
-            <a:pPr marL="216000" indent="-215640">
+            <a:pPr marL="216000" indent="-214920">
               <a:lnSpc>
                 <a:spcPct val="100000"/>
               </a:lnSpc>
@@ -548,7 +551,7 @@
             </a:endParaRPr>
           </a:p>
           <a:p>
-            <a:pPr marL="216000" indent="-215640">
+            <a:pPr marL="216000" indent="-214920">
               <a:lnSpc>
                 <a:spcPct val="100000"/>
               </a:lnSpc>
@@ -564,7 +567,7 @@
             </a:endParaRPr>
           </a:p>
           <a:p>
-            <a:pPr marL="216000" indent="-215640">
+            <a:pPr marL="216000" indent="-214920">
               <a:lnSpc>
                 <a:spcPct val="100000"/>
               </a:lnSpc>
@@ -580,7 +583,7 @@
             </a:endParaRPr>
           </a:p>
           <a:p>
-            <a:pPr marL="216000" indent="-215640">
+            <a:pPr marL="216000" indent="-214920">
               <a:lnSpc>
                 <a:spcPct val="100000"/>
               </a:lnSpc>
@@ -596,7 +599,7 @@
             </a:endParaRPr>
           </a:p>
           <a:p>
-            <a:pPr marL="216000" indent="-215640">
+            <a:pPr marL="216000" indent="-214920">
               <a:lnSpc>
                 <a:spcPct val="100000"/>
               </a:lnSpc>
@@ -612,7 +615,7 @@
             </a:endParaRPr>
           </a:p>
           <a:p>
-            <a:pPr marL="216000" indent="-215640">
+            <a:pPr marL="216000" indent="-214920">
               <a:lnSpc>
                 <a:spcPct val="100000"/>
               </a:lnSpc>
@@ -653,7 +656,7 @@
       </p:grpSpPr>
       <p:sp>
         <p:nvSpPr>
-          <p:cNvPr id="316" name="PlaceHolder 1"/>
+          <p:cNvPr id="358" name="PlaceHolder 1"/>
           <p:cNvSpPr>
             <a:spLocks noGrp="1"/>
           </p:cNvSpPr>
@@ -664,16 +667,16 @@
         <p:spPr>
           <a:xfrm>
             <a:off x="1371600" y="764280"/>
-            <a:ext cx="5025600" cy="3768480"/>
-          </a:xfrm>
-          <a:prstGeom prst="rect">
-            <a:avLst/>
-          </a:prstGeom>
-        </p:spPr>
-      </p:sp>
-      <p:sp>
-        <p:nvSpPr>
-          <p:cNvPr id="317" name="PlaceHolder 2"/>
+            <a:ext cx="5024880" cy="3767760"/>
+          </a:xfrm>
+          <a:prstGeom prst="rect">
+            <a:avLst/>
+          </a:prstGeom>
+        </p:spPr>
+      </p:sp>
+      <p:sp>
+        <p:nvSpPr>
+          <p:cNvPr id="359" name="PlaceHolder 2"/>
           <p:cNvSpPr>
             <a:spLocks noGrp="1"/>
           </p:cNvSpPr>
@@ -684,7 +687,7 @@
         <p:spPr>
           <a:xfrm>
             <a:off x="777240" y="4603320"/>
-            <a:ext cx="6214680" cy="5635080"/>
+            <a:ext cx="6213960" cy="5634360"/>
           </a:xfrm>
           <a:prstGeom prst="rect">
             <a:avLst/>
@@ -695,7 +698,7 @@
             <a:noAutofit/>
           </a:bodyPr>
           <a:p>
-            <a:pPr marL="216000" indent="-213480">
+            <a:pPr marL="216000" indent="-212760">
               <a:lnSpc>
                 <a:spcPct val="100000"/>
               </a:lnSpc>
@@ -711,7 +714,7 @@
             </a:endParaRPr>
           </a:p>
           <a:p>
-            <a:pPr marL="216000" indent="-213480">
+            <a:pPr marL="216000" indent="-212760">
               <a:lnSpc>
                 <a:spcPct val="100000"/>
               </a:lnSpc>
@@ -727,7 +730,7 @@
             </a:endParaRPr>
           </a:p>
           <a:p>
-            <a:pPr marL="216000" indent="-213480">
+            <a:pPr marL="216000" indent="-212760">
               <a:lnSpc>
                 <a:spcPct val="100000"/>
               </a:lnSpc>
@@ -743,7 +746,7 @@
             </a:endParaRPr>
           </a:p>
           <a:p>
-            <a:pPr marL="216000" indent="-213480">
+            <a:pPr marL="216000" indent="-212760">
               <a:lnSpc>
                 <a:spcPct val="100000"/>
               </a:lnSpc>
@@ -759,7 +762,7 @@
             </a:endParaRPr>
           </a:p>
           <a:p>
-            <a:pPr marL="216000" indent="-213480">
+            <a:pPr marL="216000" indent="-212760">
               <a:lnSpc>
                 <a:spcPct val="100000"/>
               </a:lnSpc>
@@ -775,7 +778,7 @@
             </a:endParaRPr>
           </a:p>
           <a:p>
-            <a:pPr marL="216000" indent="-213480">
+            <a:pPr marL="216000" indent="-212760">
               <a:lnSpc>
                 <a:spcPct val="100000"/>
               </a:lnSpc>
@@ -791,7 +794,7 @@
             </a:endParaRPr>
           </a:p>
           <a:p>
-            <a:pPr marL="216000" indent="-213480">
+            <a:pPr marL="216000" indent="-212760">
               <a:lnSpc>
                 <a:spcPct val="100000"/>
               </a:lnSpc>
@@ -807,7 +810,7 @@
             </a:endParaRPr>
           </a:p>
           <a:p>
-            <a:pPr marL="216000" indent="-213480">
+            <a:pPr marL="216000" indent="-212760">
               <a:lnSpc>
                 <a:spcPct val="100000"/>
               </a:lnSpc>
@@ -848,7 +851,7 @@
       </p:grpSpPr>
       <p:sp>
         <p:nvSpPr>
-          <p:cNvPr id="318" name="PlaceHolder 1"/>
+          <p:cNvPr id="360" name="PlaceHolder 1"/>
           <p:cNvSpPr>
             <a:spLocks noGrp="1"/>
           </p:cNvSpPr>
@@ -859,16 +862,16 @@
         <p:spPr>
           <a:xfrm>
             <a:off x="1371600" y="764280"/>
-            <a:ext cx="5025600" cy="3768480"/>
-          </a:xfrm>
-          <a:prstGeom prst="rect">
-            <a:avLst/>
-          </a:prstGeom>
-        </p:spPr>
-      </p:sp>
-      <p:sp>
-        <p:nvSpPr>
-          <p:cNvPr id="319" name="PlaceHolder 2"/>
+            <a:ext cx="5024880" cy="3767760"/>
+          </a:xfrm>
+          <a:prstGeom prst="rect">
+            <a:avLst/>
+          </a:prstGeom>
+        </p:spPr>
+      </p:sp>
+      <p:sp>
+        <p:nvSpPr>
+          <p:cNvPr id="361" name="PlaceHolder 2"/>
           <p:cNvSpPr>
             <a:spLocks noGrp="1"/>
           </p:cNvSpPr>
@@ -879,7 +882,7 @@
         <p:spPr>
           <a:xfrm>
             <a:off x="777240" y="4777560"/>
-            <a:ext cx="6214680" cy="4523040"/>
+            <a:ext cx="6213960" cy="4522320"/>
           </a:xfrm>
           <a:prstGeom prst="rect">
             <a:avLst/>
@@ -890,7 +893,7 @@
             <a:noAutofit/>
           </a:bodyPr>
           <a:p>
-            <a:pPr marL="216000" indent="-213480">
+            <a:pPr marL="216000" indent="-212760">
               <a:lnSpc>
                 <a:spcPct val="100000"/>
               </a:lnSpc>
@@ -906,7 +909,7 @@
             </a:endParaRPr>
           </a:p>
           <a:p>
-            <a:pPr marL="216000" indent="-213480">
+            <a:pPr marL="216000" indent="-212760">
               <a:lnSpc>
                 <a:spcPct val="100000"/>
               </a:lnSpc>
@@ -922,7 +925,7 @@
             </a:endParaRPr>
           </a:p>
           <a:p>
-            <a:pPr marL="216000" indent="-213480">
+            <a:pPr marL="216000" indent="-212760">
               <a:lnSpc>
                 <a:spcPct val="100000"/>
               </a:lnSpc>
@@ -938,7 +941,7 @@
             </a:endParaRPr>
           </a:p>
           <a:p>
-            <a:pPr marL="216000" indent="-213480">
+            <a:pPr marL="216000" indent="-212760">
               <a:lnSpc>
                 <a:spcPct val="100000"/>
               </a:lnSpc>
@@ -954,7 +957,7 @@
             </a:endParaRPr>
           </a:p>
           <a:p>
-            <a:pPr marL="216000" indent="-213480">
+            <a:pPr marL="216000" indent="-212760">
               <a:lnSpc>
                 <a:spcPct val="100000"/>
               </a:lnSpc>
@@ -970,7 +973,7 @@
             </a:endParaRPr>
           </a:p>
           <a:p>
-            <a:pPr marL="216000" indent="-213480">
+            <a:pPr marL="216000" indent="-212760">
               <a:lnSpc>
                 <a:spcPct val="100000"/>
               </a:lnSpc>
@@ -986,7 +989,7 @@
             </a:endParaRPr>
           </a:p>
           <a:p>
-            <a:pPr marL="216000" indent="-213480">
+            <a:pPr marL="216000" indent="-212760">
               <a:lnSpc>
                 <a:spcPct val="100000"/>
               </a:lnSpc>
@@ -1002,7 +1005,7 @@
             </a:endParaRPr>
           </a:p>
           <a:p>
-            <a:pPr marL="216000" indent="-213480">
+            <a:pPr marL="216000" indent="-212760">
               <a:lnSpc>
                 <a:spcPct val="100000"/>
               </a:lnSpc>
@@ -1018,7 +1021,7 @@
             </a:endParaRPr>
           </a:p>
           <a:p>
-            <a:pPr marL="216000" indent="-213480">
+            <a:pPr marL="216000" indent="-212760">
               <a:lnSpc>
                 <a:spcPct val="100000"/>
               </a:lnSpc>
@@ -1028,7 +1031,7 @@
             </a:endParaRPr>
           </a:p>
           <a:p>
-            <a:pPr marL="216000" indent="-213480">
+            <a:pPr marL="216000" indent="-212760">
               <a:lnSpc>
                 <a:spcPct val="100000"/>
               </a:lnSpc>
@@ -1044,7 +1047,7 @@
             </a:endParaRPr>
           </a:p>
           <a:p>
-            <a:pPr marL="216000" indent="-213480">
+            <a:pPr marL="216000" indent="-212760">
               <a:lnSpc>
                 <a:spcPct val="100000"/>
               </a:lnSpc>
@@ -1079,7 +1082,7 @@
       </p:grpSpPr>
       <p:sp>
         <p:nvSpPr>
-          <p:cNvPr id="320" name="PlaceHolder 1"/>
+          <p:cNvPr id="362" name="PlaceHolder 1"/>
           <p:cNvSpPr>
             <a:spLocks noGrp="1"/>
           </p:cNvSpPr>
@@ -1090,16 +1093,16 @@
         <p:spPr>
           <a:xfrm>
             <a:off x="1371600" y="764280"/>
-            <a:ext cx="5025600" cy="3768480"/>
-          </a:xfrm>
-          <a:prstGeom prst="rect">
-            <a:avLst/>
-          </a:prstGeom>
-        </p:spPr>
-      </p:sp>
-      <p:sp>
-        <p:nvSpPr>
-          <p:cNvPr id="321" name="PlaceHolder 2"/>
+            <a:ext cx="5024880" cy="3767760"/>
+          </a:xfrm>
+          <a:prstGeom prst="rect">
+            <a:avLst/>
+          </a:prstGeom>
+        </p:spPr>
+      </p:sp>
+      <p:sp>
+        <p:nvSpPr>
+          <p:cNvPr id="363" name="PlaceHolder 2"/>
           <p:cNvSpPr>
             <a:spLocks noGrp="1"/>
           </p:cNvSpPr>
@@ -1110,7 +1113,7 @@
         <p:spPr>
           <a:xfrm>
             <a:off x="777240" y="4777560"/>
-            <a:ext cx="6214680" cy="4523040"/>
+            <a:ext cx="6213960" cy="4522320"/>
           </a:xfrm>
           <a:prstGeom prst="rect">
             <a:avLst/>
@@ -1121,7 +1124,7 @@
             <a:noAutofit/>
           </a:bodyPr>
           <a:p>
-            <a:pPr marL="216000" indent="-213480">
+            <a:pPr marL="216000" indent="-212760">
               <a:lnSpc>
                 <a:spcPct val="100000"/>
               </a:lnSpc>
@@ -1137,7 +1140,7 @@
             </a:endParaRPr>
           </a:p>
           <a:p>
-            <a:pPr marL="216000" indent="-213480">
+            <a:pPr marL="216000" indent="-212760">
               <a:lnSpc>
                 <a:spcPct val="100000"/>
               </a:lnSpc>
@@ -1153,7 +1156,7 @@
             </a:endParaRPr>
           </a:p>
           <a:p>
-            <a:pPr marL="216000" indent="-213480">
+            <a:pPr marL="216000" indent="-212760">
               <a:lnSpc>
                 <a:spcPct val="100000"/>
               </a:lnSpc>
@@ -1169,7 +1172,7 @@
             </a:endParaRPr>
           </a:p>
           <a:p>
-            <a:pPr marL="216000" indent="-213480">
+            <a:pPr marL="216000" indent="-212760">
               <a:lnSpc>
                 <a:spcPct val="100000"/>
               </a:lnSpc>
@@ -1185,7 +1188,7 @@
             </a:endParaRPr>
           </a:p>
           <a:p>
-            <a:pPr marL="216000" indent="-213480">
+            <a:pPr marL="216000" indent="-212760">
               <a:lnSpc>
                 <a:spcPct val="100000"/>
               </a:lnSpc>
@@ -10556,6 +10559,361 @@
 </p:sldLayout>
 </file>
 
+<file path=ppt/slideLayouts/slideLayout85.xml><?xml version="1.0" encoding="utf-8"?>
+<p:sldLayout xmlns:a="http://schemas.openxmlformats.org/drawingml/2006/main" xmlns:p="http://schemas.openxmlformats.org/presentationml/2006/main" xmlns:r="http://schemas.openxmlformats.org/officeDocument/2006/relationships" xmlns:p14="http://schemas.microsoft.com/office/powerpoint/2010/main" xmlns:p15="http://schemas.microsoft.com/office/powerpoint/2012/main" xmlns:mc="http://schemas.openxmlformats.org/markup-compatibility/2006" type="blank" preserve="1">
+  <p:cSld name="Blank Slide">
+    <p:spTree>
+      <p:nvGrpSpPr>
+        <p:cNvPr id="1" name=""/>
+        <p:cNvGrpSpPr/>
+        <p:nvPr/>
+      </p:nvGrpSpPr>
+      <p:grpSpPr>
+        <a:xfrm>
+          <a:off x="0" y="0"/>
+          <a:ext cx="0" cy="0"/>
+          <a:chOff x="0" y="0"/>
+          <a:chExt cx="0" cy="0"/>
+        </a:xfrm>
+      </p:grpSpPr>
+    </p:spTree>
+  </p:cSld>
+</p:sldLayout>
+</file>
+
+<file path=ppt/slideLayouts/slideLayout86.xml><?xml version="1.0" encoding="utf-8"?>
+<p:sldLayout xmlns:a="http://schemas.openxmlformats.org/drawingml/2006/main" xmlns:p="http://schemas.openxmlformats.org/presentationml/2006/main" xmlns:r="http://schemas.openxmlformats.org/officeDocument/2006/relationships" xmlns:p14="http://schemas.microsoft.com/office/powerpoint/2010/main" xmlns:p15="http://schemas.microsoft.com/office/powerpoint/2012/main" xmlns:mc="http://schemas.openxmlformats.org/markup-compatibility/2006" type="tx" preserve="1">
+  <p:cSld name="Title Slide">
+    <p:spTree>
+      <p:nvGrpSpPr>
+        <p:cNvPr id="1" name=""/>
+        <p:cNvGrpSpPr/>
+        <p:nvPr/>
+      </p:nvGrpSpPr>
+      <p:grpSpPr>
+        <a:xfrm>
+          <a:off x="0" y="0"/>
+          <a:ext cx="0" cy="0"/>
+          <a:chOff x="0" y="0"/>
+          <a:chExt cx="0" cy="0"/>
+        </a:xfrm>
+      </p:grpSpPr>
+      <p:sp>
+        <p:nvSpPr>
+          <p:cNvPr id="268" name="PlaceHolder 1"/>
+          <p:cNvSpPr>
+            <a:spLocks noGrp="1"/>
+          </p:cNvSpPr>
+          <p:nvPr>
+            <p:ph type="title"/>
+          </p:nvPr>
+        </p:nvSpPr>
+        <p:spPr>
+          <a:xfrm>
+            <a:off x="503640" y="301680"/>
+            <a:ext cx="9069120" cy="1262520"/>
+          </a:xfrm>
+          <a:prstGeom prst="rect">
+            <a:avLst/>
+          </a:prstGeom>
+        </p:spPr>
+        <p:txBody>
+          <a:bodyPr lIns="0" rIns="0" tIns="0" bIns="0" anchor="ctr">
+            <a:noAutofit/>
+          </a:bodyPr>
+          <a:p>
+            <a:pPr algn="ctr"/>
+            <a:endParaRPr b="0" lang="en-US" sz="4400" spc="-1" strike="noStrike">
+              <a:latin typeface="Arial"/>
+            </a:endParaRPr>
+          </a:p>
+        </p:txBody>
+      </p:sp>
+      <p:sp>
+        <p:nvSpPr>
+          <p:cNvPr id="269" name="PlaceHolder 2"/>
+          <p:cNvSpPr>
+            <a:spLocks noGrp="1"/>
+          </p:cNvSpPr>
+          <p:nvPr>
+            <p:ph type="subTitle"/>
+          </p:nvPr>
+        </p:nvSpPr>
+        <p:spPr>
+          <a:xfrm>
+            <a:off x="503640" y="1769400"/>
+            <a:ext cx="9069120" cy="4385880"/>
+          </a:xfrm>
+          <a:prstGeom prst="rect">
+            <a:avLst/>
+          </a:prstGeom>
+        </p:spPr>
+        <p:txBody>
+          <a:bodyPr lIns="0" rIns="0" tIns="0" bIns="0" anchor="ctr">
+            <a:noAutofit/>
+          </a:bodyPr>
+          <a:p>
+            <a:pPr algn="ctr"/>
+            <a:endParaRPr b="0" lang="en-US" sz="3200" spc="-1" strike="noStrike">
+              <a:latin typeface="Arial"/>
+            </a:endParaRPr>
+          </a:p>
+        </p:txBody>
+      </p:sp>
+    </p:spTree>
+  </p:cSld>
+</p:sldLayout>
+</file>
+
+<file path=ppt/slideLayouts/slideLayout87.xml><?xml version="1.0" encoding="utf-8"?>
+<p:sldLayout xmlns:a="http://schemas.openxmlformats.org/drawingml/2006/main" xmlns:p="http://schemas.openxmlformats.org/presentationml/2006/main" xmlns:r="http://schemas.openxmlformats.org/officeDocument/2006/relationships" xmlns:p14="http://schemas.microsoft.com/office/powerpoint/2010/main" xmlns:p15="http://schemas.microsoft.com/office/powerpoint/2012/main" xmlns:mc="http://schemas.openxmlformats.org/markup-compatibility/2006" type="obj" preserve="1">
+  <p:cSld name="Title, Content">
+    <p:spTree>
+      <p:nvGrpSpPr>
+        <p:cNvPr id="1" name=""/>
+        <p:cNvGrpSpPr/>
+        <p:nvPr/>
+      </p:nvGrpSpPr>
+      <p:grpSpPr>
+        <a:xfrm>
+          <a:off x="0" y="0"/>
+          <a:ext cx="0" cy="0"/>
+          <a:chOff x="0" y="0"/>
+          <a:chExt cx="0" cy="0"/>
+        </a:xfrm>
+      </p:grpSpPr>
+      <p:sp>
+        <p:nvSpPr>
+          <p:cNvPr id="270" name="PlaceHolder 1"/>
+          <p:cNvSpPr>
+            <a:spLocks noGrp="1"/>
+          </p:cNvSpPr>
+          <p:nvPr>
+            <p:ph type="title"/>
+          </p:nvPr>
+        </p:nvSpPr>
+        <p:spPr>
+          <a:xfrm>
+            <a:off x="503640" y="301680"/>
+            <a:ext cx="9069120" cy="1262520"/>
+          </a:xfrm>
+          <a:prstGeom prst="rect">
+            <a:avLst/>
+          </a:prstGeom>
+        </p:spPr>
+        <p:txBody>
+          <a:bodyPr lIns="0" rIns="0" tIns="0" bIns="0" anchor="ctr">
+            <a:noAutofit/>
+          </a:bodyPr>
+          <a:p>
+            <a:pPr algn="ctr"/>
+            <a:endParaRPr b="0" lang="en-US" sz="4400" spc="-1" strike="noStrike">
+              <a:latin typeface="Arial"/>
+            </a:endParaRPr>
+          </a:p>
+        </p:txBody>
+      </p:sp>
+      <p:sp>
+        <p:nvSpPr>
+          <p:cNvPr id="271" name="PlaceHolder 2"/>
+          <p:cNvSpPr>
+            <a:spLocks noGrp="1"/>
+          </p:cNvSpPr>
+          <p:nvPr>
+            <p:ph type="body"/>
+          </p:nvPr>
+        </p:nvSpPr>
+        <p:spPr>
+          <a:xfrm>
+            <a:off x="503640" y="1769400"/>
+            <a:ext cx="9069120" cy="4385880"/>
+          </a:xfrm>
+          <a:prstGeom prst="rect">
+            <a:avLst/>
+          </a:prstGeom>
+        </p:spPr>
+        <p:txBody>
+          <a:bodyPr lIns="0" rIns="0" tIns="0" bIns="0">
+            <a:normAutofit/>
+          </a:bodyPr>
+          <a:p>
+            <a:endParaRPr b="0" lang="en-US" sz="3200" spc="-1" strike="noStrike">
+              <a:latin typeface="Arial"/>
+            </a:endParaRPr>
+          </a:p>
+        </p:txBody>
+      </p:sp>
+    </p:spTree>
+  </p:cSld>
+</p:sldLayout>
+</file>
+
+<file path=ppt/slideLayouts/slideLayout88.xml><?xml version="1.0" encoding="utf-8"?>
+<p:sldLayout xmlns:a="http://schemas.openxmlformats.org/drawingml/2006/main" xmlns:p="http://schemas.openxmlformats.org/presentationml/2006/main" xmlns:r="http://schemas.openxmlformats.org/officeDocument/2006/relationships" xmlns:p14="http://schemas.microsoft.com/office/powerpoint/2010/main" xmlns:p15="http://schemas.microsoft.com/office/powerpoint/2012/main" xmlns:mc="http://schemas.openxmlformats.org/markup-compatibility/2006" type="twoObj" preserve="1">
+  <p:cSld name="Title, 2 Content">
+    <p:spTree>
+      <p:nvGrpSpPr>
+        <p:cNvPr id="1" name=""/>
+        <p:cNvGrpSpPr/>
+        <p:nvPr/>
+      </p:nvGrpSpPr>
+      <p:grpSpPr>
+        <a:xfrm>
+          <a:off x="0" y="0"/>
+          <a:ext cx="0" cy="0"/>
+          <a:chOff x="0" y="0"/>
+          <a:chExt cx="0" cy="0"/>
+        </a:xfrm>
+      </p:grpSpPr>
+      <p:sp>
+        <p:nvSpPr>
+          <p:cNvPr id="272" name="PlaceHolder 1"/>
+          <p:cNvSpPr>
+            <a:spLocks noGrp="1"/>
+          </p:cNvSpPr>
+          <p:nvPr>
+            <p:ph type="title"/>
+          </p:nvPr>
+        </p:nvSpPr>
+        <p:spPr>
+          <a:xfrm>
+            <a:off x="503640" y="301680"/>
+            <a:ext cx="9069120" cy="1262520"/>
+          </a:xfrm>
+          <a:prstGeom prst="rect">
+            <a:avLst/>
+          </a:prstGeom>
+        </p:spPr>
+        <p:txBody>
+          <a:bodyPr lIns="0" rIns="0" tIns="0" bIns="0" anchor="ctr">
+            <a:noAutofit/>
+          </a:bodyPr>
+          <a:p>
+            <a:pPr algn="ctr"/>
+            <a:endParaRPr b="0" lang="en-US" sz="4400" spc="-1" strike="noStrike">
+              <a:latin typeface="Arial"/>
+            </a:endParaRPr>
+          </a:p>
+        </p:txBody>
+      </p:sp>
+      <p:sp>
+        <p:nvSpPr>
+          <p:cNvPr id="273" name="PlaceHolder 2"/>
+          <p:cNvSpPr>
+            <a:spLocks noGrp="1"/>
+          </p:cNvSpPr>
+          <p:nvPr>
+            <p:ph type="body"/>
+          </p:nvPr>
+        </p:nvSpPr>
+        <p:spPr>
+          <a:xfrm>
+            <a:off x="503640" y="1769400"/>
+            <a:ext cx="4425480" cy="4385880"/>
+          </a:xfrm>
+          <a:prstGeom prst="rect">
+            <a:avLst/>
+          </a:prstGeom>
+        </p:spPr>
+        <p:txBody>
+          <a:bodyPr lIns="0" rIns="0" tIns="0" bIns="0">
+            <a:normAutofit/>
+          </a:bodyPr>
+          <a:p>
+            <a:endParaRPr b="0" lang="en-US" sz="3200" spc="-1" strike="noStrike">
+              <a:latin typeface="Arial"/>
+            </a:endParaRPr>
+          </a:p>
+        </p:txBody>
+      </p:sp>
+      <p:sp>
+        <p:nvSpPr>
+          <p:cNvPr id="274" name="PlaceHolder 3"/>
+          <p:cNvSpPr>
+            <a:spLocks noGrp="1"/>
+          </p:cNvSpPr>
+          <p:nvPr>
+            <p:ph type="body"/>
+          </p:nvPr>
+        </p:nvSpPr>
+        <p:spPr>
+          <a:xfrm>
+            <a:off x="5150880" y="1769400"/>
+            <a:ext cx="4425480" cy="4385880"/>
+          </a:xfrm>
+          <a:prstGeom prst="rect">
+            <a:avLst/>
+          </a:prstGeom>
+        </p:spPr>
+        <p:txBody>
+          <a:bodyPr lIns="0" rIns="0" tIns="0" bIns="0">
+            <a:normAutofit/>
+          </a:bodyPr>
+          <a:p>
+            <a:endParaRPr b="0" lang="en-US" sz="3200" spc="-1" strike="noStrike">
+              <a:latin typeface="Arial"/>
+            </a:endParaRPr>
+          </a:p>
+        </p:txBody>
+      </p:sp>
+    </p:spTree>
+  </p:cSld>
+</p:sldLayout>
+</file>
+
+<file path=ppt/slideLayouts/slideLayout89.xml><?xml version="1.0" encoding="utf-8"?>
+<p:sldLayout xmlns:a="http://schemas.openxmlformats.org/drawingml/2006/main" xmlns:p="http://schemas.openxmlformats.org/presentationml/2006/main" xmlns:r="http://schemas.openxmlformats.org/officeDocument/2006/relationships" xmlns:p14="http://schemas.microsoft.com/office/powerpoint/2010/main" xmlns:p15="http://schemas.microsoft.com/office/powerpoint/2012/main" xmlns:mc="http://schemas.openxmlformats.org/markup-compatibility/2006" type="titleOnly" preserve="1">
+  <p:cSld name="Title Only">
+    <p:spTree>
+      <p:nvGrpSpPr>
+        <p:cNvPr id="1" name=""/>
+        <p:cNvGrpSpPr/>
+        <p:nvPr/>
+      </p:nvGrpSpPr>
+      <p:grpSpPr>
+        <a:xfrm>
+          <a:off x="0" y="0"/>
+          <a:ext cx="0" cy="0"/>
+          <a:chOff x="0" y="0"/>
+          <a:chExt cx="0" cy="0"/>
+        </a:xfrm>
+      </p:grpSpPr>
+      <p:sp>
+        <p:nvSpPr>
+          <p:cNvPr id="275" name="PlaceHolder 1"/>
+          <p:cNvSpPr>
+            <a:spLocks noGrp="1"/>
+          </p:cNvSpPr>
+          <p:nvPr>
+            <p:ph type="title"/>
+          </p:nvPr>
+        </p:nvSpPr>
+        <p:spPr>
+          <a:xfrm>
+            <a:off x="503640" y="301680"/>
+            <a:ext cx="9069120" cy="1262520"/>
+          </a:xfrm>
+          <a:prstGeom prst="rect">
+            <a:avLst/>
+          </a:prstGeom>
+        </p:spPr>
+        <p:txBody>
+          <a:bodyPr lIns="0" rIns="0" tIns="0" bIns="0" anchor="ctr">
+            <a:noAutofit/>
+          </a:bodyPr>
+          <a:p>
+            <a:pPr algn="ctr"/>
+            <a:endParaRPr b="0" lang="en-US" sz="4400" spc="-1" strike="noStrike">
+              <a:latin typeface="Arial"/>
+            </a:endParaRPr>
+          </a:p>
+        </p:txBody>
+      </p:sp>
+    </p:spTree>
+  </p:cSld>
+</p:sldLayout>
+</file>
+
 <file path=ppt/slideLayouts/slideLayout9.xml><?xml version="1.0" encoding="utf-8"?>
 <p:sldLayout xmlns:a="http://schemas.openxmlformats.org/drawingml/2006/main" xmlns:p="http://schemas.openxmlformats.org/presentationml/2006/main" xmlns:r="http://schemas.openxmlformats.org/officeDocument/2006/relationships" xmlns:p14="http://schemas.microsoft.com/office/powerpoint/2010/main" xmlns:p15="http://schemas.microsoft.com/office/powerpoint/2012/main" xmlns:mc="http://schemas.openxmlformats.org/markup-compatibility/2006" type="twoObjOverTx" preserve="1">
   <p:cSld name="Title, 2 Content over Content">
@@ -10678,6 +11036,1007 @@
           <a:xfrm>
             <a:off x="503640" y="4060440"/>
             <a:ext cx="9069120" cy="2091960"/>
+          </a:xfrm>
+          <a:prstGeom prst="rect">
+            <a:avLst/>
+          </a:prstGeom>
+        </p:spPr>
+        <p:txBody>
+          <a:bodyPr lIns="0" rIns="0" tIns="0" bIns="0">
+            <a:normAutofit/>
+          </a:bodyPr>
+          <a:p>
+            <a:endParaRPr b="0" lang="en-US" sz="3200" spc="-1" strike="noStrike">
+              <a:latin typeface="Arial"/>
+            </a:endParaRPr>
+          </a:p>
+        </p:txBody>
+      </p:sp>
+    </p:spTree>
+  </p:cSld>
+</p:sldLayout>
+</file>
+
+<file path=ppt/slideLayouts/slideLayout90.xml><?xml version="1.0" encoding="utf-8"?>
+<p:sldLayout xmlns:a="http://schemas.openxmlformats.org/drawingml/2006/main" xmlns:p="http://schemas.openxmlformats.org/presentationml/2006/main" xmlns:r="http://schemas.openxmlformats.org/officeDocument/2006/relationships" xmlns:p14="http://schemas.microsoft.com/office/powerpoint/2010/main" xmlns:p15="http://schemas.microsoft.com/office/powerpoint/2012/main" xmlns:mc="http://schemas.openxmlformats.org/markup-compatibility/2006" type="objOnly" preserve="1">
+  <p:cSld name="Centered Text">
+    <p:spTree>
+      <p:nvGrpSpPr>
+        <p:cNvPr id="1" name=""/>
+        <p:cNvGrpSpPr/>
+        <p:nvPr/>
+      </p:nvGrpSpPr>
+      <p:grpSpPr>
+        <a:xfrm>
+          <a:off x="0" y="0"/>
+          <a:ext cx="0" cy="0"/>
+          <a:chOff x="0" y="0"/>
+          <a:chExt cx="0" cy="0"/>
+        </a:xfrm>
+      </p:grpSpPr>
+      <p:sp>
+        <p:nvSpPr>
+          <p:cNvPr id="276" name="PlaceHolder 1"/>
+          <p:cNvSpPr>
+            <a:spLocks noGrp="1"/>
+          </p:cNvSpPr>
+          <p:nvPr>
+            <p:ph type="subTitle"/>
+          </p:nvPr>
+        </p:nvSpPr>
+        <p:spPr>
+          <a:xfrm>
+            <a:off x="503640" y="301680"/>
+            <a:ext cx="9069120" cy="5853600"/>
+          </a:xfrm>
+          <a:prstGeom prst="rect">
+            <a:avLst/>
+          </a:prstGeom>
+        </p:spPr>
+        <p:txBody>
+          <a:bodyPr lIns="0" rIns="0" tIns="0" bIns="0" anchor="ctr">
+            <a:noAutofit/>
+          </a:bodyPr>
+          <a:p>
+            <a:pPr algn="ctr"/>
+            <a:endParaRPr b="0" lang="en-US" sz="3200" spc="-1" strike="noStrike">
+              <a:latin typeface="Arial"/>
+            </a:endParaRPr>
+          </a:p>
+        </p:txBody>
+      </p:sp>
+    </p:spTree>
+  </p:cSld>
+</p:sldLayout>
+</file>
+
+<file path=ppt/slideLayouts/slideLayout91.xml><?xml version="1.0" encoding="utf-8"?>
+<p:sldLayout xmlns:a="http://schemas.openxmlformats.org/drawingml/2006/main" xmlns:p="http://schemas.openxmlformats.org/presentationml/2006/main" xmlns:r="http://schemas.openxmlformats.org/officeDocument/2006/relationships" xmlns:p14="http://schemas.microsoft.com/office/powerpoint/2010/main" xmlns:p15="http://schemas.microsoft.com/office/powerpoint/2012/main" xmlns:mc="http://schemas.openxmlformats.org/markup-compatibility/2006" type="twoObjAndObj" preserve="1">
+  <p:cSld name="Title, 2 Content and Content">
+    <p:spTree>
+      <p:nvGrpSpPr>
+        <p:cNvPr id="1" name=""/>
+        <p:cNvGrpSpPr/>
+        <p:nvPr/>
+      </p:nvGrpSpPr>
+      <p:grpSpPr>
+        <a:xfrm>
+          <a:off x="0" y="0"/>
+          <a:ext cx="0" cy="0"/>
+          <a:chOff x="0" y="0"/>
+          <a:chExt cx="0" cy="0"/>
+        </a:xfrm>
+      </p:grpSpPr>
+      <p:sp>
+        <p:nvSpPr>
+          <p:cNvPr id="277" name="PlaceHolder 1"/>
+          <p:cNvSpPr>
+            <a:spLocks noGrp="1"/>
+          </p:cNvSpPr>
+          <p:nvPr>
+            <p:ph type="title"/>
+          </p:nvPr>
+        </p:nvSpPr>
+        <p:spPr>
+          <a:xfrm>
+            <a:off x="503640" y="301680"/>
+            <a:ext cx="9069120" cy="1262520"/>
+          </a:xfrm>
+          <a:prstGeom prst="rect">
+            <a:avLst/>
+          </a:prstGeom>
+        </p:spPr>
+        <p:txBody>
+          <a:bodyPr lIns="0" rIns="0" tIns="0" bIns="0" anchor="ctr">
+            <a:noAutofit/>
+          </a:bodyPr>
+          <a:p>
+            <a:pPr algn="ctr"/>
+            <a:endParaRPr b="0" lang="en-US" sz="4400" spc="-1" strike="noStrike">
+              <a:latin typeface="Arial"/>
+            </a:endParaRPr>
+          </a:p>
+        </p:txBody>
+      </p:sp>
+      <p:sp>
+        <p:nvSpPr>
+          <p:cNvPr id="278" name="PlaceHolder 2"/>
+          <p:cNvSpPr>
+            <a:spLocks noGrp="1"/>
+          </p:cNvSpPr>
+          <p:nvPr>
+            <p:ph type="body"/>
+          </p:nvPr>
+        </p:nvSpPr>
+        <p:spPr>
+          <a:xfrm>
+            <a:off x="503640" y="1769400"/>
+            <a:ext cx="4425480" cy="2091960"/>
+          </a:xfrm>
+          <a:prstGeom prst="rect">
+            <a:avLst/>
+          </a:prstGeom>
+        </p:spPr>
+        <p:txBody>
+          <a:bodyPr lIns="0" rIns="0" tIns="0" bIns="0">
+            <a:normAutofit/>
+          </a:bodyPr>
+          <a:p>
+            <a:endParaRPr b="0" lang="en-US" sz="3200" spc="-1" strike="noStrike">
+              <a:latin typeface="Arial"/>
+            </a:endParaRPr>
+          </a:p>
+        </p:txBody>
+      </p:sp>
+      <p:sp>
+        <p:nvSpPr>
+          <p:cNvPr id="279" name="PlaceHolder 3"/>
+          <p:cNvSpPr>
+            <a:spLocks noGrp="1"/>
+          </p:cNvSpPr>
+          <p:nvPr>
+            <p:ph type="body"/>
+          </p:nvPr>
+        </p:nvSpPr>
+        <p:spPr>
+          <a:xfrm>
+            <a:off x="5150880" y="1769400"/>
+            <a:ext cx="4425480" cy="4385880"/>
+          </a:xfrm>
+          <a:prstGeom prst="rect">
+            <a:avLst/>
+          </a:prstGeom>
+        </p:spPr>
+        <p:txBody>
+          <a:bodyPr lIns="0" rIns="0" tIns="0" bIns="0">
+            <a:normAutofit/>
+          </a:bodyPr>
+          <a:p>
+            <a:endParaRPr b="0" lang="en-US" sz="3200" spc="-1" strike="noStrike">
+              <a:latin typeface="Arial"/>
+            </a:endParaRPr>
+          </a:p>
+        </p:txBody>
+      </p:sp>
+      <p:sp>
+        <p:nvSpPr>
+          <p:cNvPr id="280" name="PlaceHolder 4"/>
+          <p:cNvSpPr>
+            <a:spLocks noGrp="1"/>
+          </p:cNvSpPr>
+          <p:nvPr>
+            <p:ph type="body"/>
+          </p:nvPr>
+        </p:nvSpPr>
+        <p:spPr>
+          <a:xfrm>
+            <a:off x="503640" y="4060440"/>
+            <a:ext cx="4425480" cy="2091960"/>
+          </a:xfrm>
+          <a:prstGeom prst="rect">
+            <a:avLst/>
+          </a:prstGeom>
+        </p:spPr>
+        <p:txBody>
+          <a:bodyPr lIns="0" rIns="0" tIns="0" bIns="0">
+            <a:normAutofit/>
+          </a:bodyPr>
+          <a:p>
+            <a:endParaRPr b="0" lang="en-US" sz="3200" spc="-1" strike="noStrike">
+              <a:latin typeface="Arial"/>
+            </a:endParaRPr>
+          </a:p>
+        </p:txBody>
+      </p:sp>
+    </p:spTree>
+  </p:cSld>
+</p:sldLayout>
+</file>
+
+<file path=ppt/slideLayouts/slideLayout92.xml><?xml version="1.0" encoding="utf-8"?>
+<p:sldLayout xmlns:a="http://schemas.openxmlformats.org/drawingml/2006/main" xmlns:p="http://schemas.openxmlformats.org/presentationml/2006/main" xmlns:r="http://schemas.openxmlformats.org/officeDocument/2006/relationships" xmlns:p14="http://schemas.microsoft.com/office/powerpoint/2010/main" xmlns:p15="http://schemas.microsoft.com/office/powerpoint/2012/main" xmlns:mc="http://schemas.openxmlformats.org/markup-compatibility/2006" type="objAndTwoObj" preserve="1">
+  <p:cSld name="Title Content and 2 Content">
+    <p:spTree>
+      <p:nvGrpSpPr>
+        <p:cNvPr id="1" name=""/>
+        <p:cNvGrpSpPr/>
+        <p:nvPr/>
+      </p:nvGrpSpPr>
+      <p:grpSpPr>
+        <a:xfrm>
+          <a:off x="0" y="0"/>
+          <a:ext cx="0" cy="0"/>
+          <a:chOff x="0" y="0"/>
+          <a:chExt cx="0" cy="0"/>
+        </a:xfrm>
+      </p:grpSpPr>
+      <p:sp>
+        <p:nvSpPr>
+          <p:cNvPr id="281" name="PlaceHolder 1"/>
+          <p:cNvSpPr>
+            <a:spLocks noGrp="1"/>
+          </p:cNvSpPr>
+          <p:nvPr>
+            <p:ph type="title"/>
+          </p:nvPr>
+        </p:nvSpPr>
+        <p:spPr>
+          <a:xfrm>
+            <a:off x="503640" y="301680"/>
+            <a:ext cx="9069120" cy="1262520"/>
+          </a:xfrm>
+          <a:prstGeom prst="rect">
+            <a:avLst/>
+          </a:prstGeom>
+        </p:spPr>
+        <p:txBody>
+          <a:bodyPr lIns="0" rIns="0" tIns="0" bIns="0" anchor="ctr">
+            <a:noAutofit/>
+          </a:bodyPr>
+          <a:p>
+            <a:pPr algn="ctr"/>
+            <a:endParaRPr b="0" lang="en-US" sz="4400" spc="-1" strike="noStrike">
+              <a:latin typeface="Arial"/>
+            </a:endParaRPr>
+          </a:p>
+        </p:txBody>
+      </p:sp>
+      <p:sp>
+        <p:nvSpPr>
+          <p:cNvPr id="282" name="PlaceHolder 2"/>
+          <p:cNvSpPr>
+            <a:spLocks noGrp="1"/>
+          </p:cNvSpPr>
+          <p:nvPr>
+            <p:ph type="body"/>
+          </p:nvPr>
+        </p:nvSpPr>
+        <p:spPr>
+          <a:xfrm>
+            <a:off x="503640" y="1769400"/>
+            <a:ext cx="4425480" cy="4385880"/>
+          </a:xfrm>
+          <a:prstGeom prst="rect">
+            <a:avLst/>
+          </a:prstGeom>
+        </p:spPr>
+        <p:txBody>
+          <a:bodyPr lIns="0" rIns="0" tIns="0" bIns="0">
+            <a:normAutofit/>
+          </a:bodyPr>
+          <a:p>
+            <a:endParaRPr b="0" lang="en-US" sz="3200" spc="-1" strike="noStrike">
+              <a:latin typeface="Arial"/>
+            </a:endParaRPr>
+          </a:p>
+        </p:txBody>
+      </p:sp>
+      <p:sp>
+        <p:nvSpPr>
+          <p:cNvPr id="283" name="PlaceHolder 3"/>
+          <p:cNvSpPr>
+            <a:spLocks noGrp="1"/>
+          </p:cNvSpPr>
+          <p:nvPr>
+            <p:ph type="body"/>
+          </p:nvPr>
+        </p:nvSpPr>
+        <p:spPr>
+          <a:xfrm>
+            <a:off x="5150880" y="1769400"/>
+            <a:ext cx="4425480" cy="2091960"/>
+          </a:xfrm>
+          <a:prstGeom prst="rect">
+            <a:avLst/>
+          </a:prstGeom>
+        </p:spPr>
+        <p:txBody>
+          <a:bodyPr lIns="0" rIns="0" tIns="0" bIns="0">
+            <a:normAutofit/>
+          </a:bodyPr>
+          <a:p>
+            <a:endParaRPr b="0" lang="en-US" sz="3200" spc="-1" strike="noStrike">
+              <a:latin typeface="Arial"/>
+            </a:endParaRPr>
+          </a:p>
+        </p:txBody>
+      </p:sp>
+      <p:sp>
+        <p:nvSpPr>
+          <p:cNvPr id="284" name="PlaceHolder 4"/>
+          <p:cNvSpPr>
+            <a:spLocks noGrp="1"/>
+          </p:cNvSpPr>
+          <p:nvPr>
+            <p:ph type="body"/>
+          </p:nvPr>
+        </p:nvSpPr>
+        <p:spPr>
+          <a:xfrm>
+            <a:off x="5150880" y="4060440"/>
+            <a:ext cx="4425480" cy="2091960"/>
+          </a:xfrm>
+          <a:prstGeom prst="rect">
+            <a:avLst/>
+          </a:prstGeom>
+        </p:spPr>
+        <p:txBody>
+          <a:bodyPr lIns="0" rIns="0" tIns="0" bIns="0">
+            <a:normAutofit/>
+          </a:bodyPr>
+          <a:p>
+            <a:endParaRPr b="0" lang="en-US" sz="3200" spc="-1" strike="noStrike">
+              <a:latin typeface="Arial"/>
+            </a:endParaRPr>
+          </a:p>
+        </p:txBody>
+      </p:sp>
+    </p:spTree>
+  </p:cSld>
+</p:sldLayout>
+</file>
+
+<file path=ppt/slideLayouts/slideLayout93.xml><?xml version="1.0" encoding="utf-8"?>
+<p:sldLayout xmlns:a="http://schemas.openxmlformats.org/drawingml/2006/main" xmlns:p="http://schemas.openxmlformats.org/presentationml/2006/main" xmlns:r="http://schemas.openxmlformats.org/officeDocument/2006/relationships" xmlns:p14="http://schemas.microsoft.com/office/powerpoint/2010/main" xmlns:p15="http://schemas.microsoft.com/office/powerpoint/2012/main" xmlns:mc="http://schemas.openxmlformats.org/markup-compatibility/2006" type="twoObjOverTx" preserve="1">
+  <p:cSld name="Title, 2 Content over Content">
+    <p:spTree>
+      <p:nvGrpSpPr>
+        <p:cNvPr id="1" name=""/>
+        <p:cNvGrpSpPr/>
+        <p:nvPr/>
+      </p:nvGrpSpPr>
+      <p:grpSpPr>
+        <a:xfrm>
+          <a:off x="0" y="0"/>
+          <a:ext cx="0" cy="0"/>
+          <a:chOff x="0" y="0"/>
+          <a:chExt cx="0" cy="0"/>
+        </a:xfrm>
+      </p:grpSpPr>
+      <p:sp>
+        <p:nvSpPr>
+          <p:cNvPr id="285" name="PlaceHolder 1"/>
+          <p:cNvSpPr>
+            <a:spLocks noGrp="1"/>
+          </p:cNvSpPr>
+          <p:nvPr>
+            <p:ph type="title"/>
+          </p:nvPr>
+        </p:nvSpPr>
+        <p:spPr>
+          <a:xfrm>
+            <a:off x="503640" y="301680"/>
+            <a:ext cx="9069120" cy="1262520"/>
+          </a:xfrm>
+          <a:prstGeom prst="rect">
+            <a:avLst/>
+          </a:prstGeom>
+        </p:spPr>
+        <p:txBody>
+          <a:bodyPr lIns="0" rIns="0" tIns="0" bIns="0" anchor="ctr">
+            <a:noAutofit/>
+          </a:bodyPr>
+          <a:p>
+            <a:pPr algn="ctr"/>
+            <a:endParaRPr b="0" lang="en-US" sz="4400" spc="-1" strike="noStrike">
+              <a:latin typeface="Arial"/>
+            </a:endParaRPr>
+          </a:p>
+        </p:txBody>
+      </p:sp>
+      <p:sp>
+        <p:nvSpPr>
+          <p:cNvPr id="286" name="PlaceHolder 2"/>
+          <p:cNvSpPr>
+            <a:spLocks noGrp="1"/>
+          </p:cNvSpPr>
+          <p:nvPr>
+            <p:ph type="body"/>
+          </p:nvPr>
+        </p:nvSpPr>
+        <p:spPr>
+          <a:xfrm>
+            <a:off x="503640" y="1769400"/>
+            <a:ext cx="4425480" cy="2091960"/>
+          </a:xfrm>
+          <a:prstGeom prst="rect">
+            <a:avLst/>
+          </a:prstGeom>
+        </p:spPr>
+        <p:txBody>
+          <a:bodyPr lIns="0" rIns="0" tIns="0" bIns="0">
+            <a:normAutofit/>
+          </a:bodyPr>
+          <a:p>
+            <a:endParaRPr b="0" lang="en-US" sz="3200" spc="-1" strike="noStrike">
+              <a:latin typeface="Arial"/>
+            </a:endParaRPr>
+          </a:p>
+        </p:txBody>
+      </p:sp>
+      <p:sp>
+        <p:nvSpPr>
+          <p:cNvPr id="287" name="PlaceHolder 3"/>
+          <p:cNvSpPr>
+            <a:spLocks noGrp="1"/>
+          </p:cNvSpPr>
+          <p:nvPr>
+            <p:ph type="body"/>
+          </p:nvPr>
+        </p:nvSpPr>
+        <p:spPr>
+          <a:xfrm>
+            <a:off x="5150880" y="1769400"/>
+            <a:ext cx="4425480" cy="2091960"/>
+          </a:xfrm>
+          <a:prstGeom prst="rect">
+            <a:avLst/>
+          </a:prstGeom>
+        </p:spPr>
+        <p:txBody>
+          <a:bodyPr lIns="0" rIns="0" tIns="0" bIns="0">
+            <a:normAutofit/>
+          </a:bodyPr>
+          <a:p>
+            <a:endParaRPr b="0" lang="en-US" sz="3200" spc="-1" strike="noStrike">
+              <a:latin typeface="Arial"/>
+            </a:endParaRPr>
+          </a:p>
+        </p:txBody>
+      </p:sp>
+      <p:sp>
+        <p:nvSpPr>
+          <p:cNvPr id="288" name="PlaceHolder 4"/>
+          <p:cNvSpPr>
+            <a:spLocks noGrp="1"/>
+          </p:cNvSpPr>
+          <p:nvPr>
+            <p:ph type="body"/>
+          </p:nvPr>
+        </p:nvSpPr>
+        <p:spPr>
+          <a:xfrm>
+            <a:off x="503640" y="4060440"/>
+            <a:ext cx="9069120" cy="2091960"/>
+          </a:xfrm>
+          <a:prstGeom prst="rect">
+            <a:avLst/>
+          </a:prstGeom>
+        </p:spPr>
+        <p:txBody>
+          <a:bodyPr lIns="0" rIns="0" tIns="0" bIns="0">
+            <a:normAutofit/>
+          </a:bodyPr>
+          <a:p>
+            <a:endParaRPr b="0" lang="en-US" sz="3200" spc="-1" strike="noStrike">
+              <a:latin typeface="Arial"/>
+            </a:endParaRPr>
+          </a:p>
+        </p:txBody>
+      </p:sp>
+    </p:spTree>
+  </p:cSld>
+</p:sldLayout>
+</file>
+
+<file path=ppt/slideLayouts/slideLayout94.xml><?xml version="1.0" encoding="utf-8"?>
+<p:sldLayout xmlns:a="http://schemas.openxmlformats.org/drawingml/2006/main" xmlns:p="http://schemas.openxmlformats.org/presentationml/2006/main" xmlns:r="http://schemas.openxmlformats.org/officeDocument/2006/relationships" xmlns:p14="http://schemas.microsoft.com/office/powerpoint/2010/main" xmlns:p15="http://schemas.microsoft.com/office/powerpoint/2012/main" xmlns:mc="http://schemas.openxmlformats.org/markup-compatibility/2006" type="objOverTx" preserve="1">
+  <p:cSld name="Title, Content over Content">
+    <p:spTree>
+      <p:nvGrpSpPr>
+        <p:cNvPr id="1" name=""/>
+        <p:cNvGrpSpPr/>
+        <p:nvPr/>
+      </p:nvGrpSpPr>
+      <p:grpSpPr>
+        <a:xfrm>
+          <a:off x="0" y="0"/>
+          <a:ext cx="0" cy="0"/>
+          <a:chOff x="0" y="0"/>
+          <a:chExt cx="0" cy="0"/>
+        </a:xfrm>
+      </p:grpSpPr>
+      <p:sp>
+        <p:nvSpPr>
+          <p:cNvPr id="289" name="PlaceHolder 1"/>
+          <p:cNvSpPr>
+            <a:spLocks noGrp="1"/>
+          </p:cNvSpPr>
+          <p:nvPr>
+            <p:ph type="title"/>
+          </p:nvPr>
+        </p:nvSpPr>
+        <p:spPr>
+          <a:xfrm>
+            <a:off x="503640" y="301680"/>
+            <a:ext cx="9069120" cy="1262520"/>
+          </a:xfrm>
+          <a:prstGeom prst="rect">
+            <a:avLst/>
+          </a:prstGeom>
+        </p:spPr>
+        <p:txBody>
+          <a:bodyPr lIns="0" rIns="0" tIns="0" bIns="0" anchor="ctr">
+            <a:noAutofit/>
+          </a:bodyPr>
+          <a:p>
+            <a:pPr algn="ctr"/>
+            <a:endParaRPr b="0" lang="en-US" sz="4400" spc="-1" strike="noStrike">
+              <a:latin typeface="Arial"/>
+            </a:endParaRPr>
+          </a:p>
+        </p:txBody>
+      </p:sp>
+      <p:sp>
+        <p:nvSpPr>
+          <p:cNvPr id="290" name="PlaceHolder 2"/>
+          <p:cNvSpPr>
+            <a:spLocks noGrp="1"/>
+          </p:cNvSpPr>
+          <p:nvPr>
+            <p:ph type="body"/>
+          </p:nvPr>
+        </p:nvSpPr>
+        <p:spPr>
+          <a:xfrm>
+            <a:off x="503640" y="1769400"/>
+            <a:ext cx="9069120" cy="2091960"/>
+          </a:xfrm>
+          <a:prstGeom prst="rect">
+            <a:avLst/>
+          </a:prstGeom>
+        </p:spPr>
+        <p:txBody>
+          <a:bodyPr lIns="0" rIns="0" tIns="0" bIns="0">
+            <a:normAutofit/>
+          </a:bodyPr>
+          <a:p>
+            <a:endParaRPr b="0" lang="en-US" sz="3200" spc="-1" strike="noStrike">
+              <a:latin typeface="Arial"/>
+            </a:endParaRPr>
+          </a:p>
+        </p:txBody>
+      </p:sp>
+      <p:sp>
+        <p:nvSpPr>
+          <p:cNvPr id="291" name="PlaceHolder 3"/>
+          <p:cNvSpPr>
+            <a:spLocks noGrp="1"/>
+          </p:cNvSpPr>
+          <p:nvPr>
+            <p:ph type="body"/>
+          </p:nvPr>
+        </p:nvSpPr>
+        <p:spPr>
+          <a:xfrm>
+            <a:off x="503640" y="4060440"/>
+            <a:ext cx="9069120" cy="2091960"/>
+          </a:xfrm>
+          <a:prstGeom prst="rect">
+            <a:avLst/>
+          </a:prstGeom>
+        </p:spPr>
+        <p:txBody>
+          <a:bodyPr lIns="0" rIns="0" tIns="0" bIns="0">
+            <a:normAutofit/>
+          </a:bodyPr>
+          <a:p>
+            <a:endParaRPr b="0" lang="en-US" sz="3200" spc="-1" strike="noStrike">
+              <a:latin typeface="Arial"/>
+            </a:endParaRPr>
+          </a:p>
+        </p:txBody>
+      </p:sp>
+    </p:spTree>
+  </p:cSld>
+</p:sldLayout>
+</file>
+
+<file path=ppt/slideLayouts/slideLayout95.xml><?xml version="1.0" encoding="utf-8"?>
+<p:sldLayout xmlns:a="http://schemas.openxmlformats.org/drawingml/2006/main" xmlns:p="http://schemas.openxmlformats.org/presentationml/2006/main" xmlns:r="http://schemas.openxmlformats.org/officeDocument/2006/relationships" xmlns:p14="http://schemas.microsoft.com/office/powerpoint/2010/main" xmlns:p15="http://schemas.microsoft.com/office/powerpoint/2012/main" xmlns:mc="http://schemas.openxmlformats.org/markup-compatibility/2006" type="fourObj" preserve="1">
+  <p:cSld name="Title, 4 Content">
+    <p:spTree>
+      <p:nvGrpSpPr>
+        <p:cNvPr id="1" name=""/>
+        <p:cNvGrpSpPr/>
+        <p:nvPr/>
+      </p:nvGrpSpPr>
+      <p:grpSpPr>
+        <a:xfrm>
+          <a:off x="0" y="0"/>
+          <a:ext cx="0" cy="0"/>
+          <a:chOff x="0" y="0"/>
+          <a:chExt cx="0" cy="0"/>
+        </a:xfrm>
+      </p:grpSpPr>
+      <p:sp>
+        <p:nvSpPr>
+          <p:cNvPr id="292" name="PlaceHolder 1"/>
+          <p:cNvSpPr>
+            <a:spLocks noGrp="1"/>
+          </p:cNvSpPr>
+          <p:nvPr>
+            <p:ph type="title"/>
+          </p:nvPr>
+        </p:nvSpPr>
+        <p:spPr>
+          <a:xfrm>
+            <a:off x="503640" y="301680"/>
+            <a:ext cx="9069120" cy="1262520"/>
+          </a:xfrm>
+          <a:prstGeom prst="rect">
+            <a:avLst/>
+          </a:prstGeom>
+        </p:spPr>
+        <p:txBody>
+          <a:bodyPr lIns="0" rIns="0" tIns="0" bIns="0" anchor="ctr">
+            <a:noAutofit/>
+          </a:bodyPr>
+          <a:p>
+            <a:pPr algn="ctr"/>
+            <a:endParaRPr b="0" lang="en-US" sz="4400" spc="-1" strike="noStrike">
+              <a:latin typeface="Arial"/>
+            </a:endParaRPr>
+          </a:p>
+        </p:txBody>
+      </p:sp>
+      <p:sp>
+        <p:nvSpPr>
+          <p:cNvPr id="293" name="PlaceHolder 2"/>
+          <p:cNvSpPr>
+            <a:spLocks noGrp="1"/>
+          </p:cNvSpPr>
+          <p:nvPr>
+            <p:ph type="body"/>
+          </p:nvPr>
+        </p:nvSpPr>
+        <p:spPr>
+          <a:xfrm>
+            <a:off x="503640" y="1769400"/>
+            <a:ext cx="4425480" cy="2091960"/>
+          </a:xfrm>
+          <a:prstGeom prst="rect">
+            <a:avLst/>
+          </a:prstGeom>
+        </p:spPr>
+        <p:txBody>
+          <a:bodyPr lIns="0" rIns="0" tIns="0" bIns="0">
+            <a:normAutofit/>
+          </a:bodyPr>
+          <a:p>
+            <a:endParaRPr b="0" lang="en-US" sz="3200" spc="-1" strike="noStrike">
+              <a:latin typeface="Arial"/>
+            </a:endParaRPr>
+          </a:p>
+        </p:txBody>
+      </p:sp>
+      <p:sp>
+        <p:nvSpPr>
+          <p:cNvPr id="294" name="PlaceHolder 3"/>
+          <p:cNvSpPr>
+            <a:spLocks noGrp="1"/>
+          </p:cNvSpPr>
+          <p:nvPr>
+            <p:ph type="body"/>
+          </p:nvPr>
+        </p:nvSpPr>
+        <p:spPr>
+          <a:xfrm>
+            <a:off x="5150880" y="1769400"/>
+            <a:ext cx="4425480" cy="2091960"/>
+          </a:xfrm>
+          <a:prstGeom prst="rect">
+            <a:avLst/>
+          </a:prstGeom>
+        </p:spPr>
+        <p:txBody>
+          <a:bodyPr lIns="0" rIns="0" tIns="0" bIns="0">
+            <a:normAutofit/>
+          </a:bodyPr>
+          <a:p>
+            <a:endParaRPr b="0" lang="en-US" sz="3200" spc="-1" strike="noStrike">
+              <a:latin typeface="Arial"/>
+            </a:endParaRPr>
+          </a:p>
+        </p:txBody>
+      </p:sp>
+      <p:sp>
+        <p:nvSpPr>
+          <p:cNvPr id="295" name="PlaceHolder 4"/>
+          <p:cNvSpPr>
+            <a:spLocks noGrp="1"/>
+          </p:cNvSpPr>
+          <p:nvPr>
+            <p:ph type="body"/>
+          </p:nvPr>
+        </p:nvSpPr>
+        <p:spPr>
+          <a:xfrm>
+            <a:off x="503640" y="4060440"/>
+            <a:ext cx="4425480" cy="2091960"/>
+          </a:xfrm>
+          <a:prstGeom prst="rect">
+            <a:avLst/>
+          </a:prstGeom>
+        </p:spPr>
+        <p:txBody>
+          <a:bodyPr lIns="0" rIns="0" tIns="0" bIns="0">
+            <a:normAutofit/>
+          </a:bodyPr>
+          <a:p>
+            <a:endParaRPr b="0" lang="en-US" sz="3200" spc="-1" strike="noStrike">
+              <a:latin typeface="Arial"/>
+            </a:endParaRPr>
+          </a:p>
+        </p:txBody>
+      </p:sp>
+      <p:sp>
+        <p:nvSpPr>
+          <p:cNvPr id="296" name="PlaceHolder 5"/>
+          <p:cNvSpPr>
+            <a:spLocks noGrp="1"/>
+          </p:cNvSpPr>
+          <p:nvPr>
+            <p:ph type="body"/>
+          </p:nvPr>
+        </p:nvSpPr>
+        <p:spPr>
+          <a:xfrm>
+            <a:off x="5150880" y="4060440"/>
+            <a:ext cx="4425480" cy="2091960"/>
+          </a:xfrm>
+          <a:prstGeom prst="rect">
+            <a:avLst/>
+          </a:prstGeom>
+        </p:spPr>
+        <p:txBody>
+          <a:bodyPr lIns="0" rIns="0" tIns="0" bIns="0">
+            <a:normAutofit/>
+          </a:bodyPr>
+          <a:p>
+            <a:endParaRPr b="0" lang="en-US" sz="3200" spc="-1" strike="noStrike">
+              <a:latin typeface="Arial"/>
+            </a:endParaRPr>
+          </a:p>
+        </p:txBody>
+      </p:sp>
+    </p:spTree>
+  </p:cSld>
+</p:sldLayout>
+</file>
+
+<file path=ppt/slideLayouts/slideLayout96.xml><?xml version="1.0" encoding="utf-8"?>
+<p:sldLayout xmlns:a="http://schemas.openxmlformats.org/drawingml/2006/main" xmlns:p="http://schemas.openxmlformats.org/presentationml/2006/main" xmlns:r="http://schemas.openxmlformats.org/officeDocument/2006/relationships" xmlns:p14="http://schemas.microsoft.com/office/powerpoint/2010/main" xmlns:p15="http://schemas.microsoft.com/office/powerpoint/2012/main" xmlns:mc="http://schemas.openxmlformats.org/markup-compatibility/2006" type="blank" preserve="1">
+  <p:cSld name="Title, 6 Content">
+    <p:spTree>
+      <p:nvGrpSpPr>
+        <p:cNvPr id="1" name=""/>
+        <p:cNvGrpSpPr/>
+        <p:nvPr/>
+      </p:nvGrpSpPr>
+      <p:grpSpPr>
+        <a:xfrm>
+          <a:off x="0" y="0"/>
+          <a:ext cx="0" cy="0"/>
+          <a:chOff x="0" y="0"/>
+          <a:chExt cx="0" cy="0"/>
+        </a:xfrm>
+      </p:grpSpPr>
+      <p:sp>
+        <p:nvSpPr>
+          <p:cNvPr id="297" name="PlaceHolder 1"/>
+          <p:cNvSpPr>
+            <a:spLocks noGrp="1"/>
+          </p:cNvSpPr>
+          <p:nvPr>
+            <p:ph type="title"/>
+          </p:nvPr>
+        </p:nvSpPr>
+        <p:spPr>
+          <a:xfrm>
+            <a:off x="503640" y="301680"/>
+            <a:ext cx="9069120" cy="1262520"/>
+          </a:xfrm>
+          <a:prstGeom prst="rect">
+            <a:avLst/>
+          </a:prstGeom>
+        </p:spPr>
+        <p:txBody>
+          <a:bodyPr lIns="0" rIns="0" tIns="0" bIns="0" anchor="ctr">
+            <a:noAutofit/>
+          </a:bodyPr>
+          <a:p>
+            <a:pPr algn="ctr"/>
+            <a:endParaRPr b="0" lang="en-US" sz="4400" spc="-1" strike="noStrike">
+              <a:latin typeface="Arial"/>
+            </a:endParaRPr>
+          </a:p>
+        </p:txBody>
+      </p:sp>
+      <p:sp>
+        <p:nvSpPr>
+          <p:cNvPr id="298" name="PlaceHolder 2"/>
+          <p:cNvSpPr>
+            <a:spLocks noGrp="1"/>
+          </p:cNvSpPr>
+          <p:nvPr>
+            <p:ph type="body"/>
+          </p:nvPr>
+        </p:nvSpPr>
+        <p:spPr>
+          <a:xfrm>
+            <a:off x="503640" y="1769400"/>
+            <a:ext cx="2919960" cy="2091960"/>
+          </a:xfrm>
+          <a:prstGeom prst="rect">
+            <a:avLst/>
+          </a:prstGeom>
+        </p:spPr>
+        <p:txBody>
+          <a:bodyPr lIns="0" rIns="0" tIns="0" bIns="0">
+            <a:normAutofit/>
+          </a:bodyPr>
+          <a:p>
+            <a:endParaRPr b="0" lang="en-US" sz="3200" spc="-1" strike="noStrike">
+              <a:latin typeface="Arial"/>
+            </a:endParaRPr>
+          </a:p>
+        </p:txBody>
+      </p:sp>
+      <p:sp>
+        <p:nvSpPr>
+          <p:cNvPr id="299" name="PlaceHolder 3"/>
+          <p:cNvSpPr>
+            <a:spLocks noGrp="1"/>
+          </p:cNvSpPr>
+          <p:nvPr>
+            <p:ph type="body"/>
+          </p:nvPr>
+        </p:nvSpPr>
+        <p:spPr>
+          <a:xfrm>
+            <a:off x="3570120" y="1769400"/>
+            <a:ext cx="2919960" cy="2091960"/>
+          </a:xfrm>
+          <a:prstGeom prst="rect">
+            <a:avLst/>
+          </a:prstGeom>
+        </p:spPr>
+        <p:txBody>
+          <a:bodyPr lIns="0" rIns="0" tIns="0" bIns="0">
+            <a:normAutofit/>
+          </a:bodyPr>
+          <a:p>
+            <a:endParaRPr b="0" lang="en-US" sz="3200" spc="-1" strike="noStrike">
+              <a:latin typeface="Arial"/>
+            </a:endParaRPr>
+          </a:p>
+        </p:txBody>
+      </p:sp>
+      <p:sp>
+        <p:nvSpPr>
+          <p:cNvPr id="300" name="PlaceHolder 4"/>
+          <p:cNvSpPr>
+            <a:spLocks noGrp="1"/>
+          </p:cNvSpPr>
+          <p:nvPr>
+            <p:ph type="body"/>
+          </p:nvPr>
+        </p:nvSpPr>
+        <p:spPr>
+          <a:xfrm>
+            <a:off x="6636240" y="1769400"/>
+            <a:ext cx="2919960" cy="2091960"/>
+          </a:xfrm>
+          <a:prstGeom prst="rect">
+            <a:avLst/>
+          </a:prstGeom>
+        </p:spPr>
+        <p:txBody>
+          <a:bodyPr lIns="0" rIns="0" tIns="0" bIns="0">
+            <a:normAutofit/>
+          </a:bodyPr>
+          <a:p>
+            <a:endParaRPr b="0" lang="en-US" sz="3200" spc="-1" strike="noStrike">
+              <a:latin typeface="Arial"/>
+            </a:endParaRPr>
+          </a:p>
+        </p:txBody>
+      </p:sp>
+      <p:sp>
+        <p:nvSpPr>
+          <p:cNvPr id="301" name="PlaceHolder 5"/>
+          <p:cNvSpPr>
+            <a:spLocks noGrp="1"/>
+          </p:cNvSpPr>
+          <p:nvPr>
+            <p:ph type="body"/>
+          </p:nvPr>
+        </p:nvSpPr>
+        <p:spPr>
+          <a:xfrm>
+            <a:off x="503640" y="4060440"/>
+            <a:ext cx="2919960" cy="2091960"/>
+          </a:xfrm>
+          <a:prstGeom prst="rect">
+            <a:avLst/>
+          </a:prstGeom>
+        </p:spPr>
+        <p:txBody>
+          <a:bodyPr lIns="0" rIns="0" tIns="0" bIns="0">
+            <a:normAutofit/>
+          </a:bodyPr>
+          <a:p>
+            <a:endParaRPr b="0" lang="en-US" sz="3200" spc="-1" strike="noStrike">
+              <a:latin typeface="Arial"/>
+            </a:endParaRPr>
+          </a:p>
+        </p:txBody>
+      </p:sp>
+      <p:sp>
+        <p:nvSpPr>
+          <p:cNvPr id="302" name="PlaceHolder 6"/>
+          <p:cNvSpPr>
+            <a:spLocks noGrp="1"/>
+          </p:cNvSpPr>
+          <p:nvPr>
+            <p:ph type="body"/>
+          </p:nvPr>
+        </p:nvSpPr>
+        <p:spPr>
+          <a:xfrm>
+            <a:off x="3570120" y="4060440"/>
+            <a:ext cx="2919960" cy="2091960"/>
+          </a:xfrm>
+          <a:prstGeom prst="rect">
+            <a:avLst/>
+          </a:prstGeom>
+        </p:spPr>
+        <p:txBody>
+          <a:bodyPr lIns="0" rIns="0" tIns="0" bIns="0">
+            <a:normAutofit/>
+          </a:bodyPr>
+          <a:p>
+            <a:endParaRPr b="0" lang="en-US" sz="3200" spc="-1" strike="noStrike">
+              <a:latin typeface="Arial"/>
+            </a:endParaRPr>
+          </a:p>
+        </p:txBody>
+      </p:sp>
+      <p:sp>
+        <p:nvSpPr>
+          <p:cNvPr id="303" name="PlaceHolder 7"/>
+          <p:cNvSpPr>
+            <a:spLocks noGrp="1"/>
+          </p:cNvSpPr>
+          <p:nvPr>
+            <p:ph type="body"/>
+          </p:nvPr>
+        </p:nvSpPr>
+        <p:spPr>
+          <a:xfrm>
+            <a:off x="6636240" y="4060440"/>
+            <a:ext cx="2919960" cy="2091960"/>
           </a:xfrm>
           <a:prstGeom prst="rect">
             <a:avLst/>
@@ -11791,7 +13150,7 @@
         <p:spPr>
           <a:xfrm>
             <a:off x="503640" y="301680"/>
-            <a:ext cx="9068760" cy="1262160"/>
+            <a:ext cx="9069120" cy="1262520"/>
           </a:xfrm>
           <a:prstGeom prst="rect">
             <a:avLst/>
@@ -11804,12 +13163,12 @@
           <a:p>
             <a:pPr algn="ctr"/>
             <a:r>
-              <a:rPr b="0" lang="en-US" sz="1800" spc="-1" strike="noStrike">
+              <a:rPr b="0" lang="en-US" sz="4400" spc="-1" strike="noStrike">
                 <a:latin typeface="Arial"/>
               </a:rPr>
               <a:t>Click to edit the title text format</a:t>
             </a:r>
-            <a:endParaRPr b="0" lang="en-US" sz="1800" spc="-1" strike="noStrike">
+            <a:endParaRPr b="0" lang="en-US" sz="4400" spc="-1" strike="noStrike">
               <a:latin typeface="Arial"/>
             </a:endParaRPr>
           </a:p>
@@ -11828,7 +13187,7 @@
         <p:spPr>
           <a:xfrm>
             <a:off x="503640" y="1769400"/>
-            <a:ext cx="9068760" cy="4385520"/>
+            <a:ext cx="9069120" cy="4385880"/>
           </a:xfrm>
           <a:prstGeom prst="rect">
             <a:avLst/>
@@ -11839,7 +13198,7 @@
             <a:normAutofit/>
           </a:bodyPr>
           <a:p>
-            <a:pPr marL="432000" indent="-324000" algn="ctr">
+            <a:pPr marL="432000" indent="-324000">
               <a:spcBef>
                 <a:spcPts val="1417"/>
               </a:spcBef>
@@ -11851,17 +13210,17 @@
               <a:buChar char=""/>
             </a:pPr>
             <a:r>
-              <a:rPr b="0" lang="en-US" sz="1800" spc="-1" strike="noStrike">
+              <a:rPr b="0" lang="en-US" sz="3200" spc="-1" strike="noStrike">
                 <a:latin typeface="Arial"/>
               </a:rPr>
               <a:t>Click to edit the outline text format</a:t>
             </a:r>
-            <a:endParaRPr b="0" lang="en-US" sz="1800" spc="-1" strike="noStrike">
-              <a:latin typeface="Arial"/>
-            </a:endParaRPr>
-          </a:p>
-          <a:p>
-            <a:pPr lvl="1" marL="864000" indent="-324000" algn="ctr">
+            <a:endParaRPr b="0" lang="en-US" sz="3200" spc="-1" strike="noStrike">
+              <a:latin typeface="Arial"/>
+            </a:endParaRPr>
+          </a:p>
+          <a:p>
+            <a:pPr lvl="1" marL="864000" indent="-324000">
               <a:spcBef>
                 <a:spcPts val="1134"/>
               </a:spcBef>
@@ -11873,17 +13232,17 @@
               <a:buChar char=""/>
             </a:pPr>
             <a:r>
-              <a:rPr b="0" lang="en-US" sz="1800" spc="-1" strike="noStrike">
+              <a:rPr b="0" lang="en-US" sz="2800" spc="-1" strike="noStrike">
                 <a:latin typeface="Arial"/>
               </a:rPr>
               <a:t>Second Outline Level</a:t>
             </a:r>
-            <a:endParaRPr b="0" lang="en-US" sz="1800" spc="-1" strike="noStrike">
-              <a:latin typeface="Arial"/>
-            </a:endParaRPr>
-          </a:p>
-          <a:p>
-            <a:pPr lvl="2" marL="1296000" indent="-288000" algn="ctr">
+            <a:endParaRPr b="0" lang="en-US" sz="2800" spc="-1" strike="noStrike">
+              <a:latin typeface="Arial"/>
+            </a:endParaRPr>
+          </a:p>
+          <a:p>
+            <a:pPr lvl="2" marL="1296000" indent="-288000">
               <a:spcBef>
                 <a:spcPts val="850"/>
               </a:spcBef>
@@ -11895,17 +13254,17 @@
               <a:buChar char=""/>
             </a:pPr>
             <a:r>
-              <a:rPr b="0" lang="en-US" sz="1800" spc="-1" strike="noStrike">
+              <a:rPr b="0" lang="en-US" sz="2400" spc="-1" strike="noStrike">
                 <a:latin typeface="Arial"/>
               </a:rPr>
               <a:t>Third Outline Level</a:t>
             </a:r>
-            <a:endParaRPr b="0" lang="en-US" sz="1800" spc="-1" strike="noStrike">
-              <a:latin typeface="Arial"/>
-            </a:endParaRPr>
-          </a:p>
-          <a:p>
-            <a:pPr lvl="3" marL="1728000" indent="-216000" algn="ctr">
+            <a:endParaRPr b="0" lang="en-US" sz="2400" spc="-1" strike="noStrike">
+              <a:latin typeface="Arial"/>
+            </a:endParaRPr>
+          </a:p>
+          <a:p>
+            <a:pPr lvl="3" marL="1728000" indent="-216000">
               <a:spcBef>
                 <a:spcPts val="567"/>
               </a:spcBef>
@@ -11917,17 +13276,17 @@
               <a:buChar char=""/>
             </a:pPr>
             <a:r>
-              <a:rPr b="0" lang="en-US" sz="1800" spc="-1" strike="noStrike">
+              <a:rPr b="0" lang="en-US" sz="2000" spc="-1" strike="noStrike">
                 <a:latin typeface="Arial"/>
               </a:rPr>
               <a:t>Fourth Outline Level</a:t>
             </a:r>
-            <a:endParaRPr b="0" lang="en-US" sz="1800" spc="-1" strike="noStrike">
-              <a:latin typeface="Arial"/>
-            </a:endParaRPr>
-          </a:p>
-          <a:p>
-            <a:pPr lvl="4" marL="2160000" indent="-216000" algn="ctr">
+            <a:endParaRPr b="0" lang="en-US" sz="2000" spc="-1" strike="noStrike">
+              <a:latin typeface="Arial"/>
+            </a:endParaRPr>
+          </a:p>
+          <a:p>
+            <a:pPr lvl="4" marL="2160000" indent="-216000">
               <a:spcBef>
                 <a:spcPts val="283"/>
               </a:spcBef>
@@ -11939,17 +13298,17 @@
               <a:buChar char=""/>
             </a:pPr>
             <a:r>
-              <a:rPr b="0" lang="en-US" sz="1800" spc="-1" strike="noStrike">
+              <a:rPr b="0" lang="en-US" sz="2000" spc="-1" strike="noStrike">
                 <a:latin typeface="Arial"/>
               </a:rPr>
               <a:t>Fifth Outline Level</a:t>
             </a:r>
-            <a:endParaRPr b="0" lang="en-US" sz="1800" spc="-1" strike="noStrike">
-              <a:latin typeface="Arial"/>
-            </a:endParaRPr>
-          </a:p>
-          <a:p>
-            <a:pPr lvl="5" marL="2592000" indent="-216000" algn="ctr">
+            <a:endParaRPr b="0" lang="en-US" sz="2000" spc="-1" strike="noStrike">
+              <a:latin typeface="Arial"/>
+            </a:endParaRPr>
+          </a:p>
+          <a:p>
+            <a:pPr lvl="5" marL="2592000" indent="-216000">
               <a:spcBef>
                 <a:spcPts val="283"/>
               </a:spcBef>
@@ -11961,17 +13320,17 @@
               <a:buChar char=""/>
             </a:pPr>
             <a:r>
-              <a:rPr b="0" lang="en-US" sz="1800" spc="-1" strike="noStrike">
+              <a:rPr b="0" lang="en-US" sz="2000" spc="-1" strike="noStrike">
                 <a:latin typeface="Arial"/>
               </a:rPr>
               <a:t>Sixth Outline Level</a:t>
             </a:r>
-            <a:endParaRPr b="0" lang="en-US" sz="1800" spc="-1" strike="noStrike">
-              <a:latin typeface="Arial"/>
-            </a:endParaRPr>
-          </a:p>
-          <a:p>
-            <a:pPr lvl="6" marL="3024000" indent="-216000" algn="ctr">
+            <a:endParaRPr b="0" lang="en-US" sz="2000" spc="-1" strike="noStrike">
+              <a:latin typeface="Arial"/>
+            </a:endParaRPr>
+          </a:p>
+          <a:p>
+            <a:pPr lvl="6" marL="3024000" indent="-216000">
               <a:spcBef>
                 <a:spcPts val="283"/>
               </a:spcBef>
@@ -11983,12 +13342,12 @@
               <a:buChar char=""/>
             </a:pPr>
             <a:r>
-              <a:rPr b="0" lang="en-US" sz="1800" spc="-1" strike="noStrike">
+              <a:rPr b="0" lang="en-US" sz="2000" spc="-1" strike="noStrike">
                 <a:latin typeface="Arial"/>
               </a:rPr>
               <a:t>Seventh Outline Level</a:t>
             </a:r>
-            <a:endParaRPr b="0" lang="en-US" sz="1800" spc="-1" strike="noStrike">
+            <a:endParaRPr b="0" lang="en-US" sz="2000" spc="-1" strike="noStrike">
               <a:latin typeface="Arial"/>
             </a:endParaRPr>
           </a:p>
@@ -12317,7 +13676,7 @@
         <p:spPr>
           <a:xfrm>
             <a:off x="503640" y="301680"/>
-            <a:ext cx="9068760" cy="1262160"/>
+            <a:ext cx="9069120" cy="1262520"/>
           </a:xfrm>
           <a:prstGeom prst="rect">
             <a:avLst/>
@@ -12330,12 +13689,12 @@
           <a:p>
             <a:pPr algn="ctr"/>
             <a:r>
-              <a:rPr b="0" lang="en-US" sz="1800" spc="-1" strike="noStrike">
+              <a:rPr b="0" lang="en-US" sz="4400" spc="-1" strike="noStrike">
                 <a:latin typeface="Arial"/>
               </a:rPr>
               <a:t>Click to edit the title text format</a:t>
             </a:r>
-            <a:endParaRPr b="0" lang="en-US" sz="1800" spc="-1" strike="noStrike">
+            <a:endParaRPr b="0" lang="en-US" sz="4400" spc="-1" strike="noStrike">
               <a:latin typeface="Arial"/>
             </a:endParaRPr>
           </a:p>
@@ -12354,7 +13713,7 @@
         <p:spPr>
           <a:xfrm>
             <a:off x="503640" y="1769400"/>
-            <a:ext cx="9068760" cy="4385520"/>
+            <a:ext cx="9069120" cy="4385880"/>
           </a:xfrm>
           <a:prstGeom prst="rect">
             <a:avLst/>
@@ -12365,7 +13724,7 @@
             <a:normAutofit/>
           </a:bodyPr>
           <a:p>
-            <a:pPr marL="432000" indent="-324000" algn="ctr">
+            <a:pPr marL="432000" indent="-324000">
               <a:spcBef>
                 <a:spcPts val="1417"/>
               </a:spcBef>
@@ -12377,17 +13736,17 @@
               <a:buChar char=""/>
             </a:pPr>
             <a:r>
-              <a:rPr b="0" lang="en-US" sz="1800" spc="-1" strike="noStrike">
+              <a:rPr b="0" lang="en-US" sz="3200" spc="-1" strike="noStrike">
                 <a:latin typeface="Arial"/>
               </a:rPr>
               <a:t>Click to edit the outline text format</a:t>
             </a:r>
-            <a:endParaRPr b="0" lang="en-US" sz="1800" spc="-1" strike="noStrike">
-              <a:latin typeface="Arial"/>
-            </a:endParaRPr>
-          </a:p>
-          <a:p>
-            <a:pPr lvl="1" marL="864000" indent="-324000" algn="ctr">
+            <a:endParaRPr b="0" lang="en-US" sz="3200" spc="-1" strike="noStrike">
+              <a:latin typeface="Arial"/>
+            </a:endParaRPr>
+          </a:p>
+          <a:p>
+            <a:pPr lvl="1" marL="864000" indent="-324000">
               <a:spcBef>
                 <a:spcPts val="1134"/>
               </a:spcBef>
@@ -12399,17 +13758,17 @@
               <a:buChar char=""/>
             </a:pPr>
             <a:r>
-              <a:rPr b="0" lang="en-US" sz="1800" spc="-1" strike="noStrike">
+              <a:rPr b="0" lang="en-US" sz="2800" spc="-1" strike="noStrike">
                 <a:latin typeface="Arial"/>
               </a:rPr>
               <a:t>Second Outline Level</a:t>
             </a:r>
-            <a:endParaRPr b="0" lang="en-US" sz="1800" spc="-1" strike="noStrike">
-              <a:latin typeface="Arial"/>
-            </a:endParaRPr>
-          </a:p>
-          <a:p>
-            <a:pPr lvl="2" marL="1296000" indent="-288000" algn="ctr">
+            <a:endParaRPr b="0" lang="en-US" sz="2800" spc="-1" strike="noStrike">
+              <a:latin typeface="Arial"/>
+            </a:endParaRPr>
+          </a:p>
+          <a:p>
+            <a:pPr lvl="2" marL="1296000" indent="-288000">
               <a:spcBef>
                 <a:spcPts val="850"/>
               </a:spcBef>
@@ -12421,17 +13780,17 @@
               <a:buChar char=""/>
             </a:pPr>
             <a:r>
-              <a:rPr b="0" lang="en-US" sz="1800" spc="-1" strike="noStrike">
+              <a:rPr b="0" lang="en-US" sz="2400" spc="-1" strike="noStrike">
                 <a:latin typeface="Arial"/>
               </a:rPr>
               <a:t>Third Outline Level</a:t>
             </a:r>
-            <a:endParaRPr b="0" lang="en-US" sz="1800" spc="-1" strike="noStrike">
-              <a:latin typeface="Arial"/>
-            </a:endParaRPr>
-          </a:p>
-          <a:p>
-            <a:pPr lvl="3" marL="1728000" indent="-216000" algn="ctr">
+            <a:endParaRPr b="0" lang="en-US" sz="2400" spc="-1" strike="noStrike">
+              <a:latin typeface="Arial"/>
+            </a:endParaRPr>
+          </a:p>
+          <a:p>
+            <a:pPr lvl="3" marL="1728000" indent="-216000">
               <a:spcBef>
                 <a:spcPts val="567"/>
               </a:spcBef>
@@ -12443,17 +13802,17 @@
               <a:buChar char=""/>
             </a:pPr>
             <a:r>
-              <a:rPr b="0" lang="en-US" sz="1800" spc="-1" strike="noStrike">
+              <a:rPr b="0" lang="en-US" sz="2000" spc="-1" strike="noStrike">
                 <a:latin typeface="Arial"/>
               </a:rPr>
               <a:t>Fourth Outline Level</a:t>
             </a:r>
-            <a:endParaRPr b="0" lang="en-US" sz="1800" spc="-1" strike="noStrike">
-              <a:latin typeface="Arial"/>
-            </a:endParaRPr>
-          </a:p>
-          <a:p>
-            <a:pPr lvl="4" marL="2160000" indent="-216000" algn="ctr">
+            <a:endParaRPr b="0" lang="en-US" sz="2000" spc="-1" strike="noStrike">
+              <a:latin typeface="Arial"/>
+            </a:endParaRPr>
+          </a:p>
+          <a:p>
+            <a:pPr lvl="4" marL="2160000" indent="-216000">
               <a:spcBef>
                 <a:spcPts val="283"/>
               </a:spcBef>
@@ -12465,17 +13824,17 @@
               <a:buChar char=""/>
             </a:pPr>
             <a:r>
-              <a:rPr b="0" lang="en-US" sz="1800" spc="-1" strike="noStrike">
+              <a:rPr b="0" lang="en-US" sz="2000" spc="-1" strike="noStrike">
                 <a:latin typeface="Arial"/>
               </a:rPr>
               <a:t>Fifth Outline Level</a:t>
             </a:r>
-            <a:endParaRPr b="0" lang="en-US" sz="1800" spc="-1" strike="noStrike">
-              <a:latin typeface="Arial"/>
-            </a:endParaRPr>
-          </a:p>
-          <a:p>
-            <a:pPr lvl="5" marL="2592000" indent="-216000" algn="ctr">
+            <a:endParaRPr b="0" lang="en-US" sz="2000" spc="-1" strike="noStrike">
+              <a:latin typeface="Arial"/>
+            </a:endParaRPr>
+          </a:p>
+          <a:p>
+            <a:pPr lvl="5" marL="2592000" indent="-216000">
               <a:spcBef>
                 <a:spcPts val="283"/>
               </a:spcBef>
@@ -12487,17 +13846,17 @@
               <a:buChar char=""/>
             </a:pPr>
             <a:r>
-              <a:rPr b="0" lang="en-US" sz="1800" spc="-1" strike="noStrike">
+              <a:rPr b="0" lang="en-US" sz="2000" spc="-1" strike="noStrike">
                 <a:latin typeface="Arial"/>
               </a:rPr>
               <a:t>Sixth Outline Level</a:t>
             </a:r>
-            <a:endParaRPr b="0" lang="en-US" sz="1800" spc="-1" strike="noStrike">
-              <a:latin typeface="Arial"/>
-            </a:endParaRPr>
-          </a:p>
-          <a:p>
-            <a:pPr lvl="6" marL="3024000" indent="-216000" algn="ctr">
+            <a:endParaRPr b="0" lang="en-US" sz="2000" spc="-1" strike="noStrike">
+              <a:latin typeface="Arial"/>
+            </a:endParaRPr>
+          </a:p>
+          <a:p>
+            <a:pPr lvl="6" marL="3024000" indent="-216000">
               <a:spcBef>
                 <a:spcPts val="283"/>
               </a:spcBef>
@@ -12509,12 +13868,12 @@
               <a:buChar char=""/>
             </a:pPr>
             <a:r>
-              <a:rPr b="0" lang="en-US" sz="1800" spc="-1" strike="noStrike">
+              <a:rPr b="0" lang="en-US" sz="2000" spc="-1" strike="noStrike">
                 <a:latin typeface="Arial"/>
               </a:rPr>
               <a:t>Seventh Outline Level</a:t>
             </a:r>
-            <a:endParaRPr b="0" lang="en-US" sz="1800" spc="-1" strike="noStrike">
+            <a:endParaRPr b="0" lang="en-US" sz="2000" spc="-1" strike="noStrike">
               <a:latin typeface="Arial"/>
             </a:endParaRPr>
           </a:p>
@@ -12536,6 +13895,269 @@
     <p:sldLayoutId id="2147483736" r:id="rId12"/>
     <p:sldLayoutId id="2147483737" r:id="rId13"/>
     <p:sldLayoutId id="2147483738" r:id="rId14"/>
+  </p:sldLayoutIdLst>
+</p:sldMaster>
+</file>
+
+<file path=ppt/slideMasters/slideMaster8.xml><?xml version="1.0" encoding="utf-8"?>
+<p:sldMaster xmlns:a="http://schemas.openxmlformats.org/drawingml/2006/main" xmlns:p="http://schemas.openxmlformats.org/presentationml/2006/main" xmlns:r="http://schemas.openxmlformats.org/officeDocument/2006/relationships" xmlns:p14="http://schemas.microsoft.com/office/powerpoint/2010/main" xmlns:p15="http://schemas.microsoft.com/office/powerpoint/2012/main" xmlns:mc="http://schemas.openxmlformats.org/markup-compatibility/2006">
+  <p:cSld>
+    <p:bg>
+      <p:bgPr>
+        <a:blipFill rotWithShape="0">
+          <a:blip r:embed="rId2"/>
+          <a:stretch>
+            <a:fillRect/>
+          </a:stretch>
+        </a:blipFill>
+      </p:bgPr>
+    </p:bg>
+    <p:spTree>
+      <p:nvGrpSpPr>
+        <p:cNvPr id="1" name=""/>
+        <p:cNvGrpSpPr/>
+        <p:nvPr/>
+      </p:nvGrpSpPr>
+      <p:grpSpPr>
+        <a:xfrm>
+          <a:off x="0" y="0"/>
+          <a:ext cx="0" cy="0"/>
+          <a:chOff x="0" y="0"/>
+          <a:chExt cx="0" cy="0"/>
+        </a:xfrm>
+      </p:grpSpPr>
+      <p:sp>
+        <p:nvSpPr>
+          <p:cNvPr id="266" name="PlaceHolder 1"/>
+          <p:cNvSpPr>
+            <a:spLocks noGrp="1"/>
+          </p:cNvSpPr>
+          <p:nvPr>
+            <p:ph type="title"/>
+          </p:nvPr>
+        </p:nvSpPr>
+        <p:spPr>
+          <a:xfrm>
+            <a:off x="503640" y="301680"/>
+            <a:ext cx="9068760" cy="1262160"/>
+          </a:xfrm>
+          <a:prstGeom prst="rect">
+            <a:avLst/>
+          </a:prstGeom>
+        </p:spPr>
+        <p:txBody>
+          <a:bodyPr lIns="0" rIns="0" tIns="0" bIns="0" anchor="ctr">
+            <a:noAutofit/>
+          </a:bodyPr>
+          <a:p>
+            <a:pPr algn="ctr"/>
+            <a:r>
+              <a:rPr b="0" lang="en-US" sz="1800" spc="-1" strike="noStrike">
+                <a:latin typeface="Arial"/>
+              </a:rPr>
+              <a:t>Click to edit the title text format</a:t>
+            </a:r>
+            <a:endParaRPr b="0" lang="en-US" sz="1800" spc="-1" strike="noStrike">
+              <a:latin typeface="Arial"/>
+            </a:endParaRPr>
+          </a:p>
+        </p:txBody>
+      </p:sp>
+      <p:sp>
+        <p:nvSpPr>
+          <p:cNvPr id="267" name="PlaceHolder 2"/>
+          <p:cNvSpPr>
+            <a:spLocks noGrp="1"/>
+          </p:cNvSpPr>
+          <p:nvPr>
+            <p:ph type="body"/>
+          </p:nvPr>
+        </p:nvSpPr>
+        <p:spPr>
+          <a:xfrm>
+            <a:off x="503640" y="1769400"/>
+            <a:ext cx="9068760" cy="4385520"/>
+          </a:xfrm>
+          <a:prstGeom prst="rect">
+            <a:avLst/>
+          </a:prstGeom>
+        </p:spPr>
+        <p:txBody>
+          <a:bodyPr lIns="0" rIns="0" tIns="0" bIns="0">
+            <a:normAutofit/>
+          </a:bodyPr>
+          <a:p>
+            <a:pPr marL="432000" indent="-324000" algn="ctr">
+              <a:spcBef>
+                <a:spcPts val="1417"/>
+              </a:spcBef>
+              <a:buClr>
+                <a:srgbClr val="000000"/>
+              </a:buClr>
+              <a:buSzPct val="45000"/>
+              <a:buFont typeface="Wingdings" charset="2"/>
+              <a:buChar char=""/>
+            </a:pPr>
+            <a:r>
+              <a:rPr b="0" lang="en-US" sz="1800" spc="-1" strike="noStrike">
+                <a:latin typeface="Arial"/>
+              </a:rPr>
+              <a:t>Click to edit the outline text format</a:t>
+            </a:r>
+            <a:endParaRPr b="0" lang="en-US" sz="1800" spc="-1" strike="noStrike">
+              <a:latin typeface="Arial"/>
+            </a:endParaRPr>
+          </a:p>
+          <a:p>
+            <a:pPr lvl="1" marL="864000" indent="-324000" algn="ctr">
+              <a:spcBef>
+                <a:spcPts val="1134"/>
+              </a:spcBef>
+              <a:buClr>
+                <a:srgbClr val="000000"/>
+              </a:buClr>
+              <a:buSzPct val="75000"/>
+              <a:buFont typeface="Symbol" charset="2"/>
+              <a:buChar char=""/>
+            </a:pPr>
+            <a:r>
+              <a:rPr b="0" lang="en-US" sz="1800" spc="-1" strike="noStrike">
+                <a:latin typeface="Arial"/>
+              </a:rPr>
+              <a:t>Second Outline Level</a:t>
+            </a:r>
+            <a:endParaRPr b="0" lang="en-US" sz="1800" spc="-1" strike="noStrike">
+              <a:latin typeface="Arial"/>
+            </a:endParaRPr>
+          </a:p>
+          <a:p>
+            <a:pPr lvl="2" marL="1296000" indent="-288000" algn="ctr">
+              <a:spcBef>
+                <a:spcPts val="850"/>
+              </a:spcBef>
+              <a:buClr>
+                <a:srgbClr val="000000"/>
+              </a:buClr>
+              <a:buSzPct val="45000"/>
+              <a:buFont typeface="Wingdings" charset="2"/>
+              <a:buChar char=""/>
+            </a:pPr>
+            <a:r>
+              <a:rPr b="0" lang="en-US" sz="1800" spc="-1" strike="noStrike">
+                <a:latin typeface="Arial"/>
+              </a:rPr>
+              <a:t>Third Outline Level</a:t>
+            </a:r>
+            <a:endParaRPr b="0" lang="en-US" sz="1800" spc="-1" strike="noStrike">
+              <a:latin typeface="Arial"/>
+            </a:endParaRPr>
+          </a:p>
+          <a:p>
+            <a:pPr lvl="3" marL="1728000" indent="-216000" algn="ctr">
+              <a:spcBef>
+                <a:spcPts val="567"/>
+              </a:spcBef>
+              <a:buClr>
+                <a:srgbClr val="000000"/>
+              </a:buClr>
+              <a:buSzPct val="75000"/>
+              <a:buFont typeface="Symbol" charset="2"/>
+              <a:buChar char=""/>
+            </a:pPr>
+            <a:r>
+              <a:rPr b="0" lang="en-US" sz="1800" spc="-1" strike="noStrike">
+                <a:latin typeface="Arial"/>
+              </a:rPr>
+              <a:t>Fourth Outline Level</a:t>
+            </a:r>
+            <a:endParaRPr b="0" lang="en-US" sz="1800" spc="-1" strike="noStrike">
+              <a:latin typeface="Arial"/>
+            </a:endParaRPr>
+          </a:p>
+          <a:p>
+            <a:pPr lvl="4" marL="2160000" indent="-216000" algn="ctr">
+              <a:spcBef>
+                <a:spcPts val="283"/>
+              </a:spcBef>
+              <a:buClr>
+                <a:srgbClr val="000000"/>
+              </a:buClr>
+              <a:buSzPct val="45000"/>
+              <a:buFont typeface="Wingdings" charset="2"/>
+              <a:buChar char=""/>
+            </a:pPr>
+            <a:r>
+              <a:rPr b="0" lang="en-US" sz="1800" spc="-1" strike="noStrike">
+                <a:latin typeface="Arial"/>
+              </a:rPr>
+              <a:t>Fifth Outline Level</a:t>
+            </a:r>
+            <a:endParaRPr b="0" lang="en-US" sz="1800" spc="-1" strike="noStrike">
+              <a:latin typeface="Arial"/>
+            </a:endParaRPr>
+          </a:p>
+          <a:p>
+            <a:pPr lvl="5" marL="2592000" indent="-216000" algn="ctr">
+              <a:spcBef>
+                <a:spcPts val="283"/>
+              </a:spcBef>
+              <a:buClr>
+                <a:srgbClr val="000000"/>
+              </a:buClr>
+              <a:buSzPct val="45000"/>
+              <a:buFont typeface="Wingdings" charset="2"/>
+              <a:buChar char=""/>
+            </a:pPr>
+            <a:r>
+              <a:rPr b="0" lang="en-US" sz="1800" spc="-1" strike="noStrike">
+                <a:latin typeface="Arial"/>
+              </a:rPr>
+              <a:t>Sixth Outline Level</a:t>
+            </a:r>
+            <a:endParaRPr b="0" lang="en-US" sz="1800" spc="-1" strike="noStrike">
+              <a:latin typeface="Arial"/>
+            </a:endParaRPr>
+          </a:p>
+          <a:p>
+            <a:pPr lvl="6" marL="3024000" indent="-216000" algn="ctr">
+              <a:spcBef>
+                <a:spcPts val="283"/>
+              </a:spcBef>
+              <a:buClr>
+                <a:srgbClr val="000000"/>
+              </a:buClr>
+              <a:buSzPct val="45000"/>
+              <a:buFont typeface="Wingdings" charset="2"/>
+              <a:buChar char=""/>
+            </a:pPr>
+            <a:r>
+              <a:rPr b="0" lang="en-US" sz="1800" spc="-1" strike="noStrike">
+                <a:latin typeface="Arial"/>
+              </a:rPr>
+              <a:t>Seventh Outline Level</a:t>
+            </a:r>
+            <a:endParaRPr b="0" lang="en-US" sz="1800" spc="-1" strike="noStrike">
+              <a:latin typeface="Arial"/>
+            </a:endParaRPr>
+          </a:p>
+        </p:txBody>
+      </p:sp>
+    </p:spTree>
+  </p:cSld>
+  <p:clrMap bg1="lt1" bg2="lt2" tx1="dk1" tx2="dk2" accent1="accent1" accent2="accent2" accent3="accent3" accent4="accent4" accent5="accent5" accent6="accent6" hlink="hlink" folHlink="folHlink"/>
+  <p:sldLayoutIdLst>
+    <p:sldLayoutId id="2147483740" r:id="rId3"/>
+    <p:sldLayoutId id="2147483741" r:id="rId4"/>
+    <p:sldLayoutId id="2147483742" r:id="rId5"/>
+    <p:sldLayoutId id="2147483743" r:id="rId6"/>
+    <p:sldLayoutId id="2147483744" r:id="rId7"/>
+    <p:sldLayoutId id="2147483745" r:id="rId8"/>
+    <p:sldLayoutId id="2147483746" r:id="rId9"/>
+    <p:sldLayoutId id="2147483747" r:id="rId10"/>
+    <p:sldLayoutId id="2147483748" r:id="rId11"/>
+    <p:sldLayoutId id="2147483749" r:id="rId12"/>
+    <p:sldLayoutId id="2147483750" r:id="rId13"/>
+    <p:sldLayoutId id="2147483751" r:id="rId14"/>
   </p:sldLayoutIdLst>
 </p:sldMaster>
 </file>
@@ -12569,14 +14191,14 @@
       </p:grpSpPr>
       <p:sp>
         <p:nvSpPr>
-          <p:cNvPr id="272" name="CustomShape 1"/>
+          <p:cNvPr id="310" name="CustomShape 1"/>
           <p:cNvSpPr/>
           <p:nvPr/>
         </p:nvSpPr>
         <p:spPr>
           <a:xfrm>
             <a:off x="529200" y="887760"/>
-            <a:ext cx="9065160" cy="5694840"/>
+            <a:ext cx="9064440" cy="5694120"/>
           </a:xfrm>
           <a:prstGeom prst="rect">
             <a:avLst/>
@@ -12650,14 +14272,14 @@
       </p:grpSpPr>
       <p:sp>
         <p:nvSpPr>
-          <p:cNvPr id="289" name="CustomShape 1"/>
+          <p:cNvPr id="327" name="CustomShape 1"/>
           <p:cNvSpPr/>
           <p:nvPr/>
         </p:nvSpPr>
         <p:spPr>
           <a:xfrm>
             <a:off x="503640" y="109440"/>
-            <a:ext cx="9065160" cy="1259640"/>
+            <a:ext cx="9064440" cy="1258920"/>
           </a:xfrm>
           <a:prstGeom prst="rect">
             <a:avLst/>
@@ -12701,14 +14323,14 @@
       </p:sp>
       <p:sp>
         <p:nvSpPr>
-          <p:cNvPr id="290" name="CustomShape 2"/>
+          <p:cNvPr id="328" name="CustomShape 2"/>
           <p:cNvSpPr/>
           <p:nvPr/>
         </p:nvSpPr>
         <p:spPr>
           <a:xfrm>
             <a:off x="503640" y="1769400"/>
-            <a:ext cx="9065160" cy="4383000"/>
+            <a:ext cx="9064440" cy="4382280"/>
           </a:xfrm>
           <a:prstGeom prst="rect">
             <a:avLst/>
@@ -12729,7 +14351,7 @@
             <a:normAutofit/>
           </a:bodyPr>
           <a:p>
-            <a:pPr marL="432000" indent="-321120">
+            <a:pPr marL="432000" indent="-320400">
               <a:lnSpc>
                 <a:spcPct val="100000"/>
               </a:lnSpc>
@@ -12758,7 +14380,7 @@
             </a:endParaRPr>
           </a:p>
           <a:p>
-            <a:pPr lvl="1" marL="864000" indent="-321120">
+            <a:pPr lvl="1" marL="864000" indent="-320400">
               <a:lnSpc>
                 <a:spcPct val="100000"/>
               </a:lnSpc>
@@ -12787,7 +14409,7 @@
             </a:endParaRPr>
           </a:p>
           <a:p>
-            <a:pPr lvl="1" marL="864000" indent="-321120">
+            <a:pPr lvl="1" marL="864000" indent="-320400">
               <a:lnSpc>
                 <a:spcPct val="100000"/>
               </a:lnSpc>
@@ -12816,7 +14438,7 @@
             </a:endParaRPr>
           </a:p>
           <a:p>
-            <a:pPr lvl="1" marL="864000" indent="-321120">
+            <a:pPr lvl="1" marL="864000" indent="-320400">
               <a:lnSpc>
                 <a:spcPct val="100000"/>
               </a:lnSpc>
@@ -12845,7 +14467,7 @@
             </a:endParaRPr>
           </a:p>
           <a:p>
-            <a:pPr lvl="1" marL="864000" indent="-321120">
+            <a:pPr lvl="1" marL="864000" indent="-320400">
               <a:lnSpc>
                 <a:spcPct val="100000"/>
               </a:lnSpc>
@@ -12874,7 +14496,7 @@
             </a:endParaRPr>
           </a:p>
           <a:p>
-            <a:pPr lvl="1" marL="864000" indent="-321120">
+            <a:pPr lvl="1" marL="864000" indent="-320400">
               <a:lnSpc>
                 <a:spcPct val="100000"/>
               </a:lnSpc>
@@ -12903,7 +14525,7 @@
             </a:endParaRPr>
           </a:p>
           <a:p>
-            <a:pPr lvl="1" marL="864000" indent="-321120">
+            <a:pPr lvl="1" marL="864000" indent="-320400">
               <a:lnSpc>
                 <a:spcPct val="100000"/>
               </a:lnSpc>
@@ -12965,14 +14587,14 @@
       </p:grpSpPr>
       <p:sp>
         <p:nvSpPr>
-          <p:cNvPr id="291" name="CustomShape 1"/>
+          <p:cNvPr id="329" name="CustomShape 1"/>
           <p:cNvSpPr/>
           <p:nvPr/>
         </p:nvSpPr>
         <p:spPr>
           <a:xfrm>
             <a:off x="503640" y="109440"/>
-            <a:ext cx="9065160" cy="1259640"/>
+            <a:ext cx="9064440" cy="1258920"/>
           </a:xfrm>
           <a:prstGeom prst="rect">
             <a:avLst/>
@@ -13016,14 +14638,14 @@
       </p:sp>
       <p:sp>
         <p:nvSpPr>
-          <p:cNvPr id="292" name="CustomShape 2"/>
+          <p:cNvPr id="330" name="CustomShape 2"/>
           <p:cNvSpPr/>
           <p:nvPr/>
         </p:nvSpPr>
         <p:spPr>
           <a:xfrm>
             <a:off x="503640" y="1769400"/>
-            <a:ext cx="9065160" cy="4383000"/>
+            <a:ext cx="9064440" cy="4382280"/>
           </a:xfrm>
           <a:prstGeom prst="rect">
             <a:avLst/>
@@ -13090,7 +14712,7 @@
             </a:endParaRPr>
           </a:p>
           <a:p>
-            <a:pPr lvl="4" marL="1080000" indent="-213840">
+            <a:pPr lvl="4" marL="1080000" indent="-213120">
               <a:lnSpc>
                 <a:spcPct val="100000"/>
               </a:lnSpc>
@@ -13119,7 +14741,7 @@
             </a:endParaRPr>
           </a:p>
           <a:p>
-            <a:pPr marL="432000" indent="-321120">
+            <a:pPr marL="432000" indent="-320400">
               <a:lnSpc>
                 <a:spcPct val="100000"/>
               </a:lnSpc>
@@ -13148,7 +14770,7 @@
             </a:endParaRPr>
           </a:p>
           <a:p>
-            <a:pPr lvl="3" marL="864000" indent="-213840">
+            <a:pPr lvl="3" marL="864000" indent="-213120">
               <a:lnSpc>
                 <a:spcPct val="100000"/>
               </a:lnSpc>
@@ -13210,14 +14832,14 @@
       </p:grpSpPr>
       <p:sp>
         <p:nvSpPr>
-          <p:cNvPr id="293" name="CustomShape 1"/>
+          <p:cNvPr id="331" name="CustomShape 1"/>
           <p:cNvSpPr/>
           <p:nvPr/>
         </p:nvSpPr>
         <p:spPr>
           <a:xfrm>
             <a:off x="503640" y="301680"/>
-            <a:ext cx="9067320" cy="1260720"/>
+            <a:ext cx="9066600" cy="1260000"/>
           </a:xfrm>
           <a:prstGeom prst="rect">
             <a:avLst/>
@@ -13236,14 +14858,14 @@
       </p:sp>
       <p:sp>
         <p:nvSpPr>
-          <p:cNvPr id="294" name="CustomShape 2"/>
+          <p:cNvPr id="332" name="CustomShape 2"/>
           <p:cNvSpPr/>
           <p:nvPr/>
         </p:nvSpPr>
         <p:spPr>
           <a:xfrm>
             <a:off x="503640" y="1769400"/>
-            <a:ext cx="9067320" cy="4384080"/>
+            <a:ext cx="9066600" cy="4383360"/>
           </a:xfrm>
           <a:prstGeom prst="rect">
             <a:avLst/>
@@ -13262,14 +14884,14 @@
       </p:sp>
       <p:sp>
         <p:nvSpPr>
-          <p:cNvPr id="295" name="CustomShape 3"/>
+          <p:cNvPr id="333" name="CustomShape 3"/>
           <p:cNvSpPr/>
           <p:nvPr/>
         </p:nvSpPr>
         <p:spPr>
           <a:xfrm>
             <a:off x="503640" y="182880"/>
-            <a:ext cx="9067320" cy="1260720"/>
+            <a:ext cx="9066600" cy="1260000"/>
           </a:xfrm>
           <a:prstGeom prst="rect">
             <a:avLst/>
@@ -13313,14 +14935,14 @@
       </p:sp>
       <p:sp>
         <p:nvSpPr>
-          <p:cNvPr id="296" name="CustomShape 4"/>
+          <p:cNvPr id="334" name="CustomShape 4"/>
           <p:cNvSpPr/>
           <p:nvPr/>
         </p:nvSpPr>
         <p:spPr>
           <a:xfrm>
             <a:off x="365760" y="1833120"/>
-            <a:ext cx="6719400" cy="4384080"/>
+            <a:ext cx="6718680" cy="4383360"/>
           </a:xfrm>
           <a:prstGeom prst="rect">
             <a:avLst/>
@@ -13341,7 +14963,7 @@
             <a:normAutofit fontScale="91000"/>
           </a:bodyPr>
           <a:p>
-            <a:pPr marL="432000" indent="-322560">
+            <a:pPr marL="432000" indent="-321840">
               <a:lnSpc>
                 <a:spcPct val="100000"/>
               </a:lnSpc>
@@ -13370,7 +14992,7 @@
             </a:endParaRPr>
           </a:p>
           <a:p>
-            <a:pPr marL="432000" indent="-322560">
+            <a:pPr marL="432000" indent="-321840">
               <a:lnSpc>
                 <a:spcPct val="100000"/>
               </a:lnSpc>
@@ -13399,7 +15021,7 @@
             </a:endParaRPr>
           </a:p>
           <a:p>
-            <a:pPr marL="432000" indent="-322560">
+            <a:pPr marL="432000" indent="-321840">
               <a:lnSpc>
                 <a:spcPct val="100000"/>
               </a:lnSpc>
@@ -13428,7 +15050,7 @@
             </a:endParaRPr>
           </a:p>
           <a:p>
-            <a:pPr marL="432000" indent="-322560">
+            <a:pPr marL="432000" indent="-321840">
               <a:lnSpc>
                 <a:spcPct val="100000"/>
               </a:lnSpc>
@@ -13460,7 +15082,7 @@
       </p:sp>
       <p:pic>
         <p:nvPicPr>
-          <p:cNvPr id="297" name="" descr=""/>
+          <p:cNvPr id="335" name="" descr=""/>
           <p:cNvPicPr/>
           <p:nvPr/>
         </p:nvPicPr>
@@ -13471,7 +15093,7 @@
         <p:spPr>
           <a:xfrm>
             <a:off x="7264080" y="2484360"/>
-            <a:ext cx="2427840" cy="2818440"/>
+            <a:ext cx="2427120" cy="2817720"/>
           </a:xfrm>
           <a:prstGeom prst="rect">
             <a:avLst/>
@@ -13513,14 +15135,14 @@
       </p:grpSpPr>
       <p:sp>
         <p:nvSpPr>
-          <p:cNvPr id="298" name="CustomShape 1"/>
+          <p:cNvPr id="336" name="CustomShape 1"/>
           <p:cNvSpPr/>
           <p:nvPr/>
         </p:nvSpPr>
         <p:spPr>
           <a:xfrm>
             <a:off x="503640" y="301680"/>
-            <a:ext cx="9068760" cy="1262160"/>
+            <a:ext cx="9068040" cy="1261440"/>
           </a:xfrm>
           <a:prstGeom prst="rect">
             <a:avLst/>
@@ -13552,6 +15174,7 @@
                   <a:srgbClr val="ffffff"/>
                 </a:solidFill>
                 <a:latin typeface="Arial"/>
+                <a:ea typeface="DejaVu Sans"/>
               </a:rPr>
               <a:t>Main funkcija</a:t>
             </a:r>
@@ -13563,14 +15186,14 @@
       </p:sp>
       <p:sp>
         <p:nvSpPr>
-          <p:cNvPr id="299" name="CustomShape 2"/>
+          <p:cNvPr id="337" name="CustomShape 2"/>
           <p:cNvSpPr/>
           <p:nvPr/>
         </p:nvSpPr>
         <p:spPr>
           <a:xfrm>
             <a:off x="72360" y="1769400"/>
-            <a:ext cx="10077120" cy="5793120"/>
+            <a:ext cx="10076400" cy="5792400"/>
           </a:xfrm>
           <a:prstGeom prst="rect">
             <a:avLst/>
@@ -13591,7 +15214,7 @@
             <a:normAutofit/>
           </a:bodyPr>
           <a:p>
-            <a:pPr marL="432000" indent="-323640">
+            <a:pPr marL="432000" indent="-322920">
               <a:lnSpc>
                 <a:spcPct val="100000"/>
               </a:lnSpc>
@@ -13607,14 +15230,22 @@
             </a:pPr>
             <a:r>
               <a:rPr b="0" lang="en-US" sz="2800" spc="-1" strike="noStrike">
+                <a:solidFill>
+                  <a:srgbClr val="000000"/>
+                </a:solidFill>
                 <a:latin typeface="Arial"/>
+                <a:ea typeface="DejaVu Sans"/>
               </a:rPr>
               <a:t>Kreiranje novog servisa:</a:t>
             </a:r>
             <a:br/>
             <a:r>
               <a:rPr b="0" lang="en-US" sz="2800" spc="-1" strike="noStrike">
+                <a:solidFill>
+                  <a:srgbClr val="000000"/>
+                </a:solidFill>
                 <a:latin typeface="Arial"/>
+                <a:ea typeface="DejaVu Sans"/>
               </a:rPr>
               <a:t>service:= micro.NewService()</a:t>
             </a:r>
@@ -13623,7 +15254,7 @@
             </a:endParaRPr>
           </a:p>
           <a:p>
-            <a:pPr marL="432000" indent="-323640">
+            <a:pPr marL="432000" indent="-322920">
               <a:lnSpc>
                 <a:spcPct val="100000"/>
               </a:lnSpc>
@@ -13639,14 +15270,22 @@
             </a:pPr>
             <a:r>
               <a:rPr b="0" lang="en-US" sz="2800" spc="-1" strike="noStrike">
+                <a:solidFill>
+                  <a:srgbClr val="000000"/>
+                </a:solidFill>
                 <a:latin typeface="Arial"/>
+                <a:ea typeface="DejaVu Sans"/>
               </a:rPr>
               <a:t>Inicijalziacija serivcsa: </a:t>
             </a:r>
             <a:br/>
             <a:r>
               <a:rPr b="0" lang="en-US" sz="2800" spc="-1" strike="noStrike">
+                <a:solidFill>
+                  <a:srgbClr val="000000"/>
+                </a:solidFill>
                 <a:latin typeface="Arial"/>
+                <a:ea typeface="DejaVu Sans"/>
               </a:rPr>
               <a:t>service.Init()</a:t>
             </a:r>
@@ -13655,7 +15294,7 @@
             </a:endParaRPr>
           </a:p>
           <a:p>
-            <a:pPr marL="432000" indent="-323640">
+            <a:pPr marL="432000" indent="-322920">
               <a:lnSpc>
                 <a:spcPct val="100000"/>
               </a:lnSpc>
@@ -13671,14 +15310,22 @@
             </a:pPr>
             <a:r>
               <a:rPr b="0" lang="en-US" sz="2800" spc="-1" strike="noStrike">
+                <a:solidFill>
+                  <a:srgbClr val="000000"/>
+                </a:solidFill>
                 <a:latin typeface="Arial"/>
+                <a:ea typeface="DejaVu Sans"/>
               </a:rPr>
               <a:t>Registrovanje handlera:  </a:t>
             </a:r>
             <a:br/>
             <a:r>
               <a:rPr b="0" lang="en-US" sz="2800" spc="-1" strike="noStrike">
+                <a:solidFill>
+                  <a:srgbClr val="000000"/>
+                </a:solidFill>
                 <a:latin typeface="Arial"/>
+                <a:ea typeface="DejaVu Sans"/>
               </a:rPr>
               <a:t>NasServis.RegisterNasServisHangler(service.Server(), new(handler.NasServis))</a:t>
             </a:r>
@@ -13687,7 +15334,7 @@
             </a:endParaRPr>
           </a:p>
           <a:p>
-            <a:pPr marL="432000" indent="-323640">
+            <a:pPr marL="432000" indent="-322920">
               <a:lnSpc>
                 <a:spcPct val="100000"/>
               </a:lnSpc>
@@ -13703,14 +15350,22 @@
             </a:pPr>
             <a:r>
               <a:rPr b="0" lang="en-US" sz="2800" spc="-1" strike="noStrike">
+                <a:solidFill>
+                  <a:srgbClr val="000000"/>
+                </a:solidFill>
                 <a:latin typeface="Arial"/>
+                <a:ea typeface="DejaVu Sans"/>
               </a:rPr>
               <a:t>Pokretanje servisa:</a:t>
             </a:r>
             <a:br/>
             <a:r>
               <a:rPr b="0" lang="en-US" sz="2800" spc="-1" strike="noStrike">
+                <a:solidFill>
+                  <a:srgbClr val="000000"/>
+                </a:solidFill>
                 <a:latin typeface="Arial"/>
+                <a:ea typeface="DejaVu Sans"/>
               </a:rPr>
               <a:t>service.Run()</a:t>
             </a:r>
@@ -13752,14 +15407,14 @@
       </p:grpSpPr>
       <p:sp>
         <p:nvSpPr>
-          <p:cNvPr id="300" name="CustomShape 1"/>
+          <p:cNvPr id="338" name="CustomShape 1"/>
           <p:cNvSpPr/>
           <p:nvPr/>
         </p:nvSpPr>
         <p:spPr>
           <a:xfrm>
             <a:off x="503640" y="301680"/>
-            <a:ext cx="9068400" cy="1261800"/>
+            <a:ext cx="9067680" cy="1261080"/>
           </a:xfrm>
           <a:prstGeom prst="rect">
             <a:avLst/>
@@ -13803,14 +15458,14 @@
       </p:sp>
       <p:sp>
         <p:nvSpPr>
-          <p:cNvPr id="301" name="CustomShape 2"/>
+          <p:cNvPr id="339" name="CustomShape 2"/>
           <p:cNvSpPr/>
           <p:nvPr/>
         </p:nvSpPr>
         <p:spPr>
           <a:xfrm>
             <a:off x="91440" y="1769400"/>
-            <a:ext cx="5394240" cy="4996440"/>
+            <a:ext cx="5393520" cy="4995720"/>
           </a:xfrm>
           <a:prstGeom prst="rect">
             <a:avLst/>
@@ -13831,7 +15486,7 @@
             <a:normAutofit fontScale="70000"/>
           </a:bodyPr>
           <a:p>
-            <a:pPr marL="432000" indent="-323280">
+            <a:pPr marL="432000" indent="-322560">
               <a:lnSpc>
                 <a:spcPct val="100000"/>
               </a:lnSpc>
@@ -13860,7 +15515,7 @@
             </a:endParaRPr>
           </a:p>
           <a:p>
-            <a:pPr marL="432000" indent="-323280">
+            <a:pPr marL="432000" indent="-322560">
               <a:lnSpc>
                 <a:spcPct val="100000"/>
               </a:lnSpc>
@@ -13889,7 +15544,7 @@
             </a:endParaRPr>
           </a:p>
           <a:p>
-            <a:pPr marL="432000" indent="-323280">
+            <a:pPr marL="432000" indent="-322560">
               <a:lnSpc>
                 <a:spcPct val="100000"/>
               </a:lnSpc>
@@ -13918,7 +15573,7 @@
             </a:endParaRPr>
           </a:p>
           <a:p>
-            <a:pPr marL="432000" indent="-323280">
+            <a:pPr marL="432000" indent="-322560">
               <a:lnSpc>
                 <a:spcPct val="100000"/>
               </a:lnSpc>
@@ -13947,7 +15602,7 @@
             </a:endParaRPr>
           </a:p>
           <a:p>
-            <a:pPr marL="432000" indent="-323280">
+            <a:pPr marL="432000" indent="-322560">
               <a:lnSpc>
                 <a:spcPct val="100000"/>
               </a:lnSpc>
@@ -13976,7 +15631,7 @@
             </a:endParaRPr>
           </a:p>
           <a:p>
-            <a:pPr marL="432000" indent="-323280">
+            <a:pPr marL="432000" indent="-322560">
               <a:lnSpc>
                 <a:spcPct val="100000"/>
               </a:lnSpc>
@@ -14005,7 +15660,7 @@
             </a:endParaRPr>
           </a:p>
           <a:p>
-            <a:pPr marL="432000" indent="-323280">
+            <a:pPr marL="432000" indent="-322560">
               <a:lnSpc>
                 <a:spcPct val="100000"/>
               </a:lnSpc>
@@ -14034,7 +15689,7 @@
             </a:endParaRPr>
           </a:p>
           <a:p>
-            <a:pPr marL="432000" indent="-323280">
+            <a:pPr marL="432000" indent="-322560">
               <a:lnSpc>
                 <a:spcPct val="100000"/>
               </a:lnSpc>
@@ -14063,7 +15718,7 @@
             </a:endParaRPr>
           </a:p>
           <a:p>
-            <a:pPr marL="432000" indent="-323280">
+            <a:pPr marL="432000" indent="-322560">
               <a:lnSpc>
                 <a:spcPct val="100000"/>
               </a:lnSpc>
@@ -14092,7 +15747,7 @@
             </a:endParaRPr>
           </a:p>
           <a:p>
-            <a:pPr marL="432000" indent="-323280">
+            <a:pPr marL="432000" indent="-322560">
               <a:lnSpc>
                 <a:spcPct val="100000"/>
               </a:lnSpc>
@@ -14121,7 +15776,7 @@
             </a:endParaRPr>
           </a:p>
           <a:p>
-            <a:pPr marL="432000" indent="-323280">
+            <a:pPr marL="432000" indent="-322560">
               <a:lnSpc>
                 <a:spcPct val="100000"/>
               </a:lnSpc>
@@ -14150,7 +15805,7 @@
             </a:endParaRPr>
           </a:p>
           <a:p>
-            <a:pPr marL="432000" indent="-323280">
+            <a:pPr marL="432000" indent="-322560">
               <a:lnSpc>
                 <a:spcPct val="100000"/>
               </a:lnSpc>
@@ -14179,7 +15834,7 @@
             </a:endParaRPr>
           </a:p>
           <a:p>
-            <a:pPr marL="432000" indent="-323280">
+            <a:pPr marL="432000" indent="-322560">
               <a:lnSpc>
                 <a:spcPct val="100000"/>
               </a:lnSpc>
@@ -14208,7 +15863,7 @@
             </a:endParaRPr>
           </a:p>
           <a:p>
-            <a:pPr marL="432000" indent="-323280">
+            <a:pPr marL="432000" indent="-322560">
               <a:lnSpc>
                 <a:spcPct val="100000"/>
               </a:lnSpc>
@@ -14240,14 +15895,14 @@
       </p:sp>
       <p:sp>
         <p:nvSpPr>
-          <p:cNvPr id="302" name="CustomShape 3"/>
+          <p:cNvPr id="340" name="CustomShape 3"/>
           <p:cNvSpPr/>
           <p:nvPr/>
         </p:nvSpPr>
         <p:spPr>
           <a:xfrm>
             <a:off x="5577840" y="1769760"/>
-            <a:ext cx="4937040" cy="5727600"/>
+            <a:ext cx="4936320" cy="5726880"/>
           </a:xfrm>
           <a:prstGeom prst="rect">
             <a:avLst/>
@@ -14268,7 +15923,7 @@
             <a:normAutofit/>
           </a:bodyPr>
           <a:p>
-            <a:pPr marL="432000" indent="-323280">
+            <a:pPr marL="432000" indent="-322560">
               <a:lnSpc>
                 <a:spcPct val="100000"/>
               </a:lnSpc>
@@ -14297,7 +15952,7 @@
             </a:endParaRPr>
           </a:p>
           <a:p>
-            <a:pPr marL="432000" indent="-323280">
+            <a:pPr marL="432000" indent="-322560">
               <a:lnSpc>
                 <a:spcPct val="100000"/>
               </a:lnSpc>
@@ -14326,7 +15981,7 @@
             </a:endParaRPr>
           </a:p>
           <a:p>
-            <a:pPr marL="432000" indent="-323280">
+            <a:pPr marL="432000" indent="-322560">
               <a:lnSpc>
                 <a:spcPct val="100000"/>
               </a:lnSpc>
@@ -14355,7 +16010,7 @@
             </a:endParaRPr>
           </a:p>
           <a:p>
-            <a:pPr marL="432000" indent="-323280">
+            <a:pPr marL="432000" indent="-322560">
               <a:lnSpc>
                 <a:spcPct val="100000"/>
               </a:lnSpc>
@@ -14384,7 +16039,7 @@
             </a:endParaRPr>
           </a:p>
           <a:p>
-            <a:pPr marL="432000" indent="-323280">
+            <a:pPr marL="432000" indent="-322560">
               <a:lnSpc>
                 <a:spcPct val="100000"/>
               </a:lnSpc>
@@ -14413,7 +16068,7 @@
             </a:endParaRPr>
           </a:p>
           <a:p>
-            <a:pPr marL="432000" indent="-323280">
+            <a:pPr marL="432000" indent="-322560">
               <a:lnSpc>
                 <a:spcPct val="100000"/>
               </a:lnSpc>
@@ -14442,7 +16097,7 @@
             </a:endParaRPr>
           </a:p>
           <a:p>
-            <a:pPr marL="432000" indent="-323280">
+            <a:pPr marL="432000" indent="-322560">
               <a:lnSpc>
                 <a:spcPct val="100000"/>
               </a:lnSpc>
@@ -14471,7 +16126,7 @@
             </a:endParaRPr>
           </a:p>
           <a:p>
-            <a:pPr marL="432000" indent="-323280">
+            <a:pPr marL="432000" indent="-322560">
               <a:lnSpc>
                 <a:spcPct val="100000"/>
               </a:lnSpc>
@@ -14500,7 +16155,7 @@
             </a:endParaRPr>
           </a:p>
           <a:p>
-            <a:pPr marL="432000" indent="-323280">
+            <a:pPr marL="432000" indent="-322560">
               <a:lnSpc>
                 <a:spcPct val="100000"/>
               </a:lnSpc>
@@ -14529,7 +16184,7 @@
             </a:endParaRPr>
           </a:p>
           <a:p>
-            <a:pPr marL="432000" indent="-323280">
+            <a:pPr marL="432000" indent="-322560">
               <a:lnSpc>
                 <a:spcPct val="100000"/>
               </a:lnSpc>
@@ -14558,7 +16213,7 @@
             </a:endParaRPr>
           </a:p>
           <a:p>
-            <a:pPr marL="432000" indent="-323280">
+            <a:pPr marL="432000" indent="-322560">
               <a:lnSpc>
                 <a:spcPct val="100000"/>
               </a:lnSpc>
@@ -14587,7 +16242,7 @@
             </a:endParaRPr>
           </a:p>
           <a:p>
-            <a:pPr marL="432000" indent="-323280">
+            <a:pPr marL="432000" indent="-322560">
               <a:lnSpc>
                 <a:spcPct val="100000"/>
               </a:lnSpc>
@@ -14649,14 +16304,14 @@
       </p:grpSpPr>
       <p:sp>
         <p:nvSpPr>
-          <p:cNvPr id="303" name="CustomShape 1"/>
+          <p:cNvPr id="341" name="CustomShape 1"/>
           <p:cNvSpPr/>
           <p:nvPr/>
         </p:nvSpPr>
         <p:spPr>
           <a:xfrm>
             <a:off x="503640" y="301680"/>
-            <a:ext cx="9068400" cy="1261800"/>
+            <a:ext cx="9067680" cy="1261080"/>
           </a:xfrm>
           <a:prstGeom prst="rect">
             <a:avLst/>
@@ -14700,14 +16355,14 @@
       </p:sp>
       <p:sp>
         <p:nvSpPr>
-          <p:cNvPr id="304" name="CustomShape 2"/>
+          <p:cNvPr id="342" name="CustomShape 2"/>
           <p:cNvSpPr/>
           <p:nvPr/>
         </p:nvSpPr>
         <p:spPr>
           <a:xfrm>
             <a:off x="0" y="2011680"/>
-            <a:ext cx="5943240" cy="3565440"/>
+            <a:ext cx="5942520" cy="3564720"/>
           </a:xfrm>
           <a:prstGeom prst="rect">
             <a:avLst/>
@@ -14728,7 +16383,7 @@
             <a:normAutofit/>
           </a:bodyPr>
           <a:p>
-            <a:pPr marL="432000" indent="-323280">
+            <a:pPr marL="432000" indent="-322560">
               <a:lnSpc>
                 <a:spcPct val="100000"/>
               </a:lnSpc>
@@ -14750,14 +16405,14 @@
                 <a:latin typeface="Arial"/>
                 <a:ea typeface="DejaVu Sans"/>
               </a:rPr>
-              <a:t>Da bi zamenili jednu od komponeti micro moramo da uradimo sledece:</a:t>
+              <a:t>Da bismo zamenili jednu od komponeti moramo da uradimo sledece:</a:t>
             </a:r>
             <a:endParaRPr b="0" lang="en-US" sz="2800" spc="-1" strike="noStrike">
               <a:latin typeface="Arial"/>
             </a:endParaRPr>
           </a:p>
           <a:p>
-            <a:pPr lvl="1" marL="864000" indent="-323280">
+            <a:pPr lvl="1" marL="864000" indent="-322560">
               <a:lnSpc>
                 <a:spcPct val="100000"/>
               </a:lnSpc>
@@ -14786,7 +16441,7 @@
             </a:endParaRPr>
           </a:p>
           <a:p>
-            <a:pPr lvl="1" marL="864000" indent="-323280">
+            <a:pPr lvl="1" marL="864000" indent="-322560">
               <a:lnSpc>
                 <a:spcPct val="100000"/>
               </a:lnSpc>
@@ -14815,7 +16470,7 @@
             </a:endParaRPr>
           </a:p>
           <a:p>
-            <a:pPr lvl="1" marL="864000" indent="-323280">
+            <a:pPr lvl="1" marL="864000" indent="-322560">
               <a:lnSpc>
                 <a:spcPct val="100000"/>
               </a:lnSpc>
@@ -14847,7 +16502,7 @@
       </p:sp>
       <p:pic>
         <p:nvPicPr>
-          <p:cNvPr id="305" name="" descr=""/>
+          <p:cNvPr id="343" name="" descr=""/>
           <p:cNvPicPr/>
           <p:nvPr/>
         </p:nvPicPr>
@@ -14858,7 +16513,7 @@
         <p:spPr>
           <a:xfrm>
             <a:off x="5943960" y="2011680"/>
-            <a:ext cx="4132800" cy="5037480"/>
+            <a:ext cx="4132080" cy="5036760"/>
           </a:xfrm>
           <a:prstGeom prst="rect">
             <a:avLst/>
@@ -14900,14 +16555,14 @@
       </p:grpSpPr>
       <p:sp>
         <p:nvSpPr>
-          <p:cNvPr id="306" name="CustomShape 1"/>
+          <p:cNvPr id="344" name="CustomShape 1"/>
           <p:cNvSpPr/>
           <p:nvPr/>
         </p:nvSpPr>
         <p:spPr>
           <a:xfrm>
             <a:off x="503640" y="301680"/>
-            <a:ext cx="9068400" cy="1261800"/>
+            <a:ext cx="9067680" cy="1261080"/>
           </a:xfrm>
           <a:prstGeom prst="rect">
             <a:avLst/>
@@ -14951,14 +16606,14 @@
       </p:sp>
       <p:sp>
         <p:nvSpPr>
-          <p:cNvPr id="307" name="CustomShape 2"/>
+          <p:cNvPr id="345" name="CustomShape 2"/>
           <p:cNvSpPr/>
           <p:nvPr/>
         </p:nvSpPr>
         <p:spPr>
           <a:xfrm>
             <a:off x="503640" y="1769400"/>
-            <a:ext cx="9068400" cy="4385160"/>
+            <a:ext cx="9067680" cy="4384440"/>
           </a:xfrm>
           <a:prstGeom prst="rect">
             <a:avLst/>
@@ -14979,7 +16634,7 @@
             <a:normAutofit fontScale="63000"/>
           </a:bodyPr>
           <a:p>
-            <a:pPr marL="432000" indent="-323280">
+            <a:pPr marL="432000" indent="-322560">
               <a:lnSpc>
                 <a:spcPct val="100000"/>
               </a:lnSpc>
@@ -15008,7 +16663,7 @@
             </a:endParaRPr>
           </a:p>
           <a:p>
-            <a:pPr marL="432000" indent="-323280">
+            <a:pPr marL="432000" indent="-322560">
               <a:lnSpc>
                 <a:spcPct val="100000"/>
               </a:lnSpc>
@@ -15076,7 +16731,7 @@
             </a:endParaRPr>
           </a:p>
           <a:p>
-            <a:pPr marL="432000" indent="-323280">
+            <a:pPr marL="432000" indent="-322560">
               <a:lnSpc>
                 <a:spcPct val="100000"/>
               </a:lnSpc>
@@ -15105,7 +16760,7 @@
             </a:endParaRPr>
           </a:p>
           <a:p>
-            <a:pPr lvl="1" marL="864000" indent="-323280">
+            <a:pPr lvl="1" marL="864000" indent="-322560">
               <a:lnSpc>
                 <a:spcPct val="100000"/>
               </a:lnSpc>
@@ -15134,7 +16789,7 @@
             </a:endParaRPr>
           </a:p>
           <a:p>
-            <a:pPr lvl="1" marL="864000" indent="-323280">
+            <a:pPr lvl="1" marL="864000" indent="-322560">
               <a:lnSpc>
                 <a:spcPct val="100000"/>
               </a:lnSpc>
@@ -15166,7 +16821,7 @@
       </p:sp>
       <p:pic>
         <p:nvPicPr>
-          <p:cNvPr id="308" name="" descr=""/>
+          <p:cNvPr id="346" name="" descr=""/>
           <p:cNvPicPr/>
           <p:nvPr/>
         </p:nvPicPr>
@@ -15177,7 +16832,7 @@
         <p:spPr>
           <a:xfrm>
             <a:off x="5577840" y="1768320"/>
-            <a:ext cx="4262760" cy="2802960"/>
+            <a:ext cx="4262040" cy="2802240"/>
           </a:xfrm>
           <a:prstGeom prst="rect">
             <a:avLst/>
@@ -15219,14 +16874,14 @@
       </p:grpSpPr>
       <p:sp>
         <p:nvSpPr>
-          <p:cNvPr id="309" name="CustomShape 1"/>
+          <p:cNvPr id="347" name="CustomShape 1"/>
           <p:cNvSpPr/>
           <p:nvPr/>
         </p:nvSpPr>
         <p:spPr>
           <a:xfrm>
             <a:off x="503640" y="301680"/>
-            <a:ext cx="9068400" cy="1261800"/>
+            <a:ext cx="9067680" cy="1261080"/>
           </a:xfrm>
           <a:prstGeom prst="rect">
             <a:avLst/>
@@ -15258,6 +16913,7 @@
                   <a:srgbClr val="ffffff"/>
                 </a:solidFill>
                 <a:latin typeface="Arial"/>
+                <a:ea typeface="DejaVu Sans"/>
               </a:rPr>
               <a:t>Pub Sub</a:t>
             </a:r>
@@ -15269,14 +16925,14 @@
       </p:sp>
       <p:sp>
         <p:nvSpPr>
-          <p:cNvPr id="310" name="CustomShape 2"/>
+          <p:cNvPr id="348" name="CustomShape 2"/>
           <p:cNvSpPr/>
           <p:nvPr/>
         </p:nvSpPr>
         <p:spPr>
           <a:xfrm>
             <a:off x="91440" y="1769760"/>
-            <a:ext cx="9784080" cy="5636880"/>
+            <a:ext cx="9783360" cy="5636160"/>
           </a:xfrm>
           <a:prstGeom prst="rect">
             <a:avLst/>
@@ -15297,7 +16953,7 @@
             <a:normAutofit fontScale="91000"/>
           </a:bodyPr>
           <a:p>
-            <a:pPr marL="432000" indent="-323640">
+            <a:pPr marL="432000" indent="-322920">
               <a:lnSpc>
                 <a:spcPct val="100000"/>
               </a:lnSpc>
@@ -15313,21 +16969,33 @@
             </a:pPr>
             <a:r>
               <a:rPr b="0" lang="en-US" sz="3200" spc="-1" strike="noStrike">
+                <a:solidFill>
+                  <a:srgbClr val="000000"/>
+                </a:solidFill>
                 <a:latin typeface="Arial"/>
+                <a:ea typeface="DejaVu Sans"/>
               </a:rPr>
               <a:t>Publisher:</a:t>
             </a:r>
             <a:br/>
             <a:r>
               <a:rPr b="0" lang="en-US" sz="2400" spc="-1" strike="noStrike">
+                <a:solidFill>
+                  <a:srgbClr val="000000"/>
+                </a:solidFill>
                 <a:latin typeface="Arial"/>
+                <a:ea typeface="DejaVu Sans"/>
               </a:rPr>
               <a:t>p:= micro.NewEvent(“events”, service.Client())</a:t>
             </a:r>
             <a:br/>
             <a:r>
               <a:rPr b="0" lang="en-US" sz="2400" spc="-1" strike="noStrike">
+                <a:solidFill>
+                  <a:srgbClr val="000000"/>
+                </a:solidFill>
                 <a:latin typeface="Arial"/>
+                <a:ea typeface="DejaVu Sans"/>
               </a:rPr>
               <a:t>p.Publish(context.TODO(), &amp;proto.Event { Name: “event”})</a:t>
             </a:r>
@@ -15336,7 +17004,7 @@
             </a:endParaRPr>
           </a:p>
           <a:p>
-            <a:pPr marL="432000" indent="-323640">
+            <a:pPr marL="432000" indent="-322920">
               <a:lnSpc>
                 <a:spcPct val="100000"/>
               </a:lnSpc>
@@ -15352,21 +17020,33 @@
             </a:pPr>
             <a:r>
               <a:rPr b="0" lang="en-US" sz="3200" spc="-1" strike="noStrike">
+                <a:solidFill>
+                  <a:srgbClr val="000000"/>
+                </a:solidFill>
                 <a:latin typeface="Arial"/>
+                <a:ea typeface="DejaVu Sans"/>
               </a:rPr>
               <a:t>Subscriber</a:t>
             </a:r>
             <a:br/>
             <a:r>
               <a:rPr b="0" lang="en-US" sz="2400" spc="-1" strike="noStrike">
+                <a:solidFill>
+                  <a:srgbClr val="000000"/>
+                </a:solidFill>
                 <a:latin typeface="Arial"/>
+                <a:ea typeface="DejaVu Sans"/>
               </a:rPr>
               <a:t>func ProcesEvent(ctx context.Context, event *proto.Event) error</a:t>
             </a:r>
             <a:br/>
             <a:r>
               <a:rPr b="0" lang="en-US" sz="2400" spc="-1" strike="noStrike">
+                <a:solidFill>
+                  <a:srgbClr val="000000"/>
+                </a:solidFill>
                 <a:latin typeface="Arial"/>
+                <a:ea typeface="DejaVu Sans"/>
               </a:rPr>
               <a:t>micro.RegisterSubscriber(“event”, ProcessEvent)</a:t>
             </a:r>
@@ -15375,7 +17055,7 @@
             </a:endParaRPr>
           </a:p>
           <a:p>
-            <a:pPr lvl="3" marL="864000" indent="-216000">
+            <a:pPr lvl="3" marL="864000" indent="-215280">
               <a:lnSpc>
                 <a:spcPct val="100000"/>
               </a:lnSpc>
@@ -15391,7 +17071,11 @@
             </a:pPr>
             <a:r>
               <a:rPr b="0" lang="en-US" sz="2200" spc="-1" strike="noStrike">
+                <a:solidFill>
+                  <a:srgbClr val="000000"/>
+                </a:solidFill>
                 <a:latin typeface="Arial"/>
+                <a:ea typeface="DejaVu Sans"/>
               </a:rPr>
               <a:t>Subscriber je moguce podesiti sledeicm funkcijama:</a:t>
             </a:r>
@@ -15400,7 +17084,7 @@
             </a:endParaRPr>
           </a:p>
           <a:p>
-            <a:pPr lvl="4" marL="1080000" indent="-216000">
+            <a:pPr lvl="4" marL="1080000" indent="-215280">
               <a:lnSpc>
                 <a:spcPct val="100000"/>
               </a:lnSpc>
@@ -15416,13 +17100,21 @@
             </a:pPr>
             <a:r>
               <a:rPr b="0" lang="en-US" sz="2200" spc="-1" strike="noStrike">
+                <a:solidFill>
+                  <a:srgbClr val="000000"/>
+                </a:solidFill>
                 <a:latin typeface="Arial"/>
+                <a:ea typeface="DejaVu Sans"/>
               </a:rPr>
               <a:t>Server.DisableAck() - </a:t>
             </a:r>
             <a:r>
               <a:rPr b="0" lang="en-US" sz="2000" spc="-1" strike="noStrike">
+                <a:solidFill>
+                  <a:srgbClr val="000000"/>
+                </a:solidFill>
                 <a:latin typeface="Arial"/>
+                <a:ea typeface="DejaVu Sans"/>
               </a:rPr>
               <a:t>gasi povratnu poruku</a:t>
             </a:r>
@@ -15431,7 +17123,7 @@
             </a:endParaRPr>
           </a:p>
           <a:p>
-            <a:pPr lvl="4" marL="1080000" indent="-216000">
+            <a:pPr lvl="4" marL="1080000" indent="-215280">
               <a:lnSpc>
                 <a:spcPct val="100000"/>
               </a:lnSpc>
@@ -15447,13 +17139,21 @@
             </a:pPr>
             <a:r>
               <a:rPr b="0" lang="en-US" sz="2200" spc="-1" strike="noStrike">
+                <a:solidFill>
+                  <a:srgbClr val="000000"/>
+                </a:solidFill>
                 <a:latin typeface="Arial"/>
+                <a:ea typeface="DejaVu Sans"/>
               </a:rPr>
               <a:t>Server.SubscrberContext(context.Context) – </a:t>
             </a:r>
             <a:r>
               <a:rPr b="0" lang="en-US" sz="2000" spc="-1" strike="noStrike">
+                <a:solidFill>
+                  <a:srgbClr val="000000"/>
+                </a:solidFill>
                 <a:latin typeface="Arial"/>
+                <a:ea typeface="DejaVu Sans"/>
               </a:rPr>
               <a:t>dozvoljava broker SusbscribeOption da se prosledi</a:t>
             </a:r>
@@ -15462,7 +17162,7 @@
             </a:endParaRPr>
           </a:p>
           <a:p>
-            <a:pPr lvl="4" marL="1080000" indent="-216000">
+            <a:pPr lvl="4" marL="1080000" indent="-215280">
               <a:lnSpc>
                 <a:spcPct val="100000"/>
               </a:lnSpc>
@@ -15478,13 +17178,21 @@
             </a:pPr>
             <a:r>
               <a:rPr b="0" lang="en-US" sz="2200" spc="-1" strike="noStrike">
+                <a:solidFill>
+                  <a:srgbClr val="000000"/>
+                </a:solidFill>
                 <a:latin typeface="Arial"/>
+                <a:ea typeface="DejaVu Sans"/>
               </a:rPr>
               <a:t>Server.InternalSubscriber(bool) – </a:t>
             </a:r>
             <a:r>
               <a:rPr b="0" lang="en-US" sz="2000" spc="-1" strike="noStrike">
+                <a:solidFill>
+                  <a:srgbClr val="000000"/>
+                </a:solidFill>
                 <a:latin typeface="Arial"/>
+                <a:ea typeface="DejaVu Sans"/>
               </a:rPr>
               <a:t>da li je moguce pronaci pomocu discover system</a:t>
             </a:r>
@@ -15493,7 +17201,7 @@
             </a:endParaRPr>
           </a:p>
           <a:p>
-            <a:pPr lvl="4" marL="1080000" indent="-216000">
+            <a:pPr lvl="4" marL="1080000" indent="-215280">
               <a:lnSpc>
                 <a:spcPct val="100000"/>
               </a:lnSpc>
@@ -15509,20 +17217,32 @@
             </a:pPr>
             <a:r>
               <a:rPr b="0" lang="en-US" sz="2200" spc="-1" strike="noStrike">
+                <a:solidFill>
+                  <a:srgbClr val="000000"/>
+                </a:solidFill>
                 <a:latin typeface="Arial"/>
+                <a:ea typeface="DejaVu Sans"/>
               </a:rPr>
               <a:t>Server.SusbcriberQueue(n string) – </a:t>
             </a:r>
             <a:r>
               <a:rPr b="0" lang="en-US" sz="2000" spc="-1" strike="noStrike">
+                <a:solidFill>
+                  <a:srgbClr val="000000"/>
+                </a:solidFill>
                 <a:latin typeface="Arial"/>
+                <a:ea typeface="DejaVu Sans"/>
               </a:rPr>
               <a:t>deljiv queue za sve subscribere</a:t>
             </a:r>
             <a:br/>
             <a:r>
               <a:rPr b="0" lang="en-US" sz="3200" spc="-1" strike="noStrike">
+                <a:solidFill>
+                  <a:srgbClr val="000000"/>
+                </a:solidFill>
                 <a:latin typeface="Arial"/>
+                <a:ea typeface="DejaVu Sans"/>
               </a:rPr>
               <a:t> </a:t>
             </a:r>
@@ -15564,14 +17284,14 @@
       </p:grpSpPr>
       <p:sp>
         <p:nvSpPr>
-          <p:cNvPr id="311" name="CustomShape 1"/>
+          <p:cNvPr id="349" name="CustomShape 1"/>
           <p:cNvSpPr/>
           <p:nvPr/>
         </p:nvSpPr>
         <p:spPr>
           <a:xfrm>
             <a:off x="503640" y="301680"/>
-            <a:ext cx="9068400" cy="1261800"/>
+            <a:ext cx="9067680" cy="1261080"/>
           </a:xfrm>
           <a:prstGeom prst="rect">
             <a:avLst/>
@@ -15603,6 +17323,7 @@
                   <a:srgbClr val="ffffff"/>
                 </a:solidFill>
                 <a:latin typeface="Arial"/>
+                <a:ea typeface="DejaVu Sans"/>
               </a:rPr>
               <a:t>Web service</a:t>
             </a:r>
@@ -15614,14 +17335,14 @@
       </p:sp>
       <p:sp>
         <p:nvSpPr>
-          <p:cNvPr id="312" name="CustomShape 2"/>
+          <p:cNvPr id="350" name="CustomShape 2"/>
           <p:cNvSpPr/>
           <p:nvPr/>
         </p:nvSpPr>
         <p:spPr>
           <a:xfrm>
             <a:off x="503640" y="1769400"/>
-            <a:ext cx="9068400" cy="4385160"/>
+            <a:ext cx="9067680" cy="4384440"/>
           </a:xfrm>
           <a:prstGeom prst="rect">
             <a:avLst/>
@@ -15642,7 +17363,7 @@
             <a:normAutofit/>
           </a:bodyPr>
           <a:p>
-            <a:pPr marL="432000" indent="-323640">
+            <a:pPr marL="432000" indent="-322920">
               <a:lnSpc>
                 <a:spcPct val="100000"/>
               </a:lnSpc>
@@ -15658,14 +17379,22 @@
             </a:pPr>
             <a:r>
               <a:rPr b="0" lang="en-US" sz="3200" spc="-1" strike="noStrike">
+                <a:solidFill>
+                  <a:srgbClr val="000000"/>
+                </a:solidFill>
                 <a:latin typeface="Arial"/>
+                <a:ea typeface="DejaVu Sans"/>
               </a:rPr>
               <a:t>Kreiranje servisa:</a:t>
             </a:r>
             <a:br/>
             <a:r>
               <a:rPr b="0" lang="en-US" sz="2600" spc="-1" strike="noStrike">
+                <a:solidFill>
+                  <a:srgbClr val="000000"/>
+                </a:solidFill>
                 <a:latin typeface="Arial"/>
+                <a:ea typeface="DejaVu Sans"/>
               </a:rPr>
               <a:t>service := web.NewService(“example.com”)</a:t>
             </a:r>
@@ -15674,7 +17403,7 @@
             </a:endParaRPr>
           </a:p>
           <a:p>
-            <a:pPr marL="432000" indent="-323640">
+            <a:pPr marL="432000" indent="-322920">
               <a:lnSpc>
                 <a:spcPct val="100000"/>
               </a:lnSpc>
@@ -15690,34 +17419,54 @@
             </a:pPr>
             <a:r>
               <a:rPr b="0" lang="en-US" sz="3200" spc="-1" strike="noStrike">
+                <a:solidFill>
+                  <a:srgbClr val="000000"/>
+                </a:solidFill>
                 <a:latin typeface="Arial"/>
+                <a:ea typeface="DejaVu Sans"/>
               </a:rPr>
               <a:t>Svaka funkcija/ stranica</a:t>
             </a:r>
             <a:br/>
             <a:r>
               <a:rPr b="0" lang="en-US" sz="2600" spc="-1" strike="noStrike">
+                <a:solidFill>
+                  <a:srgbClr val="000000"/>
+                </a:solidFill>
                 <a:latin typeface="Arial"/>
+                <a:ea typeface="DejaVu Sans"/>
               </a:rPr>
               <a:t>service.HandleFunc(“/func”, funcHangler)</a:t>
             </a:r>
             <a:br/>
             <a:r>
               <a:rPr b="0" lang="en-US" sz="2600" spc="-1" strike="noStrike">
+                <a:solidFill>
+                  <a:srgbClr val="000000"/>
+                </a:solidFill>
                 <a:latin typeface="Arial"/>
+                <a:ea typeface="DejaVu Sans"/>
               </a:rPr>
               <a:t>func funcHangler(w http.ResponseWriter, r *httpRequest)</a:t>
             </a:r>
             <a:r>
               <a:rPr b="0" lang="en-US" sz="3200" spc="-1" strike="noStrike">
+                <a:solidFill>
+                  <a:srgbClr val="000000"/>
+                </a:solidFill>
                 <a:latin typeface="Arial"/>
+                <a:ea typeface="DejaVu Sans"/>
               </a:rPr>
               <a:t> </a:t>
             </a:r>
             <a:br/>
             <a:r>
               <a:rPr b="1" lang="en-US" sz="3200" spc="-1" strike="noStrike">
+                <a:solidFill>
+                  <a:srgbClr val="000000"/>
+                </a:solidFill>
                 <a:latin typeface="Arial"/>
+                <a:ea typeface="DejaVu Sans"/>
               </a:rPr>
               <a:t> </a:t>
             </a:r>
@@ -15759,14 +17508,14 @@
       </p:grpSpPr>
       <p:sp>
         <p:nvSpPr>
-          <p:cNvPr id="313" name="CustomShape 1"/>
+          <p:cNvPr id="351" name="CustomShape 1"/>
           <p:cNvSpPr/>
           <p:nvPr/>
         </p:nvSpPr>
         <p:spPr>
           <a:xfrm>
             <a:off x="503640" y="301680"/>
-            <a:ext cx="9068400" cy="1261800"/>
+            <a:ext cx="9067680" cy="1261080"/>
           </a:xfrm>
           <a:prstGeom prst="rect">
             <a:avLst/>
@@ -15798,6 +17547,7 @@
                   <a:srgbClr val="ffffff"/>
                 </a:solidFill>
                 <a:latin typeface="Arial"/>
+                <a:ea typeface="DejaVu Sans"/>
               </a:rPr>
               <a:t>Brocker</a:t>
             </a:r>
@@ -15809,14 +17559,14 @@
       </p:sp>
       <p:sp>
         <p:nvSpPr>
-          <p:cNvPr id="314" name="CustomShape 2"/>
+          <p:cNvPr id="352" name="CustomShape 2"/>
           <p:cNvSpPr/>
           <p:nvPr/>
         </p:nvSpPr>
         <p:spPr>
           <a:xfrm>
             <a:off x="91440" y="1677960"/>
-            <a:ext cx="9783720" cy="5636880"/>
+            <a:ext cx="9783000" cy="5636160"/>
           </a:xfrm>
           <a:prstGeom prst="rect">
             <a:avLst/>
@@ -15837,7 +17587,7 @@
             <a:normAutofit/>
           </a:bodyPr>
           <a:p>
-            <a:pPr marL="432000" indent="-323640">
+            <a:pPr marL="432000" indent="-322920">
               <a:lnSpc>
                 <a:spcPct val="100000"/>
               </a:lnSpc>
@@ -15853,47 +17603,75 @@
             </a:pPr>
             <a:r>
               <a:rPr b="0" lang="en-US" sz="3200" spc="-1" strike="noStrike">
+                <a:solidFill>
+                  <a:srgbClr val="000000"/>
+                </a:solidFill>
                 <a:latin typeface="Arial"/>
+                <a:ea typeface="DejaVu Sans"/>
               </a:rPr>
               <a:t>Kreiranje brockera:</a:t>
             </a:r>
             <a:br/>
             <a:r>
               <a:rPr b="0" lang="en-US" sz="2600" spc="-1" strike="noStrike">
+                <a:solidFill>
+                  <a:srgbClr val="000000"/>
+                </a:solidFill>
                 <a:latin typeface="Arial"/>
+                <a:ea typeface="DejaVu Sans"/>
               </a:rPr>
               <a:t>service.Init( micro.AfterStart( func() error {</a:t>
             </a:r>
             <a:br/>
             <a:r>
               <a:rPr b="0" lang="en-US" sz="2600" spc="-1" strike="noStrike">
+                <a:solidFill>
+                  <a:srgbClr val="000000"/>
+                </a:solidFill>
                 <a:latin typeface="Arial"/>
+                <a:ea typeface="DejaVu Sans"/>
               </a:rPr>
               <a:t>	</a:t>
             </a:r>
             <a:r>
               <a:rPr b="0" lang="en-US" sz="2600" spc="-1" strike="noStrike">
+                <a:solidFill>
+                  <a:srgbClr val="000000"/>
+                </a:solidFill>
                 <a:latin typeface="Arial"/>
+                <a:ea typeface="DejaVu Sans"/>
               </a:rPr>
               <a:t>brk:= service.Options().Broker</a:t>
             </a:r>
             <a:br/>
             <a:r>
               <a:rPr b="0" lang="en-US" sz="2600" spc="-1" strike="noStrike">
+                <a:solidFill>
+                  <a:srgbClr val="000000"/>
+                </a:solidFill>
                 <a:latin typeface="Arial"/>
+                <a:ea typeface="DejaVu Sans"/>
               </a:rPr>
               <a:t>	</a:t>
             </a:r>
             <a:r>
               <a:rPr b="0" lang="en-US" sz="2600" spc="-1" strike="noStrike">
+                <a:solidFill>
+                  <a:srgbClr val="000000"/>
+                </a:solidFill>
                 <a:latin typeface="Arial"/>
+                <a:ea typeface="DejaVu Sans"/>
               </a:rPr>
               <a:t>brk.Connect() </a:t>
             </a:r>
             <a:br/>
             <a:r>
               <a:rPr b="0" lang="en-US" sz="2600" spc="-1" strike="noStrike">
+                <a:solidFill>
+                  <a:srgbClr val="000000"/>
+                </a:solidFill>
                 <a:latin typeface="Arial"/>
+                <a:ea typeface="DejaVu Sans"/>
               </a:rPr>
               <a:t>}))</a:t>
             </a:r>
@@ -15902,7 +17680,7 @@
             </a:endParaRPr>
           </a:p>
           <a:p>
-            <a:pPr marL="432000" indent="-323640">
+            <a:pPr marL="432000" indent="-322920">
               <a:lnSpc>
                 <a:spcPct val="100000"/>
               </a:lnSpc>
@@ -15918,14 +17696,22 @@
             </a:pPr>
             <a:r>
               <a:rPr b="0" lang="en-US" sz="3200" spc="-1" strike="noStrike">
+                <a:solidFill>
+                  <a:srgbClr val="000000"/>
+                </a:solidFill>
                 <a:latin typeface="Arial"/>
+                <a:ea typeface="DejaVu Sans"/>
               </a:rPr>
               <a:t>Kreiranje poruke:</a:t>
             </a:r>
             <a:br/>
             <a:r>
               <a:rPr b="0" lang="en-US" sz="2600" spc="-1" strike="noStrike">
+                <a:solidFill>
+                  <a:srgbClr val="000000"/>
+                </a:solidFill>
                 <a:latin typeface="Arial"/>
+                <a:ea typeface="DejaVu Sans"/>
               </a:rPr>
               <a:t>msg := &amp;broker.Message { Header:.. Body:…}</a:t>
             </a:r>
@@ -15934,7 +17720,7 @@
             </a:endParaRPr>
           </a:p>
           <a:p>
-            <a:pPr marL="432000" indent="-323640">
+            <a:pPr marL="432000" indent="-322920">
               <a:lnSpc>
                 <a:spcPct val="100000"/>
               </a:lnSpc>
@@ -15950,14 +17736,22 @@
             </a:pPr>
             <a:r>
               <a:rPr b="0" lang="en-US" sz="3200" spc="-1" strike="noStrike">
+                <a:solidFill>
+                  <a:srgbClr val="000000"/>
+                </a:solidFill>
                 <a:latin typeface="Arial"/>
+                <a:ea typeface="DejaVu Sans"/>
               </a:rPr>
               <a:t>Slanje poruke:</a:t>
             </a:r>
             <a:br/>
             <a:r>
               <a:rPr b="0" lang="en-US" sz="2600" spc="-1" strike="noStrike">
+                <a:solidFill>
+                  <a:srgbClr val="000000"/>
+                </a:solidFill>
                 <a:latin typeface="Arial"/>
+                <a:ea typeface="DejaVu Sans"/>
               </a:rPr>
               <a:t>broker.Publish(“topic”, msg)</a:t>
             </a:r>
@@ -15966,7 +17760,7 @@
             </a:endParaRPr>
           </a:p>
           <a:p>
-            <a:pPr marL="432000" indent="-323640">
+            <a:pPr marL="432000" indent="-322920">
               <a:lnSpc>
                 <a:spcPct val="100000"/>
               </a:lnSpc>
@@ -15982,21 +17776,33 @@
             </a:pPr>
             <a:r>
               <a:rPr b="0" lang="en-US" sz="3200" spc="-1" strike="noStrike">
+                <a:solidFill>
+                  <a:srgbClr val="000000"/>
+                </a:solidFill>
                 <a:latin typeface="Arial"/>
+                <a:ea typeface="DejaVu Sans"/>
               </a:rPr>
               <a:t>Prijavljivanje na topic/queue</a:t>
             </a:r>
             <a:br/>
             <a:r>
               <a:rPr b="0" lang="en-US" sz="2600" spc="-1" strike="noStrike">
+                <a:solidFill>
+                  <a:srgbClr val="000000"/>
+                </a:solidFill>
                 <a:latin typeface="Arial"/>
+                <a:ea typeface="DejaVu Sans"/>
               </a:rPr>
               <a:t>broker.Subscribe(“topic”, func Event, broker.Queue(“topic”))</a:t>
             </a:r>
             <a:br/>
             <a:r>
               <a:rPr b="0" lang="en-US" sz="2600" spc="-1" strike="noStrike">
+                <a:solidFill>
+                  <a:srgbClr val="000000"/>
+                </a:solidFill>
                 <a:latin typeface="Arial"/>
+                <a:ea typeface="DejaVu Sans"/>
               </a:rPr>
               <a:t>func Event(p broker.Event) error</a:t>
             </a:r>
@@ -16048,14 +17854,14 @@
       </p:grpSpPr>
       <p:sp>
         <p:nvSpPr>
-          <p:cNvPr id="273" name="CustomShape 1"/>
+          <p:cNvPr id="311" name="CustomShape 1"/>
           <p:cNvSpPr/>
           <p:nvPr/>
         </p:nvSpPr>
         <p:spPr>
           <a:xfrm>
             <a:off x="503640" y="109440"/>
-            <a:ext cx="9065160" cy="1259640"/>
+            <a:ext cx="9064440" cy="1258920"/>
           </a:xfrm>
           <a:prstGeom prst="rect">
             <a:avLst/>
@@ -16099,14 +17905,14 @@
       </p:sp>
       <p:sp>
         <p:nvSpPr>
-          <p:cNvPr id="274" name="CustomShape 2"/>
+          <p:cNvPr id="312" name="CustomShape 2"/>
           <p:cNvSpPr/>
           <p:nvPr/>
         </p:nvSpPr>
         <p:spPr>
           <a:xfrm>
             <a:off x="503640" y="2103480"/>
-            <a:ext cx="9065160" cy="4048920"/>
+            <a:ext cx="9064440" cy="4048200"/>
           </a:xfrm>
           <a:prstGeom prst="rect">
             <a:avLst/>
@@ -16127,7 +17933,7 @@
             <a:normAutofit/>
           </a:bodyPr>
           <a:p>
-            <a:pPr marL="432000" indent="-321120">
+            <a:pPr marL="432000" indent="-320400">
               <a:lnSpc>
                 <a:spcPct val="100000"/>
               </a:lnSpc>
@@ -16156,7 +17962,7 @@
             </a:endParaRPr>
           </a:p>
           <a:p>
-            <a:pPr marL="432000" indent="-321120">
+            <a:pPr marL="432000" indent="-320400">
               <a:lnSpc>
                 <a:spcPct val="100000"/>
               </a:lnSpc>
@@ -16178,14 +17984,14 @@
                 <a:latin typeface="Open Sans"/>
                 <a:ea typeface="DejaVu Sans"/>
               </a:rPr>
-              <a:t>Koristi mikroservis arhitekturni obrazac I pretvara ga u set alatki, pomoću kojih je lako izgraditi skalabilnu platformu</a:t>
-            </a:r>
-            <a:endParaRPr b="0" lang="en-US" sz="3200" spc="-1" strike="noStrike">
-              <a:latin typeface="Arial"/>
-            </a:endParaRPr>
-          </a:p>
-          <a:p>
-            <a:pPr marL="432000" indent="-321120">
+              <a:t>Koristi mikroservis arhitekturni obrazac I pretvara ga u set alata, pomoću kojih je lako izgraditi skalabilnu platformu</a:t>
+            </a:r>
+            <a:endParaRPr b="0" lang="en-US" sz="3200" spc="-1" strike="noStrike">
+              <a:latin typeface="Arial"/>
+            </a:endParaRPr>
+          </a:p>
+          <a:p>
+            <a:pPr marL="432000" indent="-320400">
               <a:lnSpc>
                 <a:spcPct val="100000"/>
               </a:lnSpc>
@@ -16229,6 +18035,453 @@
 </file>
 
 <file path=ppt/slides/slide20.xml><?xml version="1.0" encoding="utf-8"?>
+<p:sld xmlns:a="http://schemas.openxmlformats.org/drawingml/2006/main" xmlns:p="http://schemas.openxmlformats.org/presentationml/2006/main" xmlns:r="http://schemas.openxmlformats.org/officeDocument/2006/relationships" xmlns:p14="http://schemas.microsoft.com/office/powerpoint/2010/main" xmlns:p15="http://schemas.microsoft.com/office/powerpoint/2012/main" xmlns:mc="http://schemas.openxmlformats.org/markup-compatibility/2006">
+  <p:cSld>
+    <p:spTree>
+      <p:nvGrpSpPr>
+        <p:cNvPr id="1" name=""/>
+        <p:cNvGrpSpPr/>
+        <p:nvPr/>
+      </p:nvGrpSpPr>
+      <p:grpSpPr>
+        <a:xfrm>
+          <a:off x="0" y="0"/>
+          <a:ext cx="0" cy="0"/>
+          <a:chOff x="0" y="0"/>
+          <a:chExt cx="0" cy="0"/>
+        </a:xfrm>
+      </p:grpSpPr>
+      <p:sp>
+        <p:nvSpPr>
+          <p:cNvPr id="353" name="CustomShape 1"/>
+          <p:cNvSpPr/>
+          <p:nvPr/>
+        </p:nvSpPr>
+        <p:spPr>
+          <a:xfrm>
+            <a:off x="503640" y="301680"/>
+            <a:ext cx="9068760" cy="1262160"/>
+          </a:xfrm>
+          <a:prstGeom prst="rect">
+            <a:avLst/>
+          </a:prstGeom>
+          <a:noFill/>
+          <a:ln>
+            <a:noFill/>
+          </a:ln>
+        </p:spPr>
+        <p:style>
+          <a:lnRef idx="0"/>
+          <a:fillRef idx="0"/>
+          <a:effectRef idx="0"/>
+          <a:fontRef idx="minor"/>
+        </p:style>
+        <p:txBody>
+          <a:bodyPr lIns="0" rIns="0" tIns="0" bIns="0" anchor="ctr">
+            <a:noAutofit/>
+          </a:bodyPr>
+          <a:p>
+            <a:pPr algn="ctr">
+              <a:lnSpc>
+                <a:spcPct val="100000"/>
+              </a:lnSpc>
+            </a:pPr>
+            <a:r>
+              <a:rPr b="0" lang="en-US" sz="4400" spc="-1" strike="noStrike">
+                <a:solidFill>
+                  <a:srgbClr val="ffffff"/>
+                </a:solidFill>
+                <a:latin typeface="Arial"/>
+              </a:rPr>
+              <a:t>Prednosti</a:t>
+            </a:r>
+            <a:endParaRPr b="0" lang="en-US" sz="4400" spc="-1" strike="noStrike">
+              <a:latin typeface="Arial"/>
+            </a:endParaRPr>
+          </a:p>
+        </p:txBody>
+      </p:sp>
+      <p:sp>
+        <p:nvSpPr>
+          <p:cNvPr id="354" name="CustomShape 2"/>
+          <p:cNvSpPr/>
+          <p:nvPr/>
+        </p:nvSpPr>
+        <p:spPr>
+          <a:xfrm>
+            <a:off x="503640" y="1769400"/>
+            <a:ext cx="9068760" cy="4385520"/>
+          </a:xfrm>
+          <a:prstGeom prst="rect">
+            <a:avLst/>
+          </a:prstGeom>
+          <a:noFill/>
+          <a:ln>
+            <a:noFill/>
+          </a:ln>
+        </p:spPr>
+        <p:style>
+          <a:lnRef idx="0"/>
+          <a:fillRef idx="0"/>
+          <a:effectRef idx="0"/>
+          <a:fontRef idx="minor"/>
+        </p:style>
+        <p:txBody>
+          <a:bodyPr lIns="0" rIns="0" tIns="0" bIns="0">
+            <a:normAutofit/>
+          </a:bodyPr>
+          <a:p>
+            <a:pPr marL="432000" indent="-323640">
+              <a:lnSpc>
+                <a:spcPct val="100000"/>
+              </a:lnSpc>
+              <a:spcBef>
+                <a:spcPts val="1417"/>
+              </a:spcBef>
+              <a:buClr>
+                <a:srgbClr val="000000"/>
+              </a:buClr>
+              <a:buSzPct val="45000"/>
+              <a:buFont typeface="Wingdings" charset="2"/>
+              <a:buChar char=""/>
+            </a:pPr>
+            <a:r>
+              <a:rPr b="0" lang="en-US" sz="3200" spc="-1" strike="noStrike">
+                <a:latin typeface="Arial"/>
+              </a:rPr>
+              <a:t>Lak za korišćenje</a:t>
+            </a:r>
+            <a:endParaRPr b="0" lang="en-US" sz="3200" spc="-1" strike="noStrike">
+              <a:latin typeface="Arial"/>
+            </a:endParaRPr>
+          </a:p>
+          <a:p>
+            <a:pPr marL="432000" indent="-323640">
+              <a:lnSpc>
+                <a:spcPct val="100000"/>
+              </a:lnSpc>
+              <a:spcBef>
+                <a:spcPts val="1417"/>
+              </a:spcBef>
+              <a:buClr>
+                <a:srgbClr val="000000"/>
+              </a:buClr>
+              <a:buSzPct val="45000"/>
+              <a:buFont typeface="Wingdings" charset="2"/>
+              <a:buChar char=""/>
+            </a:pPr>
+            <a:r>
+              <a:rPr b="0" lang="en-US" sz="3200" spc="-1" strike="noStrike">
+                <a:latin typeface="Arial"/>
+              </a:rPr>
+              <a:t>Visok nivo apstrakcije</a:t>
+            </a:r>
+            <a:endParaRPr b="0" lang="en-US" sz="3200" spc="-1" strike="noStrike">
+              <a:latin typeface="Arial"/>
+            </a:endParaRPr>
+          </a:p>
+          <a:p>
+            <a:pPr marL="432000" indent="-323640">
+              <a:lnSpc>
+                <a:spcPct val="100000"/>
+              </a:lnSpc>
+              <a:spcBef>
+                <a:spcPts val="1417"/>
+              </a:spcBef>
+              <a:buClr>
+                <a:srgbClr val="000000"/>
+              </a:buClr>
+              <a:buSzPct val="45000"/>
+              <a:buFont typeface="Wingdings" charset="2"/>
+              <a:buChar char=""/>
+            </a:pPr>
+            <a:r>
+              <a:rPr b="0" lang="en-US" sz="3200" spc="-1" strike="noStrike">
+                <a:latin typeface="Arial"/>
+              </a:rPr>
+              <a:t>Visok nivo skalabilnost</a:t>
+            </a:r>
+            <a:endParaRPr b="0" lang="en-US" sz="3200" spc="-1" strike="noStrike">
+              <a:latin typeface="Arial"/>
+            </a:endParaRPr>
+          </a:p>
+          <a:p>
+            <a:pPr marL="432000" indent="-323640">
+              <a:lnSpc>
+                <a:spcPct val="100000"/>
+              </a:lnSpc>
+              <a:spcBef>
+                <a:spcPts val="1417"/>
+              </a:spcBef>
+              <a:buClr>
+                <a:srgbClr val="000000"/>
+              </a:buClr>
+              <a:buSzPct val="45000"/>
+              <a:buFont typeface="Wingdings" charset="2"/>
+              <a:buChar char=""/>
+            </a:pPr>
+            <a:r>
+              <a:rPr b="0" lang="en-US" sz="3200" spc="-1" strike="noStrike">
+                <a:latin typeface="Arial"/>
+              </a:rPr>
+              <a:t>Bez nekih većih ograničenja</a:t>
+            </a:r>
+            <a:endParaRPr b="0" lang="en-US" sz="3200" spc="-1" strike="noStrike">
+              <a:latin typeface="Arial"/>
+            </a:endParaRPr>
+          </a:p>
+          <a:p>
+            <a:pPr marL="432000" indent="-323640">
+              <a:lnSpc>
+                <a:spcPct val="100000"/>
+              </a:lnSpc>
+              <a:spcBef>
+                <a:spcPts val="1417"/>
+              </a:spcBef>
+              <a:buClr>
+                <a:srgbClr val="000000"/>
+              </a:buClr>
+              <a:buSzPct val="45000"/>
+              <a:buFont typeface="Wingdings" charset="2"/>
+              <a:buChar char=""/>
+            </a:pPr>
+            <a:r>
+              <a:rPr b="0" lang="en-US" sz="3200" spc="-1" strike="noStrike">
+                <a:latin typeface="Arial"/>
+              </a:rPr>
+              <a:t>Mogućnost korišćena tehnolgije koja nije direktno podržana od strane frameworka</a:t>
+            </a:r>
+            <a:endParaRPr b="0" lang="en-US" sz="3200" spc="-1" strike="noStrike">
+              <a:latin typeface="Arial"/>
+            </a:endParaRPr>
+          </a:p>
+          <a:p>
+            <a:pPr marL="432000" indent="-323640">
+              <a:lnSpc>
+                <a:spcPct val="100000"/>
+              </a:lnSpc>
+              <a:spcBef>
+                <a:spcPts val="1417"/>
+              </a:spcBef>
+              <a:buClr>
+                <a:srgbClr val="000000"/>
+              </a:buClr>
+              <a:buSzPct val="45000"/>
+              <a:buFont typeface="Wingdings" charset="2"/>
+              <a:buChar char=""/>
+            </a:pPr>
+            <a:r>
+              <a:rPr b="0" lang="en-US" sz="3200" spc="-1" strike="noStrike">
+                <a:latin typeface="Arial"/>
+              </a:rPr>
+              <a:t>Skriva kompleksnost distribuiranog sistema</a:t>
+            </a:r>
+            <a:endParaRPr b="0" lang="en-US" sz="3200" spc="-1" strike="noStrike">
+              <a:latin typeface="Arial"/>
+            </a:endParaRPr>
+          </a:p>
+        </p:txBody>
+      </p:sp>
+    </p:spTree>
+  </p:cSld>
+  <mc:AlternateContent>
+    <mc:Choice Requires="p14">
+      <p:transition spd="slow" p14:dur="2000"/>
+    </mc:Choice>
+    <mc:Fallback>
+      <p:transition spd="slow"/>
+    </mc:Fallback>
+  </mc:AlternateContent>
+</p:sld>
+</file>
+
+<file path=ppt/slides/slide21.xml><?xml version="1.0" encoding="utf-8"?>
+<p:sld xmlns:a="http://schemas.openxmlformats.org/drawingml/2006/main" xmlns:p="http://schemas.openxmlformats.org/presentationml/2006/main" xmlns:r="http://schemas.openxmlformats.org/officeDocument/2006/relationships" xmlns:p14="http://schemas.microsoft.com/office/powerpoint/2010/main" xmlns:p15="http://schemas.microsoft.com/office/powerpoint/2012/main" xmlns:mc="http://schemas.openxmlformats.org/markup-compatibility/2006">
+  <p:cSld>
+    <p:spTree>
+      <p:nvGrpSpPr>
+        <p:cNvPr id="1" name=""/>
+        <p:cNvGrpSpPr/>
+        <p:nvPr/>
+      </p:nvGrpSpPr>
+      <p:grpSpPr>
+        <a:xfrm>
+          <a:off x="0" y="0"/>
+          <a:ext cx="0" cy="0"/>
+          <a:chOff x="0" y="0"/>
+          <a:chExt cx="0" cy="0"/>
+        </a:xfrm>
+      </p:grpSpPr>
+      <p:sp>
+        <p:nvSpPr>
+          <p:cNvPr id="355" name="CustomShape 1"/>
+          <p:cNvSpPr/>
+          <p:nvPr/>
+        </p:nvSpPr>
+        <p:spPr>
+          <a:xfrm>
+            <a:off x="503640" y="301680"/>
+            <a:ext cx="9068760" cy="1262160"/>
+          </a:xfrm>
+          <a:prstGeom prst="rect">
+            <a:avLst/>
+          </a:prstGeom>
+          <a:noFill/>
+          <a:ln>
+            <a:noFill/>
+          </a:ln>
+        </p:spPr>
+        <p:style>
+          <a:lnRef idx="0"/>
+          <a:fillRef idx="0"/>
+          <a:effectRef idx="0"/>
+          <a:fontRef idx="minor"/>
+        </p:style>
+        <p:txBody>
+          <a:bodyPr lIns="0" rIns="0" tIns="0" bIns="0" anchor="ctr">
+            <a:noAutofit/>
+          </a:bodyPr>
+          <a:p>
+            <a:pPr algn="ctr">
+              <a:lnSpc>
+                <a:spcPct val="100000"/>
+              </a:lnSpc>
+            </a:pPr>
+            <a:r>
+              <a:rPr b="0" lang="en-US" sz="4400" spc="-1" strike="noStrike">
+                <a:solidFill>
+                  <a:srgbClr val="ffffff"/>
+                </a:solidFill>
+                <a:latin typeface="Arial"/>
+              </a:rPr>
+              <a:t>Mane</a:t>
+            </a:r>
+            <a:endParaRPr b="0" lang="en-US" sz="4400" spc="-1" strike="noStrike">
+              <a:latin typeface="Arial"/>
+            </a:endParaRPr>
+          </a:p>
+        </p:txBody>
+      </p:sp>
+      <p:sp>
+        <p:nvSpPr>
+          <p:cNvPr id="356" name="CustomShape 2"/>
+          <p:cNvSpPr/>
+          <p:nvPr/>
+        </p:nvSpPr>
+        <p:spPr>
+          <a:xfrm>
+            <a:off x="503640" y="1769400"/>
+            <a:ext cx="9068760" cy="4385520"/>
+          </a:xfrm>
+          <a:prstGeom prst="rect">
+            <a:avLst/>
+          </a:prstGeom>
+          <a:noFill/>
+          <a:ln>
+            <a:noFill/>
+          </a:ln>
+        </p:spPr>
+        <p:style>
+          <a:lnRef idx="0"/>
+          <a:fillRef idx="0"/>
+          <a:effectRef idx="0"/>
+          <a:fontRef idx="minor"/>
+        </p:style>
+        <p:txBody>
+          <a:bodyPr lIns="0" rIns="0" tIns="0" bIns="0">
+            <a:normAutofit/>
+          </a:bodyPr>
+          <a:p>
+            <a:pPr marL="432000" indent="-323640">
+              <a:lnSpc>
+                <a:spcPct val="100000"/>
+              </a:lnSpc>
+              <a:spcBef>
+                <a:spcPts val="1417"/>
+              </a:spcBef>
+              <a:buClr>
+                <a:srgbClr val="000000"/>
+              </a:buClr>
+              <a:buSzPct val="45000"/>
+              <a:buFont typeface="Wingdings" charset="2"/>
+              <a:buChar char=""/>
+            </a:pPr>
+            <a:r>
+              <a:rPr b="0" lang="en-US" sz="3200" spc="-1" strike="noStrike">
+                <a:latin typeface="Arial"/>
+              </a:rPr>
+              <a:t>Brz razvoj pa često poslednja verzija nije stabilna</a:t>
+            </a:r>
+            <a:endParaRPr b="0" lang="en-US" sz="3200" spc="-1" strike="noStrike">
+              <a:latin typeface="Arial"/>
+            </a:endParaRPr>
+          </a:p>
+          <a:p>
+            <a:pPr marL="432000" indent="-323640">
+              <a:lnSpc>
+                <a:spcPct val="100000"/>
+              </a:lnSpc>
+              <a:spcBef>
+                <a:spcPts val="1417"/>
+              </a:spcBef>
+              <a:buClr>
+                <a:srgbClr val="000000"/>
+              </a:buClr>
+              <a:buSzPct val="45000"/>
+              <a:buFont typeface="Wingdings" charset="2"/>
+              <a:buChar char=""/>
+            </a:pPr>
+            <a:r>
+              <a:rPr b="0" lang="en-US" sz="3200" spc="-1" strike="noStrike">
+                <a:latin typeface="Arial"/>
+              </a:rPr>
+              <a:t>Nema dovoljno literature, dokumentacije i uputstva za korišćenje svih funkcionalnosti frameworka </a:t>
+            </a:r>
+            <a:endParaRPr b="0" lang="en-US" sz="3200" spc="-1" strike="noStrike">
+              <a:latin typeface="Arial"/>
+            </a:endParaRPr>
+          </a:p>
+          <a:p>
+            <a:pPr marL="432000" indent="-323640">
+              <a:lnSpc>
+                <a:spcPct val="100000"/>
+              </a:lnSpc>
+              <a:spcBef>
+                <a:spcPts val="1417"/>
+              </a:spcBef>
+              <a:buClr>
+                <a:srgbClr val="000000"/>
+              </a:buClr>
+              <a:buSzPct val="45000"/>
+              <a:buFont typeface="Wingdings" charset="2"/>
+              <a:buChar char=""/>
+            </a:pPr>
+            <a:r>
+              <a:rPr b="0" lang="en-US" sz="3200" spc="-1" strike="noStrike">
+                <a:latin typeface="Arial"/>
+              </a:rPr>
+              <a:t>Ne šalje podrazumevane vrednosti strukture, to malo otežava posao ako klijent nije pisan u programskom jeziku go</a:t>
+            </a:r>
+            <a:endParaRPr b="0" lang="en-US" sz="3200" spc="-1" strike="noStrike">
+              <a:latin typeface="Arial"/>
+            </a:endParaRPr>
+          </a:p>
+        </p:txBody>
+      </p:sp>
+    </p:spTree>
+  </p:cSld>
+  <mc:AlternateContent>
+    <mc:Choice Requires="p14">
+      <p:transition spd="slow" p14:dur="2000"/>
+    </mc:Choice>
+    <mc:Fallback>
+      <p:transition spd="slow"/>
+    </mc:Fallback>
+  </mc:AlternateContent>
+</p:sld>
+</file>
+
+<file path=ppt/slides/slide22.xml><?xml version="1.0" encoding="utf-8"?>
 <p:sld xmlns:a="http://schemas.openxmlformats.org/drawingml/2006/main" xmlns:p="http://schemas.openxmlformats.org/presentationml/2006/main" xmlns:r="http://schemas.openxmlformats.org/officeDocument/2006/relationships" xmlns:p14="http://schemas.microsoft.com/office/powerpoint/2010/main" xmlns:p15="http://schemas.microsoft.com/office/powerpoint/2012/main" xmlns:mc="http://schemas.openxmlformats.org/markup-compatibility/2006">
   <p:cSld>
     <p:bg>
@@ -16257,14 +18510,14 @@
       </p:grpSpPr>
       <p:sp>
         <p:nvSpPr>
-          <p:cNvPr id="315" name="CustomShape 1"/>
+          <p:cNvPr id="357" name="CustomShape 1"/>
           <p:cNvSpPr/>
           <p:nvPr/>
         </p:nvSpPr>
         <p:spPr>
           <a:xfrm>
             <a:off x="529200" y="887760"/>
-            <a:ext cx="9065160" cy="5694840"/>
+            <a:ext cx="9064440" cy="5694120"/>
           </a:xfrm>
           <a:prstGeom prst="rect">
             <a:avLst/>
@@ -16338,14 +18591,14 @@
       </p:grpSpPr>
       <p:sp>
         <p:nvSpPr>
-          <p:cNvPr id="275" name="CustomShape 1"/>
+          <p:cNvPr id="313" name="CustomShape 1"/>
           <p:cNvSpPr/>
           <p:nvPr/>
         </p:nvSpPr>
         <p:spPr>
           <a:xfrm>
             <a:off x="533520" y="109440"/>
-            <a:ext cx="9065160" cy="1259640"/>
+            <a:ext cx="9064440" cy="1258920"/>
           </a:xfrm>
           <a:prstGeom prst="rect">
             <a:avLst/>
@@ -16389,14 +18642,14 @@
       </p:sp>
       <p:sp>
         <p:nvSpPr>
-          <p:cNvPr id="276" name="CustomShape 2"/>
+          <p:cNvPr id="314" name="CustomShape 2"/>
           <p:cNvSpPr/>
           <p:nvPr/>
         </p:nvSpPr>
         <p:spPr>
           <a:xfrm>
             <a:off x="503640" y="1769400"/>
-            <a:ext cx="9065160" cy="5636520"/>
+            <a:ext cx="9064440" cy="5635800"/>
           </a:xfrm>
           <a:prstGeom prst="rect">
             <a:avLst/>
@@ -16417,7 +18670,7 @@
             <a:normAutofit fontScale="39000"/>
           </a:bodyPr>
           <a:p>
-            <a:pPr marL="432000" indent="-321120">
+            <a:pPr marL="432000" indent="-320400">
               <a:lnSpc>
                 <a:spcPct val="100000"/>
               </a:lnSpc>
@@ -16439,14 +18692,14 @@
                 <a:latin typeface="Open Sans"/>
                 <a:ea typeface="DejaVu Sans"/>
               </a:rPr>
-              <a:t>Api – jedinstevni ulaz sa dinamičkim rutiranjem zahteva pomoću usluge za oktrivanje servisa</a:t>
-            </a:r>
-            <a:endParaRPr b="0" lang="en-US" sz="3200" spc="-1" strike="noStrike">
-              <a:latin typeface="Arial"/>
-            </a:endParaRPr>
-          </a:p>
-          <a:p>
-            <a:pPr marL="432000" indent="-321120">
+              <a:t>Api – jedinstveni ulaz sa dinamičkim rutiranjem zahteva pomoću usluge za oktrivanje servisa</a:t>
+            </a:r>
+            <a:endParaRPr b="0" lang="en-US" sz="3200" spc="-1" strike="noStrike">
+              <a:latin typeface="Arial"/>
+            </a:endParaRPr>
+          </a:p>
+          <a:p>
+            <a:pPr marL="432000" indent="-320400">
               <a:lnSpc>
                 <a:spcPct val="100000"/>
               </a:lnSpc>
@@ -16468,14 +18721,14 @@
                 <a:latin typeface="Open Sans"/>
                 <a:ea typeface="DejaVu Sans"/>
               </a:rPr>
-              <a:t>Bot – Slackbot koji radi na našoj platformi I dozvoljava nam da upravljamo apliakcijama iz samog  Slacka</a:t>
-            </a:r>
-            <a:endParaRPr b="0" lang="en-US" sz="3200" spc="-1" strike="noStrike">
-              <a:latin typeface="Arial"/>
-            </a:endParaRPr>
-          </a:p>
-          <a:p>
-            <a:pPr marL="432000" indent="-321120">
+              <a:t>Bot – Slackbot koji radi na našoj platformi I dozvoljava nam da upravljamo apliakcijama iz samog  Slack-a</a:t>
+            </a:r>
+            <a:endParaRPr b="0" lang="en-US" sz="3200" spc="-1" strike="noStrike">
+              <a:latin typeface="Arial"/>
+            </a:endParaRPr>
+          </a:p>
+          <a:p>
+            <a:pPr marL="432000" indent="-320400">
               <a:lnSpc>
                 <a:spcPct val="100000"/>
               </a:lnSpc>
@@ -16497,14 +18750,14 @@
                 <a:latin typeface="Open Sans"/>
                 <a:ea typeface="DejaVu Sans"/>
               </a:rPr>
-              <a:t>Cli – interaktivna konzola koja nam sluzi da opisemo, pravimo upite i direktno da komunicramo sa nasim servisom</a:t>
-            </a:r>
-            <a:endParaRPr b="0" lang="en-US" sz="3200" spc="-1" strike="noStrike">
-              <a:latin typeface="Arial"/>
-            </a:endParaRPr>
-          </a:p>
-          <a:p>
-            <a:pPr marL="432000" indent="-321120">
+              <a:t>Cli – interaktivna konzola koja nam sluzi da opišemo, pravimo upite i direktno da komunicramo sa našim servisom</a:t>
+            </a:r>
+            <a:endParaRPr b="0" lang="en-US" sz="3200" spc="-1" strike="noStrike">
+              <a:latin typeface="Arial"/>
+            </a:endParaRPr>
+          </a:p>
+          <a:p>
+            <a:pPr marL="432000" indent="-320400">
               <a:lnSpc>
                 <a:spcPct val="100000"/>
               </a:lnSpc>
@@ -16526,14 +18779,14 @@
                 <a:latin typeface="Open Sans"/>
                 <a:ea typeface="DejaVu Sans"/>
               </a:rPr>
-              <a:t>Network – omogcuje nam da izgradimo multi-cloud mrezu sa micro network servisom</a:t>
-            </a:r>
-            <a:endParaRPr b="0" lang="en-US" sz="3200" spc="-1" strike="noStrike">
-              <a:latin typeface="Arial"/>
-            </a:endParaRPr>
-          </a:p>
-          <a:p>
-            <a:pPr marL="432000" indent="-321120">
+              <a:t>Network – omogćuje nam da izgradimo multi-cloud mrežu sa micro network servisom</a:t>
+            </a:r>
+            <a:endParaRPr b="0" lang="en-US" sz="3200" spc="-1" strike="noStrike">
+              <a:latin typeface="Arial"/>
+            </a:endParaRPr>
+          </a:p>
+          <a:p>
+            <a:pPr marL="432000" indent="-320400">
               <a:lnSpc>
                 <a:spcPct val="100000"/>
               </a:lnSpc>
@@ -16562,7 +18815,7 @@
             </a:endParaRPr>
           </a:p>
           <a:p>
-            <a:pPr marL="432000" indent="-321120">
+            <a:pPr marL="432000" indent="-320400">
               <a:lnSpc>
                 <a:spcPct val="100000"/>
               </a:lnSpc>
@@ -16591,7 +18844,7 @@
             </a:endParaRPr>
           </a:p>
           <a:p>
-            <a:pPr marL="432000" indent="-321120">
+            <a:pPr marL="432000" indent="-320400">
               <a:lnSpc>
                 <a:spcPct val="100000"/>
               </a:lnSpc>
@@ -16613,14 +18866,14 @@
                 <a:latin typeface="Open Sans"/>
                 <a:ea typeface="DejaVu Sans"/>
               </a:rPr>
-              <a:t>Tunnel- mrezni tunel koji nam daje pristup servisima u bilo km okruzenju bez potrebe vpn-a</a:t>
-            </a:r>
-            <a:endParaRPr b="0" lang="en-US" sz="3200" spc="-1" strike="noStrike">
-              <a:latin typeface="Arial"/>
-            </a:endParaRPr>
-          </a:p>
-          <a:p>
-            <a:pPr marL="432000" indent="-321120">
+              <a:t>Tunnel- mrezni tunel koji nam daje pristup servisima u bilo kom okruzenju bez potrebe za vpn-om</a:t>
+            </a:r>
+            <a:endParaRPr b="0" lang="en-US" sz="3200" spc="-1" strike="noStrike">
+              <a:latin typeface="Arial"/>
+            </a:endParaRPr>
+          </a:p>
+          <a:p>
+            <a:pPr marL="432000" indent="-320400">
               <a:lnSpc>
                 <a:spcPct val="100000"/>
               </a:lnSpc>
@@ -16642,7 +18895,7 @@
                 <a:latin typeface="Open Sans"/>
                 <a:ea typeface="DejaVu Sans"/>
               </a:rPr>
-              <a:t>Web – web komadna tabla koja nam omogucuje da nadjemo servise, vidimo opise njihovih endpointa, vidimo njihove request i response kao I da vršimo upite direktno nad njima </a:t>
+              <a:t>Web – web komadna tabla koja nam omogucuje da nadjemo servise, vidimo opise njihovih endpointa, vidimo njihove zahteve (request) i odgovore (response) kao I da vršimo upite direktno nad njima </a:t>
             </a:r>
             <a:endParaRPr b="0" lang="en-US" sz="3200" spc="-1" strike="noStrike">
               <a:latin typeface="Arial"/>
@@ -16682,14 +18935,14 @@
       </p:grpSpPr>
       <p:sp>
         <p:nvSpPr>
-          <p:cNvPr id="277" name="CustomShape 1"/>
+          <p:cNvPr id="315" name="CustomShape 1"/>
           <p:cNvSpPr/>
           <p:nvPr/>
         </p:nvSpPr>
         <p:spPr>
           <a:xfrm>
             <a:off x="503640" y="109440"/>
-            <a:ext cx="9065160" cy="1259640"/>
+            <a:ext cx="9064440" cy="1258920"/>
           </a:xfrm>
           <a:prstGeom prst="rect">
             <a:avLst/>
@@ -16733,14 +18986,14 @@
       </p:sp>
       <p:sp>
         <p:nvSpPr>
-          <p:cNvPr id="278" name="CustomShape 2"/>
+          <p:cNvPr id="316" name="CustomShape 2"/>
           <p:cNvSpPr/>
           <p:nvPr/>
         </p:nvSpPr>
         <p:spPr>
           <a:xfrm>
             <a:off x="456840" y="1925280"/>
-            <a:ext cx="9065160" cy="4383000"/>
+            <a:ext cx="9064440" cy="4382280"/>
           </a:xfrm>
           <a:prstGeom prst="rect">
             <a:avLst/>
@@ -16761,7 +19014,7 @@
             <a:normAutofit fontScale="42000"/>
           </a:bodyPr>
           <a:p>
-            <a:pPr marL="432000" indent="-321120">
+            <a:pPr marL="432000" indent="-320400">
               <a:lnSpc>
                 <a:spcPct val="100000"/>
               </a:lnSpc>
@@ -16790,7 +19043,7 @@
             </a:endParaRPr>
           </a:p>
           <a:p>
-            <a:pPr marL="432000" indent="-321120">
+            <a:pPr marL="432000" indent="-320400">
               <a:lnSpc>
                 <a:spcPct val="100000"/>
               </a:lnSpc>
@@ -16812,14 +19065,24 @@
                 <a:latin typeface="Open Sans"/>
                 <a:ea typeface="DejaVu Sans"/>
               </a:rPr>
-              <a:t>Load Blancing – sa clijentse strane mogući je load balancing</a:t>
-            </a:r>
-            <a:endParaRPr b="0" lang="en-US" sz="3200" spc="-1" strike="noStrike">
-              <a:latin typeface="Arial"/>
-            </a:endParaRPr>
-          </a:p>
-          <a:p>
-            <a:pPr marL="432000" indent="-321120">
+              <a:t>Load Blancing – sa klijentske strane mogući je</a:t>
+            </a:r>
+            <a:r>
+              <a:rPr b="0" i="1" lang="en-US" sz="3200" spc="-1" strike="noStrike">
+                <a:solidFill>
+                  <a:srgbClr val="000000"/>
+                </a:solidFill>
+                <a:latin typeface="Open Sans"/>
+                <a:ea typeface="DejaVu Sans"/>
+              </a:rPr>
+              <a:t> load balancing</a:t>
+            </a:r>
+            <a:endParaRPr b="0" lang="en-US" sz="3200" spc="-1" strike="noStrike">
+              <a:latin typeface="Arial"/>
+            </a:endParaRPr>
+          </a:p>
+          <a:p>
+            <a:pPr marL="432000" indent="-320400">
               <a:lnSpc>
                 <a:spcPct val="100000"/>
               </a:lnSpc>
@@ -16848,7 +19111,7 @@
             </a:endParaRPr>
           </a:p>
           <a:p>
-            <a:pPr marL="432000" indent="-321120">
+            <a:pPr marL="432000" indent="-320400">
               <a:lnSpc>
                 <a:spcPct val="100000"/>
               </a:lnSpc>
@@ -16877,7 +19140,7 @@
             </a:endParaRPr>
           </a:p>
           <a:p>
-            <a:pPr marL="432000" indent="-321120">
+            <a:pPr marL="432000" indent="-320400">
               <a:lnSpc>
                 <a:spcPct val="100000"/>
               </a:lnSpc>
@@ -16906,7 +19169,7 @@
             </a:endParaRPr>
           </a:p>
           <a:p>
-            <a:pPr marL="432000" indent="-321120">
+            <a:pPr marL="432000" indent="-320400">
               <a:lnSpc>
                 <a:spcPct val="100000"/>
               </a:lnSpc>
@@ -16968,14 +19231,14 @@
       </p:grpSpPr>
       <p:sp>
         <p:nvSpPr>
-          <p:cNvPr id="279" name="CustomShape 1"/>
+          <p:cNvPr id="317" name="CustomShape 1"/>
           <p:cNvSpPr/>
           <p:nvPr/>
         </p:nvSpPr>
         <p:spPr>
           <a:xfrm>
             <a:off x="533520" y="182880"/>
-            <a:ext cx="9065160" cy="1259640"/>
+            <a:ext cx="9064440" cy="1258920"/>
           </a:xfrm>
           <a:prstGeom prst="rect">
             <a:avLst/>
@@ -17019,7 +19282,7 @@
       </p:sp>
       <p:pic>
         <p:nvPicPr>
-          <p:cNvPr id="280" name="" descr=""/>
+          <p:cNvPr id="318" name="" descr=""/>
           <p:cNvPicPr/>
           <p:nvPr/>
         </p:nvPicPr>
@@ -17030,7 +19293,7 @@
         <p:spPr>
           <a:xfrm>
             <a:off x="639720" y="2076480"/>
-            <a:ext cx="8850600" cy="4048920"/>
+            <a:ext cx="8849880" cy="4048200"/>
           </a:xfrm>
           <a:prstGeom prst="rect">
             <a:avLst/>
@@ -17077,14 +19340,14 @@
       </p:grpSpPr>
       <p:sp>
         <p:nvSpPr>
-          <p:cNvPr id="281" name="CustomShape 1"/>
+          <p:cNvPr id="319" name="CustomShape 1"/>
           <p:cNvSpPr/>
           <p:nvPr/>
         </p:nvSpPr>
         <p:spPr>
           <a:xfrm>
             <a:off x="503640" y="109440"/>
-            <a:ext cx="9065160" cy="1259640"/>
+            <a:ext cx="9064440" cy="1258920"/>
           </a:xfrm>
           <a:prstGeom prst="rect">
             <a:avLst/>
@@ -17128,14 +19391,14 @@
       </p:sp>
       <p:sp>
         <p:nvSpPr>
-          <p:cNvPr id="282" name="CustomShape 2"/>
+          <p:cNvPr id="320" name="CustomShape 2"/>
           <p:cNvSpPr/>
           <p:nvPr/>
         </p:nvSpPr>
         <p:spPr>
           <a:xfrm>
             <a:off x="182520" y="1920600"/>
-            <a:ext cx="9777240" cy="5206320"/>
+            <a:ext cx="9776520" cy="5205600"/>
           </a:xfrm>
           <a:prstGeom prst="rect">
             <a:avLst/>
@@ -17156,7 +19419,7 @@
             <a:normAutofit fontScale="84000"/>
           </a:bodyPr>
           <a:p>
-            <a:pPr marL="432000" indent="-321120">
+            <a:pPr marL="432000" indent="-320400">
               <a:lnSpc>
                 <a:spcPct val="100000"/>
               </a:lnSpc>
@@ -17185,7 +19448,7 @@
             </a:endParaRPr>
           </a:p>
           <a:p>
-            <a:pPr lvl="1" marL="864000" indent="-321120">
+            <a:pPr lvl="1" marL="864000" indent="-320400">
               <a:lnSpc>
                 <a:spcPct val="100000"/>
               </a:lnSpc>
@@ -17214,7 +19477,7 @@
             </a:endParaRPr>
           </a:p>
           <a:p>
-            <a:pPr lvl="1" marL="864000" indent="-321120">
+            <a:pPr lvl="1" marL="864000" indent="-320400">
               <a:lnSpc>
                 <a:spcPct val="100000"/>
               </a:lnSpc>
@@ -17243,7 +19506,7 @@
             </a:endParaRPr>
           </a:p>
           <a:p>
-            <a:pPr lvl="1" marL="864000" indent="-321120">
+            <a:pPr lvl="1" marL="864000" indent="-320400">
               <a:lnSpc>
                 <a:spcPct val="100000"/>
               </a:lnSpc>
@@ -17272,7 +19535,7 @@
             </a:endParaRPr>
           </a:p>
           <a:p>
-            <a:pPr lvl="1" marL="864000" indent="-321120">
+            <a:pPr lvl="1" marL="864000" indent="-320400">
               <a:lnSpc>
                 <a:spcPct val="100000"/>
               </a:lnSpc>
@@ -17301,7 +19564,7 @@
             </a:endParaRPr>
           </a:p>
           <a:p>
-            <a:pPr lvl="1" marL="864000" indent="-321120">
+            <a:pPr lvl="1" marL="864000" indent="-320400">
               <a:lnSpc>
                 <a:spcPct val="100000"/>
               </a:lnSpc>
@@ -17330,7 +19593,7 @@
             </a:endParaRPr>
           </a:p>
           <a:p>
-            <a:pPr lvl="1" marL="864000" indent="-321120">
+            <a:pPr lvl="1" marL="864000" indent="-320400">
               <a:lnSpc>
                 <a:spcPct val="100000"/>
               </a:lnSpc>
@@ -17359,7 +19622,7 @@
             </a:endParaRPr>
           </a:p>
           <a:p>
-            <a:pPr lvl="1" marL="864000" indent="-321120">
+            <a:pPr lvl="1" marL="864000" indent="-320400">
               <a:lnSpc>
                 <a:spcPct val="100000"/>
               </a:lnSpc>
@@ -17388,7 +19651,7 @@
             </a:endParaRPr>
           </a:p>
           <a:p>
-            <a:pPr lvl="1" marL="864000" indent="-321120">
+            <a:pPr lvl="1" marL="864000" indent="-320400">
               <a:lnSpc>
                 <a:spcPct val="100000"/>
               </a:lnSpc>
@@ -17417,7 +19680,7 @@
             </a:endParaRPr>
           </a:p>
           <a:p>
-            <a:pPr lvl="1" marL="864000" indent="-321120">
+            <a:pPr lvl="1" marL="864000" indent="-320400">
               <a:lnSpc>
                 <a:spcPct val="100000"/>
               </a:lnSpc>
@@ -17479,14 +19742,14 @@
       </p:grpSpPr>
       <p:sp>
         <p:nvSpPr>
-          <p:cNvPr id="283" name="CustomShape 1"/>
+          <p:cNvPr id="321" name="CustomShape 1"/>
           <p:cNvSpPr/>
           <p:nvPr/>
         </p:nvSpPr>
         <p:spPr>
           <a:xfrm>
             <a:off x="503640" y="109440"/>
-            <a:ext cx="9065160" cy="1259640"/>
+            <a:ext cx="9064440" cy="1258920"/>
           </a:xfrm>
           <a:prstGeom prst="rect">
             <a:avLst/>
@@ -17530,14 +19793,14 @@
       </p:sp>
       <p:sp>
         <p:nvSpPr>
-          <p:cNvPr id="284" name="CustomShape 2"/>
+          <p:cNvPr id="322" name="CustomShape 2"/>
           <p:cNvSpPr/>
           <p:nvPr/>
         </p:nvSpPr>
         <p:spPr>
           <a:xfrm>
             <a:off x="503640" y="1769400"/>
-            <a:ext cx="9065160" cy="4383000"/>
+            <a:ext cx="9064440" cy="4382280"/>
           </a:xfrm>
           <a:prstGeom prst="rect">
             <a:avLst/>
@@ -17558,7 +19821,7 @@
             <a:normAutofit/>
           </a:bodyPr>
           <a:p>
-            <a:pPr marL="432000" indent="-321120">
+            <a:pPr marL="432000" indent="-320400">
               <a:lnSpc>
                 <a:spcPct val="100000"/>
               </a:lnSpc>
@@ -17587,7 +19850,7 @@
             </a:endParaRPr>
           </a:p>
           <a:p>
-            <a:pPr lvl="1" marL="864000" indent="-321120">
+            <a:pPr lvl="1" marL="864000" indent="-320400">
               <a:lnSpc>
                 <a:spcPct val="100000"/>
               </a:lnSpc>
@@ -17616,7 +19879,7 @@
             </a:endParaRPr>
           </a:p>
           <a:p>
-            <a:pPr lvl="1" marL="864000" indent="-321120">
+            <a:pPr lvl="1" marL="864000" indent="-320400">
               <a:lnSpc>
                 <a:spcPct val="100000"/>
               </a:lnSpc>
@@ -17645,7 +19908,7 @@
             </a:endParaRPr>
           </a:p>
           <a:p>
-            <a:pPr lvl="1" marL="864000" indent="-321120">
+            <a:pPr lvl="1" marL="864000" indent="-320400">
               <a:lnSpc>
                 <a:spcPct val="100000"/>
               </a:lnSpc>
@@ -17674,7 +19937,7 @@
             </a:endParaRPr>
           </a:p>
           <a:p>
-            <a:pPr lvl="1" marL="864000" indent="-321120">
+            <a:pPr lvl="1" marL="864000" indent="-320400">
               <a:lnSpc>
                 <a:spcPct val="100000"/>
               </a:lnSpc>
@@ -17703,7 +19966,7 @@
             </a:endParaRPr>
           </a:p>
           <a:p>
-            <a:pPr lvl="1" marL="864000" indent="-321120">
+            <a:pPr lvl="1" marL="864000" indent="-320400">
               <a:lnSpc>
                 <a:spcPct val="100000"/>
               </a:lnSpc>
@@ -17765,14 +20028,14 @@
       </p:grpSpPr>
       <p:sp>
         <p:nvSpPr>
-          <p:cNvPr id="285" name="CustomShape 1"/>
+          <p:cNvPr id="323" name="CustomShape 1"/>
           <p:cNvSpPr/>
           <p:nvPr/>
         </p:nvSpPr>
         <p:spPr>
           <a:xfrm>
             <a:off x="503640" y="109440"/>
-            <a:ext cx="9065160" cy="1259640"/>
+            <a:ext cx="9064440" cy="1258920"/>
           </a:xfrm>
           <a:prstGeom prst="rect">
             <a:avLst/>
@@ -17816,14 +20079,14 @@
       </p:sp>
       <p:sp>
         <p:nvSpPr>
-          <p:cNvPr id="286" name="CustomShape 2"/>
+          <p:cNvPr id="324" name="CustomShape 2"/>
           <p:cNvSpPr/>
           <p:nvPr/>
         </p:nvSpPr>
         <p:spPr>
           <a:xfrm>
             <a:off x="273960" y="1769400"/>
-            <a:ext cx="9294840" cy="5453640"/>
+            <a:ext cx="9294120" cy="5452920"/>
           </a:xfrm>
           <a:prstGeom prst="rect">
             <a:avLst/>
@@ -17844,7 +20107,7 @@
             <a:normAutofit/>
           </a:bodyPr>
           <a:p>
-            <a:pPr marL="432000" indent="-321120">
+            <a:pPr marL="432000" indent="-320400">
               <a:lnSpc>
                 <a:spcPct val="100000"/>
               </a:lnSpc>
@@ -17873,7 +20136,7 @@
             </a:endParaRPr>
           </a:p>
           <a:p>
-            <a:pPr lvl="1" marL="864000" indent="-321120">
+            <a:pPr lvl="1" marL="864000" indent="-320400">
               <a:lnSpc>
                 <a:spcPct val="100000"/>
               </a:lnSpc>
@@ -17902,7 +20165,7 @@
             </a:endParaRPr>
           </a:p>
           <a:p>
-            <a:pPr lvl="1" marL="864000" indent="-321120">
+            <a:pPr lvl="1" marL="864000" indent="-320400">
               <a:lnSpc>
                 <a:spcPct val="100000"/>
               </a:lnSpc>
@@ -17931,7 +20194,7 @@
             </a:endParaRPr>
           </a:p>
           <a:p>
-            <a:pPr lvl="1" marL="864000" indent="-321120">
+            <a:pPr lvl="1" marL="864000" indent="-320400">
               <a:lnSpc>
                 <a:spcPct val="100000"/>
               </a:lnSpc>
@@ -17960,7 +20223,7 @@
             </a:endParaRPr>
           </a:p>
           <a:p>
-            <a:pPr lvl="1" marL="864000" indent="-321120">
+            <a:pPr lvl="1" marL="864000" indent="-320400">
               <a:lnSpc>
                 <a:spcPct val="100000"/>
               </a:lnSpc>
@@ -17989,7 +20252,7 @@
             </a:endParaRPr>
           </a:p>
           <a:p>
-            <a:pPr lvl="1" marL="864000" indent="-321120">
+            <a:pPr lvl="1" marL="864000" indent="-320400">
               <a:lnSpc>
                 <a:spcPct val="100000"/>
               </a:lnSpc>
@@ -18018,7 +20281,7 @@
             </a:endParaRPr>
           </a:p>
           <a:p>
-            <a:pPr lvl="1" marL="864000" indent="-321120">
+            <a:pPr lvl="1" marL="864000" indent="-320400">
               <a:lnSpc>
                 <a:spcPct val="100000"/>
               </a:lnSpc>
@@ -18047,7 +20310,7 @@
             </a:endParaRPr>
           </a:p>
           <a:p>
-            <a:pPr lvl="1" marL="864000" indent="-321120">
+            <a:pPr lvl="1" marL="864000" indent="-320400">
               <a:lnSpc>
                 <a:spcPct val="100000"/>
               </a:lnSpc>
@@ -18076,7 +20339,7 @@
             </a:endParaRPr>
           </a:p>
           <a:p>
-            <a:pPr lvl="1" marL="864000" indent="-321120">
+            <a:pPr lvl="1" marL="864000" indent="-320400">
               <a:lnSpc>
                 <a:spcPct val="100000"/>
               </a:lnSpc>
@@ -18138,14 +20401,14 @@
       </p:grpSpPr>
       <p:sp>
         <p:nvSpPr>
-          <p:cNvPr id="287" name="CustomShape 1"/>
+          <p:cNvPr id="325" name="CustomShape 1"/>
           <p:cNvSpPr/>
           <p:nvPr/>
         </p:nvSpPr>
         <p:spPr>
           <a:xfrm>
             <a:off x="503640" y="109440"/>
-            <a:ext cx="9065160" cy="1259640"/>
+            <a:ext cx="9064440" cy="1258920"/>
           </a:xfrm>
           <a:prstGeom prst="rect">
             <a:avLst/>
@@ -18189,14 +20452,14 @@
       </p:sp>
       <p:sp>
         <p:nvSpPr>
-          <p:cNvPr id="288" name="CustomShape 2"/>
+          <p:cNvPr id="326" name="CustomShape 2"/>
           <p:cNvSpPr/>
           <p:nvPr/>
         </p:nvSpPr>
         <p:spPr>
           <a:xfrm>
             <a:off x="503640" y="1769400"/>
-            <a:ext cx="9065160" cy="4383000"/>
+            <a:ext cx="9064440" cy="4382280"/>
           </a:xfrm>
           <a:prstGeom prst="rect">
             <a:avLst/>
@@ -18217,7 +20480,7 @@
             <a:normAutofit/>
           </a:bodyPr>
           <a:p>
-            <a:pPr marL="432000" indent="-321120">
+            <a:pPr marL="432000" indent="-320400">
               <a:lnSpc>
                 <a:spcPct val="100000"/>
               </a:lnSpc>
@@ -18246,7 +20509,7 @@
             </a:endParaRPr>
           </a:p>
           <a:p>
-            <a:pPr lvl="1" marL="864000" indent="-321120">
+            <a:pPr lvl="1" marL="864000" indent="-320400">
               <a:lnSpc>
                 <a:spcPct val="100000"/>
               </a:lnSpc>
@@ -18275,7 +20538,7 @@
             </a:endParaRPr>
           </a:p>
           <a:p>
-            <a:pPr lvl="1" marL="864000" indent="-321120">
+            <a:pPr lvl="1" marL="864000" indent="-320400">
               <a:lnSpc>
                 <a:spcPct val="100000"/>
               </a:lnSpc>
@@ -18304,7 +20567,7 @@
             </a:endParaRPr>
           </a:p>
           <a:p>
-            <a:pPr lvl="1" marL="864000" indent="-321120">
+            <a:pPr lvl="1" marL="864000" indent="-320400">
               <a:lnSpc>
                 <a:spcPct val="100000"/>
               </a:lnSpc>
@@ -18333,7 +20596,7 @@
             </a:endParaRPr>
           </a:p>
           <a:p>
-            <a:pPr lvl="1" marL="864000" indent="-321120">
+            <a:pPr lvl="1" marL="864000" indent="-320400">
               <a:lnSpc>
                 <a:spcPct val="100000"/>
               </a:lnSpc>
@@ -18362,7 +20625,7 @@
             </a:endParaRPr>
           </a:p>
           <a:p>
-            <a:pPr lvl="1" marL="864000" indent="-321120">
+            <a:pPr lvl="1" marL="864000" indent="-320400">
               <a:lnSpc>
                 <a:spcPct val="100000"/>
               </a:lnSpc>
@@ -20211,4 +22474,230 @@
     </a:fmtScheme>
   </a:themeElements>
 </a:theme>
+</file>
+
+<file path=ppt/theme/theme9.xml><?xml version="1.0" encoding="utf-8"?>
+<a:theme xmlns:a="http://schemas.openxmlformats.org/drawingml/2006/main" name="Office Theme">
+  <a:themeElements>
+    <a:clrScheme name="Office">
+      <a:dk1>
+        <a:sysClr val="windowText" lastClr="000000"/>
+      </a:dk1>
+      <a:lt1>
+        <a:sysClr val="window" lastClr="FFFFFF"/>
+      </a:lt1>
+      <a:dk2>
+        <a:srgbClr val="1f497d"/>
+      </a:dk2>
+      <a:lt2>
+        <a:srgbClr val="eeece1"/>
+      </a:lt2>
+      <a:accent1>
+        <a:srgbClr val="4f81bd"/>
+      </a:accent1>
+      <a:accent2>
+        <a:srgbClr val="c0504d"/>
+      </a:accent2>
+      <a:accent3>
+        <a:srgbClr val="9bbb59"/>
+      </a:accent3>
+      <a:accent4>
+        <a:srgbClr val="8064a2"/>
+      </a:accent4>
+      <a:accent5>
+        <a:srgbClr val="4bacc6"/>
+      </a:accent5>
+      <a:accent6>
+        <a:srgbClr val="f79646"/>
+      </a:accent6>
+      <a:hlink>
+        <a:srgbClr val="0000ff"/>
+      </a:hlink>
+      <a:folHlink>
+        <a:srgbClr val="800080"/>
+      </a:folHlink>
+    </a:clrScheme>
+    <a:fontScheme name="Office">
+      <a:majorFont>
+        <a:latin typeface="Arial"/>
+        <a:ea typeface="DejaVu Sans"/>
+        <a:cs typeface="DejaVu Sans"/>
+      </a:majorFont>
+      <a:minorFont>
+        <a:latin typeface="Arial"/>
+        <a:ea typeface="DejaVu Sans"/>
+        <a:cs typeface="DejaVu Sans"/>
+      </a:minorFont>
+    </a:fontScheme>
+    <a:fmtScheme name="Office">
+      <a:fillStyleLst>
+        <a:solidFill>
+          <a:schemeClr val="phClr"/>
+        </a:solidFill>
+        <a:gradFill rotWithShape="1">
+          <a:gsLst>
+            <a:gs pos="0">
+              <a:schemeClr val="phClr">
+                <a:tint val="50000"/>
+                <a:satMod val="300000"/>
+              </a:schemeClr>
+            </a:gs>
+            <a:gs pos="35000">
+              <a:schemeClr val="phClr">
+                <a:tint val="37000"/>
+                <a:satMod val="300000"/>
+              </a:schemeClr>
+            </a:gs>
+            <a:gs pos="100000">
+              <a:schemeClr val="phClr">
+                <a:tint val="15000"/>
+                <a:satMod val="350000"/>
+              </a:schemeClr>
+            </a:gs>
+          </a:gsLst>
+          <a:lin ang="16200000" scaled="1"/>
+        </a:gradFill>
+        <a:gradFill rotWithShape="1">
+          <a:gsLst>
+            <a:gs pos="0">
+              <a:schemeClr val="phClr">
+                <a:shade val="51000"/>
+                <a:satMod val="130000"/>
+              </a:schemeClr>
+            </a:gs>
+            <a:gs pos="80000">
+              <a:schemeClr val="phClr">
+                <a:shade val="93000"/>
+                <a:satMod val="130000"/>
+              </a:schemeClr>
+            </a:gs>
+            <a:gs pos="100000">
+              <a:schemeClr val="phClr">
+                <a:shade val="94000"/>
+                <a:satMod val="135000"/>
+              </a:schemeClr>
+            </a:gs>
+          </a:gsLst>
+          <a:lin ang="16200000" scaled="0"/>
+        </a:gradFill>
+      </a:fillStyleLst>
+      <a:lnStyleLst>
+        <a:ln w="9525" cap="flat" cmpd="sng" algn="ctr">
+          <a:solidFill>
+            <a:schemeClr val="phClr">
+              <a:shade val="95000"/>
+              <a:satMod val="105000"/>
+            </a:schemeClr>
+          </a:solidFill>
+          <a:prstDash val="solid"/>
+          <a:miter/>
+        </a:ln>
+        <a:ln w="25400" cap="flat" cmpd="sng" algn="ctr">
+          <a:solidFill>
+            <a:schemeClr val="phClr"/>
+          </a:solidFill>
+          <a:prstDash val="solid"/>
+          <a:miter/>
+        </a:ln>
+        <a:ln w="38100" cap="flat" cmpd="sng" algn="ctr">
+          <a:solidFill>
+            <a:schemeClr val="phClr"/>
+          </a:solidFill>
+          <a:prstDash val="solid"/>
+          <a:miter/>
+        </a:ln>
+      </a:lnStyleLst>
+      <a:effectStyleLst>
+        <a:effectStyle>
+          <a:effectLst>
+            <a:outerShdw blurRad="40000" dist="20000" dir="5400000" rotWithShape="0">
+              <a:srgbClr val="000000">
+                <a:alpha val="38000"/>
+              </a:srgbClr>
+            </a:outerShdw>
+          </a:effectLst>
+        </a:effectStyle>
+        <a:effectStyle>
+          <a:effectLst>
+            <a:outerShdw blurRad="40000" dist="23000" dir="5400000" rotWithShape="0">
+              <a:srgbClr val="000000">
+                <a:alpha val="35000"/>
+              </a:srgbClr>
+            </a:outerShdw>
+          </a:effectLst>
+        </a:effectStyle>
+        <a:effectStyle>
+          <a:effectLst>
+            <a:outerShdw blurRad="40000" dist="23000" dir="5400000" rotWithShape="0">
+              <a:srgbClr val="000000">
+                <a:alpha val="35000"/>
+              </a:srgbClr>
+            </a:outerShdw>
+          </a:effectLst>
+          <a:scene3d>
+            <a:camera prst="orthographicFront">
+              <a:rot lat="0" lon="0" rev="0"/>
+            </a:camera>
+            <a:lightRig rig="threePt" dir="t">
+              <a:rot lat="0" lon="0" rev="1200000"/>
+            </a:lightRig>
+          </a:scene3d>
+          <a:sp3d>
+            <a:bevelT w="63500" h="25400"/>
+          </a:sp3d>
+        </a:effectStyle>
+      </a:effectStyleLst>
+      <a:bgFillStyleLst>
+        <a:solidFill>
+          <a:schemeClr val="phClr"/>
+        </a:solidFill>
+        <a:gradFill rotWithShape="1">
+          <a:gsLst>
+            <a:gs pos="0">
+              <a:schemeClr val="phClr">
+                <a:tint val="40000"/>
+                <a:satMod val="350000"/>
+              </a:schemeClr>
+            </a:gs>
+            <a:gs pos="40000">
+              <a:schemeClr val="phClr">
+                <a:tint val="45000"/>
+                <a:shade val="99000"/>
+                <a:satMod val="350000"/>
+              </a:schemeClr>
+            </a:gs>
+            <a:gs pos="100000">
+              <a:schemeClr val="phClr">
+                <a:shade val="20000"/>
+                <a:satMod val="255000"/>
+              </a:schemeClr>
+            </a:gs>
+          </a:gsLst>
+          <a:path path="circle">
+            <a:fillToRect l="50000" t="-80000" r="50000" b="180000"/>
+          </a:path>
+        </a:gradFill>
+        <a:gradFill rotWithShape="1">
+          <a:gsLst>
+            <a:gs pos="0">
+              <a:schemeClr val="phClr">
+                <a:tint val="80000"/>
+                <a:satMod val="300000"/>
+              </a:schemeClr>
+            </a:gs>
+            <a:gs pos="100000">
+              <a:schemeClr val="phClr">
+                <a:shade val="30000"/>
+                <a:satMod val="200000"/>
+              </a:schemeClr>
+            </a:gs>
+          </a:gsLst>
+          <a:path path="circle">
+            <a:fillToRect l="50000" t="50000" r="50000" b="50000"/>
+          </a:path>
+        </a:gradFill>
+      </a:bgFillStyleLst>
+    </a:fmtScheme>
+  </a:themeElements>
+</a:theme>
 </file>